--- a/Courses/Software-Sciences/Module-2-DS-and-Algo/02.1-Lists-Basics/02.1-Lists-Basics.pptx
+++ b/Courses/Software-Sciences/Module-2-DS-and-Algo/02.1-Lists-Basics/02.1-Lists-Basics.pptx
@@ -145,7 +145,7 @@
             <p14:sldId id="276"/>
           </p14:sldIdLst>
         </p14:section>
-        <p14:section name="Списъци" id="{75255194-587A-4A21-B155-F0650F50C22E}">
+        <p14:section name="Списък" id="{75255194-587A-4A21-B155-F0650F50C22E}">
           <p14:sldIdLst>
             <p14:sldId id="493"/>
             <p14:sldId id="492"/>
@@ -156,7 +156,7 @@
             <p14:sldId id="494"/>
           </p14:sldIdLst>
         </p14:section>
-        <p14:section name="Четене на листове от конзолата" id="{4D341BA8-2906-4632-BBCD-AFE393EE5B9E}">
+        <p14:section name="Четене и отпечатване на списък&#13;" id="{4D341BA8-2906-4632-BBCD-AFE393EE5B9E}">
           <p14:sldIdLst>
             <p14:sldId id="504"/>
             <p14:sldId id="505"/>
@@ -169,7 +169,7 @@
             <p14:sldId id="524"/>
           </p14:sldIdLst>
         </p14:section>
-        <p14:section name="Сортиране на списъци и масиви" id="{76D4156F-3A13-4126-BB8E-5436707FC4AB}">
+        <p14:section name="Сортиране на списък" id="{76D4156F-3A13-4126-BB8E-5436707FC4AB}">
           <p14:sldIdLst>
             <p14:sldId id="508"/>
             <p14:sldId id="509"/>
@@ -311,7 +311,7 @@
           <a:p>
             <a:fld id="{4E087215-0C8F-4762-A664-737A353EC9A4}" type="datetimeFigureOut">
               <a:rPr lang="bg-BG" smtClean="0"/>
-              <a:t>6.7.2023 г.</a:t>
+              <a:t>18.08.23 г.</a:t>
             </a:fld>
             <a:endParaRPr lang="bg-BG" dirty="0"/>
           </a:p>
@@ -502,7 +502,7 @@
           <a:p>
             <a:fld id="{72D84649-876A-46C9-8472-14CB09C070D8}" type="datetimeFigureOut">
               <a:rPr lang="en-US" smtClean="0"/>
-              <a:t>7/6/2023</a:t>
+              <a:t>8/18/23</a:t>
             </a:fld>
             <a:endParaRPr lang="en-US" dirty="0"/>
           </a:p>
@@ -1105,7 +1105,7 @@
           <a:bodyPr/>
           <a:lstStyle/>
           <a:p>
-            <a:endParaRPr lang="bg-BG" dirty="0"/>
+            <a:endParaRPr lang="en-BG" dirty="0"/>
           </a:p>
         </p:txBody>
       </p:sp>
@@ -1126,7 +1126,7 @@
           <a:p>
             <a:fld id="{2BF067CD-8E6B-4360-9AA8-C5DF2A48A6D1}" type="slidenum">
               <a:rPr lang="en-US" smtClean="0"/>
-              <a:t>4</a:t>
+              <a:t>3</a:t>
             </a:fld>
             <a:endParaRPr lang="en-US" dirty="0"/>
           </a:p>
@@ -1134,13 +1134,7 @@
       </p:sp>
       <p:sp>
         <p:nvSpPr>
-          <p:cNvPr id="7" name="Footer Placeholder 7">
-            <a:extLst>
-              <a:ext uri="{FF2B5EF4-FFF2-40B4-BE49-F238E27FC236}">
-                <a16:creationId xmlns:a16="http://schemas.microsoft.com/office/drawing/2014/main" id="{C663E775-B715-45B3-BD85-2BE7799CA3D7}"/>
-              </a:ext>
-            </a:extLst>
-          </p:cNvPr>
+          <p:cNvPr id="5" name="Footer Placeholder 4"/>
           <p:cNvSpPr>
             <a:spLocks noGrp="1"/>
           </p:cNvSpPr>
@@ -1148,44 +1142,33 @@
             <p:ph type="ftr" sz="quarter" idx="4"/>
           </p:nvPr>
         </p:nvSpPr>
-        <p:spPr>
-          <a:xfrm>
-            <a:off x="-1" y="8847000"/>
-            <a:ext cx="6488999" cy="297000"/>
-          </a:xfrm>
-          <a:prstGeom prst="rect">
-            <a:avLst/>
-          </a:prstGeom>
-        </p:spPr>
+        <p:spPr/>
         <p:txBody>
-          <a:bodyPr vert="horz" lIns="91440" tIns="45720" rIns="91440" bIns="45720" rtlCol="0" anchor="b"/>
-          <a:lstStyle>
-            <a:lvl1pPr algn="l">
-              <a:defRPr sz="1100"/>
-            </a:lvl1pPr>
-          </a:lstStyle>
-          <a:p>
-            <a:r>
-              <a:rPr lang="en-US" dirty="0"/>
+          <a:bodyPr/>
+          <a:lstStyle/>
+          <a:p>
+            <a:r>
+              <a:rPr lang="en-US"/>
               <a:t>© SoftUni – </a:t>
             </a:r>
             <a:r>
-              <a:rPr lang="en-US" u="sng" dirty="0">
+              <a:rPr lang="en-US" u="sng">
                 <a:hlinkClick r:id="rId3"/>
               </a:rPr>
               <a:t>https://softuni.org</a:t>
             </a:r>
             <a:r>
-              <a:rPr lang="en-US" dirty="0"/>
+              <a:rPr lang="en-US"/>
               <a:t>. Copyrighted document. Unauthorized copy or reproduction is not permitted.</a:t>
             </a:r>
+            <a:endParaRPr lang="en-US" dirty="0"/>
           </a:p>
         </p:txBody>
       </p:sp>
     </p:spTree>
     <p:extLst>
       <p:ext uri="{BB962C8B-B14F-4D97-AF65-F5344CB8AC3E}">
-        <p14:creationId xmlns:p14="http://schemas.microsoft.com/office/powerpoint/2010/main" val="39802663"/>
+        <p14:creationId xmlns:p14="http://schemas.microsoft.com/office/powerpoint/2010/main" val="3767345747"/>
       </p:ext>
     </p:extLst>
   </p:cSld>
@@ -1250,7 +1233,7 @@
             <a:spLocks noGrp="1"/>
           </p:cNvSpPr>
           <p:nvPr>
-            <p:ph type="sldNum" sz="quarter" idx="10"/>
+            <p:ph type="sldNum" sz="quarter" idx="5"/>
           </p:nvPr>
         </p:nvSpPr>
         <p:spPr/>
@@ -1260,7 +1243,7 @@
           <a:p>
             <a:fld id="{2BF067CD-8E6B-4360-9AA8-C5DF2A48A6D1}" type="slidenum">
               <a:rPr lang="en-US" smtClean="0"/>
-              <a:t>18</a:t>
+              <a:t>4</a:t>
             </a:fld>
             <a:endParaRPr lang="en-US" dirty="0"/>
           </a:p>
@@ -1271,7 +1254,7 @@
           <p:cNvPr id="7" name="Footer Placeholder 7">
             <a:extLst>
               <a:ext uri="{FF2B5EF4-FFF2-40B4-BE49-F238E27FC236}">
-                <a16:creationId xmlns:a16="http://schemas.microsoft.com/office/drawing/2014/main" id="{C871A23B-5C38-4F54-886A-15CDA6D88DF6}"/>
+                <a16:creationId xmlns:a16="http://schemas.microsoft.com/office/drawing/2014/main" id="{C663E775-B715-45B3-BD85-2BE7799CA3D7}"/>
               </a:ext>
             </a:extLst>
           </p:cNvPr>
@@ -1319,7 +1302,7 @@
     </p:spTree>
     <p:extLst>
       <p:ext uri="{BB962C8B-B14F-4D97-AF65-F5344CB8AC3E}">
-        <p14:creationId xmlns:p14="http://schemas.microsoft.com/office/powerpoint/2010/main" val="503613592"/>
+        <p14:creationId xmlns:p14="http://schemas.microsoft.com/office/powerpoint/2010/main" val="39802663"/>
       </p:ext>
     </p:extLst>
   </p:cSld>
@@ -1373,18 +1356,18 @@
           <a:bodyPr/>
           <a:lstStyle/>
           <a:p>
-            <a:endParaRPr lang="en-US" dirty="0"/>
+            <a:endParaRPr lang="en-BG" dirty="0"/>
           </a:p>
         </p:txBody>
       </p:sp>
       <p:sp>
         <p:nvSpPr>
-          <p:cNvPr id="5" name="Slide Number Placeholder 4"/>
+          <p:cNvPr id="4" name="Slide Number Placeholder 3"/>
           <p:cNvSpPr>
             <a:spLocks noGrp="1"/>
           </p:cNvSpPr>
           <p:nvPr>
-            <p:ph type="sldNum" sz="quarter" idx="11"/>
+            <p:ph type="sldNum" sz="quarter" idx="5"/>
           </p:nvPr>
         </p:nvSpPr>
         <p:spPr/>
@@ -1392,10 +1375,9 @@
           <a:bodyPr/>
           <a:lstStyle/>
           <a:p>
-            <a:fld id="{3EBA5BD7-F043-4D1B-AA17-CD412FC534DE}" type="slidenum">
+            <a:fld id="{2BF067CD-8E6B-4360-9AA8-C5DF2A48A6D1}" type="slidenum">
               <a:rPr lang="en-US" smtClean="0"/>
-              <a:pPr/>
-              <a:t>25</a:t>
+              <a:t>15</a:t>
             </a:fld>
             <a:endParaRPr lang="en-US" dirty="0"/>
           </a:p>
@@ -1403,13 +1385,7 @@
       </p:sp>
       <p:sp>
         <p:nvSpPr>
-          <p:cNvPr id="6" name="Footer Placeholder 7">
-            <a:extLst>
-              <a:ext uri="{FF2B5EF4-FFF2-40B4-BE49-F238E27FC236}">
-                <a16:creationId xmlns:a16="http://schemas.microsoft.com/office/drawing/2014/main" id="{BFF5DFD4-93B8-42D0-AC25-A8E58301E736}"/>
-              </a:ext>
-            </a:extLst>
-          </p:cNvPr>
+          <p:cNvPr id="5" name="Footer Placeholder 4"/>
           <p:cNvSpPr>
             <a:spLocks noGrp="1"/>
           </p:cNvSpPr>
@@ -1417,44 +1393,33 @@
             <p:ph type="ftr" sz="quarter" idx="4"/>
           </p:nvPr>
         </p:nvSpPr>
-        <p:spPr>
-          <a:xfrm>
-            <a:off x="-1" y="8847000"/>
-            <a:ext cx="6488999" cy="297000"/>
-          </a:xfrm>
-          <a:prstGeom prst="rect">
-            <a:avLst/>
-          </a:prstGeom>
-        </p:spPr>
+        <p:spPr/>
         <p:txBody>
-          <a:bodyPr vert="horz" lIns="91440" tIns="45720" rIns="91440" bIns="45720" rtlCol="0" anchor="b"/>
-          <a:lstStyle>
-            <a:lvl1pPr algn="l">
-              <a:defRPr sz="1100"/>
-            </a:lvl1pPr>
-          </a:lstStyle>
-          <a:p>
-            <a:r>
-              <a:rPr lang="en-US" dirty="0"/>
+          <a:bodyPr/>
+          <a:lstStyle/>
+          <a:p>
+            <a:r>
+              <a:rPr lang="en-US"/>
               <a:t>© SoftUni – </a:t>
             </a:r>
             <a:r>
-              <a:rPr lang="en-US" u="sng" dirty="0">
+              <a:rPr lang="en-US" u="sng">
                 <a:hlinkClick r:id="rId3"/>
               </a:rPr>
               <a:t>https://softuni.org</a:t>
             </a:r>
             <a:r>
-              <a:rPr lang="en-US" dirty="0"/>
+              <a:rPr lang="en-US"/>
               <a:t>. Copyrighted document. Unauthorized copy or reproduction is not permitted.</a:t>
             </a:r>
+            <a:endParaRPr lang="en-US" dirty="0"/>
           </a:p>
         </p:txBody>
       </p:sp>
     </p:spTree>
     <p:extLst>
       <p:ext uri="{BB962C8B-B14F-4D97-AF65-F5344CB8AC3E}">
-        <p14:creationId xmlns:p14="http://schemas.microsoft.com/office/powerpoint/2010/main" val="846801693"/>
+        <p14:creationId xmlns:p14="http://schemas.microsoft.com/office/powerpoint/2010/main" val="3605149114"/>
       </p:ext>
     </p:extLst>
   </p:cSld>
@@ -1508,6 +1473,275 @@
           <a:bodyPr/>
           <a:lstStyle/>
           <a:p>
+            <a:endParaRPr lang="bg-BG" dirty="0"/>
+          </a:p>
+        </p:txBody>
+      </p:sp>
+      <p:sp>
+        <p:nvSpPr>
+          <p:cNvPr id="4" name="Slide Number Placeholder 3"/>
+          <p:cNvSpPr>
+            <a:spLocks noGrp="1"/>
+          </p:cNvSpPr>
+          <p:nvPr>
+            <p:ph type="sldNum" sz="quarter" idx="10"/>
+          </p:nvPr>
+        </p:nvSpPr>
+        <p:spPr/>
+        <p:txBody>
+          <a:bodyPr/>
+          <a:lstStyle/>
+          <a:p>
+            <a:fld id="{2BF067CD-8E6B-4360-9AA8-C5DF2A48A6D1}" type="slidenum">
+              <a:rPr lang="en-US" smtClean="0"/>
+              <a:t>18</a:t>
+            </a:fld>
+            <a:endParaRPr lang="en-US" dirty="0"/>
+          </a:p>
+        </p:txBody>
+      </p:sp>
+      <p:sp>
+        <p:nvSpPr>
+          <p:cNvPr id="7" name="Footer Placeholder 7">
+            <a:extLst>
+              <a:ext uri="{FF2B5EF4-FFF2-40B4-BE49-F238E27FC236}">
+                <a16:creationId xmlns:a16="http://schemas.microsoft.com/office/drawing/2014/main" id="{C871A23B-5C38-4F54-886A-15CDA6D88DF6}"/>
+              </a:ext>
+            </a:extLst>
+          </p:cNvPr>
+          <p:cNvSpPr>
+            <a:spLocks noGrp="1"/>
+          </p:cNvSpPr>
+          <p:nvPr>
+            <p:ph type="ftr" sz="quarter" idx="4"/>
+          </p:nvPr>
+        </p:nvSpPr>
+        <p:spPr>
+          <a:xfrm>
+            <a:off x="-1" y="8847000"/>
+            <a:ext cx="6488999" cy="297000"/>
+          </a:xfrm>
+          <a:prstGeom prst="rect">
+            <a:avLst/>
+          </a:prstGeom>
+        </p:spPr>
+        <p:txBody>
+          <a:bodyPr vert="horz" lIns="91440" tIns="45720" rIns="91440" bIns="45720" rtlCol="0" anchor="b"/>
+          <a:lstStyle>
+            <a:lvl1pPr algn="l">
+              <a:defRPr sz="1100"/>
+            </a:lvl1pPr>
+          </a:lstStyle>
+          <a:p>
+            <a:r>
+              <a:rPr lang="en-US" dirty="0"/>
+              <a:t>© SoftUni – </a:t>
+            </a:r>
+            <a:r>
+              <a:rPr lang="en-US" u="sng" dirty="0">
+                <a:hlinkClick r:id="rId3"/>
+              </a:rPr>
+              <a:t>https://softuni.org</a:t>
+            </a:r>
+            <a:r>
+              <a:rPr lang="en-US" dirty="0"/>
+              <a:t>. Copyrighted document. Unauthorized copy or reproduction is not permitted.</a:t>
+            </a:r>
+          </a:p>
+        </p:txBody>
+      </p:sp>
+    </p:spTree>
+    <p:extLst>
+      <p:ext uri="{BB962C8B-B14F-4D97-AF65-F5344CB8AC3E}">
+        <p14:creationId xmlns:p14="http://schemas.microsoft.com/office/powerpoint/2010/main" val="503613592"/>
+      </p:ext>
+    </p:extLst>
+  </p:cSld>
+  <p:clrMapOvr>
+    <a:masterClrMapping/>
+  </p:clrMapOvr>
+</p:notes>
+</file>
+
+<file path=ppt/notesSlides/notesSlide7.xml><?xml version="1.0" encoding="utf-8"?>
+<p:notes xmlns:a="http://schemas.openxmlformats.org/drawingml/2006/main" xmlns:r="http://schemas.openxmlformats.org/officeDocument/2006/relationships" xmlns:p="http://schemas.openxmlformats.org/presentationml/2006/main">
+  <p:cSld>
+    <p:spTree>
+      <p:nvGrpSpPr>
+        <p:cNvPr id="1" name=""/>
+        <p:cNvGrpSpPr/>
+        <p:nvPr/>
+      </p:nvGrpSpPr>
+      <p:grpSpPr>
+        <a:xfrm>
+          <a:off x="0" y="0"/>
+          <a:ext cx="0" cy="0"/>
+          <a:chOff x="0" y="0"/>
+          <a:chExt cx="0" cy="0"/>
+        </a:xfrm>
+      </p:grpSpPr>
+      <p:sp>
+        <p:nvSpPr>
+          <p:cNvPr id="2" name="Slide Image Placeholder 1"/>
+          <p:cNvSpPr>
+            <a:spLocks noGrp="1" noRot="1" noChangeAspect="1"/>
+          </p:cNvSpPr>
+          <p:nvPr>
+            <p:ph type="sldImg"/>
+          </p:nvPr>
+        </p:nvSpPr>
+        <p:spPr/>
+      </p:sp>
+      <p:sp>
+        <p:nvSpPr>
+          <p:cNvPr id="3" name="Notes Placeholder 2"/>
+          <p:cNvSpPr>
+            <a:spLocks noGrp="1"/>
+          </p:cNvSpPr>
+          <p:nvPr>
+            <p:ph type="body" idx="1"/>
+          </p:nvPr>
+        </p:nvSpPr>
+        <p:spPr/>
+        <p:txBody>
+          <a:bodyPr/>
+          <a:lstStyle/>
+          <a:p>
+            <a:endParaRPr lang="en-US" dirty="0"/>
+          </a:p>
+        </p:txBody>
+      </p:sp>
+      <p:sp>
+        <p:nvSpPr>
+          <p:cNvPr id="5" name="Slide Number Placeholder 4"/>
+          <p:cNvSpPr>
+            <a:spLocks noGrp="1"/>
+          </p:cNvSpPr>
+          <p:nvPr>
+            <p:ph type="sldNum" sz="quarter" idx="11"/>
+          </p:nvPr>
+        </p:nvSpPr>
+        <p:spPr/>
+        <p:txBody>
+          <a:bodyPr/>
+          <a:lstStyle/>
+          <a:p>
+            <a:fld id="{3EBA5BD7-F043-4D1B-AA17-CD412FC534DE}" type="slidenum">
+              <a:rPr lang="en-US" smtClean="0"/>
+              <a:pPr/>
+              <a:t>25</a:t>
+            </a:fld>
+            <a:endParaRPr lang="en-US" dirty="0"/>
+          </a:p>
+        </p:txBody>
+      </p:sp>
+      <p:sp>
+        <p:nvSpPr>
+          <p:cNvPr id="6" name="Footer Placeholder 7">
+            <a:extLst>
+              <a:ext uri="{FF2B5EF4-FFF2-40B4-BE49-F238E27FC236}">
+                <a16:creationId xmlns:a16="http://schemas.microsoft.com/office/drawing/2014/main" id="{BFF5DFD4-93B8-42D0-AC25-A8E58301E736}"/>
+              </a:ext>
+            </a:extLst>
+          </p:cNvPr>
+          <p:cNvSpPr>
+            <a:spLocks noGrp="1"/>
+          </p:cNvSpPr>
+          <p:nvPr>
+            <p:ph type="ftr" sz="quarter" idx="4"/>
+          </p:nvPr>
+        </p:nvSpPr>
+        <p:spPr>
+          <a:xfrm>
+            <a:off x="-1" y="8847000"/>
+            <a:ext cx="6488999" cy="297000"/>
+          </a:xfrm>
+          <a:prstGeom prst="rect">
+            <a:avLst/>
+          </a:prstGeom>
+        </p:spPr>
+        <p:txBody>
+          <a:bodyPr vert="horz" lIns="91440" tIns="45720" rIns="91440" bIns="45720" rtlCol="0" anchor="b"/>
+          <a:lstStyle>
+            <a:lvl1pPr algn="l">
+              <a:defRPr sz="1100"/>
+            </a:lvl1pPr>
+          </a:lstStyle>
+          <a:p>
+            <a:r>
+              <a:rPr lang="en-US" dirty="0"/>
+              <a:t>© SoftUni – </a:t>
+            </a:r>
+            <a:r>
+              <a:rPr lang="en-US" u="sng" dirty="0">
+                <a:hlinkClick r:id="rId3"/>
+              </a:rPr>
+              <a:t>https://softuni.org</a:t>
+            </a:r>
+            <a:r>
+              <a:rPr lang="en-US" dirty="0"/>
+              <a:t>. Copyrighted document. Unauthorized copy or reproduction is not permitted.</a:t>
+            </a:r>
+          </a:p>
+        </p:txBody>
+      </p:sp>
+    </p:spTree>
+    <p:extLst>
+      <p:ext uri="{BB962C8B-B14F-4D97-AF65-F5344CB8AC3E}">
+        <p14:creationId xmlns:p14="http://schemas.microsoft.com/office/powerpoint/2010/main" val="846801693"/>
+      </p:ext>
+    </p:extLst>
+  </p:cSld>
+  <p:clrMapOvr>
+    <a:masterClrMapping/>
+  </p:clrMapOvr>
+</p:notes>
+</file>
+
+<file path=ppt/notesSlides/notesSlide8.xml><?xml version="1.0" encoding="utf-8"?>
+<p:notes xmlns:a="http://schemas.openxmlformats.org/drawingml/2006/main" xmlns:r="http://schemas.openxmlformats.org/officeDocument/2006/relationships" xmlns:p="http://schemas.openxmlformats.org/presentationml/2006/main">
+  <p:cSld>
+    <p:spTree>
+      <p:nvGrpSpPr>
+        <p:cNvPr id="1" name=""/>
+        <p:cNvGrpSpPr/>
+        <p:nvPr/>
+      </p:nvGrpSpPr>
+      <p:grpSpPr>
+        <a:xfrm>
+          <a:off x="0" y="0"/>
+          <a:ext cx="0" cy="0"/>
+          <a:chOff x="0" y="0"/>
+          <a:chExt cx="0" cy="0"/>
+        </a:xfrm>
+      </p:grpSpPr>
+      <p:sp>
+        <p:nvSpPr>
+          <p:cNvPr id="2" name="Slide Image Placeholder 1"/>
+          <p:cNvSpPr>
+            <a:spLocks noGrp="1" noRot="1" noChangeAspect="1"/>
+          </p:cNvSpPr>
+          <p:nvPr>
+            <p:ph type="sldImg"/>
+          </p:nvPr>
+        </p:nvSpPr>
+        <p:spPr/>
+      </p:sp>
+      <p:sp>
+        <p:nvSpPr>
+          <p:cNvPr id="3" name="Notes Placeholder 2"/>
+          <p:cNvSpPr>
+            <a:spLocks noGrp="1"/>
+          </p:cNvSpPr>
+          <p:nvPr>
+            <p:ph type="body" idx="1"/>
+          </p:nvPr>
+        </p:nvSpPr>
+        <p:spPr/>
+        <p:txBody>
+          <a:bodyPr/>
+          <a:lstStyle/>
+          <a:p>
             <a:endParaRPr lang="en-US" dirty="0"/>
           </a:p>
         </p:txBody>
@@ -1705,7 +1939,7 @@
 </p:notes>
 </file>
 
-<file path=ppt/notesSlides/notesSlide7.xml><?xml version="1.0" encoding="utf-8"?>
+<file path=ppt/notesSlides/notesSlide9.xml><?xml version="1.0" encoding="utf-8"?>
 <p:notes xmlns:a="http://schemas.openxmlformats.org/drawingml/2006/main" xmlns:r="http://schemas.openxmlformats.org/officeDocument/2006/relationships" xmlns:p="http://schemas.openxmlformats.org/presentationml/2006/main">
   <p:cSld>
     <p:spTree>
@@ -8445,7 +8679,12 @@
             <p:ph type="subTitle" idx="1"/>
           </p:nvPr>
         </p:nvSpPr>
-        <p:spPr/>
+        <p:spPr>
+          <a:xfrm>
+            <a:off x="554182" y="1408774"/>
+            <a:ext cx="11083636" cy="747890"/>
+          </a:xfrm>
+        </p:spPr>
         <p:txBody>
           <a:bodyPr>
             <a:normAutofit/>
@@ -8457,20 +8696,7 @@
                 <a:latin typeface="Calibri" panose="020F0502020204030204" pitchFamily="34" charset="0"/>
                 <a:cs typeface="Calibri" panose="020F0502020204030204" pitchFamily="34" charset="0"/>
               </a:rPr>
-              <a:t>Обработка на последователности</a:t>
-            </a:r>
-            <a:br>
-              <a:rPr lang="bg" sz="3550" dirty="0">
-                <a:latin typeface="Calibri" panose="020F0502020204030204" pitchFamily="34" charset="0"/>
-                <a:cs typeface="Calibri" panose="020F0502020204030204" pitchFamily="34" charset="0"/>
-              </a:rPr>
-            </a:br>
-            <a:r>
-              <a:rPr lang="bg" sz="3550" dirty="0">
-                <a:latin typeface="Calibri" panose="020F0502020204030204" pitchFamily="34" charset="0"/>
-                <a:cs typeface="Calibri" panose="020F0502020204030204" pitchFamily="34" charset="0"/>
-              </a:rPr>
-              <a:t>от елементи с променлива дължина</a:t>
+              <a:t>Същност, методи за обработка, четене и отпечатване</a:t>
             </a:r>
           </a:p>
         </p:txBody>
@@ -9402,6 +9628,80 @@
       </p:grpSpPr>
       <p:sp>
         <p:nvSpPr>
+          <p:cNvPr id="4" name="Subtitle 3">
+            <a:extLst>
+              <a:ext uri="{FF2B5EF4-FFF2-40B4-BE49-F238E27FC236}">
+                <a16:creationId xmlns:a16="http://schemas.microsoft.com/office/drawing/2014/main" id="{808EF176-F273-21D4-B13E-BF19F27B3D36}"/>
+              </a:ext>
+            </a:extLst>
+          </p:cNvPr>
+          <p:cNvSpPr>
+            <a:spLocks noGrp="1"/>
+          </p:cNvSpPr>
+          <p:nvPr>
+            <p:ph type="subTitle" sz="quarter" idx="11"/>
+          </p:nvPr>
+        </p:nvSpPr>
+        <p:spPr/>
+        <p:txBody>
+          <a:bodyPr/>
+          <a:lstStyle/>
+          <a:p>
+            <a:r>
+              <a:rPr lang="en-GB" sz="4000" dirty="0">
+                <a:latin typeface="Consolas" panose="020B0609020204030204" pitchFamily="49" charset="0"/>
+                <a:cs typeface="Consolas" panose="020B0609020204030204" pitchFamily="49" charset="0"/>
+              </a:rPr>
+              <a:t>For</a:t>
+            </a:r>
+            <a:r>
+              <a:rPr lang="en-GB" sz="4000" dirty="0">
+                <a:cs typeface="Arial"/>
+              </a:rPr>
+              <a:t>-цикъл</a:t>
+            </a:r>
+            <a:r>
+              <a:rPr lang="bg-BG" sz="4000" dirty="0">
+                <a:cs typeface="Arial"/>
+              </a:rPr>
+              <a:t>,</a:t>
+            </a:r>
+            <a:r>
+              <a:rPr lang="en-GB" sz="4000" dirty="0">
+                <a:cs typeface="Arial"/>
+              </a:rPr>
+              <a:t> </a:t>
+            </a:r>
+            <a:r>
+              <a:rPr lang="en-GB" sz="4000" dirty="0">
+                <a:latin typeface="Consolas" panose="020B0609020204030204" pitchFamily="49" charset="0"/>
+                <a:cs typeface="Consolas" panose="020B0609020204030204" pitchFamily="49" charset="0"/>
+              </a:rPr>
+              <a:t>String.Split()</a:t>
+            </a:r>
+            <a:r>
+              <a:rPr lang="bg-BG" sz="4000" dirty="0">
+                <a:latin typeface="Calibri" panose="020F0502020204030204" pitchFamily="34" charset="0"/>
+                <a:cs typeface="Calibri" panose="020F0502020204030204" pitchFamily="34" charset="0"/>
+              </a:rPr>
+              <a:t>, </a:t>
+            </a:r>
+            <a:r>
+              <a:rPr lang="en-US" sz="4000" dirty="0">
+                <a:latin typeface="Consolas" panose="020B0609020204030204" pitchFamily="49" charset="0"/>
+                <a:cs typeface="Consolas" panose="020B0609020204030204" pitchFamily="49" charset="0"/>
+              </a:rPr>
+              <a:t>String.Join()</a:t>
+            </a:r>
+            <a:endParaRPr lang="en-BG" dirty="0">
+              <a:latin typeface="Consolas" panose="020B0609020204030204" pitchFamily="49" charset="0"/>
+              <a:cs typeface="Consolas" panose="020B0609020204030204" pitchFamily="49" charset="0"/>
+            </a:endParaRPr>
+          </a:p>
+        </p:txBody>
+      </p:sp>
+      <p:sp>
+        <p:nvSpPr>
           <p:cNvPr id="2" name="Заглавие 1">
             <a:extLst>
               <a:ext uri="{FF2B5EF4-FFF2-40B4-BE49-F238E27FC236}">
@@ -9418,8 +9718,8 @@
         </p:nvSpPr>
         <p:spPr>
           <a:xfrm>
-            <a:off x="353528" y="4716198"/>
-            <a:ext cx="11484945" cy="768084"/>
+            <a:off x="615109" y="4704825"/>
+            <a:ext cx="10961783" cy="768084"/>
           </a:xfrm>
         </p:spPr>
         <p:txBody>
@@ -9427,14 +9727,9 @@
           <a:lstStyle/>
           <a:p>
             <a:r>
-              <a:rPr lang="en-GB" sz="5350" dirty="0">
-                <a:cs typeface="Arial"/>
-              </a:rPr>
-              <a:t>Използване на цикъл или String.Split()</a:t>
-            </a:r>
-            <a:endParaRPr lang="bg-BG" sz="5350" dirty="0">
-              <a:cs typeface="Arial"/>
-            </a:endParaRPr>
+              <a:rPr lang="bg-BG" dirty="0"/>
+              <a:t>Четене и отпечатване на списък</a:t>
+            </a:r>
           </a:p>
         </p:txBody>
       </p:sp>
@@ -9524,7 +9819,7 @@
         </p:nvSpPr>
         <p:spPr>
           <a:xfrm>
-            <a:off x="190402" y="1196125"/>
+            <a:off x="190402" y="1134000"/>
             <a:ext cx="12091051" cy="5528766"/>
           </a:xfrm>
         </p:spPr>
@@ -9588,37 +9883,96 @@
             </a:endParaRPr>
           </a:p>
           <a:p>
-            <a:pPr marL="360045" indent="-360045"/>
+            <a:pPr marL="360045" indent="-360045">
+              <a:spcBef>
+                <a:spcPts val="200"/>
+              </a:spcBef>
+            </a:pPr>
             <a:r>
               <a:rPr lang="en-US" sz="3600" dirty="0"/>
               <a:t>След това създаваме списък с дължина </a:t>
             </a:r>
             <a:r>
+              <a:rPr lang="en-US" sz="3600" b="1" dirty="0">
+                <a:solidFill>
+                  <a:schemeClr val="bg1"/>
+                </a:solidFill>
+              </a:rPr>
+              <a:t>n</a:t>
+            </a:r>
+            <a:r>
+              <a:rPr lang="bg-BG" sz="3600" dirty="0"/>
+              <a:t>,</a:t>
+            </a:r>
+            <a:r>
+              <a:rPr lang="en-US" sz="3600" dirty="0"/>
+              <a:t> </a:t>
+            </a:r>
+            <a:r>
+              <a:rPr lang="en-US" sz="3600" b="1" dirty="0">
+                <a:solidFill>
+                  <a:schemeClr val="bg1"/>
+                </a:solidFill>
+              </a:rPr>
+              <a:t>четем</a:t>
+            </a:r>
+            <a:r>
+              <a:rPr lang="en-US" sz="3600" dirty="0"/>
+              <a:t> </a:t>
+            </a:r>
+            <a:r>
+              <a:rPr lang="en-US" sz="3600" b="1" dirty="0">
+                <a:solidFill>
+                  <a:schemeClr val="bg1"/>
+                </a:solidFill>
+              </a:rPr>
+              <a:t>елементите</a:t>
+            </a:r>
+            <a:r>
+              <a:rPr lang="bg-BG" sz="3600" dirty="0">
+                <a:ea typeface="+mn-lt"/>
+                <a:cs typeface="+mn-lt"/>
+              </a:rPr>
+              <a:t> с </a:t>
+            </a:r>
+            <a:r>
               <a:rPr lang="en-US" sz="3600" dirty="0">
-                <a:solidFill>
-                  <a:schemeClr val="bg1"/>
-                </a:solidFill>
-              </a:rPr>
-              <a:t>n</a:t>
-            </a:r>
-            <a:r>
-              <a:rPr lang="en-US" sz="3600" dirty="0"/>
-              <a:t> и четем </a:t>
-            </a:r>
-            <a:r>
-              <a:rPr lang="en-US" sz="3600" dirty="0">
-                <a:solidFill>
-                  <a:schemeClr val="bg1"/>
-                </a:solidFill>
-              </a:rPr>
-              <a:t>елементите</a:t>
+                <a:latin typeface="Consolas" panose="020B0609020204030204" pitchFamily="49" charset="0"/>
+                <a:ea typeface="+mn-lt"/>
+                <a:cs typeface="Consolas" panose="020B0609020204030204" pitchFamily="49" charset="0"/>
+              </a:rPr>
+              <a:t>for</a:t>
             </a:r>
             <a:r>
               <a:rPr lang="en-US" sz="3600" dirty="0">
                 <a:ea typeface="+mn-lt"/>
                 <a:cs typeface="+mn-lt"/>
               </a:rPr>
-              <a:t>:</a:t>
+              <a:t>-</a:t>
+            </a:r>
+            <a:r>
+              <a:rPr lang="bg-BG" sz="3600" dirty="0">
+                <a:ea typeface="+mn-lt"/>
+                <a:cs typeface="+mn-lt"/>
+              </a:rPr>
+              <a:t>цикъл и ги </a:t>
+            </a:r>
+            <a:r>
+              <a:rPr lang="bg-BG" sz="3600" b="1" dirty="0">
+                <a:solidFill>
+                  <a:schemeClr val="bg1"/>
+                </a:solidFill>
+                <a:ea typeface="+mn-lt"/>
+                <a:cs typeface="+mn-lt"/>
+              </a:rPr>
+              <a:t>добавяме </a:t>
+            </a:r>
+            <a:r>
+              <a:rPr lang="bg-BG" sz="3600" dirty="0">
+                <a:ea typeface="+mn-lt"/>
+                <a:cs typeface="+mn-lt"/>
+              </a:rPr>
+              <a:t>към списъка:</a:t>
             </a:r>
             <a:br>
               <a:rPr lang="en-US" sz="3600" dirty="0"/>
@@ -9671,7 +10025,7 @@
         </p:nvSpPr>
         <p:spPr>
           <a:xfrm>
-            <a:off x="695401" y="1902823"/>
+            <a:off x="695401" y="1764000"/>
             <a:ext cx="7378287" cy="618162"/>
           </a:xfrm>
           <a:prstGeom prst="rect">
@@ -10121,13 +10475,47 @@
             <a:r>
               <a:rPr lang="en-US" sz="2600" dirty="0">
                 <a:solidFill>
-                  <a:schemeClr val="accent2">
-                    <a:lumMod val="75000"/>
-                  </a:schemeClr>
+                  <a:schemeClr val="accent2"/>
                 </a:solidFill>
                 <a:latin typeface="Consolas"/>
               </a:rPr>
-              <a:t>// Списъкът се състои от: {10, 20, 30, 40, 50}</a:t>
+              <a:t>/</a:t>
+            </a:r>
+            <a:r>
+              <a:rPr lang="bg-BG" sz="2600" dirty="0">
+                <a:solidFill>
+                  <a:schemeClr val="accent2"/>
+                </a:solidFill>
+                <a:latin typeface="Consolas"/>
+              </a:rPr>
+              <a:t>/</a:t>
+            </a:r>
+            <a:r>
+              <a:rPr lang="en-US" sz="2600" dirty="0">
+                <a:solidFill>
+                  <a:schemeClr val="accent2"/>
+                </a:solidFill>
+                <a:latin typeface="Consolas"/>
+              </a:rPr>
+              <a:t> </a:t>
+            </a:r>
+            <a:r>
+              <a:rPr lang="bg-BG" sz="2600" i="1" dirty="0">
+                <a:solidFill>
+                  <a:schemeClr val="accent2"/>
+                </a:solidFill>
+                <a:latin typeface="Consolas"/>
+              </a:rPr>
+              <a:t>Списъкът </a:t>
+            </a:r>
+            <a:r>
+              <a:rPr lang="en-US" sz="2600" i="1" dirty="0">
+                <a:solidFill>
+                  <a:schemeClr val="accent2"/>
+                </a:solidFill>
+                <a:latin typeface="Consolas"/>
+              </a:rPr>
+              <a:t>list: {10, 20, 30, 40, 50}</a:t>
             </a:r>
           </a:p>
         </p:txBody>
@@ -10781,14 +11169,14 @@
           <a:p>
             <a:pPr marL="360045" indent="-360045"/>
             <a:r>
-              <a:rPr lang="en-US" sz="3350" dirty="0">
+              <a:rPr lang="bg-BG" sz="3350" dirty="0">
                 <a:ea typeface="+mn-lt"/>
                 <a:cs typeface="+mn-lt"/>
               </a:rPr>
               <a:t>Списъкът може да бъде прочетен от </a:t>
             </a:r>
             <a:r>
-              <a:rPr lang="en-US" sz="3350" dirty="0">
+              <a:rPr lang="bg-BG" sz="3350" b="1" dirty="0">
                 <a:solidFill>
                   <a:schemeClr val="bg1"/>
                 </a:solidFill>
@@ -10798,30 +11186,44 @@
               <a:t>един ред</a:t>
             </a:r>
             <a:r>
-              <a:rPr lang="en-US" sz="3350" dirty="0">
+              <a:rPr lang="bg-BG" sz="3350" dirty="0">
                 <a:ea typeface="+mn-lt"/>
                 <a:cs typeface="+mn-lt"/>
               </a:rPr>
-              <a:t> като </a:t>
-            </a:r>
-            <a:r>
-              <a:rPr lang="en-US" sz="3350" dirty="0">
-                <a:solidFill>
-                  <a:schemeClr val="bg1"/>
-                </a:solidFill>
+              <a:t>,</a:t>
+            </a:r>
+            <a:r>
+              <a:rPr lang="bg-BG" sz="3350" b="1" dirty="0">
                 <a:ea typeface="+mn-lt"/>
                 <a:cs typeface="+mn-lt"/>
               </a:rPr>
-              <a:t>стойностите се разделят с интервал</a:t>
-            </a:r>
-            <a:r>
-              <a:rPr lang="en-US" sz="3350" dirty="0">
+              <a:t> </a:t>
+            </a:r>
+            <a:r>
+              <a:rPr lang="bg-BG" sz="3350" dirty="0">
                 <a:ea typeface="+mn-lt"/>
                 <a:cs typeface="+mn-lt"/>
               </a:rPr>
+              <a:t>като стойностите се </a:t>
+            </a:r>
+            <a:r>
+              <a:rPr lang="bg-BG" sz="3350" b="1" dirty="0">
+                <a:solidFill>
+                  <a:schemeClr val="bg1"/>
+                </a:solidFill>
+                <a:ea typeface="+mn-lt"/>
+                <a:cs typeface="+mn-lt"/>
+              </a:rPr>
+              <a:t>разделят с интервал</a:t>
+            </a:r>
+            <a:r>
+              <a:rPr lang="bg-BG" sz="3350" dirty="0">
+                <a:ea typeface="+mn-lt"/>
+                <a:cs typeface="+mn-lt"/>
+              </a:rPr>
               <a:t>:</a:t>
             </a:r>
-            <a:endParaRPr lang="en-US" sz="3350" dirty="0"/>
+            <a:endParaRPr lang="bg-BG" sz="3350" dirty="0"/>
           </a:p>
         </p:txBody>
       </p:sp>
@@ -10847,7 +11249,7 @@
                 <a:ea typeface="+mj-lt"/>
                 <a:cs typeface="+mj-lt"/>
               </a:rPr>
-              <a:t>Четене на стойностите на списък от един ред</a:t>
+              <a:t>Четене на списък от един ред</a:t>
             </a:r>
             <a:endParaRPr lang="bg-BG" sz="3800" dirty="0">
               <a:cs typeface="Calibri"/>
@@ -11121,7 +11523,7 @@
           <a:p>
             <a:pPr algn="ctr"/>
             <a:r>
-              <a:rPr lang="en-US" sz="2350" b="1" noProof="1">
+              <a:rPr lang="en-US" sz="2400" b="1" noProof="1">
                 <a:solidFill>
                   <a:srgbClr val="FFFFFF"/>
                 </a:solidFill>
@@ -11129,7 +11531,7 @@
               <a:t>Превръщане на колекцията</a:t>
             </a:r>
             <a:r>
-              <a:rPr lang="en-US" sz="2350" b="1" noProof="1">
+              <a:rPr lang="en-US" sz="2400" b="1" noProof="1">
                 <a:solidFill>
                   <a:srgbClr val="FFFFFF"/>
                 </a:solidFill>
@@ -11139,14 +11541,15 @@
               <a:t> в </a:t>
             </a:r>
             <a:r>
-              <a:rPr lang="en-US" sz="2350" b="1" noProof="1">
+              <a:rPr lang="en-US" sz="2400" b="1" noProof="1">
                 <a:solidFill>
                   <a:schemeClr val="bg1">
                     <a:lumMod val="60000"/>
                     <a:lumOff val="40000"/>
                   </a:schemeClr>
                 </a:solidFill>
-                <a:latin typeface="Consolas"/>
+                <a:latin typeface="Calibri" panose="020F0502020204030204" pitchFamily="34" charset="0"/>
+                <a:cs typeface="Calibri" panose="020F0502020204030204" pitchFamily="34" charset="0"/>
               </a:rPr>
               <a:t>списък</a:t>
             </a:r>
@@ -11347,7 +11750,7 @@
           <a:p>
             <a:pPr algn="ctr"/>
             <a:r>
-              <a:rPr lang="en-US" sz="2350" b="1" noProof="1">
+              <a:rPr lang="en-US" sz="2400" b="1" noProof="1">
                 <a:solidFill>
                   <a:srgbClr val="FFFFFF"/>
                 </a:solidFill>
@@ -11355,7 +11758,7 @@
               <a:t>Четене на</a:t>
             </a:r>
             <a:r>
-              <a:rPr lang="en-US" sz="2350" b="1" noProof="1">
+              <a:rPr lang="en-US" sz="2400" b="1" noProof="1">
                 <a:solidFill>
                   <a:srgbClr val="FFFFFF"/>
                 </a:solidFill>
@@ -11365,26 +11768,27 @@
               <a:t> </a:t>
             </a:r>
             <a:r>
-              <a:rPr lang="en-US" sz="2350" b="1" noProof="1">
+              <a:rPr lang="en-US" sz="2400" b="1" noProof="1">
                 <a:solidFill>
                   <a:schemeClr val="bg1">
                     <a:lumMod val="60000"/>
                     <a:lumOff val="40000"/>
                   </a:schemeClr>
                 </a:solidFill>
-                <a:latin typeface="Consolas"/>
+                <a:latin typeface="Calibri" panose="020F0502020204030204" pitchFamily="34" charset="0"/>
+                <a:cs typeface="Calibri" panose="020F0502020204030204" pitchFamily="34" charset="0"/>
               </a:rPr>
               <a:t>списък</a:t>
             </a:r>
             <a:r>
-              <a:rPr lang="en-US" sz="2350" b="1" noProof="1">
+              <a:rPr lang="en-US" sz="2400" b="1" noProof="1">
                 <a:solidFill>
                   <a:srgbClr val="FFFFFF"/>
                 </a:solidFill>
               </a:rPr>
               <a:t> от числа</a:t>
             </a:r>
-            <a:endParaRPr lang="en-US" sz="2350" b="1" noProof="1">
+            <a:endParaRPr lang="en-US" sz="2400" b="1" noProof="1">
               <a:solidFill>
                 <a:schemeClr val="bg1"/>
               </a:solidFill>
@@ -11917,8 +12321,12 @@
           <a:p>
             <a:pPr marL="360045" indent="-360045"/>
             <a:r>
+              <a:rPr lang="bg-BG" sz="3600" dirty="0"/>
+              <a:t>Отпечатване</a:t>
+            </a:r>
+            <a:r>
               <a:rPr lang="en-US" sz="3350" dirty="0"/>
-              <a:t>Принтиране на списък чрез</a:t>
+              <a:t> на списък чрез</a:t>
             </a:r>
             <a:r>
               <a:rPr lang="en-US" sz="3350" dirty="0">
@@ -11940,8 +12348,16 @@
               <a:t>for</a:t>
             </a:r>
             <a:r>
+              <a:rPr lang="en-US" sz="3350" b="1" dirty="0">
+                <a:solidFill>
+                  <a:schemeClr val="bg1"/>
+                </a:solidFill>
+              </a:rPr>
+              <a:t>-цикъл</a:t>
+            </a:r>
+            <a:r>
               <a:rPr lang="en-US" sz="3350" dirty="0"/>
-              <a:t>-цикъл:</a:t>
+              <a:t>:</a:t>
             </a:r>
             <a:endParaRPr lang="bg-BG" sz="3350" dirty="0"/>
           </a:p>
@@ -11966,8 +12382,8 @@
           <a:p>
             <a:pPr marL="360045" indent="-360045"/>
             <a:r>
-              <a:rPr lang="en-US" sz="3350" dirty="0"/>
-              <a:t>Принтиране</a:t>
+              <a:rPr lang="bg-BG" sz="3600" dirty="0"/>
+              <a:t>Отпечатване</a:t>
             </a:r>
             <a:r>
               <a:rPr lang="en-US" sz="3350" dirty="0">
@@ -12011,8 +12427,12 @@
           <a:lstStyle/>
           <a:p>
             <a:r>
+              <a:rPr lang="bg-BG" sz="3950" dirty="0"/>
+              <a:t>Отпечатване</a:t>
+            </a:r>
+            <a:r>
               <a:rPr lang="en-US" sz="3950" dirty="0"/>
-              <a:t>Принтиране на списъка на конзолата</a:t>
+              <a:t> на списъка на конзолата</a:t>
             </a:r>
             <a:endParaRPr lang="bg-BG" dirty="0"/>
           </a:p>
@@ -12076,7 +12496,7 @@
                 <a:latin typeface="Consolas" panose="020B0609020204030204" pitchFamily="49" charset="0"/>
                 <a:cs typeface="Arial" panose="020B0604020202020204" pitchFamily="34" charset="0"/>
               </a:rPr>
-              <a:t>  "one", "two", "three", "four", "five", "six"};</a:t>
+              <a:t>  "one", "two", "three", "four", "five" }</a:t>
             </a:r>
           </a:p>
           <a:p>
@@ -12201,7 +12621,7 @@
                 <a:latin typeface="Consolas"/>
                 <a:cs typeface="Arial"/>
               </a:rPr>
-              <a:t>  "one", "two", "three", "four", "five", "six"};</a:t>
+              <a:t>  "one", "two", "three", "four", "five" };</a:t>
             </a:r>
           </a:p>
           <a:p>
@@ -12261,14 +12681,22 @@
             <a:r>
               <a:rPr lang="en-US" sz="2550" b="1" noProof="1">
                 <a:solidFill>
-                  <a:schemeClr val="accent2">
-                    <a:lumMod val="75000"/>
-                  </a:schemeClr>
+                  <a:schemeClr val="accent2"/>
                 </a:solidFill>
                 <a:latin typeface="Consolas"/>
                 <a:cs typeface="Arial"/>
               </a:rPr>
-              <a:t>// Изход: one; two; three; four; five; six</a:t>
+              <a:t>// </a:t>
+            </a:r>
+            <a:r>
+              <a:rPr lang="en-US" sz="2550" b="1" i="1" noProof="1">
+                <a:solidFill>
+                  <a:schemeClr val="accent2"/>
+                </a:solidFill>
+                <a:latin typeface="Consolas"/>
+                <a:cs typeface="Arial"/>
+              </a:rPr>
+              <a:t>Изход: one; two; three; four; five; six</a:t>
             </a:r>
           </a:p>
         </p:txBody>
@@ -12287,20 +12715,26 @@
           </p:cNvPicPr>
           <p:nvPr/>
         </p:nvPicPr>
-        <p:blipFill>
+        <p:blipFill rotWithShape="1">
           <a:blip r:embed="rId2"/>
-          <a:stretch>
-            <a:fillRect/>
-          </a:stretch>
+          <a:srcRect b="13986"/>
+          <a:stretch/>
         </p:blipFill>
         <p:spPr>
           <a:xfrm>
-            <a:off x="8608210" y="260649"/>
-            <a:ext cx="2866278" cy="2113999"/>
+            <a:off x="8630322" y="1189998"/>
+            <a:ext cx="2866278" cy="1818351"/>
           </a:xfrm>
           <a:prstGeom prst="rect">
             <a:avLst/>
           </a:prstGeom>
+          <a:ln>
+            <a:solidFill>
+              <a:schemeClr val="bg2">
+                <a:lumMod val="75000"/>
+              </a:schemeClr>
+            </a:solidFill>
+          </a:ln>
         </p:spPr>
       </p:pic>
       <p:sp>
@@ -12877,7 +13311,7 @@
                 <a:ea typeface="+mn-lt"/>
                 <a:cs typeface="+mn-lt"/>
               </a:rPr>
-              <a:t>в следният ред</a:t>
+              <a:t>в следния ред</a:t>
             </a:r>
             <a:r>
               <a:rPr lang="en-US" sz="3350" dirty="0"/>
@@ -13797,7 +14231,21 @@
                 <a:ea typeface="+mn-lt"/>
                 <a:cs typeface="+mn-lt"/>
               </a:rPr>
-              <a:t>Тествайте решението в Judge</a:t>
+              <a:t>Тествайте решението </a:t>
+            </a:r>
+            <a:r>
+              <a:rPr lang="bg-BG" sz="1950" dirty="0">
+                <a:ea typeface="+mn-lt"/>
+                <a:cs typeface="+mn-lt"/>
+              </a:rPr>
+              <a:t>си </a:t>
+            </a:r>
+            <a:r>
+              <a:rPr lang="en-US" sz="1950" dirty="0">
+                <a:ea typeface="+mn-lt"/>
+                <a:cs typeface="+mn-lt"/>
+              </a:rPr>
+              <a:t>в Judge</a:t>
             </a:r>
             <a:r>
               <a:rPr lang="en-US" sz="1950" dirty="0"/>
@@ -13809,7 +14257,7 @@
             </a:r>
             <a:r>
               <a:rPr lang="en-US" sz="1950" dirty="0">
-                <a:hlinkClick r:id="rId2"/>
+                <a:hlinkClick r:id="rId3"/>
               </a:rPr>
               <a:t>https://judge.softuni.org/Contests/Practice/Index/4150#0</a:t>
             </a:r>
@@ -14598,7 +15046,19 @@
                   <a:schemeClr val="bg1"/>
                 </a:solidFill>
               </a:rPr>
-              <a:t>изходен списък, </a:t>
+              <a:t>изходен списък</a:t>
+            </a:r>
+            <a:r>
+              <a:rPr lang="en-US" sz="3350" dirty="0"/>
+              <a:t>,</a:t>
+            </a:r>
+            <a:r>
+              <a:rPr lang="en-US" sz="3350" b="1" dirty="0">
+                <a:solidFill>
+                  <a:schemeClr val="bg1"/>
+                </a:solidFill>
+              </a:rPr>
+              <a:t> </a:t>
             </a:r>
             <a:r>
               <a:rPr lang="en-US" sz="3350" dirty="0"/>
@@ -14609,7 +15069,7 @@
                 <a:ea typeface="+mn-lt"/>
                 <a:cs typeface="+mn-lt"/>
               </a:rPr>
-              <a:t>да съдържа всички цифри от двата списъка.</a:t>
+              <a:t>да съдържа всички цифри от двата списъка</a:t>
             </a:r>
             <a:endParaRPr lang="bg-BG" sz="3350" dirty="0"/>
           </a:p>
@@ -14628,13 +15088,13 @@
                 </a:solidFill>
                 <a:cs typeface="Calibri"/>
               </a:rPr>
-              <a:t>дължините на двата списъка</a:t>
+              <a:t>дължините </a:t>
             </a:r>
             <a:r>
               <a:rPr lang="en-US" sz="3150" dirty="0">
                 <a:cs typeface="Calibri"/>
               </a:rPr>
-              <a:t> </a:t>
+              <a:t>на двата списъка </a:t>
             </a:r>
             <a:r>
               <a:rPr lang="en-US" sz="3150" b="1" dirty="0">
@@ -14649,9 +15109,22 @@
               <a:rPr lang="en-US" sz="3150" dirty="0">
                 <a:cs typeface="Calibri"/>
               </a:rPr>
-              <a:t> просто добавете оставащите елементи в края на списъка</a:t>
-            </a:r>
-            <a:endParaRPr lang="en-US" sz="3150" dirty="0"/>
+              <a:t>, просто добавете оставащите елементи в </a:t>
+            </a:r>
+            <a:r>
+              <a:rPr lang="en-US" sz="3150" b="1" dirty="0">
+                <a:solidFill>
+                  <a:schemeClr val="bg1"/>
+                </a:solidFill>
+                <a:cs typeface="Calibri"/>
+              </a:rPr>
+              <a:t>края на списъка</a:t>
+            </a:r>
+            <a:endParaRPr lang="en-US" sz="3150" b="1" dirty="0">
+              <a:solidFill>
+                <a:schemeClr val="bg1"/>
+              </a:solidFill>
+            </a:endParaRPr>
           </a:p>
           <a:p>
             <a:pPr lvl="1" indent="-360045"/>
@@ -14898,7 +15371,7 @@
         </p:blipFill>
         <p:spPr>
           <a:xfrm>
-            <a:off x="8467173" y="3424659"/>
+            <a:off x="8886000" y="3677317"/>
             <a:ext cx="2201348" cy="2738766"/>
           </a:xfrm>
           <a:prstGeom prst="rect">
@@ -15242,7 +15715,7 @@
                 <a:ea typeface="+mj-lt"/>
                 <a:cs typeface="+mj-lt"/>
               </a:rPr>
-              <a:t>Обединяване на списъци</a:t>
+              <a:t>Обединяване на списъци (1)</a:t>
             </a:r>
             <a:endParaRPr lang="bg-BG" dirty="0"/>
           </a:p>
@@ -15466,22 +15939,91 @@
                 </a:solidFill>
                 <a:latin typeface="Consolas"/>
               </a:rPr>
-              <a:t>// TODO: </a:t>
+              <a:t>// </a:t>
             </a:r>
             <a:r>
               <a:rPr lang="en-GB" sz="2600" i="1" noProof="1">
                 <a:solidFill>
                   <a:srgbClr val="00B050"/>
                 </a:solidFill>
-                <a:latin typeface="Consolas"/>
-              </a:rPr>
-              <a:t>Да се направи вход</a:t>
+                <a:latin typeface="Calibri" panose="020F0502020204030204" pitchFamily="34" charset="0"/>
+                <a:cs typeface="Calibri" panose="020F0502020204030204" pitchFamily="34" charset="0"/>
+              </a:rPr>
+              <a:t>TODO:</a:t>
+            </a:r>
+            <a:r>
+              <a:rPr lang="en-GB" sz="2600" noProof="1">
+                <a:solidFill>
+                  <a:srgbClr val="00B050"/>
+                </a:solidFill>
+                <a:latin typeface="Calibri" panose="020F0502020204030204" pitchFamily="34" charset="0"/>
+                <a:cs typeface="Calibri" panose="020F0502020204030204" pitchFamily="34" charset="0"/>
+              </a:rPr>
+              <a:t> </a:t>
+            </a:r>
+            <a:r>
+              <a:rPr lang="en-GB" sz="2600" i="1" noProof="1">
+                <a:solidFill>
+                  <a:srgbClr val="00B050"/>
+                </a:solidFill>
+                <a:latin typeface="Calibri" panose="020F0502020204030204" pitchFamily="34" charset="0"/>
+                <a:cs typeface="Calibri" panose="020F0502020204030204" pitchFamily="34" charset="0"/>
+              </a:rPr>
+              <a:t>Да се </a:t>
+            </a:r>
+            <a:r>
+              <a:rPr lang="bg-BG" sz="2600" i="1" noProof="1">
+                <a:solidFill>
+                  <a:srgbClr val="00B050"/>
+                </a:solidFill>
+                <a:latin typeface="Calibri" panose="020F0502020204030204" pitchFamily="34" charset="0"/>
+                <a:cs typeface="Calibri" panose="020F0502020204030204" pitchFamily="34" charset="0"/>
+              </a:rPr>
+              <a:t>прочетат двата списъка – </a:t>
+            </a:r>
+            <a:r>
+              <a:rPr lang="en-US" sz="2600" i="1" noProof="1">
+                <a:solidFill>
+                  <a:srgbClr val="00B050"/>
+                </a:solidFill>
+                <a:cs typeface="Consolas" panose="020B0609020204030204" pitchFamily="49" charset="0"/>
+              </a:rPr>
+              <a:t>nums1</a:t>
+            </a:r>
+            <a:r>
+              <a:rPr lang="en-US" sz="2600" i="1" noProof="1">
+                <a:solidFill>
+                  <a:srgbClr val="00B050"/>
+                </a:solidFill>
+                <a:latin typeface="Calibri" panose="020F0502020204030204" pitchFamily="34" charset="0"/>
+                <a:cs typeface="Calibri" panose="020F0502020204030204" pitchFamily="34" charset="0"/>
+              </a:rPr>
+              <a:t> </a:t>
+            </a:r>
+            <a:r>
+              <a:rPr lang="bg-BG" sz="2600" i="1" noProof="1">
+                <a:solidFill>
+                  <a:srgbClr val="00B050"/>
+                </a:solidFill>
+                <a:latin typeface="Calibri" panose="020F0502020204030204" pitchFamily="34" charset="0"/>
+                <a:cs typeface="Calibri" panose="020F0502020204030204" pitchFamily="34" charset="0"/>
+              </a:rPr>
+              <a:t>и </a:t>
+            </a:r>
+            <a:r>
+              <a:rPr lang="en-US" sz="2600" i="1" noProof="1">
+                <a:solidFill>
+                  <a:srgbClr val="00B050"/>
+                </a:solidFill>
+                <a:cs typeface="Consolas" panose="020B0609020204030204" pitchFamily="49" charset="0"/>
+              </a:rPr>
+              <a:t>nums2</a:t>
             </a:r>
             <a:endParaRPr lang="bg-BG" dirty="0">
               <a:solidFill>
                 <a:srgbClr val="234465"/>
               </a:solidFill>
-              <a:latin typeface="Consolas"/>
+              <a:cs typeface="Consolas" panose="020B0609020204030204" pitchFamily="49" charset="0"/>
             </a:endParaRPr>
           </a:p>
           <a:p>
@@ -15590,16 +16132,55 @@
                 </a:solidFill>
                 <a:latin typeface="Consolas"/>
               </a:rPr>
-              <a:t>  // TODO: Д</a:t>
+              <a:t>  // </a:t>
             </a:r>
             <a:r>
               <a:rPr lang="en-GB" sz="2600" i="1" noProof="1">
                 <a:solidFill>
                   <a:srgbClr val="00B050"/>
                 </a:solidFill>
+                <a:latin typeface="Calibri" panose="020F0502020204030204" pitchFamily="34" charset="0"/>
+                <a:cs typeface="Calibri" panose="020F0502020204030204" pitchFamily="34" charset="0"/>
+              </a:rPr>
+              <a:t>TODO:</a:t>
+            </a:r>
+            <a:r>
+              <a:rPr lang="en-GB" sz="2600" noProof="1">
+                <a:solidFill>
+                  <a:srgbClr val="00B050"/>
+                </a:solidFill>
                 <a:latin typeface="Consolas"/>
               </a:rPr>
-              <a:t>а се добавят числата resultNums</a:t>
+              <a:t> </a:t>
+            </a:r>
+            <a:r>
+              <a:rPr lang="en-GB" sz="2600" i="1" noProof="1">
+                <a:solidFill>
+                  <a:srgbClr val="00B050"/>
+                </a:solidFill>
+                <a:latin typeface="Calibri" panose="020F0502020204030204" pitchFamily="34" charset="0"/>
+                <a:cs typeface="Calibri" panose="020F0502020204030204" pitchFamily="34" charset="0"/>
+              </a:rPr>
+              <a:t>Да се добавят числата </a:t>
+            </a:r>
+            <a:r>
+              <a:rPr lang="bg-BG" sz="2600" i="1" noProof="1">
+                <a:solidFill>
+                  <a:srgbClr val="00B050"/>
+                </a:solidFill>
+                <a:latin typeface="Calibri" panose="020F0502020204030204" pitchFamily="34" charset="0"/>
+                <a:cs typeface="Calibri" panose="020F0502020204030204" pitchFamily="34" charset="0"/>
+              </a:rPr>
+              <a:t>в правилния ред към </a:t>
+            </a:r>
+            <a:r>
+              <a:rPr lang="en-GB" sz="2600" i="1" noProof="1">
+                <a:solidFill>
+                  <a:srgbClr val="00B050"/>
+                </a:solidFill>
+                <a:latin typeface="Consolas"/>
+              </a:rPr>
+              <a:t>resultNums</a:t>
             </a:r>
           </a:p>
           <a:p>
@@ -16224,7 +16805,7 @@
                 <a:ea typeface="+mj-lt"/>
                 <a:cs typeface="+mj-lt"/>
               </a:rPr>
-              <a:t>Обединяване на списъци</a:t>
+              <a:t>Обединяване на списъци </a:t>
             </a:r>
             <a:r>
               <a:rPr lang="en-GB" sz="3950" dirty="0"/>
@@ -16268,7 +16849,21 @@
                 <a:ea typeface="+mn-lt"/>
                 <a:cs typeface="+mn-lt"/>
               </a:rPr>
-              <a:t>Тествайте решението в Judge</a:t>
+              <a:t>Тествайте решението</a:t>
+            </a:r>
+            <a:r>
+              <a:rPr lang="bg-BG" sz="1950" dirty="0">
+                <a:ea typeface="+mn-lt"/>
+                <a:cs typeface="+mn-lt"/>
+              </a:rPr>
+              <a:t> си</a:t>
+            </a:r>
+            <a:r>
+              <a:rPr lang="en-US" sz="1950" dirty="0">
+                <a:ea typeface="+mn-lt"/>
+                <a:cs typeface="+mn-lt"/>
+              </a:rPr>
+              <a:t> в Judge</a:t>
             </a:r>
             <a:r>
               <a:rPr lang="en-US" sz="1950" dirty="0"/>
@@ -17119,28 +17714,14 @@
                 <a:ea typeface="+mj-lt"/>
                 <a:cs typeface="+mj-lt"/>
               </a:rPr>
-              <a:t>Сортиране на спис</a:t>
+              <a:t>Сортиране на </a:t>
             </a:r>
             <a:r>
               <a:rPr lang="bg-BG" sz="5350" dirty="0">
                 <a:ea typeface="+mj-lt"/>
                 <a:cs typeface="+mj-lt"/>
               </a:rPr>
-              <a:t>ъци</a:t>
-            </a:r>
-            <a:r>
-              <a:rPr lang="en-US" sz="5350" dirty="0">
-                <a:ea typeface="+mj-lt"/>
-                <a:cs typeface="+mj-lt"/>
-              </a:rPr>
-              <a:t> и масив</a:t>
-            </a:r>
-            <a:r>
-              <a:rPr lang="bg-BG" sz="5350" dirty="0">
-                <a:ea typeface="+mj-lt"/>
-                <a:cs typeface="+mj-lt"/>
-              </a:rPr>
-              <a:t>и</a:t>
+              <a:t>списък</a:t>
             </a:r>
             <a:endParaRPr lang="bg-BG" dirty="0"/>
           </a:p>
@@ -17213,7 +17794,24 @@
             </a:pPr>
             <a:r>
               <a:rPr lang="bg-BG" dirty="0"/>
-              <a:t>Списъци</a:t>
+              <a:t>Списък</a:t>
+            </a:r>
+          </a:p>
+          <a:p>
+            <a:pPr marL="746433" lvl="1" indent="-457200">
+              <a:lnSpc>
+                <a:spcPct val="114000"/>
+              </a:lnSpc>
+              <a:spcBef>
+                <a:spcPts val="1200"/>
+              </a:spcBef>
+            </a:pPr>
+            <a:r>
+              <a:rPr lang="bg-BG" dirty="0">
+                <a:ea typeface="+mn-lt"/>
+                <a:cs typeface="+mn-lt"/>
+              </a:rPr>
+              <a:t>Манипулиране на списък</a:t>
             </a:r>
           </a:p>
           <a:p>
@@ -17228,12 +17826,12 @@
               <a:buAutoNum type="arabicPeriod"/>
             </a:pPr>
             <a:r>
-              <a:rPr lang="bg-BG" dirty="0">
-                <a:ea typeface="+mn-lt"/>
-                <a:cs typeface="+mn-lt"/>
-              </a:rPr>
-              <a:t>Манипулиране на списък</a:t>
-            </a:r>
+              <a:rPr lang="bg-BG" dirty="0"/>
+              <a:t>Четене и отпечатване на списък</a:t>
+            </a:r>
+            <a:endParaRPr lang="bg-BG" dirty="0">
+              <a:cs typeface="Calibri"/>
+            </a:endParaRPr>
           </a:p>
           <a:p>
             <a:pPr marL="445770" indent="-445770">
@@ -17248,26 +17846,7 @@
             </a:pPr>
             <a:r>
               <a:rPr lang="bg-BG" dirty="0"/>
-              <a:t>Четене на списък от конзолата</a:t>
-            </a:r>
-            <a:endParaRPr lang="bg-BG" dirty="0">
-              <a:cs typeface="Calibri"/>
-            </a:endParaRPr>
-          </a:p>
-          <a:p>
-            <a:pPr marL="445770" indent="-445770">
-              <a:lnSpc>
-                <a:spcPct val="114000"/>
-              </a:lnSpc>
-              <a:spcBef>
-                <a:spcPts val="1200"/>
-              </a:spcBef>
-              <a:buFontTx/>
-              <a:buAutoNum type="arabicPeriod"/>
-            </a:pPr>
-            <a:r>
-              <a:rPr lang="bg-BG" dirty="0"/>
-              <a:t>Сортиране на списък и масив</a:t>
+              <a:t>Сортиране на списък</a:t>
             </a:r>
             <a:endParaRPr lang="bg-BG" dirty="0">
               <a:cs typeface="Calibri"/>
@@ -17487,7 +18066,7 @@
                                         <p:tgtEl>
                                           <p:spTgt spid="444419">
                                             <p:txEl>
-                                              <p:pRg st="1" end="1"/>
+                                              <p:pRg st="2" end="2"/>
                                             </p:txEl>
                                           </p:spTgt>
                                         </p:tgtEl>
@@ -17529,55 +18108,6 @@
                                     <p:set>
                                       <p:cBhvr>
                                         <p:cTn id="10" dur="1" fill="hold">
-                                          <p:stCondLst>
-                                            <p:cond delay="0"/>
-                                          </p:stCondLst>
-                                        </p:cTn>
-                                        <p:tgtEl>
-                                          <p:spTgt spid="444419">
-                                            <p:txEl>
-                                              <p:pRg st="2" end="2"/>
-                                            </p:txEl>
-                                          </p:spTgt>
-                                        </p:tgtEl>
-                                        <p:attrNameLst>
-                                          <p:attrName>style.visibility</p:attrName>
-                                        </p:attrNameLst>
-                                      </p:cBhvr>
-                                      <p:to>
-                                        <p:strVal val="visible"/>
-                                      </p:to>
-                                    </p:set>
-                                  </p:childTnLst>
-                                </p:cTn>
-                              </p:par>
-                            </p:childTnLst>
-                          </p:cTn>
-                        </p:par>
-                      </p:childTnLst>
-                    </p:cTn>
-                  </p:par>
-                  <p:par>
-                    <p:cTn id="11" fill="hold">
-                      <p:stCondLst>
-                        <p:cond delay="indefinite"/>
-                      </p:stCondLst>
-                      <p:childTnLst>
-                        <p:par>
-                          <p:cTn id="12" fill="hold">
-                            <p:stCondLst>
-                              <p:cond delay="0"/>
-                            </p:stCondLst>
-                            <p:childTnLst>
-                              <p:par>
-                                <p:cTn id="13" presetID="1" presetClass="entr" presetSubtype="0" fill="hold" nodeType="clickEffect">
-                                  <p:stCondLst>
-                                    <p:cond delay="0"/>
-                                  </p:stCondLst>
-                                  <p:childTnLst>
-                                    <p:set>
-                                      <p:cBhvr>
-                                        <p:cTn id="14" dur="1" fill="hold">
                                           <p:stCondLst>
                                             <p:cond delay="0"/>
                                           </p:stCondLst>
@@ -17660,7 +18190,7 @@
         </p:nvSpPr>
         <p:spPr>
           <a:xfrm>
-            <a:off x="336000" y="1190245"/>
+            <a:off x="336000" y="1224000"/>
             <a:ext cx="12227528" cy="5562885"/>
           </a:xfrm>
         </p:spPr>
@@ -17694,7 +18224,17 @@
                 <a:ea typeface="+mn-lt"/>
                 <a:cs typeface="+mn-lt"/>
               </a:rPr>
-              <a:t> списъци </a:t>
+              <a:t> </a:t>
+            </a:r>
+            <a:r>
+              <a:rPr lang="bg-BG" sz="3000" b="1" dirty="0">
+                <a:solidFill>
+                  <a:schemeClr val="bg1"/>
+                </a:solidFill>
+                <a:ea typeface="+mn-lt"/>
+                <a:cs typeface="+mn-lt"/>
+              </a:rPr>
+              <a:t>списък </a:t>
             </a:r>
             <a:r>
               <a:rPr lang="en-US" sz="3000" dirty="0"/>
@@ -17709,8 +18249,8 @@
                 <a:solidFill>
                   <a:schemeClr val="bg1"/>
                 </a:solidFill>
-                <a:latin typeface="Calibri"/>
-                <a:cs typeface="Calibri"/>
+                <a:latin typeface="Consolas" panose="020B0609020204030204" pitchFamily="49" charset="0"/>
+                <a:cs typeface="Consolas" panose="020B0609020204030204" pitchFamily="49" charset="0"/>
               </a:rPr>
               <a:t>Sort()</a:t>
             </a:r>
@@ -17719,8 +18259,8 @@
                 <a:solidFill>
                   <a:srgbClr val="234465"/>
                 </a:solidFill>
-                <a:latin typeface="Calibri"/>
-                <a:cs typeface="Calibri"/>
+                <a:latin typeface="Consolas" panose="020B0609020204030204" pitchFamily="49" charset="0"/>
+                <a:cs typeface="Consolas" panose="020B0609020204030204" pitchFamily="49" charset="0"/>
               </a:rPr>
               <a:t> </a:t>
             </a:r>
@@ -17728,7 +18268,8 @@
               <a:solidFill>
                 <a:schemeClr val="bg1"/>
               </a:solidFill>
-              <a:latin typeface="Consolas"/>
+              <a:latin typeface="Consolas" panose="020B0609020204030204" pitchFamily="49" charset="0"/>
+              <a:cs typeface="Consolas" panose="020B0609020204030204" pitchFamily="49" charset="0"/>
             </a:endParaRPr>
           </a:p>
           <a:p>
@@ -17743,7 +18284,35 @@
                   <a:srgbClr val="234465"/>
                 </a:solidFill>
               </a:rPr>
-              <a:t>Елементите трябва да могат да се </a:t>
+              <a:t>Елементите</a:t>
+            </a:r>
+            <a:r>
+              <a:rPr lang="bg-BG" sz="3000" dirty="0">
+                <a:solidFill>
+                  <a:srgbClr val="234465"/>
+                </a:solidFill>
+              </a:rPr>
+              <a:t> (</a:t>
+            </a:r>
+            <a:r>
+              <a:rPr lang="bg-BG" sz="3000" dirty="0"/>
+              <a:t>напр.</a:t>
+            </a:r>
+            <a:r>
+              <a:rPr lang="en-US" sz="3000" dirty="0"/>
+              <a:t> числа, низове, дати</a:t>
+            </a:r>
+            <a:r>
+              <a:rPr lang="bg-BG" sz="3000" dirty="0"/>
+              <a:t>)</a:t>
+            </a:r>
+            <a:r>
+              <a:rPr lang="en-US" sz="3000" dirty="0">
+                <a:solidFill>
+                  <a:srgbClr val="234465"/>
+                </a:solidFill>
+              </a:rPr>
+              <a:t> трябва да могат да се </a:t>
             </a:r>
             <a:r>
               <a:rPr lang="en-US" sz="3000" b="1" dirty="0">
@@ -17754,8 +18323,8 @@
               <a:t>сравняват</a:t>
             </a:r>
             <a:r>
-              <a:rPr lang="en-US" sz="3000" dirty="0"/>
-              <a:t>, например числа, низове, дати, …</a:t>
+              <a:rPr lang="bg-BG" sz="3000" dirty="0"/>
+              <a:t>:</a:t>
             </a:r>
             <a:endParaRPr lang="en-US" sz="3000" dirty="0">
               <a:cs typeface="Calibri"/>
@@ -17780,7 +18349,11 @@
           <a:p>
             <a:r>
               <a:rPr lang="en-GB" sz="3950" dirty="0"/>
-              <a:t>Сортиране на списъци</a:t>
+              <a:t>Сортиране на </a:t>
+            </a:r>
+            <a:r>
+              <a:rPr lang="bg-BG" sz="3950" dirty="0"/>
+              <a:t>списък</a:t>
             </a:r>
             <a:endParaRPr lang="bg-BG" dirty="0"/>
           </a:p>
@@ -18037,7 +18610,7 @@
         <p:spPr bwMode="auto">
           <a:xfrm>
             <a:off x="3888768" y="3800545"/>
-            <a:ext cx="2936097" cy="746833"/>
+            <a:ext cx="2936097" cy="798455"/>
           </a:xfrm>
           <a:prstGeom prst="wedgeRoundRectCallout">
             <a:avLst>
@@ -18089,10 +18662,21 @@
             <a:r>
               <a:rPr lang="en-US" sz="2400" b="1" noProof="1">
                 <a:solidFill>
+                  <a:schemeClr val="bg1">
+                    <a:lumMod val="60000"/>
+                    <a:lumOff val="40000"/>
+                  </a:schemeClr>
+                </a:solidFill>
+              </a:rPr>
+              <a:t>Сортиране</a:t>
+            </a:r>
+            <a:r>
+              <a:rPr lang="en-US" sz="2400" b="1" noProof="1">
+                <a:solidFill>
                   <a:schemeClr val="bg2"/>
                 </a:solidFill>
               </a:rPr>
-              <a:t>Сортиране във възходящ ред</a:t>
+              <a:t> във възходящ ред</a:t>
             </a:r>
             <a:endParaRPr lang="bg-BG" dirty="0">
               <a:solidFill>
@@ -18113,12 +18697,12 @@
         <p:spPr bwMode="auto">
           <a:xfrm>
             <a:off x="4071528" y="4999566"/>
-            <a:ext cx="3009707" cy="669285"/>
+            <a:ext cx="3009707" cy="798455"/>
           </a:xfrm>
           <a:prstGeom prst="wedgeRoundRectCallout">
             <a:avLst>
-              <a:gd name="adj1" fmla="val -58538"/>
-              <a:gd name="adj2" fmla="val 38843"/>
+              <a:gd name="adj1" fmla="val -58259"/>
+              <a:gd name="adj2" fmla="val 23083"/>
               <a:gd name="adj3" fmla="val 16667"/>
             </a:avLst>
           </a:prstGeom>
@@ -18165,10 +18749,21 @@
             <a:r>
               <a:rPr lang="en-US" sz="2400" b="1" noProof="1">
                 <a:solidFill>
+                  <a:schemeClr val="bg1">
+                    <a:lumMod val="60000"/>
+                    <a:lumOff val="40000"/>
+                  </a:schemeClr>
+                </a:solidFill>
+              </a:rPr>
+              <a:t>Обръщане</a:t>
+            </a:r>
+            <a:r>
+              <a:rPr lang="en-US" sz="2400" b="1" noProof="1">
+                <a:solidFill>
                   <a:schemeClr val="bg2"/>
                 </a:solidFill>
               </a:rPr>
-              <a:t>Обръщане на сортирания списък</a:t>
+              <a:t> на сортирания списък</a:t>
             </a:r>
             <a:endParaRPr lang="bg-BG" dirty="0">
               <a:solidFill>
@@ -18799,8 +19394,8 @@
         </p:nvSpPr>
         <p:spPr>
           <a:xfrm>
-            <a:off x="191940" y="1196706"/>
-            <a:ext cx="11996988" cy="5199712"/>
+            <a:off x="135000" y="1196706"/>
+            <a:ext cx="12126000" cy="5199712"/>
           </a:xfrm>
         </p:spPr>
         <p:txBody>
@@ -18810,25 +19405,28 @@
           <a:lstStyle/>
           <a:p>
             <a:pPr marL="360045" indent="-360045">
+              <a:lnSpc>
+                <a:spcPct val="100000"/>
+              </a:lnSpc>
               <a:buFont typeface="Wingdings"/>
               <a:buChar char="§"/>
             </a:pPr>
             <a:r>
-              <a:rPr lang="en-US" sz="3600" dirty="0">
+              <a:rPr lang="en-US" sz="3400" dirty="0">
                 <a:ea typeface="+mn-lt"/>
                 <a:cs typeface="+mn-lt"/>
               </a:rPr>
               <a:t>Прочетете числото</a:t>
             </a:r>
             <a:r>
-              <a:rPr lang="en-US" sz="3600" b="1" dirty="0">
+              <a:rPr lang="en-US" sz="3400" b="1" dirty="0">
                 <a:ea typeface="+mn-lt"/>
                 <a:cs typeface="+mn-lt"/>
               </a:rPr>
               <a:t> </a:t>
             </a:r>
             <a:r>
-              <a:rPr lang="en-US" sz="3600" b="1" dirty="0">
+              <a:rPr lang="en-US" sz="3400" b="1" dirty="0">
                 <a:solidFill>
                   <a:schemeClr val="bg1"/>
                 </a:solidFill>
@@ -18838,42 +19436,71 @@
               <a:t>n</a:t>
             </a:r>
             <a:r>
-              <a:rPr lang="en-US" sz="3600" dirty="0">
+              <a:rPr lang="en-US" sz="3400" dirty="0">
                 <a:ea typeface="+mn-lt"/>
                 <a:cs typeface="+mn-lt"/>
               </a:rPr>
-              <a:t> и след това n на брой редове от</a:t>
-            </a:r>
-            <a:endParaRPr lang="bg-BG" dirty="0">
-              <a:solidFill>
-                <a:srgbClr val="FFA000"/>
-              </a:solidFill>
-              <a:ea typeface="+mn-lt"/>
-              <a:cs typeface="+mn-lt"/>
-            </a:endParaRPr>
-          </a:p>
-          <a:p>
-            <a:pPr marL="0" indent="0">
-              <a:buNone/>
-            </a:pPr>
-            <a:r>
-              <a:rPr lang="en-US" sz="3600" dirty="0">
+              <a:t> и след това n на брой </a:t>
+            </a:r>
+            <a:r>
+              <a:rPr lang="bg-BG" sz="3400" dirty="0">
                 <a:ea typeface="+mn-lt"/>
                 <a:cs typeface="+mn-lt"/>
               </a:rPr>
-              <a:t> </a:t>
-            </a:r>
-            <a:r>
-              <a:rPr lang="en-US" sz="3600" b="1" dirty="0">
-                <a:solidFill>
-                  <a:schemeClr val="bg1"/>
-                </a:solidFill>
+              <a:t>реда</a:t>
+            </a:r>
+            <a:r>
+              <a:rPr lang="en-US" sz="3400" dirty="0">
                 <a:ea typeface="+mn-lt"/>
                 <a:cs typeface="+mn-lt"/>
               </a:rPr>
-              <a:t>продукти</a:t>
-            </a:r>
-            <a:endParaRPr lang="bg-BG" b="1" dirty="0">
+              <a:t> </a:t>
+            </a:r>
+            <a:r>
+              <a:rPr lang="bg-BG" sz="3400" dirty="0">
+                <a:ea typeface="+mn-lt"/>
+                <a:cs typeface="+mn-lt"/>
+              </a:rPr>
+              <a:t>с</a:t>
+            </a:r>
+            <a:r>
+              <a:rPr lang="en-US" sz="3400" dirty="0">
+                <a:ea typeface="+mn-lt"/>
+                <a:cs typeface="+mn-lt"/>
+              </a:rPr>
+              <a:t> </a:t>
+            </a:r>
+            <a:r>
+              <a:rPr lang="en-US" sz="3400" b="1" dirty="0">
+                <a:solidFill>
+                  <a:schemeClr val="bg1"/>
+                </a:solidFill>
+                <a:ea typeface="+mn-lt"/>
+                <a:cs typeface="+mn-lt"/>
+              </a:rPr>
+              <a:t>продук</a:t>
+            </a:r>
+            <a:r>
+              <a:rPr lang="bg-BG" sz="3400" b="1" dirty="0">
+                <a:solidFill>
+                  <a:schemeClr val="bg1"/>
+                </a:solidFill>
+                <a:ea typeface="+mn-lt"/>
+                <a:cs typeface="+mn-lt"/>
+              </a:rPr>
+              <a:t>т</a:t>
+            </a:r>
+            <a:r>
+              <a:rPr lang="en-US" sz="3400" b="1" dirty="0">
+                <a:solidFill>
+                  <a:schemeClr val="bg1"/>
+                </a:solidFill>
+                <a:ea typeface="+mn-lt"/>
+                <a:cs typeface="+mn-lt"/>
+              </a:rPr>
+              <a:t>и</a:t>
+            </a:r>
+            <a:endParaRPr lang="bg-BG" sz="3400" b="1" dirty="0">
               <a:solidFill>
                 <a:schemeClr val="bg1"/>
               </a:solidFill>
@@ -18882,50 +19509,88 @@
           <a:p>
             <a:pPr lvl="1" indent="-360045"/>
             <a:r>
-              <a:rPr lang="en-US" sz="3400" dirty="0">
+              <a:rPr lang="bg-BG" sz="3200" dirty="0">
                 <a:ea typeface="+mn-lt"/>
                 <a:cs typeface="+mn-lt"/>
               </a:rPr>
-              <a:t>Принтирайте </a:t>
-            </a:r>
-            <a:r>
-              <a:rPr lang="en-US" sz="3400" b="1" dirty="0">
-                <a:solidFill>
-                  <a:schemeClr val="bg1"/>
-                </a:solidFill>
+              <a:t>Отпечатайте</a:t>
+            </a:r>
+            <a:r>
+              <a:rPr lang="en-US" sz="3200" dirty="0">
                 <a:ea typeface="+mn-lt"/>
                 <a:cs typeface="+mn-lt"/>
               </a:rPr>
-              <a:t>номериран списък</a:t>
-            </a:r>
-            <a:r>
-              <a:rPr lang="en-US" sz="3400" dirty="0">
+              <a:t> </a:t>
+            </a:r>
+            <a:r>
+              <a:rPr lang="en-US" sz="3200" b="1" dirty="0">
+                <a:solidFill>
+                  <a:schemeClr val="bg1"/>
+                </a:solidFill>
                 <a:ea typeface="+mn-lt"/>
                 <a:cs typeface="+mn-lt"/>
               </a:rPr>
-              <a:t>, който съдържа всички продукти подредени по име и</a:t>
-            </a:r>
-            <a:r>
-              <a:rPr lang="en-US" sz="3400" dirty="0">
-                <a:solidFill>
-                  <a:srgbClr val="234465"/>
-                </a:solidFill>
+              <a:t>номериран списък</a:t>
+            </a:r>
+            <a:r>
+              <a:rPr lang="en-US" sz="3200" dirty="0">
                 <a:ea typeface="+mn-lt"/>
                 <a:cs typeface="+mn-lt"/>
               </a:rPr>
-              <a:t> </a:t>
-            </a:r>
-            <a:r>
-              <a:rPr lang="en-US" sz="3400" b="1" dirty="0">
-                <a:solidFill>
-                  <a:schemeClr val="bg1"/>
-                </a:solidFill>
+              <a:t>, който съдържа всички продукти</a:t>
+            </a:r>
+            <a:r>
+              <a:rPr lang="bg-BG" sz="3200" dirty="0">
                 <a:ea typeface="+mn-lt"/>
                 <a:cs typeface="+mn-lt"/>
               </a:rPr>
+              <a:t>,</a:t>
+            </a:r>
+            <a:r>
+              <a:rPr lang="en-US" sz="3200" dirty="0">
+                <a:ea typeface="+mn-lt"/>
+                <a:cs typeface="+mn-lt"/>
+              </a:rPr>
+              <a:t> подредени по </a:t>
+            </a:r>
+            <a:r>
+              <a:rPr lang="en-US" sz="3200" b="1" dirty="0">
+                <a:solidFill>
+                  <a:schemeClr val="bg1"/>
+                </a:solidFill>
+                <a:ea typeface="+mn-lt"/>
+                <a:cs typeface="+mn-lt"/>
+              </a:rPr>
+              <a:t>име</a:t>
+            </a:r>
+            <a:r>
+              <a:rPr lang="en-US" sz="3200" dirty="0">
+                <a:ea typeface="+mn-lt"/>
+                <a:cs typeface="+mn-lt"/>
+              </a:rPr>
+              <a:t> и</a:t>
+            </a:r>
+            <a:r>
+              <a:rPr lang="en-US" sz="3200" dirty="0">
+                <a:solidFill>
+                  <a:srgbClr val="234465"/>
+                </a:solidFill>
+                <a:ea typeface="+mn-lt"/>
+                <a:cs typeface="+mn-lt"/>
+              </a:rPr>
+              <a:t> </a:t>
+            </a:r>
+            <a:r>
+              <a:rPr lang="en-US" sz="3200" b="1" dirty="0">
+                <a:solidFill>
+                  <a:schemeClr val="bg1"/>
+                </a:solidFill>
+                <a:ea typeface="+mn-lt"/>
+                <a:cs typeface="+mn-lt"/>
+              </a:rPr>
               <a:t>по азбучен ред</a:t>
             </a:r>
-            <a:endParaRPr lang="en-US" sz="3400" b="1" dirty="0">
+            <a:endParaRPr lang="en-US" sz="3200" b="1" dirty="0">
               <a:solidFill>
                 <a:schemeClr val="bg1"/>
               </a:solidFill>
@@ -18934,10 +19599,10 @@
           <a:p>
             <a:pPr marL="360045" indent="-360045"/>
             <a:r>
-              <a:rPr lang="en-US" sz="3600" dirty="0"/>
+              <a:rPr lang="en-US" sz="3400" dirty="0"/>
               <a:t>Примери:</a:t>
             </a:r>
-            <a:endParaRPr lang="bg-BG" sz="3600" dirty="0">
+            <a:endParaRPr lang="bg-BG" sz="3400" dirty="0">
               <a:cs typeface="Calibri"/>
             </a:endParaRPr>
           </a:p>
@@ -18976,7 +19641,7 @@
         </p:nvSpPr>
         <p:spPr bwMode="auto">
           <a:xfrm>
-            <a:off x="3049509" y="3971838"/>
+            <a:off x="3345002" y="3529310"/>
             <a:ext cx="1767818" cy="2834154"/>
           </a:xfrm>
           <a:prstGeom prst="rect">
@@ -19091,7 +19756,7 @@
         </p:nvSpPr>
         <p:spPr bwMode="auto">
           <a:xfrm>
-            <a:off x="5728653" y="4244753"/>
+            <a:off x="6024146" y="3802225"/>
             <a:ext cx="2124644" cy="2280156"/>
           </a:xfrm>
           <a:prstGeom prst="rect">
@@ -19188,7 +19853,7 @@
         </p:nvSpPr>
         <p:spPr>
           <a:xfrm>
-            <a:off x="5051226" y="5157888"/>
+            <a:off x="5346719" y="4715360"/>
             <a:ext cx="587676" cy="473303"/>
           </a:xfrm>
           <a:prstGeom prst="rightArrow">
@@ -19266,7 +19931,7 @@
         </p:nvSpPr>
         <p:spPr>
           <a:xfrm>
-            <a:off x="8738814" y="3885532"/>
+            <a:off x="9034307" y="3443004"/>
             <a:ext cx="1156225" cy="2515761"/>
           </a:xfrm>
           <a:prstGeom prst="rect">
@@ -19460,7 +20125,7 @@
         </p:nvSpPr>
         <p:spPr bwMode="auto">
           <a:xfrm>
-            <a:off x="8050507" y="3971837"/>
+            <a:off x="8346000" y="3529309"/>
             <a:ext cx="742757" cy="2418082"/>
           </a:xfrm>
           <a:prstGeom prst="downArrow">
@@ -19618,7 +20283,7 @@
                                         <p:tgtEl>
                                           <p:spTgt spid="6">
                                             <p:txEl>
-                                              <p:pRg st="3" end="3"/>
+                                              <p:pRg st="2" end="2"/>
                                             </p:txEl>
                                           </p:spTgt>
                                         </p:tgtEl>
@@ -19887,7 +20552,21 @@
                 <a:ea typeface="+mn-lt"/>
                 <a:cs typeface="+mn-lt"/>
               </a:rPr>
-              <a:t>Тествайте решението в Judge</a:t>
+              <a:t>Тествайте решението</a:t>
+            </a:r>
+            <a:r>
+              <a:rPr lang="bg-BG" sz="1950" dirty="0">
+                <a:ea typeface="+mn-lt"/>
+                <a:cs typeface="+mn-lt"/>
+              </a:rPr>
+              <a:t> си</a:t>
+            </a:r>
+            <a:r>
+              <a:rPr lang="en-US" sz="1950" dirty="0">
+                <a:ea typeface="+mn-lt"/>
+                <a:cs typeface="+mn-lt"/>
+              </a:rPr>
+              <a:t> в Judge</a:t>
             </a:r>
             <a:r>
               <a:rPr lang="en-US" sz="1950" dirty="0"/>
@@ -20782,6 +21461,9 @@
           <a:lstStyle/>
           <a:p>
             <a:pPr marL="360045" indent="-360045">
+              <a:lnSpc>
+                <a:spcPct val="100000"/>
+              </a:lnSpc>
               <a:buFont typeface="Wingdings"/>
               <a:buChar char="§"/>
             </a:pPr>
@@ -20798,13 +21480,43 @@
                 </a:solidFill>
                 <a:cs typeface="Calibri"/>
               </a:rPr>
-              <a:t>списък от числа </a:t>
+              <a:t>списък от</a:t>
+            </a:r>
+            <a:r>
+              <a:rPr lang="bg-BG" sz="3600" b="1" dirty="0">
+                <a:solidFill>
+                  <a:schemeClr val="bg1"/>
+                </a:solidFill>
+                <a:cs typeface="Calibri"/>
+              </a:rPr>
+              <a:t> цели</a:t>
+            </a:r>
+            <a:r>
+              <a:rPr lang="en-US" sz="3600" b="1" dirty="0">
+                <a:solidFill>
+                  <a:schemeClr val="bg1"/>
+                </a:solidFill>
+                <a:cs typeface="Calibri"/>
+              </a:rPr>
+              <a:t> числа </a:t>
             </a:r>
             <a:r>
               <a:rPr lang="en-US" sz="3600" dirty="0">
                 <a:cs typeface="Calibri"/>
               </a:rPr>
-              <a:t>и премахнете </a:t>
+              <a:t>и </a:t>
+            </a:r>
+            <a:r>
+              <a:rPr lang="bg-BG" sz="3600" dirty="0">
+                <a:cs typeface="Calibri"/>
+              </a:rPr>
+              <a:t>п</a:t>
+            </a:r>
+            <a:r>
+              <a:rPr lang="en-US" sz="3600" dirty="0">
+                <a:cs typeface="Calibri"/>
+              </a:rPr>
+              <a:t>ремахнете </a:t>
             </a:r>
             <a:r>
               <a:rPr lang="en-US" sz="3600" b="1" dirty="0">
@@ -20824,6 +21536,9 @@
           </a:p>
           <a:p>
             <a:pPr marL="0" indent="0">
+              <a:lnSpc>
+                <a:spcPct val="100000"/>
+              </a:lnSpc>
               <a:buNone/>
             </a:pPr>
             <a:r>
@@ -20850,24 +21565,7 @@
                 <a:ea typeface="+mn-lt"/>
                 <a:cs typeface="+mn-lt"/>
               </a:rPr>
-              <a:t>Принтирайте </a:t>
-            </a:r>
-            <a:r>
-              <a:rPr lang="en-US" sz="3200" b="1" dirty="0">
-                <a:solidFill>
-                  <a:schemeClr val="bg1"/>
-                </a:solidFill>
-                <a:ea typeface="+mn-lt"/>
-                <a:cs typeface="+mn-lt"/>
-              </a:rPr>
-              <a:t>останалите числа</a:t>
-            </a:r>
-            <a:r>
-              <a:rPr lang="en-US" sz="3200" dirty="0">
-                <a:ea typeface="+mn-lt"/>
-                <a:cs typeface="+mn-lt"/>
-              </a:rPr>
-              <a:t> в </a:t>
+              <a:t>Принтирайте останалите числа в </a:t>
             </a:r>
             <a:r>
               <a:rPr lang="en-US" sz="3200" b="1" dirty="0">
@@ -20943,21 +21641,30 @@
         </p:nvSpPr>
         <p:spPr/>
         <p:txBody>
-          <a:bodyPr/>
+          <a:bodyPr>
+            <a:normAutofit/>
+          </a:bodyPr>
           <a:lstStyle/>
           <a:p>
             <a:r>
-              <a:rPr lang="en-US" sz="3950" dirty="0"/>
+              <a:rPr lang="en-US" sz="4000" dirty="0"/>
               <a:t>Задача: </a:t>
             </a:r>
             <a:r>
-              <a:rPr lang="en-US" sz="3950" dirty="0">
+              <a:rPr lang="en-US" sz="4000" dirty="0">
                 <a:ea typeface="+mj-lt"/>
                 <a:cs typeface="+mj-lt"/>
               </a:rPr>
-              <a:t>Премахнете негативите и обърнете</a:t>
-            </a:r>
-            <a:endParaRPr lang="bg-BG" sz="3950" dirty="0"/>
+              <a:t>Премахнете </a:t>
+            </a:r>
+            <a:r>
+              <a:rPr lang="bg-BG" sz="4000" dirty="0">
+                <a:ea typeface="+mj-lt"/>
+                <a:cs typeface="+mj-lt"/>
+              </a:rPr>
+              <a:t>отрицателните числа</a:t>
+            </a:r>
+            <a:endParaRPr lang="bg-BG" sz="4000" dirty="0"/>
           </a:p>
         </p:txBody>
       </p:sp>
@@ -21954,36 +22661,48 @@
             <p:ph type="title"/>
           </p:nvPr>
         </p:nvSpPr>
-        <p:spPr/>
+        <p:spPr>
+          <a:xfrm>
+            <a:off x="21000" y="100750"/>
+            <a:ext cx="10000594" cy="882654"/>
+          </a:xfrm>
+        </p:spPr>
         <p:txBody>
           <a:bodyPr>
-            <a:normAutofit fontScale="90000"/>
+            <a:noAutofit/>
           </a:bodyPr>
           <a:lstStyle/>
           <a:p>
             <a:r>
-              <a:rPr lang="en-GB" sz="3950" dirty="0">
+              <a:rPr lang="en-GB" sz="4000" dirty="0">
                 <a:ea typeface="+mj-lt"/>
                 <a:cs typeface="+mj-lt"/>
               </a:rPr>
               <a:t>Решение</a:t>
             </a:r>
             <a:r>
-              <a:rPr lang="en-US" sz="3950" dirty="0"/>
+              <a:rPr lang="en-US" sz="4000" dirty="0"/>
               <a:t>:</a:t>
             </a:r>
             <a:r>
-              <a:rPr lang="en-US" sz="3950" b="0" dirty="0"/>
+              <a:rPr lang="en-US" sz="4000" b="0" dirty="0"/>
               <a:t> </a:t>
             </a:r>
             <a:r>
-              <a:rPr lang="en-US" sz="3950" dirty="0">
+              <a:rPr lang="en-US" sz="4000" dirty="0">
                 <a:ea typeface="+mj-lt"/>
                 <a:cs typeface="+mj-lt"/>
               </a:rPr>
-              <a:t>Премахнете негативите и обърнете</a:t>
-            </a:r>
-            <a:endParaRPr lang="bg-BG" sz="3950" dirty="0">
+              <a:t>Премахнете </a:t>
+            </a:r>
+            <a:r>
+              <a:rPr lang="bg-BG" sz="4000" dirty="0">
+                <a:ea typeface="+mj-lt"/>
+                <a:cs typeface="+mj-lt"/>
+              </a:rPr>
+              <a:t>отрицателните числа</a:t>
+            </a:r>
+            <a:endParaRPr lang="bg-BG" sz="4000" dirty="0">
               <a:cs typeface="Calibri"/>
             </a:endParaRPr>
           </a:p>
@@ -22023,7 +22742,21 @@
                 <a:ea typeface="+mn-lt"/>
                 <a:cs typeface="+mn-lt"/>
               </a:rPr>
-              <a:t>Тествайте решението в Judge</a:t>
+              <a:t>Тествайте решението</a:t>
+            </a:r>
+            <a:r>
+              <a:rPr lang="bg-BG" sz="1950" dirty="0">
+                <a:ea typeface="+mn-lt"/>
+                <a:cs typeface="+mn-lt"/>
+              </a:rPr>
+              <a:t> си</a:t>
+            </a:r>
+            <a:r>
+              <a:rPr lang="en-US" sz="1950" dirty="0">
+                <a:ea typeface="+mn-lt"/>
+                <a:cs typeface="+mn-lt"/>
+              </a:rPr>
+              <a:t> в Judge</a:t>
             </a:r>
             <a:r>
               <a:rPr lang="en-US" sz="1950" dirty="0"/>
@@ -22257,37 +22990,31 @@
               <a:defRPr/>
             </a:pPr>
             <a:r>
-              <a:rPr lang="en-GB" noProof="1">
-                <a:solidFill>
-                  <a:srgbClr val="FFA000"/>
-                </a:solidFill>
-                <a:latin typeface="Consolas"/>
-              </a:rPr>
-              <a:t>List&lt;int&gt; </a:t>
-            </a:r>
-            <a:r>
-              <a:rPr lang="en-GB" noProof="1">
-                <a:latin typeface="Consolas"/>
-              </a:rPr>
-              <a:t>nums =</a:t>
-            </a:r>
-            <a:r>
-              <a:rPr lang="en-GB" noProof="1">
-                <a:solidFill>
-                  <a:srgbClr val="234465"/>
-                </a:solidFill>
-                <a:latin typeface="Consolas"/>
-              </a:rPr>
-              <a:t> </a:t>
-            </a:r>
-            <a:r>
               <a:rPr lang="en-GB" i="1" noProof="1">
                 <a:solidFill>
                   <a:srgbClr val="00B050"/>
                 </a:solidFill>
                 <a:latin typeface="Calibri"/>
               </a:rPr>
-              <a:t>// TODO: Да се прочете списъка от конзолата</a:t>
+              <a:t>// TODO: Да се прочете списъка </a:t>
+            </a:r>
+            <a:r>
+              <a:rPr lang="en-GB" i="1" noProof="1">
+                <a:solidFill>
+                  <a:srgbClr val="00B050"/>
+                </a:solidFill>
+                <a:cs typeface="Consolas" panose="020B0609020204030204" pitchFamily="49" charset="0"/>
+              </a:rPr>
+              <a:t>nums</a:t>
+            </a:r>
+            <a:r>
+              <a:rPr lang="en-GB" i="1" noProof="1">
+                <a:solidFill>
+                  <a:srgbClr val="00B050"/>
+                </a:solidFill>
+                <a:latin typeface="Calibri"/>
+              </a:rPr>
+              <a:t> от конзолата</a:t>
             </a:r>
             <a:endParaRPr lang="bg-BG" dirty="0"/>
           </a:p>
@@ -23189,7 +23916,7 @@
         </p:spPr>
         <p:txBody>
           <a:bodyPr vert="horz" lIns="107972" tIns="35991" rIns="107972" bIns="35991" rtlCol="0" anchor="t">
-            <a:normAutofit lnSpcReduction="10000"/>
+            <a:normAutofit fontScale="92500" lnSpcReduction="10000"/>
           </a:bodyPr>
           <a:lstStyle>
             <a:lvl1pPr marL="456915" indent="-456915" algn="l" defTabSz="1218438" rtl="0" eaLnBrk="1" latinLnBrk="1" hangingPunct="1">
@@ -23388,11 +24115,54 @@
                 </a:solidFill>
                 <a:cs typeface="Calibri"/>
               </a:rPr>
-              <a:t> съдържат редактируема последователност от елементи (с променлива дължина)</a:t>
-            </a:r>
-            <a:endParaRPr lang="bg-BG" dirty="0">
+              <a:t> съдържат последователност от елементи</a:t>
+            </a:r>
+            <a:endParaRPr lang="bg-BG" sz="3400" dirty="0">
               <a:solidFill>
                 <a:schemeClr val="bg2"/>
+              </a:solidFill>
+              <a:cs typeface="Calibri"/>
+            </a:endParaRPr>
+          </a:p>
+          <a:p>
+            <a:pPr marL="989631" lvl="1" indent="-456565" latinLnBrk="0">
+              <a:lnSpc>
+                <a:spcPct val="100000"/>
+              </a:lnSpc>
+              <a:spcBef>
+                <a:spcPts val="1200"/>
+              </a:spcBef>
+              <a:buClr>
+                <a:schemeClr val="bg2"/>
+              </a:buClr>
+            </a:pPr>
+            <a:r>
+              <a:rPr lang="bg-BG" sz="3200" dirty="0">
+                <a:solidFill>
+                  <a:schemeClr val="bg2"/>
+                </a:solidFill>
+                <a:cs typeface="Calibri"/>
+              </a:rPr>
+              <a:t>Имат </a:t>
+            </a:r>
+            <a:r>
+              <a:rPr lang="en-US" sz="3200" b="1" dirty="0">
+                <a:solidFill>
+                  <a:schemeClr val="bg1">
+                    <a:lumMod val="60000"/>
+                    <a:lumOff val="40000"/>
+                  </a:schemeClr>
+                </a:solidFill>
+                <a:cs typeface="Calibri"/>
+              </a:rPr>
+              <a:t>променлива дължина</a:t>
+            </a:r>
+            <a:endParaRPr lang="bg-BG" b="1" dirty="0">
+              <a:solidFill>
+                <a:schemeClr val="bg1">
+                  <a:lumMod val="60000"/>
+                  <a:lumOff val="40000"/>
+                </a:schemeClr>
               </a:solidFill>
               <a:cs typeface="Calibri"/>
             </a:endParaRPr>
@@ -23804,7 +24574,7 @@
                                         <p:tgtEl>
                                           <p:spTgt spid="15">
                                             <p:txEl>
-                                              <p:pRg st="1" end="1"/>
+                                              <p:pRg st="2" end="2"/>
                                             </p:txEl>
                                           </p:spTgt>
                                         </p:tgtEl>
@@ -23853,7 +24623,7 @@
                                         <p:tgtEl>
                                           <p:spTgt spid="15">
                                             <p:txEl>
-                                              <p:pRg st="2" end="2"/>
+                                              <p:pRg st="3" end="3"/>
                                             </p:txEl>
                                           </p:spTgt>
                                         </p:tgtEl>
@@ -23902,7 +24672,7 @@
                                         <p:tgtEl>
                                           <p:spTgt spid="15">
                                             <p:txEl>
-                                              <p:pRg st="3" end="3"/>
+                                              <p:pRg st="4" end="4"/>
                                             </p:txEl>
                                           </p:spTgt>
                                         </p:tgtEl>
@@ -23951,7 +24721,7 @@
                                         <p:tgtEl>
                                           <p:spTgt spid="15">
                                             <p:txEl>
-                                              <p:pRg st="4" end="4"/>
+                                              <p:pRg st="5" end="5"/>
                                             </p:txEl>
                                           </p:spTgt>
                                         </p:tgtEl>
@@ -24000,7 +24770,7 @@
                                         <p:tgtEl>
                                           <p:spTgt spid="15">
                                             <p:txEl>
-                                              <p:pRg st="5" end="5"/>
+                                              <p:pRg st="6" end="6"/>
                                             </p:txEl>
                                           </p:spTgt>
                                         </p:tgtEl>
@@ -25252,7 +26022,7 @@
             </a:r>
             <a:r>
               <a:rPr lang="bg-BG" dirty="0"/>
-              <a:t>ци</a:t>
+              <a:t>к</a:t>
             </a:r>
             <a:endParaRPr lang="en-GB" dirty="0"/>
           </a:p>
@@ -25298,6 +26068,87 @@
       </p:grpSpPr>
       <p:sp>
         <p:nvSpPr>
+          <p:cNvPr id="3" name="Content Placeholder 2"/>
+          <p:cNvSpPr>
+            <a:spLocks noGrp="1"/>
+          </p:cNvSpPr>
+          <p:nvPr>
+            <p:ph type="body" sz="quarter" idx="10"/>
+          </p:nvPr>
+        </p:nvSpPr>
+        <p:spPr>
+          <a:xfrm>
+            <a:off x="2086766" y="1121143"/>
+            <a:ext cx="10129234" cy="5546589"/>
+          </a:xfrm>
+        </p:spPr>
+        <p:txBody>
+          <a:bodyPr vert="horz" lIns="108000" tIns="36000" rIns="108000" bIns="36000" rtlCol="0" anchor="t">
+            <a:normAutofit/>
+          </a:bodyPr>
+          <a:lstStyle/>
+          <a:p>
+            <a:pPr marL="360045" indent="-360045">
+              <a:buClr>
+                <a:schemeClr val="tx1"/>
+              </a:buClr>
+            </a:pPr>
+            <a:r>
+              <a:rPr lang="en-US" sz="3350" b="1" dirty="0">
+                <a:solidFill>
+                  <a:schemeClr val="bg1"/>
+                </a:solidFill>
+                <a:latin typeface="Consolas"/>
+              </a:rPr>
+              <a:t>List&lt;T&gt;</a:t>
+            </a:r>
+            <a:r>
+              <a:rPr lang="en-US" sz="3350" dirty="0"/>
+              <a:t> </a:t>
+            </a:r>
+            <a:r>
+              <a:rPr lang="bg-BG" sz="3350" dirty="0"/>
+              <a:t>е списък от елементи с еднакъв тип данни</a:t>
+            </a:r>
+          </a:p>
+          <a:p>
+            <a:pPr marL="360045" indent="-360045">
+              <a:buClr>
+                <a:schemeClr val="tx1"/>
+              </a:buClr>
+            </a:pPr>
+            <a:r>
+              <a:rPr lang="bg-BG" sz="3350" dirty="0">
+                <a:solidFill>
+                  <a:srgbClr val="234465"/>
+                </a:solidFill>
+                <a:latin typeface="Calibri"/>
+                <a:cs typeface="Calibri"/>
+              </a:rPr>
+              <a:t>За разлика от масива, списъкът има </a:t>
+            </a:r>
+            <a:r>
+              <a:rPr lang="bg-BG" sz="3350" b="1" dirty="0">
+                <a:solidFill>
+                  <a:schemeClr val="bg1"/>
+                </a:solidFill>
+                <a:latin typeface="Calibri"/>
+                <a:cs typeface="Calibri"/>
+              </a:rPr>
+              <a:t>променлива дължина</a:t>
+            </a:r>
+            <a:endParaRPr lang="bg-BG" sz="3350" dirty="0">
+              <a:solidFill>
+                <a:schemeClr val="bg1"/>
+              </a:solidFill>
+              <a:latin typeface="Calibri"/>
+              <a:cs typeface="Calibri"/>
+            </a:endParaRPr>
+          </a:p>
+        </p:txBody>
+      </p:sp>
+      <p:sp>
+        <p:nvSpPr>
           <p:cNvPr id="4" name="Title 3"/>
           <p:cNvSpPr>
             <a:spLocks noGrp="1"/>
@@ -25325,60 +26176,6 @@
       </p:sp>
       <p:sp>
         <p:nvSpPr>
-          <p:cNvPr id="3" name="Content Placeholder 2"/>
-          <p:cNvSpPr>
-            <a:spLocks noGrp="1"/>
-          </p:cNvSpPr>
-          <p:nvPr>
-            <p:ph type="body" sz="quarter" idx="10"/>
-          </p:nvPr>
-        </p:nvSpPr>
-        <p:spPr>
-          <a:xfrm>
-            <a:off x="1430430" y="1044000"/>
-            <a:ext cx="10515017" cy="5546589"/>
-          </a:xfrm>
-        </p:spPr>
-        <p:txBody>
-          <a:bodyPr vert="horz" lIns="108000" tIns="36000" rIns="108000" bIns="36000" rtlCol="0" anchor="t">
-            <a:normAutofit/>
-          </a:bodyPr>
-          <a:lstStyle/>
-          <a:p>
-            <a:pPr marL="360045" indent="-360045">
-              <a:buClr>
-                <a:schemeClr val="tx1"/>
-              </a:buClr>
-            </a:pPr>
-            <a:r>
-              <a:rPr lang="en-US" sz="3350" b="1" dirty="0">
-                <a:solidFill>
-                  <a:schemeClr val="bg1"/>
-                </a:solidFill>
-                <a:latin typeface="Consolas"/>
-              </a:rPr>
-              <a:t>List&lt;T&gt;</a:t>
-            </a:r>
-            <a:r>
-              <a:rPr lang="en-US" sz="3350" dirty="0"/>
-              <a:t> </a:t>
-            </a:r>
-            <a:r>
-              <a:rPr lang="bg-BG" sz="3350" dirty="0"/>
-              <a:t>е списък от елементи с еднакъв тип от данни</a:t>
-            </a:r>
-            <a:endParaRPr lang="bg-BG" sz="3350" dirty="0">
-              <a:solidFill>
-                <a:srgbClr val="234465"/>
-              </a:solidFill>
-              <a:latin typeface="Calibri"/>
-              <a:cs typeface="Calibri"/>
-            </a:endParaRPr>
-          </a:p>
-        </p:txBody>
-      </p:sp>
-      <p:sp>
-        <p:nvSpPr>
           <p:cNvPr id="9" name="Text Placeholder 5"/>
           <p:cNvSpPr txBox="1">
             <a:spLocks/>
@@ -25387,8 +26184,8 @@
         </p:nvSpPr>
         <p:spPr>
           <a:xfrm>
-            <a:off x="2528127" y="1743855"/>
-            <a:ext cx="8805884" cy="4880868"/>
+            <a:off x="2555116" y="3483012"/>
+            <a:ext cx="8805884" cy="2510988"/>
           </a:xfrm>
           <a:prstGeom prst="rect">
             <a:avLst/>
@@ -25536,7 +26333,43 @@
                 </a:solidFill>
                 <a:latin typeface="Consolas"/>
               </a:rPr>
-              <a:t>// Създаване на списък от низове</a:t>
+              <a:t>// Създаване на </a:t>
+            </a:r>
+            <a:r>
+              <a:rPr lang="bg-BG" sz="2400" i="1" dirty="0">
+                <a:solidFill>
+                  <a:schemeClr val="accent2"/>
+                </a:solidFill>
+                <a:latin typeface="Consolas"/>
+              </a:rPr>
+              <a:t>празен </a:t>
+            </a:r>
+            <a:r>
+              <a:rPr lang="en-US" sz="2400" i="1" dirty="0">
+                <a:solidFill>
+                  <a:schemeClr val="accent2"/>
+                </a:solidFill>
+                <a:latin typeface="Consolas"/>
+              </a:rPr>
+              <a:t>списък </a:t>
+            </a:r>
+            <a:r>
+              <a:rPr lang="bg-BG" sz="2400" i="1" dirty="0">
+                <a:solidFill>
+                  <a:schemeClr val="accent2"/>
+                </a:solidFill>
+                <a:latin typeface="Consolas"/>
+              </a:rPr>
+              <a:t>с </a:t>
+            </a:r>
+            <a:r>
+              <a:rPr lang="en-US" sz="2400" i="1" dirty="0">
+                <a:solidFill>
+                  <a:schemeClr val="accent2"/>
+                </a:solidFill>
+                <a:latin typeface="Consolas"/>
+              </a:rPr>
+              <a:t>низове</a:t>
             </a:r>
             <a:endParaRPr lang="en-US" sz="2400" dirty="0">
               <a:solidFill>
@@ -25590,6 +26423,119 @@
               </a:rPr>
               <a:t>;</a:t>
             </a:r>
+            <a:endParaRPr lang="bg-BG" sz="2400" dirty="0">
+              <a:solidFill>
+                <a:schemeClr val="tx1"/>
+              </a:solidFill>
+              <a:latin typeface="Consolas"/>
+            </a:endParaRPr>
+          </a:p>
+          <a:p>
+            <a:pPr>
+              <a:spcBef>
+                <a:spcPts val="300"/>
+              </a:spcBef>
+              <a:spcAft>
+                <a:spcPts val="300"/>
+              </a:spcAft>
+            </a:pPr>
+            <a:endParaRPr lang="bg-BG" sz="2400" dirty="0">
+              <a:solidFill>
+                <a:schemeClr val="tx1"/>
+              </a:solidFill>
+              <a:latin typeface="Consolas"/>
+            </a:endParaRPr>
+          </a:p>
+          <a:p>
+            <a:pPr>
+              <a:spcBef>
+                <a:spcPts val="300"/>
+              </a:spcBef>
+              <a:spcAft>
+                <a:spcPts val="300"/>
+              </a:spcAft>
+            </a:pPr>
+            <a:r>
+              <a:rPr lang="bg-BG" sz="2400" i="1" dirty="0">
+                <a:solidFill>
+                  <a:schemeClr val="accent2"/>
+                </a:solidFill>
+                <a:latin typeface="Consolas"/>
+              </a:rPr>
+              <a:t>// Създаване на списък с 3 цели числа</a:t>
+            </a:r>
+          </a:p>
+          <a:p>
+            <a:pPr>
+              <a:spcBef>
+                <a:spcPts val="300"/>
+              </a:spcBef>
+              <a:spcAft>
+                <a:spcPts val="300"/>
+              </a:spcAft>
+            </a:pPr>
+            <a:r>
+              <a:rPr lang="en-US" sz="2400" dirty="0">
+                <a:solidFill>
+                  <a:schemeClr val="bg1"/>
+                </a:solidFill>
+              </a:rPr>
+              <a:t>List&lt;int&gt;</a:t>
+            </a:r>
+            <a:r>
+              <a:rPr lang="en-US" sz="2400" dirty="0">
+                <a:solidFill>
+                  <a:schemeClr val="tx1"/>
+                </a:solidFill>
+              </a:rPr>
+              <a:t> grades = </a:t>
+            </a:r>
+            <a:r>
+              <a:rPr lang="en-US" sz="2400" dirty="0">
+                <a:solidFill>
+                  <a:schemeClr val="bg1"/>
+                </a:solidFill>
+              </a:rPr>
+              <a:t>new List&lt;int&gt; {</a:t>
+            </a:r>
+            <a:r>
+              <a:rPr lang="en-US" sz="2400" dirty="0">
+                <a:solidFill>
+                  <a:schemeClr val="tx1"/>
+                </a:solidFill>
+              </a:rPr>
+              <a:t> 6, 4, 5</a:t>
+            </a:r>
+            <a:r>
+              <a:rPr lang="bg-BG" sz="2400" dirty="0">
+                <a:solidFill>
+                  <a:schemeClr val="tx1"/>
+                </a:solidFill>
+              </a:rPr>
+              <a:t> </a:t>
+            </a:r>
+            <a:r>
+              <a:rPr lang="en-US" sz="2400" dirty="0">
+                <a:solidFill>
+                  <a:schemeClr val="bg1"/>
+                </a:solidFill>
+              </a:rPr>
+              <a:t>}</a:t>
+            </a:r>
+            <a:r>
+              <a:rPr lang="en-US" sz="2400" dirty="0">
+                <a:solidFill>
+                  <a:schemeClr val="tx1"/>
+                </a:solidFill>
+              </a:rPr>
+              <a:t>;</a:t>
+            </a:r>
+            <a:endParaRPr lang="en-US" sz="2400" dirty="0">
+              <a:solidFill>
+                <a:schemeClr val="tx1"/>
+              </a:solidFill>
+              <a:latin typeface="Consolas"/>
+            </a:endParaRPr>
           </a:p>
           <a:p>
             <a:pPr>
@@ -25606,330 +26552,6 @@
               </a:solidFill>
               <a:latin typeface="Consolas"/>
             </a:endParaRPr>
-          </a:p>
-          <a:p>
-            <a:pPr>
-              <a:spcBef>
-                <a:spcPts val="300"/>
-              </a:spcBef>
-              <a:spcAft>
-                <a:spcPts val="300"/>
-              </a:spcAft>
-            </a:pPr>
-            <a:r>
-              <a:rPr lang="en-US" sz="2400" i="1" dirty="0">
-                <a:solidFill>
-                  <a:schemeClr val="accent2"/>
-                </a:solidFill>
-                <a:latin typeface="Consolas"/>
-              </a:rPr>
-              <a:t>// Добавяне на елементи</a:t>
-            </a:r>
-            <a:endParaRPr lang="en-US" sz="2400" dirty="0"/>
-          </a:p>
-          <a:p>
-            <a:pPr>
-              <a:spcBef>
-                <a:spcPts val="300"/>
-              </a:spcBef>
-              <a:spcAft>
-                <a:spcPts val="300"/>
-              </a:spcAft>
-            </a:pPr>
-            <a:r>
-              <a:rPr lang="en-US" sz="2400" dirty="0">
-                <a:solidFill>
-                  <a:schemeClr val="tx1"/>
-                </a:solidFill>
-                <a:latin typeface="Consolas"/>
-              </a:rPr>
-              <a:t>names.</a:t>
-            </a:r>
-            <a:r>
-              <a:rPr lang="en-US" sz="2400" dirty="0">
-                <a:solidFill>
-                  <a:schemeClr val="bg1"/>
-                </a:solidFill>
-                <a:latin typeface="Consolas"/>
-              </a:rPr>
-              <a:t>Add(</a:t>
-            </a:r>
-            <a:r>
-              <a:rPr lang="en-US" sz="2400" dirty="0">
-                <a:solidFill>
-                  <a:schemeClr val="tx1"/>
-                </a:solidFill>
-                <a:latin typeface="Consolas"/>
-              </a:rPr>
-              <a:t>"Peter"</a:t>
-            </a:r>
-            <a:r>
-              <a:rPr lang="en-US" sz="2400" dirty="0">
-                <a:solidFill>
-                  <a:schemeClr val="bg1"/>
-                </a:solidFill>
-                <a:latin typeface="Consolas"/>
-              </a:rPr>
-              <a:t>)</a:t>
-            </a:r>
-            <a:r>
-              <a:rPr lang="en-US" sz="2400" dirty="0">
-                <a:solidFill>
-                  <a:schemeClr val="tx1"/>
-                </a:solidFill>
-                <a:latin typeface="Consolas"/>
-              </a:rPr>
-              <a:t>;         </a:t>
-            </a:r>
-            <a:endParaRPr lang="en-US" sz="2400" dirty="0">
-              <a:solidFill>
-                <a:schemeClr val="tx1"/>
-              </a:solidFill>
-            </a:endParaRPr>
-          </a:p>
-          <a:p>
-            <a:pPr>
-              <a:spcBef>
-                <a:spcPts val="300"/>
-              </a:spcBef>
-              <a:spcAft>
-                <a:spcPts val="300"/>
-              </a:spcAft>
-            </a:pPr>
-            <a:r>
-              <a:rPr lang="en-US" sz="2400" dirty="0">
-                <a:solidFill>
-                  <a:schemeClr val="tx1"/>
-                </a:solidFill>
-                <a:latin typeface="Consolas"/>
-              </a:rPr>
-              <a:t>names.</a:t>
-            </a:r>
-            <a:r>
-              <a:rPr lang="en-US" sz="2400" dirty="0">
-                <a:solidFill>
-                  <a:schemeClr val="bg1"/>
-                </a:solidFill>
-                <a:latin typeface="Consolas"/>
-              </a:rPr>
-              <a:t>Add(</a:t>
-            </a:r>
-            <a:r>
-              <a:rPr lang="en-US" sz="2400" dirty="0">
-                <a:solidFill>
-                  <a:schemeClr val="tx1"/>
-                </a:solidFill>
-                <a:latin typeface="Consolas"/>
-              </a:rPr>
-              <a:t>"Maria"</a:t>
-            </a:r>
-            <a:r>
-              <a:rPr lang="en-US" sz="2400" dirty="0">
-                <a:solidFill>
-                  <a:schemeClr val="bg1"/>
-                </a:solidFill>
-                <a:latin typeface="Consolas"/>
-              </a:rPr>
-              <a:t>)</a:t>
-            </a:r>
-            <a:r>
-              <a:rPr lang="en-US" sz="2400" dirty="0">
-                <a:solidFill>
-                  <a:schemeClr val="tx1"/>
-                </a:solidFill>
-                <a:latin typeface="Consolas"/>
-              </a:rPr>
-              <a:t>;</a:t>
-            </a:r>
-          </a:p>
-          <a:p>
-            <a:pPr>
-              <a:spcBef>
-                <a:spcPts val="300"/>
-              </a:spcBef>
-              <a:spcAft>
-                <a:spcPts val="300"/>
-              </a:spcAft>
-            </a:pPr>
-            <a:r>
-              <a:rPr lang="en-US" sz="2400" dirty="0">
-                <a:solidFill>
-                  <a:schemeClr val="tx1"/>
-                </a:solidFill>
-                <a:latin typeface="Consolas"/>
-              </a:rPr>
-              <a:t>names.</a:t>
-            </a:r>
-            <a:r>
-              <a:rPr lang="en-US" sz="2400" dirty="0">
-                <a:solidFill>
-                  <a:schemeClr val="bg1"/>
-                </a:solidFill>
-                <a:latin typeface="Consolas"/>
-              </a:rPr>
-              <a:t>Add(</a:t>
-            </a:r>
-            <a:r>
-              <a:rPr lang="en-US" sz="2400" dirty="0">
-                <a:solidFill>
-                  <a:schemeClr val="tx1"/>
-                </a:solidFill>
-                <a:latin typeface="Consolas"/>
-              </a:rPr>
-              <a:t>"George"</a:t>
-            </a:r>
-            <a:r>
-              <a:rPr lang="en-US" sz="2400" dirty="0">
-                <a:solidFill>
-                  <a:schemeClr val="bg1"/>
-                </a:solidFill>
-                <a:latin typeface="Consolas"/>
-              </a:rPr>
-              <a:t>)</a:t>
-            </a:r>
-            <a:r>
-              <a:rPr lang="en-US" sz="2400" dirty="0">
-                <a:solidFill>
-                  <a:schemeClr val="tx1"/>
-                </a:solidFill>
-                <a:latin typeface="Consolas"/>
-              </a:rPr>
-              <a:t>;</a:t>
-            </a:r>
-          </a:p>
-          <a:p>
-            <a:pPr>
-              <a:spcBef>
-                <a:spcPts val="300"/>
-              </a:spcBef>
-              <a:spcAft>
-                <a:spcPts val="300"/>
-              </a:spcAft>
-            </a:pPr>
-            <a:endParaRPr lang="en-US" sz="400" dirty="0">
-              <a:solidFill>
-                <a:schemeClr val="tx1"/>
-              </a:solidFill>
-              <a:latin typeface="Consolas"/>
-            </a:endParaRPr>
-          </a:p>
-          <a:p>
-            <a:pPr>
-              <a:spcBef>
-                <a:spcPts val="300"/>
-              </a:spcBef>
-              <a:spcAft>
-                <a:spcPts val="300"/>
-              </a:spcAft>
-            </a:pPr>
-            <a:r>
-              <a:rPr lang="en-US" sz="2400" i="1" dirty="0">
-                <a:solidFill>
-                  <a:schemeClr val="accent2"/>
-                </a:solidFill>
-                <a:latin typeface="Consolas"/>
-              </a:rPr>
-              <a:t>// Отпечатване на елементите</a:t>
-            </a:r>
-            <a:endParaRPr lang="en-US" sz="2400" dirty="0">
-              <a:solidFill>
-                <a:schemeClr val="tx1"/>
-              </a:solidFill>
-              <a:latin typeface="Consolas"/>
-            </a:endParaRPr>
-          </a:p>
-          <a:p>
-            <a:pPr>
-              <a:spcBef>
-                <a:spcPts val="300"/>
-              </a:spcBef>
-              <a:spcAft>
-                <a:spcPts val="300"/>
-              </a:spcAft>
-            </a:pPr>
-            <a:r>
-              <a:rPr lang="en-US" sz="2400" dirty="0">
-                <a:solidFill>
-                  <a:schemeClr val="tx1"/>
-                </a:solidFill>
-                <a:latin typeface="Consolas"/>
-              </a:rPr>
-              <a:t>foreach (var name in names)</a:t>
-            </a:r>
-          </a:p>
-          <a:p>
-            <a:pPr>
-              <a:spcBef>
-                <a:spcPts val="300"/>
-              </a:spcBef>
-              <a:spcAft>
-                <a:spcPts val="300"/>
-              </a:spcAft>
-            </a:pPr>
-            <a:r>
-              <a:rPr lang="en-US" sz="2400" dirty="0">
-                <a:solidFill>
-                  <a:schemeClr val="tx1"/>
-                </a:solidFill>
-                <a:latin typeface="Consolas"/>
-              </a:rPr>
-              <a:t>  Console.WriteLine(name);</a:t>
-            </a:r>
-          </a:p>
-          <a:p>
-            <a:pPr>
-              <a:spcBef>
-                <a:spcPts val="300"/>
-              </a:spcBef>
-              <a:spcAft>
-                <a:spcPts val="300"/>
-              </a:spcAft>
-            </a:pPr>
-            <a:r>
-              <a:rPr lang="en-US" sz="2400" dirty="0">
-                <a:solidFill>
-                  <a:schemeClr val="tx1"/>
-                </a:solidFill>
-                <a:latin typeface="Consolas"/>
-              </a:rPr>
-              <a:t>Console.WriteLine(</a:t>
-            </a:r>
-            <a:r>
-              <a:rPr lang="en-US" sz="2400" dirty="0">
-                <a:solidFill>
-                  <a:schemeClr val="bg1"/>
-                </a:solidFill>
-                <a:latin typeface="Consolas"/>
-              </a:rPr>
-              <a:t>string.Join(</a:t>
-            </a:r>
-            <a:r>
-              <a:rPr lang="en-US" sz="2400" dirty="0">
-                <a:solidFill>
-                  <a:schemeClr val="tx1"/>
-                </a:solidFill>
-                <a:latin typeface="Consolas"/>
-              </a:rPr>
-              <a:t>", ", names</a:t>
-            </a:r>
-            <a:r>
-              <a:rPr lang="en-US" sz="2400" dirty="0">
-                <a:solidFill>
-                  <a:schemeClr val="bg1"/>
-                </a:solidFill>
-                <a:latin typeface="Consolas"/>
-              </a:rPr>
-              <a:t>)</a:t>
-            </a:r>
-            <a:r>
-              <a:rPr lang="en-US" sz="2400" dirty="0">
-                <a:solidFill>
-                  <a:schemeClr val="tx1"/>
-                </a:solidFill>
-                <a:latin typeface="Consolas"/>
-              </a:rPr>
-              <a:t>);</a:t>
-            </a:r>
           </a:p>
         </p:txBody>
       </p:sp>
@@ -26102,7 +26724,7 @@
                             </p:stCondLst>
                             <p:childTnLst>
                               <p:par>
-                                <p:cTn id="5" presetID="1" presetClass="entr" presetSubtype="0" fill="hold" grpId="0" nodeType="clickEffect">
+                                <p:cTn id="5" presetID="1" presetClass="entr" presetSubtype="0" fill="hold" nodeType="clickEffect">
                                   <p:stCondLst>
                                     <p:cond delay="0"/>
                                   </p:stCondLst>
@@ -26110,6 +26732,55 @@
                                     <p:set>
                                       <p:cBhvr>
                                         <p:cTn id="6" dur="1" fill="hold">
+                                          <p:stCondLst>
+                                            <p:cond delay="0"/>
+                                          </p:stCondLst>
+                                        </p:cTn>
+                                        <p:tgtEl>
+                                          <p:spTgt spid="3">
+                                            <p:txEl>
+                                              <p:pRg st="1" end="1"/>
+                                            </p:txEl>
+                                          </p:spTgt>
+                                        </p:tgtEl>
+                                        <p:attrNameLst>
+                                          <p:attrName>style.visibility</p:attrName>
+                                        </p:attrNameLst>
+                                      </p:cBhvr>
+                                      <p:to>
+                                        <p:strVal val="visible"/>
+                                      </p:to>
+                                    </p:set>
+                                  </p:childTnLst>
+                                </p:cTn>
+                              </p:par>
+                            </p:childTnLst>
+                          </p:cTn>
+                        </p:par>
+                      </p:childTnLst>
+                    </p:cTn>
+                  </p:par>
+                  <p:par>
+                    <p:cTn id="7" fill="hold">
+                      <p:stCondLst>
+                        <p:cond delay="indefinite"/>
+                      </p:stCondLst>
+                      <p:childTnLst>
+                        <p:par>
+                          <p:cTn id="8" fill="hold">
+                            <p:stCondLst>
+                              <p:cond delay="0"/>
+                            </p:stCondLst>
+                            <p:childTnLst>
+                              <p:par>
+                                <p:cTn id="9" presetID="1" presetClass="entr" presetSubtype="0" fill="hold" grpId="0" nodeType="clickEffect">
+                                  <p:stCondLst>
+                                    <p:cond delay="0"/>
+                                  </p:stCondLst>
+                                  <p:childTnLst>
+                                    <p:set>
+                                      <p:cBhvr>
+                                        <p:cTn id="10" dur="1" fill="hold">
                                           <p:stCondLst>
                                             <p:cond delay="0"/>
                                           </p:stCondLst>
@@ -26129,14 +26800,14 @@
                                 </p:cTn>
                               </p:par>
                               <p:par>
-                                <p:cTn id="7" presetID="1" presetClass="entr" presetSubtype="0" fill="hold" nodeType="withEffect">
+                                <p:cTn id="11" presetID="1" presetClass="entr" presetSubtype="0" fill="hold" nodeType="withEffect">
                                   <p:stCondLst>
                                     <p:cond delay="0"/>
                                   </p:stCondLst>
                                   <p:childTnLst>
                                     <p:set>
                                       <p:cBhvr>
-                                        <p:cTn id="8" dur="1" fill="hold">
+                                        <p:cTn id="12" dur="1" fill="hold">
                                           <p:stCondLst>
                                             <p:cond delay="0"/>
                                           </p:stCondLst>
@@ -26160,56 +26831,7 @@
                                 </p:cTn>
                               </p:par>
                               <p:par>
-                                <p:cTn id="9" presetID="1" presetClass="entr" presetSubtype="0" fill="hold" nodeType="withEffect">
-                                  <p:stCondLst>
-                                    <p:cond delay="0"/>
-                                  </p:stCondLst>
-                                  <p:childTnLst>
-                                    <p:set>
-                                      <p:cBhvr>
-                                        <p:cTn id="10" dur="1" fill="hold">
-                                          <p:stCondLst>
-                                            <p:cond delay="0"/>
-                                          </p:stCondLst>
-                                        </p:cTn>
-                                        <p:tgtEl>
-                                          <p:spTgt spid="9">
-                                            <p:txEl>
-                                              <p:pRg st="1" end="1"/>
-                                            </p:txEl>
-                                          </p:spTgt>
-                                        </p:tgtEl>
-                                        <p:attrNameLst>
-                                          <p:attrName>style.visibility</p:attrName>
-                                        </p:attrNameLst>
-                                      </p:cBhvr>
-                                      <p:to>
-                                        <p:strVal val="visible"/>
-                                      </p:to>
-                                    </p:set>
-                                  </p:childTnLst>
-                                </p:cTn>
-                              </p:par>
-                            </p:childTnLst>
-                          </p:cTn>
-                        </p:par>
-                      </p:childTnLst>
-                    </p:cTn>
-                  </p:par>
-                  <p:par>
-                    <p:cTn id="11" fill="hold">
-                      <p:stCondLst>
-                        <p:cond delay="indefinite"/>
-                      </p:stCondLst>
-                      <p:childTnLst>
-                        <p:par>
-                          <p:cTn id="12" fill="hold">
-                            <p:stCondLst>
-                              <p:cond delay="0"/>
-                            </p:stCondLst>
-                            <p:childTnLst>
-                              <p:par>
-                                <p:cTn id="13" presetID="1" presetClass="entr" presetSubtype="0" fill="hold" nodeType="clickEffect">
+                                <p:cTn id="13" presetID="1" presetClass="entr" presetSubtype="0" fill="hold" nodeType="withEffect">
                                   <p:stCondLst>
                                     <p:cond delay="0"/>
                                   </p:stCondLst>
@@ -26224,7 +26846,7 @@
                                         <p:tgtEl>
                                           <p:spTgt spid="9">
                                             <p:txEl>
-                                              <p:pRg st="3" end="3"/>
+                                              <p:pRg st="1" end="1"/>
                                             </p:txEl>
                                           </p:spTgt>
                                         </p:tgtEl>
@@ -26255,7 +26877,7 @@
                                         <p:tgtEl>
                                           <p:spTgt spid="9">
                                             <p:txEl>
-                                              <p:pRg st="4" end="4"/>
+                                              <p:pRg st="3" end="3"/>
                                             </p:txEl>
                                           </p:spTgt>
                                         </p:tgtEl>
@@ -26286,180 +26908,7 @@
                                         <p:tgtEl>
                                           <p:spTgt spid="9">
                                             <p:txEl>
-                                              <p:pRg st="5" end="5"/>
-                                            </p:txEl>
-                                          </p:spTgt>
-                                        </p:tgtEl>
-                                        <p:attrNameLst>
-                                          <p:attrName>style.visibility</p:attrName>
-                                        </p:attrNameLst>
-                                      </p:cBhvr>
-                                      <p:to>
-                                        <p:strVal val="visible"/>
-                                      </p:to>
-                                    </p:set>
-                                  </p:childTnLst>
-                                </p:cTn>
-                              </p:par>
-                              <p:par>
-                                <p:cTn id="19" presetID="1" presetClass="entr" presetSubtype="0" fill="hold" nodeType="withEffect">
-                                  <p:stCondLst>
-                                    <p:cond delay="0"/>
-                                  </p:stCondLst>
-                                  <p:childTnLst>
-                                    <p:set>
-                                      <p:cBhvr>
-                                        <p:cTn id="20" dur="1" fill="hold">
-                                          <p:stCondLst>
-                                            <p:cond delay="0"/>
-                                          </p:stCondLst>
-                                        </p:cTn>
-                                        <p:tgtEl>
-                                          <p:spTgt spid="9">
-                                            <p:txEl>
-                                              <p:pRg st="6" end="6"/>
-                                            </p:txEl>
-                                          </p:spTgt>
-                                        </p:tgtEl>
-                                        <p:attrNameLst>
-                                          <p:attrName>style.visibility</p:attrName>
-                                        </p:attrNameLst>
-                                      </p:cBhvr>
-                                      <p:to>
-                                        <p:strVal val="visible"/>
-                                      </p:to>
-                                    </p:set>
-                                  </p:childTnLst>
-                                </p:cTn>
-                              </p:par>
-                            </p:childTnLst>
-                          </p:cTn>
-                        </p:par>
-                      </p:childTnLst>
-                    </p:cTn>
-                  </p:par>
-                  <p:par>
-                    <p:cTn id="21" fill="hold">
-                      <p:stCondLst>
-                        <p:cond delay="indefinite"/>
-                      </p:stCondLst>
-                      <p:childTnLst>
-                        <p:par>
-                          <p:cTn id="22" fill="hold">
-                            <p:stCondLst>
-                              <p:cond delay="0"/>
-                            </p:stCondLst>
-                            <p:childTnLst>
-                              <p:par>
-                                <p:cTn id="23" presetID="1" presetClass="entr" presetSubtype="0" fill="hold" nodeType="clickEffect">
-                                  <p:stCondLst>
-                                    <p:cond delay="0"/>
-                                  </p:stCondLst>
-                                  <p:childTnLst>
-                                    <p:set>
-                                      <p:cBhvr>
-                                        <p:cTn id="24" dur="1" fill="hold">
-                                          <p:stCondLst>
-                                            <p:cond delay="0"/>
-                                          </p:stCondLst>
-                                        </p:cTn>
-                                        <p:tgtEl>
-                                          <p:spTgt spid="9">
-                                            <p:txEl>
-                                              <p:pRg st="8" end="8"/>
-                                            </p:txEl>
-                                          </p:spTgt>
-                                        </p:tgtEl>
-                                        <p:attrNameLst>
-                                          <p:attrName>style.visibility</p:attrName>
-                                        </p:attrNameLst>
-                                      </p:cBhvr>
-                                      <p:to>
-                                        <p:strVal val="visible"/>
-                                      </p:to>
-                                    </p:set>
-                                  </p:childTnLst>
-                                </p:cTn>
-                              </p:par>
-                              <p:par>
-                                <p:cTn id="25" presetID="1" presetClass="entr" presetSubtype="0" fill="hold" nodeType="withEffect">
-                                  <p:stCondLst>
-                                    <p:cond delay="0"/>
-                                  </p:stCondLst>
-                                  <p:childTnLst>
-                                    <p:set>
-                                      <p:cBhvr>
-                                        <p:cTn id="26" dur="1" fill="hold">
-                                          <p:stCondLst>
-                                            <p:cond delay="0"/>
-                                          </p:stCondLst>
-                                        </p:cTn>
-                                        <p:tgtEl>
-                                          <p:spTgt spid="9">
-                                            <p:txEl>
-                                              <p:pRg st="9" end="9"/>
-                                            </p:txEl>
-                                          </p:spTgt>
-                                        </p:tgtEl>
-                                        <p:attrNameLst>
-                                          <p:attrName>style.visibility</p:attrName>
-                                        </p:attrNameLst>
-                                      </p:cBhvr>
-                                      <p:to>
-                                        <p:strVal val="visible"/>
-                                      </p:to>
-                                    </p:set>
-                                  </p:childTnLst>
-                                </p:cTn>
-                              </p:par>
-                              <p:par>
-                                <p:cTn id="27" presetID="1" presetClass="entr" presetSubtype="0" fill="hold" nodeType="withEffect">
-                                  <p:stCondLst>
-                                    <p:cond delay="0"/>
-                                  </p:stCondLst>
-                                  <p:childTnLst>
-                                    <p:set>
-                                      <p:cBhvr>
-                                        <p:cTn id="28" dur="1" fill="hold">
-                                          <p:stCondLst>
-                                            <p:cond delay="0"/>
-                                          </p:stCondLst>
-                                        </p:cTn>
-                                        <p:tgtEl>
-                                          <p:spTgt spid="9">
-                                            <p:txEl>
-                                              <p:pRg st="10" end="10"/>
-                                            </p:txEl>
-                                          </p:spTgt>
-                                        </p:tgtEl>
-                                        <p:attrNameLst>
-                                          <p:attrName>style.visibility</p:attrName>
-                                        </p:attrNameLst>
-                                      </p:cBhvr>
-                                      <p:to>
-                                        <p:strVal val="visible"/>
-                                      </p:to>
-                                    </p:set>
-                                  </p:childTnLst>
-                                </p:cTn>
-                              </p:par>
-                              <p:par>
-                                <p:cTn id="29" presetID="1" presetClass="entr" presetSubtype="0" fill="hold" nodeType="withEffect">
-                                  <p:stCondLst>
-                                    <p:cond delay="0"/>
-                                  </p:stCondLst>
-                                  <p:childTnLst>
-                                    <p:set>
-                                      <p:cBhvr>
-                                        <p:cTn id="30" dur="1" fill="hold">
-                                          <p:stCondLst>
-                                            <p:cond delay="0"/>
-                                          </p:stCondLst>
-                                        </p:cTn>
-                                        <p:tgtEl>
-                                          <p:spTgt spid="9">
-                                            <p:txEl>
-                                              <p:pRg st="11" end="11"/>
+                                              <p:pRg st="4" end="4"/>
                                             </p:txEl>
                                           </p:spTgt>
                                         </p:tgtEl>
@@ -32699,15 +33148,7 @@
                   <a:schemeClr val="tx1"/>
                 </a:solidFill>
               </a:rPr>
-              <a:t> 10, 20, 30, 40, 50, 60</a:t>
-            </a:r>
-            <a:r>
-              <a:rPr lang="bg-BG" sz="2600" dirty="0">
-                <a:solidFill>
-                  <a:schemeClr val="tx1"/>
-                </a:solidFill>
-              </a:rPr>
-              <a:t> </a:t>
+              <a:t> 10, 20, 30, 40, 50, 60 </a:t>
             </a:r>
             <a:r>
               <a:rPr lang="en-US" sz="2600" dirty="0">

--- a/Courses/Software-Sciences/Module-2-DS-and-Algo/02.1-Lists-Basics/02.1-Lists-Basics.pptx
+++ b/Courses/Software-Sciences/Module-2-DS-and-Algo/02.1-Lists-Basics/02.1-Lists-Basics.pptx
@@ -36,8 +36,8 @@
     <p:sldId id="525" r:id="rId24"/>
     <p:sldId id="526" r:id="rId25"/>
     <p:sldId id="510" r:id="rId26"/>
-    <p:sldId id="531" r:id="rId27"/>
-    <p:sldId id="532" r:id="rId28"/>
+    <p:sldId id="533" r:id="rId27"/>
+    <p:sldId id="534" r:id="rId28"/>
   </p:sldIdLst>
   <p:sldSz cx="12192000" cy="6858000"/>
   <p:notesSz cx="6858000" cy="9144000"/>
@@ -139,13 +139,13 @@
   <p:extLst>
     <p:ext uri="{521415D9-36F7-43E2-AB2F-B90AF26B5E84}">
       <p14:sectionLst xmlns:p14="http://schemas.microsoft.com/office/powerpoint/2010/main">
-        <p14:section name="Въведение" id="{AD5DFF93-F109-42C1-82DC-F3DC38E201FD}">
+        <p14:section name="Въведение" id="{8FDA7253-5665-4C3C-9937-2F9BB3A4D394}">
           <p14:sldIdLst>
             <p14:sldId id="274"/>
             <p14:sldId id="276"/>
           </p14:sldIdLst>
         </p14:section>
-        <p14:section name="Списък" id="{75255194-587A-4A21-B155-F0650F50C22E}">
+        <p14:section name="Списък" id="{F8A6AECD-7D24-40A7-A732-F0DF9B56C749}">
           <p14:sldIdLst>
             <p14:sldId id="493"/>
             <p14:sldId id="492"/>
@@ -156,7 +156,7 @@
             <p14:sldId id="494"/>
           </p14:sldIdLst>
         </p14:section>
-        <p14:section name="Четене и отпечатване на списък&#13;" id="{4D341BA8-2906-4632-BBCD-AFE393EE5B9E}">
+        <p14:section name="Четене и отпечатване на списък&#10;" id="{CF40D2A2-4D93-45B8-A6E9-A5630A4A811A}">
           <p14:sldIdLst>
             <p14:sldId id="504"/>
             <p14:sldId id="505"/>
@@ -169,7 +169,7 @@
             <p14:sldId id="524"/>
           </p14:sldIdLst>
         </p14:section>
-        <p14:section name="Сортиране на списък" id="{76D4156F-3A13-4126-BB8E-5436707FC4AB}">
+        <p14:section name="Сортиране на списък" id="{0453F9CA-4239-40F3-A3C7-FAA1FFC728F0}">
           <p14:sldIdLst>
             <p14:sldId id="508"/>
             <p14:sldId id="509"/>
@@ -179,11 +179,11 @@
             <p14:sldId id="526"/>
           </p14:sldIdLst>
         </p14:section>
-        <p14:section name="Обобщение" id="{BC8083E7-5324-4637-ABE9-88A592F79812}">
+        <p14:section name="Обобщение" id="{F564DBFA-20EA-4F8D-B4AF-6811DE76503C}">
           <p14:sldIdLst>
             <p14:sldId id="510"/>
-            <p14:sldId id="531"/>
-            <p14:sldId id="532"/>
+            <p14:sldId id="533"/>
+            <p14:sldId id="534"/>
           </p14:sldIdLst>
         </p14:section>
       </p14:sectionLst>
@@ -207,14 +207,6 @@
     </p:ext>
   </p:extLst>
 </p:presentation>
-</file>
-
-<file path=ppt/revisionInfo.xml><?xml version="1.0" encoding="utf-8"?>
-<p1510:revInfo xmlns:a="http://schemas.openxmlformats.org/drawingml/2006/main" xmlns:r="http://schemas.openxmlformats.org/officeDocument/2006/relationships" xmlns:p1510="http://schemas.microsoft.com/office/powerpoint/2015/10/main">
-  <p1510:revLst>
-    <p1510:client id="{7B05F96E-3728-905F-3B06-DB9FB030A103}" v="2138" dt="2023-01-11T20:04:44.226"/>
-  </p1510:revLst>
-</p1510:revInfo>
 </file>
 
 <file path=ppt/handoutMasters/handoutMaster1.xml><?xml version="1.0" encoding="utf-8"?>
@@ -272,7 +264,7 @@
             </a:lvl1pPr>
           </a:lstStyle>
           <a:p>
-            <a:endParaRPr lang="bg-BG" dirty="0"/>
+            <a:endParaRPr lang="bg-BG"/>
           </a:p>
         </p:txBody>
       </p:sp>
@@ -311,9 +303,9 @@
           <a:p>
             <a:fld id="{4E087215-0C8F-4762-A664-737A353EC9A4}" type="datetimeFigureOut">
               <a:rPr lang="bg-BG" smtClean="0"/>
-              <a:t>18.08.23 г.</a:t>
+              <a:t>17.9.2023 г.</a:t>
             </a:fld>
-            <a:endParaRPr lang="bg-BG" dirty="0"/>
+            <a:endParaRPr lang="bg-BG"/>
           </a:p>
         </p:txBody>
       </p:sp>
@@ -335,8 +327,8 @@
         </p:nvSpPr>
         <p:spPr>
           <a:xfrm>
-            <a:off x="-1" y="8847000"/>
-            <a:ext cx="6443999" cy="297000"/>
+            <a:off x="-1" y="8892000"/>
+            <a:ext cx="6443999" cy="252000"/>
           </a:xfrm>
           <a:prstGeom prst="rect">
             <a:avLst/>
@@ -351,19 +343,24 @@
           </a:lstStyle>
           <a:p>
             <a:r>
-              <a:rPr lang="en-US" sz="1100" dirty="0"/>
-              <a:t>© SoftUni – </a:t>
-            </a:r>
-            <a:r>
-              <a:rPr lang="en-US" sz="1100" u="sng" dirty="0">
+              <a:rPr lang="bg-BG" sz="1100" dirty="0"/>
+              <a:t>Работна група </a:t>
+            </a:r>
+            <a:r>
+              <a:rPr lang="ru-RU" sz="1100" dirty="0"/>
+              <a:t>"Образование по програмиране и ИТ</a:t>
+            </a:r>
+            <a:r>
+              <a:rPr lang="bg-BG" sz="1100" dirty="0"/>
+              <a:t>", с подкрепата на </a:t>
+            </a:r>
+            <a:r>
+              <a:rPr lang="en-US" sz="1100" dirty="0">
                 <a:hlinkClick r:id="rId2"/>
               </a:rPr>
-              <a:t>https://softuni.org</a:t>
-            </a:r>
-            <a:r>
-              <a:rPr lang="en-US" sz="1100" dirty="0"/>
-              <a:t>. Copyrighted document. Unauthorized copy or reproduction is not permitted.</a:t>
-            </a:r>
+              <a:t>SoftUni</a:t>
+            </a:r>
+            <a:endParaRPr lang="en-US" sz="1100" dirty="0"/>
           </a:p>
         </p:txBody>
       </p:sp>
@@ -385,8 +382,8 @@
         </p:nvSpPr>
         <p:spPr>
           <a:xfrm>
-            <a:off x="6443999" y="8847000"/>
-            <a:ext cx="412413" cy="297000"/>
+            <a:off x="6443999" y="8892000"/>
+            <a:ext cx="412413" cy="252000"/>
           </a:xfrm>
           <a:prstGeom prst="rect">
             <a:avLst/>
@@ -469,7 +466,7 @@
             </a:lvl1pPr>
           </a:lstStyle>
           <a:p>
-            <a:endParaRPr lang="en-US" dirty="0"/>
+            <a:endParaRPr lang="en-US"/>
           </a:p>
         </p:txBody>
       </p:sp>
@@ -502,9 +499,9 @@
           <a:p>
             <a:fld id="{72D84649-876A-46C9-8472-14CB09C070D8}" type="datetimeFigureOut">
               <a:rPr lang="en-US" smtClean="0"/>
-              <a:t>8/18/23</a:t>
+              <a:t>9/17/2023</a:t>
             </a:fld>
-            <a:endParaRPr lang="en-US" dirty="0"/>
+            <a:endParaRPr lang="en-US"/>
           </a:p>
         </p:txBody>
       </p:sp>
@@ -537,7 +534,7 @@
           <a:bodyPr vert="horz" lIns="91440" tIns="45720" rIns="91440" bIns="45720" rtlCol="0" anchor="ctr"/>
           <a:lstStyle/>
           <a:p>
-            <a:endParaRPr lang="en-US" dirty="0"/>
+            <a:endParaRPr lang="en-US"/>
           </a:p>
         </p:txBody>
       </p:sp>
@@ -612,8 +609,8 @@
         </p:nvSpPr>
         <p:spPr>
           <a:xfrm>
-            <a:off x="6488999" y="8847000"/>
-            <a:ext cx="367414" cy="297000"/>
+            <a:off x="6488999" y="8892000"/>
+            <a:ext cx="367414" cy="252000"/>
           </a:xfrm>
           <a:prstGeom prst="rect">
             <a:avLst/>
@@ -653,8 +650,8 @@
         </p:nvSpPr>
         <p:spPr>
           <a:xfrm>
-            <a:off x="-1" y="8847000"/>
-            <a:ext cx="6488999" cy="297000"/>
+            <a:off x="-1" y="8892000"/>
+            <a:ext cx="6488999" cy="252000"/>
           </a:xfrm>
           <a:prstGeom prst="rect">
             <a:avLst/>
@@ -669,19 +666,24 @@
           </a:lstStyle>
           <a:p>
             <a:r>
-              <a:rPr lang="en-US" dirty="0"/>
-              <a:t>© SoftUni – </a:t>
-            </a:r>
-            <a:r>
-              <a:rPr lang="en-US" u="sng" dirty="0">
+              <a:rPr lang="bg-BG" sz="1100" dirty="0"/>
+              <a:t>Работна група </a:t>
+            </a:r>
+            <a:r>
+              <a:rPr lang="bg-BG" dirty="0"/>
+              <a:t>"Образование по програмиране и ИТ"</a:t>
+            </a:r>
+            <a:r>
+              <a:rPr lang="bg-BG" sz="1100" dirty="0"/>
+              <a:t>, с подкрепата на </a:t>
+            </a:r>
+            <a:r>
+              <a:rPr lang="en-US" sz="1100" dirty="0">
                 <a:hlinkClick r:id="rId2"/>
               </a:rPr>
-              <a:t>https://softuni.org</a:t>
-            </a:r>
-            <a:r>
-              <a:rPr lang="en-US" dirty="0"/>
-              <a:t>. Copyrighted document. Unauthorized copy or reproduction is not permitted.</a:t>
-            </a:r>
+              <a:t>SoftUni</a:t>
+            </a:r>
+            <a:endParaRPr lang="en-US" sz="1100" dirty="0"/>
           </a:p>
         </p:txBody>
       </p:sp>
@@ -863,10 +865,10 @@
       </p:sp>
       <p:sp>
         <p:nvSpPr>
-          <p:cNvPr id="7" name="Footer Placeholder 7">
+          <p:cNvPr id="4" name="Footer Placeholder 7">
             <a:extLst>
               <a:ext uri="{FF2B5EF4-FFF2-40B4-BE49-F238E27FC236}">
-                <a16:creationId xmlns:a16="http://schemas.microsoft.com/office/drawing/2014/main" id="{6C3DB260-BDCC-440C-A2A4-CDB8034CDC9B}"/>
+                <a16:creationId xmlns:a16="http://schemas.microsoft.com/office/drawing/2014/main" id="{F80FFF8A-1683-4038-2F42-6568CEBC930B}"/>
               </a:ext>
             </a:extLst>
           </p:cNvPr>
@@ -879,8 +881,8 @@
         </p:nvSpPr>
         <p:spPr>
           <a:xfrm>
-            <a:off x="-1" y="8847000"/>
-            <a:ext cx="6488999" cy="297000"/>
+            <a:off x="-1" y="8892000"/>
+            <a:ext cx="6488999" cy="252000"/>
           </a:xfrm>
           <a:prstGeom prst="rect">
             <a:avLst/>
@@ -895,26 +897,31 @@
           </a:lstStyle>
           <a:p>
             <a:r>
-              <a:rPr lang="en-US" dirty="0"/>
-              <a:t>© SoftUni – </a:t>
-            </a:r>
-            <a:r>
-              <a:rPr lang="en-US" u="sng" dirty="0">
+              <a:rPr lang="bg-BG" sz="1100" dirty="0"/>
+              <a:t>Работна група </a:t>
+            </a:r>
+            <a:r>
+              <a:rPr lang="bg-BG" dirty="0"/>
+              <a:t>"Образование по програмиране и ИТ"</a:t>
+            </a:r>
+            <a:r>
+              <a:rPr lang="bg-BG" sz="1100" dirty="0"/>
+              <a:t>, с подкрепата на </a:t>
+            </a:r>
+            <a:r>
+              <a:rPr lang="en-US" sz="1100" dirty="0">
                 <a:hlinkClick r:id="rId3"/>
               </a:rPr>
-              <a:t>https://softuni.org</a:t>
-            </a:r>
-            <a:r>
-              <a:rPr lang="en-US" dirty="0"/>
-              <a:t>. Copyrighted document. Unauthorized copy or reproduction is not permitted.</a:t>
-            </a:r>
+              <a:t>SoftUni</a:t>
+            </a:r>
+            <a:endParaRPr lang="en-US" sz="1100" dirty="0"/>
           </a:p>
         </p:txBody>
       </p:sp>
     </p:spTree>
     <p:extLst>
       <p:ext uri="{BB962C8B-B14F-4D97-AF65-F5344CB8AC3E}">
-        <p14:creationId xmlns:p14="http://schemas.microsoft.com/office/powerpoint/2010/main" val="1027305344"/>
+        <p14:creationId xmlns:p14="http://schemas.microsoft.com/office/powerpoint/2010/main" val="1773243867"/>
       </p:ext>
     </p:extLst>
   </p:cSld>
@@ -1000,10 +1007,10 @@
       </p:sp>
       <p:sp>
         <p:nvSpPr>
-          <p:cNvPr id="6" name="Footer Placeholder 7">
+          <p:cNvPr id="2" name="Footer Placeholder 7">
             <a:extLst>
               <a:ext uri="{FF2B5EF4-FFF2-40B4-BE49-F238E27FC236}">
-                <a16:creationId xmlns:a16="http://schemas.microsoft.com/office/drawing/2014/main" id="{E0C7ADBF-0802-410C-81E6-2FF0770B2560}"/>
+                <a16:creationId xmlns:a16="http://schemas.microsoft.com/office/drawing/2014/main" id="{86B99392-A120-E594-40DA-ED5179CC95D2}"/>
               </a:ext>
             </a:extLst>
           </p:cNvPr>
@@ -1016,8 +1023,8 @@
         </p:nvSpPr>
         <p:spPr>
           <a:xfrm>
-            <a:off x="-1" y="8847000"/>
-            <a:ext cx="6488999" cy="297000"/>
+            <a:off x="-1" y="8892000"/>
+            <a:ext cx="6488999" cy="252000"/>
           </a:xfrm>
           <a:prstGeom prst="rect">
             <a:avLst/>
@@ -1032,26 +1039,31 @@
           </a:lstStyle>
           <a:p>
             <a:r>
-              <a:rPr lang="en-US" dirty="0"/>
-              <a:t>© SoftUni – </a:t>
-            </a:r>
-            <a:r>
-              <a:rPr lang="en-US" u="sng" dirty="0">
+              <a:rPr lang="bg-BG" sz="1100" dirty="0"/>
+              <a:t>Работна група </a:t>
+            </a:r>
+            <a:r>
+              <a:rPr lang="bg-BG" dirty="0"/>
+              <a:t>"Образование по програмиране и ИТ"</a:t>
+            </a:r>
+            <a:r>
+              <a:rPr lang="bg-BG" sz="1100" dirty="0"/>
+              <a:t>, с подкрепата на </a:t>
+            </a:r>
+            <a:r>
+              <a:rPr lang="en-US" sz="1100" dirty="0">
                 <a:hlinkClick r:id="rId3"/>
               </a:rPr>
-              <a:t>https://softuni.org</a:t>
-            </a:r>
-            <a:r>
-              <a:rPr lang="en-US" dirty="0"/>
-              <a:t>. Copyrighted document. Unauthorized copy or reproduction is not permitted.</a:t>
-            </a:r>
+              <a:t>SoftUni</a:t>
+            </a:r>
+            <a:endParaRPr lang="en-US" sz="1100" dirty="0"/>
           </a:p>
         </p:txBody>
       </p:sp>
     </p:spTree>
     <p:extLst>
       <p:ext uri="{BB962C8B-B14F-4D97-AF65-F5344CB8AC3E}">
-        <p14:creationId xmlns:p14="http://schemas.microsoft.com/office/powerpoint/2010/main" val="2159282977"/>
+        <p14:creationId xmlns:p14="http://schemas.microsoft.com/office/powerpoint/2010/main" val="794663952"/>
       </p:ext>
     </p:extLst>
   </p:cSld>
@@ -1134,7 +1146,13 @@
       </p:sp>
       <p:sp>
         <p:nvSpPr>
-          <p:cNvPr id="5" name="Footer Placeholder 4"/>
+          <p:cNvPr id="6" name="Footer Placeholder 7">
+            <a:extLst>
+              <a:ext uri="{FF2B5EF4-FFF2-40B4-BE49-F238E27FC236}">
+                <a16:creationId xmlns:a16="http://schemas.microsoft.com/office/drawing/2014/main" id="{F74E2872-C480-D45D-771D-D8CFA9DB9E2E}"/>
+              </a:ext>
+            </a:extLst>
+          </p:cNvPr>
           <p:cNvSpPr>
             <a:spLocks noGrp="1"/>
           </p:cNvSpPr>
@@ -1142,33 +1160,49 @@
             <p:ph type="ftr" sz="quarter" idx="4"/>
           </p:nvPr>
         </p:nvSpPr>
-        <p:spPr/>
+        <p:spPr>
+          <a:xfrm>
+            <a:off x="-1" y="8892000"/>
+            <a:ext cx="6488999" cy="252000"/>
+          </a:xfrm>
+          <a:prstGeom prst="rect">
+            <a:avLst/>
+          </a:prstGeom>
+        </p:spPr>
         <p:txBody>
-          <a:bodyPr/>
-          <a:lstStyle/>
-          <a:p>
-            <a:r>
-              <a:rPr lang="en-US"/>
-              <a:t>© SoftUni – </a:t>
-            </a:r>
-            <a:r>
-              <a:rPr lang="en-US" u="sng">
+          <a:bodyPr vert="horz" lIns="91440" tIns="45720" rIns="91440" bIns="45720" rtlCol="0" anchor="b"/>
+          <a:lstStyle>
+            <a:lvl1pPr algn="l">
+              <a:defRPr sz="1100"/>
+            </a:lvl1pPr>
+          </a:lstStyle>
+          <a:p>
+            <a:r>
+              <a:rPr lang="bg-BG" sz="1100" dirty="0"/>
+              <a:t>Работна група </a:t>
+            </a:r>
+            <a:r>
+              <a:rPr lang="bg-BG" dirty="0"/>
+              <a:t>"Образование по програмиране и ИТ"</a:t>
+            </a:r>
+            <a:r>
+              <a:rPr lang="bg-BG" sz="1100" dirty="0"/>
+              <a:t>, с подкрепата на </a:t>
+            </a:r>
+            <a:r>
+              <a:rPr lang="en-US" sz="1100" dirty="0">
                 <a:hlinkClick r:id="rId3"/>
               </a:rPr>
-              <a:t>https://softuni.org</a:t>
-            </a:r>
-            <a:r>
-              <a:rPr lang="en-US"/>
-              <a:t>. Copyrighted document. Unauthorized copy or reproduction is not permitted.</a:t>
-            </a:r>
-            <a:endParaRPr lang="en-US" dirty="0"/>
+              <a:t>SoftUni</a:t>
+            </a:r>
+            <a:endParaRPr lang="en-US" sz="1100" dirty="0"/>
           </a:p>
         </p:txBody>
       </p:sp>
     </p:spTree>
     <p:extLst>
       <p:ext uri="{BB962C8B-B14F-4D97-AF65-F5344CB8AC3E}">
-        <p14:creationId xmlns:p14="http://schemas.microsoft.com/office/powerpoint/2010/main" val="3767345747"/>
+        <p14:creationId xmlns:p14="http://schemas.microsoft.com/office/powerpoint/2010/main" val="4080089231"/>
       </p:ext>
     </p:extLst>
   </p:cSld>
@@ -1251,10 +1285,10 @@
       </p:sp>
       <p:sp>
         <p:nvSpPr>
-          <p:cNvPr id="7" name="Footer Placeholder 7">
+          <p:cNvPr id="5" name="Footer Placeholder 7">
             <a:extLst>
               <a:ext uri="{FF2B5EF4-FFF2-40B4-BE49-F238E27FC236}">
-                <a16:creationId xmlns:a16="http://schemas.microsoft.com/office/drawing/2014/main" id="{C663E775-B715-45B3-BD85-2BE7799CA3D7}"/>
+                <a16:creationId xmlns:a16="http://schemas.microsoft.com/office/drawing/2014/main" id="{50559DFD-25BF-3C8E-F7FC-526F229FB40A}"/>
               </a:ext>
             </a:extLst>
           </p:cNvPr>
@@ -1267,8 +1301,8 @@
         </p:nvSpPr>
         <p:spPr>
           <a:xfrm>
-            <a:off x="-1" y="8847000"/>
-            <a:ext cx="6488999" cy="297000"/>
+            <a:off x="-1" y="8892000"/>
+            <a:ext cx="6488999" cy="252000"/>
           </a:xfrm>
           <a:prstGeom prst="rect">
             <a:avLst/>
@@ -1283,26 +1317,31 @@
           </a:lstStyle>
           <a:p>
             <a:r>
-              <a:rPr lang="en-US" dirty="0"/>
-              <a:t>© SoftUni – </a:t>
-            </a:r>
-            <a:r>
-              <a:rPr lang="en-US" u="sng" dirty="0">
+              <a:rPr lang="bg-BG" sz="1100" dirty="0"/>
+              <a:t>Работна група </a:t>
+            </a:r>
+            <a:r>
+              <a:rPr lang="bg-BG" dirty="0"/>
+              <a:t>"Образование по програмиране и ИТ"</a:t>
+            </a:r>
+            <a:r>
+              <a:rPr lang="bg-BG" sz="1100" dirty="0"/>
+              <a:t>, с подкрепата на </a:t>
+            </a:r>
+            <a:r>
+              <a:rPr lang="en-US" sz="1100" dirty="0">
                 <a:hlinkClick r:id="rId3"/>
               </a:rPr>
-              <a:t>https://softuni.org</a:t>
-            </a:r>
-            <a:r>
-              <a:rPr lang="en-US" dirty="0"/>
-              <a:t>. Copyrighted document. Unauthorized copy or reproduction is not permitted.</a:t>
-            </a:r>
+              <a:t>SoftUni</a:t>
+            </a:r>
+            <a:endParaRPr lang="en-US" sz="1100" dirty="0"/>
           </a:p>
         </p:txBody>
       </p:sp>
     </p:spTree>
     <p:extLst>
       <p:ext uri="{BB962C8B-B14F-4D97-AF65-F5344CB8AC3E}">
-        <p14:creationId xmlns:p14="http://schemas.microsoft.com/office/powerpoint/2010/main" val="39802663"/>
+        <p14:creationId xmlns:p14="http://schemas.microsoft.com/office/powerpoint/2010/main" val="1840793767"/>
       </p:ext>
     </p:extLst>
   </p:cSld>
@@ -1385,7 +1424,13 @@
       </p:sp>
       <p:sp>
         <p:nvSpPr>
-          <p:cNvPr id="5" name="Footer Placeholder 4"/>
+          <p:cNvPr id="6" name="Footer Placeholder 7">
+            <a:extLst>
+              <a:ext uri="{FF2B5EF4-FFF2-40B4-BE49-F238E27FC236}">
+                <a16:creationId xmlns:a16="http://schemas.microsoft.com/office/drawing/2014/main" id="{8424E69A-8025-076A-E747-7F52DB05CAFB}"/>
+              </a:ext>
+            </a:extLst>
+          </p:cNvPr>
           <p:cNvSpPr>
             <a:spLocks noGrp="1"/>
           </p:cNvSpPr>
@@ -1393,33 +1438,49 @@
             <p:ph type="ftr" sz="quarter" idx="4"/>
           </p:nvPr>
         </p:nvSpPr>
-        <p:spPr/>
+        <p:spPr>
+          <a:xfrm>
+            <a:off x="-1" y="8892000"/>
+            <a:ext cx="6488999" cy="252000"/>
+          </a:xfrm>
+          <a:prstGeom prst="rect">
+            <a:avLst/>
+          </a:prstGeom>
+        </p:spPr>
         <p:txBody>
-          <a:bodyPr/>
-          <a:lstStyle/>
-          <a:p>
-            <a:r>
-              <a:rPr lang="en-US"/>
-              <a:t>© SoftUni – </a:t>
-            </a:r>
-            <a:r>
-              <a:rPr lang="en-US" u="sng">
+          <a:bodyPr vert="horz" lIns="91440" tIns="45720" rIns="91440" bIns="45720" rtlCol="0" anchor="b"/>
+          <a:lstStyle>
+            <a:lvl1pPr algn="l">
+              <a:defRPr sz="1100"/>
+            </a:lvl1pPr>
+          </a:lstStyle>
+          <a:p>
+            <a:r>
+              <a:rPr lang="bg-BG" sz="1100" dirty="0"/>
+              <a:t>Работна група </a:t>
+            </a:r>
+            <a:r>
+              <a:rPr lang="bg-BG" dirty="0"/>
+              <a:t>"Образование по програмиране и ИТ"</a:t>
+            </a:r>
+            <a:r>
+              <a:rPr lang="bg-BG" sz="1100" dirty="0"/>
+              <a:t>, с подкрепата на </a:t>
+            </a:r>
+            <a:r>
+              <a:rPr lang="en-US" sz="1100" dirty="0">
                 <a:hlinkClick r:id="rId3"/>
               </a:rPr>
-              <a:t>https://softuni.org</a:t>
-            </a:r>
-            <a:r>
-              <a:rPr lang="en-US"/>
-              <a:t>. Copyrighted document. Unauthorized copy or reproduction is not permitted.</a:t>
-            </a:r>
-            <a:endParaRPr lang="en-US" dirty="0"/>
+              <a:t>SoftUni</a:t>
+            </a:r>
+            <a:endParaRPr lang="en-US" sz="1100" dirty="0"/>
           </a:p>
         </p:txBody>
       </p:sp>
     </p:spTree>
     <p:extLst>
       <p:ext uri="{BB962C8B-B14F-4D97-AF65-F5344CB8AC3E}">
-        <p14:creationId xmlns:p14="http://schemas.microsoft.com/office/powerpoint/2010/main" val="3605149114"/>
+        <p14:creationId xmlns:p14="http://schemas.microsoft.com/office/powerpoint/2010/main" val="2543222779"/>
       </p:ext>
     </p:extLst>
   </p:cSld>
@@ -1502,10 +1563,10 @@
       </p:sp>
       <p:sp>
         <p:nvSpPr>
-          <p:cNvPr id="7" name="Footer Placeholder 7">
+          <p:cNvPr id="5" name="Footer Placeholder 7">
             <a:extLst>
               <a:ext uri="{FF2B5EF4-FFF2-40B4-BE49-F238E27FC236}">
-                <a16:creationId xmlns:a16="http://schemas.microsoft.com/office/drawing/2014/main" id="{C871A23B-5C38-4F54-886A-15CDA6D88DF6}"/>
+                <a16:creationId xmlns:a16="http://schemas.microsoft.com/office/drawing/2014/main" id="{8BBADAA6-C3CF-352B-B97E-F83346FB1C2D}"/>
               </a:ext>
             </a:extLst>
           </p:cNvPr>
@@ -1518,8 +1579,8 @@
         </p:nvSpPr>
         <p:spPr>
           <a:xfrm>
-            <a:off x="-1" y="8847000"/>
-            <a:ext cx="6488999" cy="297000"/>
+            <a:off x="-1" y="8892000"/>
+            <a:ext cx="6488999" cy="252000"/>
           </a:xfrm>
           <a:prstGeom prst="rect">
             <a:avLst/>
@@ -1534,26 +1595,31 @@
           </a:lstStyle>
           <a:p>
             <a:r>
-              <a:rPr lang="en-US" dirty="0"/>
-              <a:t>© SoftUni – </a:t>
-            </a:r>
-            <a:r>
-              <a:rPr lang="en-US" u="sng" dirty="0">
+              <a:rPr lang="bg-BG" sz="1100" dirty="0"/>
+              <a:t>Работна група </a:t>
+            </a:r>
+            <a:r>
+              <a:rPr lang="bg-BG" dirty="0"/>
+              <a:t>"Образование по програмиране и ИТ"</a:t>
+            </a:r>
+            <a:r>
+              <a:rPr lang="bg-BG" sz="1100" dirty="0"/>
+              <a:t>, с подкрепата на </a:t>
+            </a:r>
+            <a:r>
+              <a:rPr lang="en-US" sz="1100" dirty="0">
                 <a:hlinkClick r:id="rId3"/>
               </a:rPr>
-              <a:t>https://softuni.org</a:t>
-            </a:r>
-            <a:r>
-              <a:rPr lang="en-US" dirty="0"/>
-              <a:t>. Copyrighted document. Unauthorized copy or reproduction is not permitted.</a:t>
-            </a:r>
+              <a:t>SoftUni</a:t>
+            </a:r>
+            <a:endParaRPr lang="en-US" sz="1100" dirty="0"/>
           </a:p>
         </p:txBody>
       </p:sp>
     </p:spTree>
     <p:extLst>
       <p:ext uri="{BB962C8B-B14F-4D97-AF65-F5344CB8AC3E}">
-        <p14:creationId xmlns:p14="http://schemas.microsoft.com/office/powerpoint/2010/main" val="503613592"/>
+        <p14:creationId xmlns:p14="http://schemas.microsoft.com/office/powerpoint/2010/main" val="2656582521"/>
       </p:ext>
     </p:extLst>
   </p:cSld>
@@ -1637,10 +1703,10 @@
       </p:sp>
       <p:sp>
         <p:nvSpPr>
-          <p:cNvPr id="6" name="Footer Placeholder 7">
+          <p:cNvPr id="4" name="Footer Placeholder 7">
             <a:extLst>
               <a:ext uri="{FF2B5EF4-FFF2-40B4-BE49-F238E27FC236}">
-                <a16:creationId xmlns:a16="http://schemas.microsoft.com/office/drawing/2014/main" id="{BFF5DFD4-93B8-42D0-AC25-A8E58301E736}"/>
+                <a16:creationId xmlns:a16="http://schemas.microsoft.com/office/drawing/2014/main" id="{C6770BF1-CBF7-0630-F448-1F86AFA1CC3F}"/>
               </a:ext>
             </a:extLst>
           </p:cNvPr>
@@ -1653,8 +1719,8 @@
         </p:nvSpPr>
         <p:spPr>
           <a:xfrm>
-            <a:off x="-1" y="8847000"/>
-            <a:ext cx="6488999" cy="297000"/>
+            <a:off x="-1" y="8892000"/>
+            <a:ext cx="6488999" cy="252000"/>
           </a:xfrm>
           <a:prstGeom prst="rect">
             <a:avLst/>
@@ -1669,26 +1735,31 @@
           </a:lstStyle>
           <a:p>
             <a:r>
-              <a:rPr lang="en-US" dirty="0"/>
-              <a:t>© SoftUni – </a:t>
-            </a:r>
-            <a:r>
-              <a:rPr lang="en-US" u="sng" dirty="0">
+              <a:rPr lang="bg-BG" sz="1100" dirty="0"/>
+              <a:t>Работна група </a:t>
+            </a:r>
+            <a:r>
+              <a:rPr lang="bg-BG" dirty="0"/>
+              <a:t>"Образование по програмиране и ИТ"</a:t>
+            </a:r>
+            <a:r>
+              <a:rPr lang="bg-BG" sz="1100" dirty="0"/>
+              <a:t>, с подкрепата на </a:t>
+            </a:r>
+            <a:r>
+              <a:rPr lang="en-US" sz="1100" dirty="0">
                 <a:hlinkClick r:id="rId3"/>
               </a:rPr>
-              <a:t>https://softuni.org</a:t>
-            </a:r>
-            <a:r>
-              <a:rPr lang="en-US" dirty="0"/>
-              <a:t>. Copyrighted document. Unauthorized copy or reproduction is not permitted.</a:t>
-            </a:r>
+              <a:t>SoftUni</a:t>
+            </a:r>
+            <a:endParaRPr lang="en-US" sz="1100" dirty="0"/>
           </a:p>
         </p:txBody>
       </p:sp>
     </p:spTree>
     <p:extLst>
       <p:ext uri="{BB962C8B-B14F-4D97-AF65-F5344CB8AC3E}">
-        <p14:creationId xmlns:p14="http://schemas.microsoft.com/office/powerpoint/2010/main" val="846801693"/>
+        <p14:creationId xmlns:p14="http://schemas.microsoft.com/office/powerpoint/2010/main" val="2108769264"/>
       </p:ext>
     </p:extLst>
   </p:cSld>
@@ -1878,10 +1949,10 @@
       </p:sp>
       <p:sp>
         <p:nvSpPr>
-          <p:cNvPr id="6" name="Footer Placeholder 7">
+          <p:cNvPr id="5" name="Footer Placeholder 7">
             <a:extLst>
               <a:ext uri="{FF2B5EF4-FFF2-40B4-BE49-F238E27FC236}">
-                <a16:creationId xmlns:a16="http://schemas.microsoft.com/office/drawing/2014/main" id="{9CFE5E97-8D68-4134-8407-17031A0C4EE4}"/>
+                <a16:creationId xmlns:a16="http://schemas.microsoft.com/office/drawing/2014/main" id="{67A7C1B6-340E-4EA7-4DD2-9FC0FF5F8B8F}"/>
               </a:ext>
             </a:extLst>
           </p:cNvPr>
@@ -1894,8 +1965,8 @@
         </p:nvSpPr>
         <p:spPr>
           <a:xfrm>
-            <a:off x="-1" y="8847000"/>
-            <a:ext cx="6488999" cy="297000"/>
+            <a:off x="-1" y="8892000"/>
+            <a:ext cx="6488999" cy="252000"/>
           </a:xfrm>
           <a:prstGeom prst="rect">
             <a:avLst/>
@@ -1910,26 +1981,31 @@
           </a:lstStyle>
           <a:p>
             <a:r>
-              <a:rPr lang="en-US" dirty="0"/>
-              <a:t>© SoftUni – </a:t>
-            </a:r>
-            <a:r>
-              <a:rPr lang="en-US" u="sng" dirty="0">
+              <a:rPr lang="bg-BG" sz="1100" dirty="0"/>
+              <a:t>Работна група </a:t>
+            </a:r>
+            <a:r>
+              <a:rPr lang="bg-BG" dirty="0"/>
+              <a:t>"Образование по програмиране и ИТ"</a:t>
+            </a:r>
+            <a:r>
+              <a:rPr lang="bg-BG" sz="1100" dirty="0"/>
+              <a:t>, с подкрепата на </a:t>
+            </a:r>
+            <a:r>
+              <a:rPr lang="en-US" sz="1100" dirty="0">
                 <a:hlinkClick r:id="rId3"/>
               </a:rPr>
-              <a:t>https://softuni.org</a:t>
-            </a:r>
-            <a:r>
-              <a:rPr lang="en-US" dirty="0"/>
-              <a:t>. Copyrighted document. Unauthorized copy or reproduction is not permitted.</a:t>
-            </a:r>
+              <a:t>SoftUni</a:t>
+            </a:r>
+            <a:endParaRPr lang="en-US" sz="1100" dirty="0"/>
           </a:p>
         </p:txBody>
       </p:sp>
     </p:spTree>
     <p:extLst>
       <p:ext uri="{BB962C8B-B14F-4D97-AF65-F5344CB8AC3E}">
-        <p14:creationId xmlns:p14="http://schemas.microsoft.com/office/powerpoint/2010/main" val="93676303"/>
+        <p14:creationId xmlns:p14="http://schemas.microsoft.com/office/powerpoint/2010/main" val="2838998354"/>
       </p:ext>
     </p:extLst>
   </p:cSld>
@@ -1983,7 +2059,7 @@
           <a:bodyPr/>
           <a:lstStyle/>
           <a:p>
-            <a:endParaRPr lang="en-US" dirty="0"/>
+            <a:endParaRPr lang="en-US"/>
           </a:p>
         </p:txBody>
       </p:sp>
@@ -2119,10 +2195,10 @@
       </p:sp>
       <p:sp>
         <p:nvSpPr>
-          <p:cNvPr id="7" name="Footer Placeholder 7">
+          <p:cNvPr id="5" name="Footer Placeholder 7">
             <a:extLst>
               <a:ext uri="{FF2B5EF4-FFF2-40B4-BE49-F238E27FC236}">
-                <a16:creationId xmlns:a16="http://schemas.microsoft.com/office/drawing/2014/main" id="{6440DE1F-FF39-450B-9BB2-FD91A9B92021}"/>
+                <a16:creationId xmlns:a16="http://schemas.microsoft.com/office/drawing/2014/main" id="{9F4EFA46-DCF0-4D52-89A6-D038C9F42E99}"/>
               </a:ext>
             </a:extLst>
           </p:cNvPr>
@@ -2135,8 +2211,8 @@
         </p:nvSpPr>
         <p:spPr>
           <a:xfrm>
-            <a:off x="-1" y="8847000"/>
-            <a:ext cx="6488999" cy="297000"/>
+            <a:off x="-1" y="8892000"/>
+            <a:ext cx="6488999" cy="252000"/>
           </a:xfrm>
           <a:prstGeom prst="rect">
             <a:avLst/>
@@ -2151,26 +2227,31 @@
           </a:lstStyle>
           <a:p>
             <a:r>
-              <a:rPr lang="en-US" dirty="0"/>
-              <a:t>© SoftUni – </a:t>
-            </a:r>
-            <a:r>
-              <a:rPr lang="en-US" u="sng" dirty="0">
+              <a:rPr lang="bg-BG" sz="1100" dirty="0"/>
+              <a:t>Работна група </a:t>
+            </a:r>
+            <a:r>
+              <a:rPr lang="bg-BG" dirty="0"/>
+              <a:t>"Образование по програмиране и ИТ"</a:t>
+            </a:r>
+            <a:r>
+              <a:rPr lang="bg-BG" sz="1100" dirty="0"/>
+              <a:t>, с подкрепата на </a:t>
+            </a:r>
+            <a:r>
+              <a:rPr lang="en-US" sz="1100" dirty="0">
                 <a:hlinkClick r:id="rId3"/>
               </a:rPr>
-              <a:t>https://softuni.org</a:t>
-            </a:r>
-            <a:r>
-              <a:rPr lang="en-US" dirty="0"/>
-              <a:t>. Copyrighted document. Unauthorized copy or reproduction is not permitted.</a:t>
-            </a:r>
+              <a:t>SoftUni</a:t>
+            </a:r>
+            <a:endParaRPr lang="en-US" sz="1100" dirty="0"/>
           </a:p>
         </p:txBody>
       </p:sp>
     </p:spTree>
     <p:extLst>
       <p:ext uri="{BB962C8B-B14F-4D97-AF65-F5344CB8AC3E}">
-        <p14:creationId xmlns:p14="http://schemas.microsoft.com/office/powerpoint/2010/main" val="2767550425"/>
+        <p14:creationId xmlns:p14="http://schemas.microsoft.com/office/powerpoint/2010/main" val="3199442263"/>
       </p:ext>
     </p:extLst>
   </p:cSld>
@@ -2181,7 +2262,7 @@
 </file>
 
 <file path=ppt/slideLayouts/slideLayout1.xml><?xml version="1.0" encoding="utf-8"?>
-<p:sldLayout xmlns:a="http://schemas.openxmlformats.org/drawingml/2006/main" xmlns:r="http://schemas.openxmlformats.org/officeDocument/2006/relationships" xmlns:p="http://schemas.openxmlformats.org/presentationml/2006/main" preserve="1">
+<p:sldLayout xmlns:a="http://schemas.openxmlformats.org/drawingml/2006/main" xmlns:r="http://schemas.openxmlformats.org/officeDocument/2006/relationships" xmlns:p="http://schemas.openxmlformats.org/presentationml/2006/main" preserve="1" userDrawn="1">
   <p:cSld name="Presentation Title Slide">
     <p:spTree>
       <p:nvGrpSpPr>
@@ -2207,7 +2288,7 @@
             </a:extLst>
           </p:cNvPr>
           <p:cNvSpPr/>
-          <p:nvPr/>
+          <p:nvPr userDrawn="1"/>
         </p:nvSpPr>
         <p:spPr>
           <a:xfrm>
@@ -2261,7 +2342,7 @@
               <a:tabLst/>
               <a:defRPr/>
             </a:pPr>
-            <a:endParaRPr kumimoji="0" lang="en-US" altLang="ko-KR" sz="2398" b="0" i="0" u="none" strike="noStrike" kern="1200" cap="none" spc="0" normalizeH="0" baseline="0" noProof="0" dirty="0">
+            <a:endParaRPr kumimoji="0" lang="en-US" altLang="ko-KR" sz="2398" b="0" i="0" u="none" strike="noStrike" kern="1200" cap="none" spc="0" normalizeH="0" baseline="0" noProof="0">
               <a:ln>
                 <a:noFill/>
               </a:ln>
@@ -2278,55 +2359,139 @@
           </a:p>
         </p:txBody>
       </p:sp>
-      <p:pic>
-        <p:nvPicPr>
-          <p:cNvPr id="14" name="Picture Logo SoftUni" descr="SoftUni logo">
+      <p:sp>
+        <p:nvSpPr>
+          <p:cNvPr id="33" name="Picture Placeholder Title Image">
             <a:extLst>
               <a:ext uri="{FF2B5EF4-FFF2-40B4-BE49-F238E27FC236}">
-                <a16:creationId xmlns:a16="http://schemas.microsoft.com/office/drawing/2014/main" id="{C4D6B2A2-DFF0-4712-BFEC-6676BEC99FEC}"/>
+                <a16:creationId xmlns:a16="http://schemas.microsoft.com/office/drawing/2014/main" id="{A04D819A-89E2-4714-8C56-1838BF467EF7}"/>
               </a:ext>
             </a:extLst>
           </p:cNvPr>
-          <p:cNvPicPr>
-            <a:picLocks noChangeAspect="1"/>
-          </p:cNvPicPr>
-          <p:nvPr userDrawn="1"/>
-        </p:nvPicPr>
-        <p:blipFill>
-          <a:blip r:embed="rId2">
-            <a:clrChange>
-              <a:clrFrom>
-                <a:srgbClr val="FFFFFF"/>
-              </a:clrFrom>
-              <a:clrTo>
-                <a:srgbClr val="FFFFFF">
-                  <a:alpha val="0"/>
-                </a:srgbClr>
-              </a:clrTo>
-            </a:clrChange>
+          <p:cNvSpPr>
+            <a:spLocks noGrp="1"/>
+          </p:cNvSpPr>
+          <p:nvPr>
+            <p:ph type="pic" sz="quarter" idx="10"/>
+          </p:nvPr>
+        </p:nvSpPr>
+        <p:spPr>
+          <a:xfrm>
+            <a:off x="6390123" y="3400017"/>
+            <a:ext cx="5248260" cy="2188983"/>
+          </a:xfrm>
+        </p:spPr>
+        <p:txBody>
+          <a:bodyPr/>
+          <a:lstStyle>
+            <a:lvl1pPr marL="0" indent="0" algn="ctr" latinLnBrk="0">
+              <a:buNone/>
+              <a:defRPr>
+                <a:solidFill>
+                  <a:schemeClr val="bg1"/>
+                </a:solidFill>
+              </a:defRPr>
+            </a:lvl1pPr>
+          </a:lstStyle>
+          <a:p>
+            <a:r>
+              <a:rPr lang="en-US" noProof="0" dirty="0"/>
+              <a:t>Click icon to add picture</a:t>
+            </a:r>
+          </a:p>
+        </p:txBody>
+      </p:sp>
+      <p:sp>
+        <p:nvSpPr>
+          <p:cNvPr id="10" name="Company Web Site">
             <a:extLst>
-              <a:ext uri="{28A0092B-C50C-407E-A947-70E740481C1C}">
-                <a14:useLocalDpi xmlns:a14="http://schemas.microsoft.com/office/drawing/2010/main" val="0"/>
+              <a:ext uri="{FF2B5EF4-FFF2-40B4-BE49-F238E27FC236}">
+                <a16:creationId xmlns:a16="http://schemas.microsoft.com/office/drawing/2014/main" id="{0B99B1EE-62FA-4AA4-920C-D444D6C0B778}"/>
               </a:ext>
             </a:extLst>
-          </a:blip>
-          <a:stretch>
-            <a:fillRect/>
-          </a:stretch>
-        </p:blipFill>
+          </p:cNvPr>
+          <p:cNvSpPr>
+            <a:spLocks noGrp="1"/>
+          </p:cNvSpPr>
+          <p:nvPr>
+            <p:ph type="body" sz="quarter" idx="22" hasCustomPrompt="1"/>
+          </p:nvPr>
+        </p:nvSpPr>
         <p:spPr>
           <a:xfrm>
-            <a:off x="4324460" y="5184000"/>
-            <a:ext cx="3751540" cy="1297655"/>
+            <a:off x="6390120" y="6086106"/>
+            <a:ext cx="5248260" cy="341313"/>
           </a:xfrm>
-          <a:prstGeom prst="rect">
-            <a:avLst/>
-          </a:prstGeom>
         </p:spPr>
-      </p:pic>
+        <p:txBody>
+          <a:bodyPr lIns="36000" rIns="36000" anchor="ctr" anchorCtr="0">
+            <a:noAutofit/>
+          </a:bodyPr>
+          <a:lstStyle>
+            <a:lvl1pPr marL="0" indent="0" algn="r">
+              <a:buNone/>
+              <a:defRPr sz="1800"/>
+            </a:lvl1pPr>
+          </a:lstStyle>
+          <a:p>
+            <a:pPr lvl="0"/>
+            <a:r>
+              <a:rPr lang="en-US" dirty="0"/>
+              <a:t>https://softuni.foundation  </a:t>
+            </a:r>
+          </a:p>
+        </p:txBody>
+      </p:sp>
       <p:sp>
         <p:nvSpPr>
-          <p:cNvPr id="31" name="Text Placeholder Company Site">
+          <p:cNvPr id="6" name="Company Name">
+            <a:extLst>
+              <a:ext uri="{FF2B5EF4-FFF2-40B4-BE49-F238E27FC236}">
+                <a16:creationId xmlns:a16="http://schemas.microsoft.com/office/drawing/2014/main" id="{2A76510A-0BAE-A827-E77C-BE88E38F52AA}"/>
+              </a:ext>
+            </a:extLst>
+          </p:cNvPr>
+          <p:cNvSpPr>
+            <a:spLocks noGrp="1"/>
+          </p:cNvSpPr>
+          <p:nvPr>
+            <p:ph type="body" sz="quarter" idx="21" hasCustomPrompt="1"/>
+          </p:nvPr>
+        </p:nvSpPr>
+        <p:spPr>
+          <a:xfrm>
+            <a:off x="6390122" y="5698189"/>
+            <a:ext cx="5248260" cy="374236"/>
+          </a:xfrm>
+        </p:spPr>
+        <p:txBody>
+          <a:bodyPr lIns="36000" rIns="36000" anchor="ctr" anchorCtr="0">
+            <a:normAutofit/>
+          </a:bodyPr>
+          <a:lstStyle>
+            <a:lvl1pPr marL="0" indent="0" algn="r">
+              <a:buNone/>
+              <a:defRPr sz="2000" b="1">
+                <a:solidFill>
+                  <a:schemeClr val="tx1">
+                    <a:lumMod val="75000"/>
+                  </a:schemeClr>
+                </a:solidFill>
+              </a:defRPr>
+            </a:lvl1pPr>
+          </a:lstStyle>
+          <a:p>
+            <a:pPr lvl="0"/>
+            <a:r>
+              <a:rPr lang="en-US" dirty="0"/>
+              <a:t>SoftUni Foundation</a:t>
+            </a:r>
+          </a:p>
+        </p:txBody>
+      </p:sp>
+      <p:sp>
+        <p:nvSpPr>
+          <p:cNvPr id="31" name="Author Position">
             <a:extLst>
               <a:ext uri="{FF2B5EF4-FFF2-40B4-BE49-F238E27FC236}">
                 <a16:creationId xmlns:a16="http://schemas.microsoft.com/office/drawing/2014/main" id="{3E6B87B7-9D33-4EBB-BD4F-C0436BA3FD72}"/>
@@ -2342,274 +2507,8 @@
         </p:nvSpPr>
         <p:spPr bwMode="auto">
           <a:xfrm>
-            <a:off x="8708505" y="6130863"/>
-            <a:ext cx="2951518" cy="341556"/>
-          </a:xfrm>
-          <a:prstGeom prst="rect">
-            <a:avLst/>
-          </a:prstGeom>
-          <a:noFill/>
-          <a:effectLst/>
-        </p:spPr>
-        <p:txBody>
-          <a:bodyPr wrap="square" lIns="36000" tIns="36000" rIns="36000" bIns="36000" rtlCol="0" anchor="ctr" anchorCtr="0">
-            <a:noAutofit/>
-          </a:bodyPr>
-          <a:lstStyle>
-            <a:lvl1pPr marL="0" indent="0" algn="r" rtl="0" fontAlgn="base" latinLnBrk="0">
-              <a:spcBef>
-                <a:spcPct val="0"/>
-              </a:spcBef>
-              <a:spcAft>
-                <a:spcPct val="0"/>
-              </a:spcAft>
-              <a:buNone/>
-              <a:defRPr lang="en-US" sz="1798" b="1" kern="1200" dirty="0" smtClean="0">
-                <a:solidFill>
-                  <a:schemeClr val="tx1">
-                    <a:lumMod val="75000"/>
-                  </a:schemeClr>
-                </a:solidFill>
-                <a:effectLst/>
-                <a:latin typeface="+mn-lt"/>
-                <a:ea typeface="+mn-ea"/>
-                <a:cs typeface="+mn-cs"/>
-              </a:defRPr>
-            </a:lvl1pPr>
-          </a:lstStyle>
-          <a:p>
-            <a:pPr lvl="0"/>
-            <a:r>
-              <a:rPr lang="en-US" noProof="0" dirty="0"/>
-              <a:t>Company Web Site</a:t>
-            </a:r>
-          </a:p>
-        </p:txBody>
-      </p:sp>
-      <p:sp>
-        <p:nvSpPr>
-          <p:cNvPr id="30" name="Text Placeholder Company Name">
-            <a:extLst>
-              <a:ext uri="{FF2B5EF4-FFF2-40B4-BE49-F238E27FC236}">
-                <a16:creationId xmlns:a16="http://schemas.microsoft.com/office/drawing/2014/main" id="{2EA92DCA-4DB5-4D03-ACD3-A6A296592D0C}"/>
-              </a:ext>
-            </a:extLst>
-          </p:cNvPr>
-          <p:cNvSpPr>
-            <a:spLocks noGrp="1"/>
-          </p:cNvSpPr>
-          <p:nvPr>
-            <p:ph type="body" sz="quarter" idx="17" hasCustomPrompt="1"/>
-          </p:nvPr>
-        </p:nvSpPr>
-        <p:spPr bwMode="auto">
-          <a:xfrm>
-            <a:off x="8708505" y="5756628"/>
-            <a:ext cx="2951518" cy="367080"/>
-          </a:xfrm>
-          <a:prstGeom prst="rect">
-            <a:avLst/>
-          </a:prstGeom>
-          <a:noFill/>
-          <a:effectLst/>
-        </p:spPr>
-        <p:txBody>
-          <a:bodyPr wrap="square" lIns="36000" tIns="36000" rIns="36000" bIns="36000" rtlCol="0" anchor="ctr" anchorCtr="0">
-            <a:noAutofit/>
-          </a:bodyPr>
-          <a:lstStyle>
-            <a:lvl1pPr marL="0" indent="0" algn="r" rtl="0" fontAlgn="base" latinLnBrk="0">
-              <a:spcBef>
-                <a:spcPct val="0"/>
-              </a:spcBef>
-              <a:spcAft>
-                <a:spcPct val="0"/>
-              </a:spcAft>
-              <a:buNone/>
-              <a:defRPr lang="en-US" sz="1998" b="1" kern="1200" dirty="0" smtClean="0">
-                <a:solidFill>
-                  <a:schemeClr val="tx1">
-                    <a:lumMod val="75000"/>
-                  </a:schemeClr>
-                </a:solidFill>
-                <a:effectLst/>
-                <a:latin typeface="+mn-lt"/>
-                <a:ea typeface="+mn-ea"/>
-                <a:cs typeface="+mn-cs"/>
-              </a:defRPr>
-            </a:lvl1pPr>
-          </a:lstStyle>
-          <a:p>
-            <a:pPr lvl="0"/>
-            <a:r>
-              <a:rPr lang="en-US" noProof="0" dirty="0"/>
-              <a:t>Company Name</a:t>
-            </a:r>
-          </a:p>
-        </p:txBody>
-      </p:sp>
-      <p:pic>
-        <p:nvPicPr>
-          <p:cNvPr id="35" name="Picture SoftUni Mascot" descr="SoftUni mascot">
-            <a:extLst>
-              <a:ext uri="{FF2B5EF4-FFF2-40B4-BE49-F238E27FC236}">
-                <a16:creationId xmlns:a16="http://schemas.microsoft.com/office/drawing/2014/main" id="{951E7DA9-C5F0-43D9-B013-3BDF9EEF029D}"/>
-              </a:ext>
-            </a:extLst>
-          </p:cNvPr>
-          <p:cNvPicPr>
-            <a:picLocks noChangeAspect="1"/>
-          </p:cNvPicPr>
-          <p:nvPr/>
-        </p:nvPicPr>
-        <p:blipFill rotWithShape="1">
-          <a:blip r:embed="rId3" cstate="print">
-            <a:extLst>
-              <a:ext uri="{28A0092B-C50C-407E-A947-70E740481C1C}">
-                <a14:useLocalDpi xmlns:a14="http://schemas.microsoft.com/office/drawing/2010/main" val="0"/>
-              </a:ext>
-            </a:extLst>
-          </a:blip>
-          <a:srcRect/>
-          <a:stretch/>
-        </p:blipFill>
-        <p:spPr>
-          <a:xfrm flipH="1">
-            <a:off x="8848924" y="2609644"/>
-            <a:ext cx="2788893" cy="3018284"/>
-          </a:xfrm>
-          <a:prstGeom prst="rect">
-            <a:avLst/>
-          </a:prstGeom>
-        </p:spPr>
-      </p:pic>
-      <p:pic>
-        <p:nvPicPr>
-          <p:cNvPr id="22" name="Picture Logo Software University" descr="Software University logo">
-            <a:hlinkClick r:id="rId4"/>
-            <a:extLst>
-              <a:ext uri="{FF2B5EF4-FFF2-40B4-BE49-F238E27FC236}">
-                <a16:creationId xmlns:a16="http://schemas.microsoft.com/office/drawing/2014/main" id="{F2315EB3-3FE4-4D3B-921E-5F209CEC13CB}"/>
-              </a:ext>
-            </a:extLst>
-          </p:cNvPr>
-          <p:cNvPicPr>
-            <a:picLocks noChangeAspect="1"/>
-          </p:cNvPicPr>
-          <p:nvPr userDrawn="1"/>
-        </p:nvPicPr>
-        <p:blipFill>
-          <a:blip r:embed="rId5">
-            <a:clrChange>
-              <a:clrFrom>
-                <a:srgbClr val="FFFFFF"/>
-              </a:clrFrom>
-              <a:clrTo>
-                <a:srgbClr val="FFFFFF">
-                  <a:alpha val="0"/>
-                </a:srgbClr>
-              </a:clrTo>
-            </a:clrChange>
-            <a:extLst>
-              <a:ext uri="{28A0092B-C50C-407E-A947-70E740481C1C}">
-                <a14:useLocalDpi xmlns:a14="http://schemas.microsoft.com/office/drawing/2010/main" val="0"/>
-              </a:ext>
-            </a:extLst>
-          </a:blip>
-          <a:stretch>
-            <a:fillRect/>
-          </a:stretch>
-        </p:blipFill>
-        <p:spPr>
-          <a:xfrm>
-            <a:off x="507944" y="5918567"/>
-            <a:ext cx="1830305" cy="628159"/>
-          </a:xfrm>
-          <a:prstGeom prst="rect">
-            <a:avLst/>
-          </a:prstGeom>
-        </p:spPr>
-      </p:pic>
-      <p:sp>
-        <p:nvSpPr>
-          <p:cNvPr id="40" name="Text Placeholder Author Position">
-            <a:extLst>
-              <a:ext uri="{FF2B5EF4-FFF2-40B4-BE49-F238E27FC236}">
-                <a16:creationId xmlns:a16="http://schemas.microsoft.com/office/drawing/2014/main" id="{CD940256-851E-46C8-8BFB-A5ECA6C7DA07}"/>
-              </a:ext>
-            </a:extLst>
-          </p:cNvPr>
-          <p:cNvSpPr>
-            <a:spLocks noGrp="1"/>
-          </p:cNvSpPr>
-          <p:nvPr>
-            <p:ph type="body" sz="quarter" idx="20" hasCustomPrompt="1"/>
-          </p:nvPr>
-        </p:nvSpPr>
-        <p:spPr bwMode="auto">
-          <a:xfrm>
-            <a:off x="553082" y="5344180"/>
-            <a:ext cx="2980696" cy="444793"/>
-          </a:xfrm>
-          <a:prstGeom prst="rect">
-            <a:avLst/>
-          </a:prstGeom>
-          <a:noFill/>
-          <a:effectLst/>
-        </p:spPr>
-        <p:txBody>
-          <a:bodyPr wrap="square" lIns="36000" tIns="36000" rIns="36000" bIns="36000" rtlCol="0" anchor="ctr" anchorCtr="0">
-            <a:spAutoFit/>
-          </a:bodyPr>
-          <a:lstStyle>
-            <a:lvl1pPr marL="0" indent="0" algn="l" rtl="0" fontAlgn="base" latinLnBrk="0">
-              <a:spcBef>
-                <a:spcPct val="0"/>
-              </a:spcBef>
-              <a:spcAft>
-                <a:spcPct val="0"/>
-              </a:spcAft>
-              <a:buNone/>
-              <a:defRPr lang="en-US" sz="2398" b="1" kern="1200" dirty="0" smtClean="0">
-                <a:solidFill>
-                  <a:schemeClr val="tx1"/>
-                </a:solidFill>
-                <a:effectLst/>
-                <a:latin typeface="+mn-lt"/>
-                <a:ea typeface="+mn-ea"/>
-                <a:cs typeface="+mn-cs"/>
-              </a:defRPr>
-            </a:lvl1pPr>
-          </a:lstStyle>
-          <a:p>
-            <a:pPr lvl="0"/>
-            <a:r>
-              <a:rPr lang="en-US" noProof="0" dirty="0"/>
-              <a:t>Position</a:t>
-            </a:r>
-          </a:p>
-        </p:txBody>
-      </p:sp>
-      <p:sp>
-        <p:nvSpPr>
-          <p:cNvPr id="36" name="Text Placeholder Author Name">
-            <a:extLst>
-              <a:ext uri="{FF2B5EF4-FFF2-40B4-BE49-F238E27FC236}">
-                <a16:creationId xmlns:a16="http://schemas.microsoft.com/office/drawing/2014/main" id="{3B21F47B-DE1F-442D-A2B7-6866F8786704}"/>
-              </a:ext>
-            </a:extLst>
-          </p:cNvPr>
-          <p:cNvSpPr>
-            <a:spLocks noGrp="1"/>
-          </p:cNvSpPr>
-          <p:nvPr>
-            <p:ph type="body" sz="quarter" idx="19" hasCustomPrompt="1"/>
-          </p:nvPr>
-        </p:nvSpPr>
-        <p:spPr bwMode="auto">
-          <a:xfrm>
-            <a:off x="553082" y="4851838"/>
-            <a:ext cx="2980696" cy="454398"/>
+            <a:off x="534045" y="6085863"/>
+            <a:ext cx="4751953" cy="341556"/>
           </a:xfrm>
           <a:prstGeom prst="rect">
             <a:avLst/>
@@ -2630,9 +2529,11 @@
                 <a:spcPct val="0"/>
               </a:spcAft>
               <a:buNone/>
-              <a:defRPr lang="en-US" sz="2798" b="1" kern="1200" dirty="0" smtClean="0">
-                <a:solidFill>
-                  <a:schemeClr val="tx1"/>
+              <a:defRPr lang="en-US" sz="1800" b="0" kern="1200" dirty="0" smtClean="0">
+                <a:solidFill>
+                  <a:schemeClr val="tx1">
+                    <a:lumMod val="75000"/>
+                  </a:schemeClr>
                 </a:solidFill>
                 <a:effectLst/>
                 <a:latin typeface="+mn-lt"/>
@@ -2645,17 +2546,17 @@
             <a:pPr lvl="0"/>
             <a:r>
               <a:rPr lang="en-US" noProof="0" dirty="0"/>
-              <a:t>Author Name</a:t>
+              <a:t>URL</a:t>
             </a:r>
           </a:p>
         </p:txBody>
       </p:sp>
       <p:sp>
         <p:nvSpPr>
-          <p:cNvPr id="33" name="Picture Placeholder Title Image">
+          <p:cNvPr id="30" name="Author Name">
             <a:extLst>
               <a:ext uri="{FF2B5EF4-FFF2-40B4-BE49-F238E27FC236}">
-                <a16:creationId xmlns:a16="http://schemas.microsoft.com/office/drawing/2014/main" id="{A04D819A-89E2-4714-8C56-1838BF467EF7}"/>
+                <a16:creationId xmlns:a16="http://schemas.microsoft.com/office/drawing/2014/main" id="{2EA92DCA-4DB5-4D03-ACD3-A6A296592D0C}"/>
               </a:ext>
             </a:extLst>
           </p:cNvPr>
@@ -2663,31 +2564,51 @@
             <a:spLocks noGrp="1"/>
           </p:cNvSpPr>
           <p:nvPr>
-            <p:ph type="pic" sz="quarter" idx="10"/>
+            <p:ph type="body" sz="quarter" idx="17" hasCustomPrompt="1"/>
           </p:nvPr>
         </p:nvSpPr>
-        <p:spPr>
+        <p:spPr bwMode="auto">
           <a:xfrm>
-            <a:off x="553082" y="2740913"/>
-            <a:ext cx="4642919" cy="1936503"/>
+            <a:off x="534046" y="5251106"/>
+            <a:ext cx="4751954" cy="724904"/>
           </a:xfrm>
+          <a:prstGeom prst="rect">
+            <a:avLst/>
+          </a:prstGeom>
+          <a:noFill/>
+          <a:effectLst/>
         </p:spPr>
         <p:txBody>
-          <a:bodyPr/>
+          <a:bodyPr wrap="square" lIns="36000" tIns="36000" rIns="36000" bIns="36000" rtlCol="0" anchor="ctr" anchorCtr="0">
+            <a:noAutofit/>
+          </a:bodyPr>
           <a:lstStyle>
-            <a:lvl1pPr marL="0" indent="0" algn="ctr" latinLnBrk="0">
+            <a:lvl1pPr marL="0" indent="0" algn="l" rtl="0" fontAlgn="base" latinLnBrk="0">
+              <a:spcBef>
+                <a:spcPct val="0"/>
+              </a:spcBef>
+              <a:spcAft>
+                <a:spcPct val="0"/>
+              </a:spcAft>
               <a:buNone/>
-              <a:defRPr>
-                <a:solidFill>
-                  <a:schemeClr val="bg1"/>
-                </a:solidFill>
+              <a:defRPr lang="en-US" sz="2000" b="1" kern="1200" dirty="0" smtClean="0">
+                <a:solidFill>
+                  <a:schemeClr val="tx1">
+                    <a:lumMod val="75000"/>
+                  </a:schemeClr>
+                </a:solidFill>
+                <a:effectLst/>
+                <a:latin typeface="+mn-lt"/>
+                <a:ea typeface="+mn-ea"/>
+                <a:cs typeface="+mn-cs"/>
               </a:defRPr>
             </a:lvl1pPr>
           </a:lstStyle>
           <a:p>
+            <a:pPr lvl="0"/>
             <a:r>
               <a:rPr lang="en-US" noProof="0" dirty="0"/>
-              <a:t>Click icon to add picture</a:t>
+              <a:t>Authors</a:t>
             </a:r>
           </a:p>
         </p:txBody>
@@ -2710,8 +2631,8 @@
         </p:nvSpPr>
         <p:spPr>
           <a:xfrm>
-            <a:off x="554182" y="1258272"/>
-            <a:ext cx="11083636" cy="1315728"/>
+            <a:off x="554746" y="1402942"/>
+            <a:ext cx="11083636" cy="1306057"/>
           </a:xfrm>
         </p:spPr>
         <p:txBody>
@@ -2721,7 +2642,7 @@
           <a:lstStyle>
             <a:lvl1pPr marL="0" indent="0" algn="ctr" latinLnBrk="0">
               <a:buNone/>
-              <a:defRPr sz="3598">
+              <a:defRPr sz="3600">
                 <a:solidFill>
                   <a:schemeClr val="tx1"/>
                 </a:solidFill>
@@ -2754,15 +2675,17 @@
         </p:nvSpPr>
         <p:spPr>
           <a:xfrm>
-            <a:off x="554182" y="321502"/>
-            <a:ext cx="11083636" cy="882654"/>
+            <a:off x="554746" y="321501"/>
+            <a:ext cx="11083636" cy="971589"/>
           </a:xfrm>
         </p:spPr>
         <p:txBody>
-          <a:bodyPr/>
+          <a:bodyPr>
+            <a:normAutofit/>
+          </a:bodyPr>
           <a:lstStyle>
             <a:lvl1pPr algn="ctr" latinLnBrk="0">
-              <a:defRPr sz="4798"/>
+              <a:defRPr sz="5400"/>
             </a:lvl1pPr>
           </a:lstStyle>
           <a:p>
@@ -2773,10 +2696,94 @@
           </a:p>
         </p:txBody>
       </p:sp>
+      <p:pic>
+        <p:nvPicPr>
+          <p:cNvPr id="4" name="Picture 3">
+            <a:extLst>
+              <a:ext uri="{FF2B5EF4-FFF2-40B4-BE49-F238E27FC236}">
+                <a16:creationId xmlns:a16="http://schemas.microsoft.com/office/drawing/2014/main" id="{324D0DB3-F60A-469B-7831-209CB666CCE4}"/>
+              </a:ext>
+            </a:extLst>
+          </p:cNvPr>
+          <p:cNvPicPr>
+            <a:picLocks noChangeAspect="1"/>
+          </p:cNvPicPr>
+          <p:nvPr userDrawn="1"/>
+        </p:nvPicPr>
+        <p:blipFill>
+          <a:blip r:embed="rId2" cstate="print">
+            <a:extLst>
+              <a:ext uri="{28A0092B-C50C-407E-A947-70E740481C1C}">
+                <a14:useLocalDpi xmlns:a14="http://schemas.microsoft.com/office/drawing/2010/main" val="0"/>
+              </a:ext>
+            </a:extLst>
+          </a:blip>
+          <a:stretch>
+            <a:fillRect/>
+          </a:stretch>
+        </p:blipFill>
+        <p:spPr>
+          <a:xfrm>
+            <a:off x="536549" y="4325954"/>
+            <a:ext cx="2538082" cy="633046"/>
+          </a:xfrm>
+          <a:prstGeom prst="rect">
+            <a:avLst/>
+          </a:prstGeom>
+        </p:spPr>
+      </p:pic>
+      <p:pic>
+        <p:nvPicPr>
+          <p:cNvPr id="5" name="Picture 4" title="CC-BY-NC-SA License">
+            <a:hlinkClick r:id="rId3" tooltip="This work is licensed under the &quot;Creative Commons Attribution-NonCommercial-ShareAlike 4.0 International&quot; license"/>
+            <a:extLst>
+              <a:ext uri="{FF2B5EF4-FFF2-40B4-BE49-F238E27FC236}">
+                <a16:creationId xmlns:a16="http://schemas.microsoft.com/office/drawing/2014/main" id="{2D40731C-0303-A69D-63FD-E048A73CA59F}"/>
+              </a:ext>
+            </a:extLst>
+          </p:cNvPr>
+          <p:cNvPicPr>
+            <a:picLocks noChangeAspect="1" noChangeArrowheads="1"/>
+          </p:cNvPicPr>
+          <p:nvPr userDrawn="1"/>
+        </p:nvPicPr>
+        <p:blipFill>
+          <a:blip r:embed="rId4">
+            <a:extLst>
+              <a:ext uri="{28A0092B-C50C-407E-A947-70E740481C1C}">
+                <a14:useLocalDpi xmlns:a14="http://schemas.microsoft.com/office/drawing/2010/main"/>
+              </a:ext>
+            </a:extLst>
+          </a:blip>
+          <a:srcRect/>
+          <a:stretch>
+            <a:fillRect/>
+          </a:stretch>
+        </p:blipFill>
+        <p:spPr bwMode="auto">
+          <a:xfrm>
+            <a:off x="3402682" y="4321352"/>
+            <a:ext cx="1809336" cy="633045"/>
+          </a:xfrm>
+          <a:prstGeom prst="roundRect">
+            <a:avLst>
+              <a:gd name="adj" fmla="val 3940"/>
+            </a:avLst>
+          </a:prstGeom>
+          <a:solidFill>
+            <a:srgbClr val="231F20">
+              <a:alpha val="50000"/>
+            </a:srgbClr>
+          </a:solidFill>
+          <a:ln>
+            <a:noFill/>
+          </a:ln>
+        </p:spPr>
+      </p:pic>
     </p:spTree>
     <p:extLst>
       <p:ext uri="{BB962C8B-B14F-4D97-AF65-F5344CB8AC3E}">
-        <p14:creationId xmlns:p14="http://schemas.microsoft.com/office/powerpoint/2010/main" val="970179299"/>
+        <p14:creationId xmlns:p14="http://schemas.microsoft.com/office/powerpoint/2010/main" val="370654144"/>
       </p:ext>
     </p:extLst>
   </p:cSld>
@@ -2890,7 +2897,7 @@
               <a:tabLst/>
               <a:defRPr/>
             </a:pPr>
-            <a:endParaRPr kumimoji="0" lang="en-US" altLang="ko-KR" sz="2398" b="0" i="0" u="none" strike="noStrike" kern="1200" cap="none" spc="0" normalizeH="0" baseline="0" noProof="0" dirty="0">
+            <a:endParaRPr kumimoji="0" lang="en-US" altLang="ko-KR" sz="2398" b="0" i="0" u="none" strike="noStrike" kern="1200" cap="none" spc="0" normalizeH="0" baseline="0" noProof="0">
               <a:ln>
                 <a:noFill/>
               </a:ln>
@@ -3013,7 +3020,7 @@
               <a:tabLst/>
               <a:defRPr/>
             </a:pPr>
-            <a:endParaRPr kumimoji="0" lang="en-US" altLang="ko-KR" sz="2398" b="0" i="0" u="none" strike="noStrike" kern="1200" cap="none" spc="0" normalizeH="0" baseline="0" noProof="0" dirty="0">
+            <a:endParaRPr kumimoji="0" lang="en-US" altLang="ko-KR" sz="2398" b="0" i="0" u="none" strike="noStrike" kern="1200" cap="none" spc="0" normalizeH="0" baseline="0" noProof="0">
               <a:ln>
                 <a:noFill/>
               </a:ln>
@@ -3030,42 +3037,6 @@
           </a:p>
         </p:txBody>
       </p:sp>
-      <p:pic>
-        <p:nvPicPr>
-          <p:cNvPr id="12" name="Logo Software University Down" descr="Software University logo">
-            <a:extLst>
-              <a:ext uri="{FF2B5EF4-FFF2-40B4-BE49-F238E27FC236}">
-                <a16:creationId xmlns:a16="http://schemas.microsoft.com/office/drawing/2014/main" id="{7028D2F0-1E67-414B-A93D-D3F8F131A132}"/>
-              </a:ext>
-            </a:extLst>
-          </p:cNvPr>
-          <p:cNvPicPr>
-            <a:picLocks noChangeAspect="1"/>
-          </p:cNvPicPr>
-          <p:nvPr/>
-        </p:nvPicPr>
-        <p:blipFill>
-          <a:blip r:embed="rId2" cstate="print">
-            <a:extLst>
-              <a:ext uri="{28A0092B-C50C-407E-A947-70E740481C1C}">
-                <a14:useLocalDpi xmlns:a14="http://schemas.microsoft.com/office/drawing/2010/main" val="0"/>
-              </a:ext>
-            </a:extLst>
-          </a:blip>
-          <a:stretch>
-            <a:fillRect/>
-          </a:stretch>
-        </p:blipFill>
-        <p:spPr>
-          <a:xfrm>
-            <a:off x="5616551" y="5206773"/>
-            <a:ext cx="958900" cy="1184869"/>
-          </a:xfrm>
-          <a:prstGeom prst="rect">
-            <a:avLst/>
-          </a:prstGeom>
-        </p:spPr>
-      </p:pic>
       <p:sp>
         <p:nvSpPr>
           <p:cNvPr id="10" name="Text Placeholder Right">
@@ -3286,7 +3257,7 @@
               <a:tabLst/>
               <a:defRPr/>
             </a:pPr>
-            <a:endParaRPr kumimoji="0" lang="en-US" altLang="ko-KR" sz="2398" b="0" i="0" u="none" strike="noStrike" kern="1200" cap="none" spc="0" normalizeH="0" baseline="0" noProof="0" dirty="0">
+            <a:endParaRPr kumimoji="0" lang="en-US" altLang="ko-KR" sz="2398" b="0" i="0" u="none" strike="noStrike" kern="1200" cap="none" spc="0" normalizeH="0" baseline="0" noProof="0">
               <a:ln>
                 <a:noFill/>
               </a:ln>
@@ -3303,42 +3274,6 @@
           </a:p>
         </p:txBody>
       </p:sp>
-      <p:pic>
-        <p:nvPicPr>
-          <p:cNvPr id="14" name="Logo Software University" descr="Software University logo">
-            <a:extLst>
-              <a:ext uri="{FF2B5EF4-FFF2-40B4-BE49-F238E27FC236}">
-                <a16:creationId xmlns:a16="http://schemas.microsoft.com/office/drawing/2014/main" id="{19A67BB9-D880-4EAD-B90E-89C4219BFC0B}"/>
-              </a:ext>
-            </a:extLst>
-          </p:cNvPr>
-          <p:cNvPicPr>
-            <a:picLocks noChangeAspect="1"/>
-          </p:cNvPicPr>
-          <p:nvPr userDrawn="1"/>
-        </p:nvPicPr>
-        <p:blipFill>
-          <a:blip r:embed="rId3">
-            <a:extLst>
-              <a:ext uri="{28A0092B-C50C-407E-A947-70E740481C1C}">
-                <a14:useLocalDpi xmlns:a14="http://schemas.microsoft.com/office/drawing/2010/main" val="0"/>
-              </a:ext>
-            </a:extLst>
-          </a:blip>
-          <a:stretch>
-            <a:fillRect/>
-          </a:stretch>
-        </p:blipFill>
-        <p:spPr>
-          <a:xfrm>
-            <a:off x="10067957" y="253936"/>
-            <a:ext cx="1915704" cy="559235"/>
-          </a:xfrm>
-          <a:prstGeom prst="rect">
-            <a:avLst/>
-          </a:prstGeom>
-        </p:spPr>
-      </p:pic>
       <p:sp>
         <p:nvSpPr>
           <p:cNvPr id="15" name="Slide Title">
@@ -3357,8 +3292,8 @@
         </p:nvSpPr>
         <p:spPr>
           <a:xfrm>
-            <a:off x="190406" y="100750"/>
-            <a:ext cx="9715594" cy="882654"/>
+            <a:off x="190405" y="100750"/>
+            <a:ext cx="10270595" cy="882654"/>
           </a:xfrm>
         </p:spPr>
         <p:txBody>
@@ -3380,6 +3315,72 @@
           </a:p>
         </p:txBody>
       </p:sp>
+      <p:pic>
+        <p:nvPicPr>
+          <p:cNvPr id="8" name="Picture 7">
+            <a:extLst>
+              <a:ext uri="{FF2B5EF4-FFF2-40B4-BE49-F238E27FC236}">
+                <a16:creationId xmlns:a16="http://schemas.microsoft.com/office/drawing/2014/main" id="{2C9792D8-D354-4699-B7D6-B8CB7F77594F}"/>
+              </a:ext>
+            </a:extLst>
+          </p:cNvPr>
+          <p:cNvPicPr>
+            <a:picLocks noChangeAspect="1"/>
+          </p:cNvPicPr>
+          <p:nvPr userDrawn="1"/>
+        </p:nvPicPr>
+        <p:blipFill>
+          <a:blip r:embed="rId2"/>
+          <a:stretch>
+            <a:fillRect/>
+          </a:stretch>
+        </p:blipFill>
+        <p:spPr>
+          <a:xfrm>
+            <a:off x="5398753" y="5340443"/>
+            <a:ext cx="1334859" cy="982867"/>
+          </a:xfrm>
+          <a:prstGeom prst="rect">
+            <a:avLst/>
+          </a:prstGeom>
+        </p:spPr>
+      </p:pic>
+      <p:pic>
+        <p:nvPicPr>
+          <p:cNvPr id="3" name="Picture 2">
+            <a:extLst>
+              <a:ext uri="{FF2B5EF4-FFF2-40B4-BE49-F238E27FC236}">
+                <a16:creationId xmlns:a16="http://schemas.microsoft.com/office/drawing/2014/main" id="{B6351E19-25DA-EAD2-9FBE-358B6135D728}"/>
+              </a:ext>
+            </a:extLst>
+          </p:cNvPr>
+          <p:cNvPicPr>
+            <a:picLocks noChangeAspect="1"/>
+          </p:cNvPicPr>
+          <p:nvPr userDrawn="1"/>
+        </p:nvPicPr>
+        <p:blipFill>
+          <a:blip r:embed="rId3" cstate="print">
+            <a:extLst>
+              <a:ext uri="{28A0092B-C50C-407E-A947-70E740481C1C}">
+                <a14:useLocalDpi xmlns:a14="http://schemas.microsoft.com/office/drawing/2010/main" val="0"/>
+              </a:ext>
+            </a:extLst>
+          </a:blip>
+          <a:stretch>
+            <a:fillRect/>
+          </a:stretch>
+        </p:blipFill>
+        <p:spPr>
+          <a:xfrm>
+            <a:off x="10553573" y="368999"/>
+            <a:ext cx="1443361" cy="360001"/>
+          </a:xfrm>
+          <a:prstGeom prst="rect">
+            <a:avLst/>
+          </a:prstGeom>
+        </p:spPr>
+      </p:pic>
     </p:spTree>
     <p:extLst>
       <p:ext uri="{BB962C8B-B14F-4D97-AF65-F5344CB8AC3E}">
@@ -3472,7 +3473,7 @@
               <a:pPr/>
               <a:t>‹#›</a:t>
             </a:fld>
-            <a:endParaRPr lang="en-US" noProof="0" dirty="0"/>
+            <a:endParaRPr lang="en-US" noProof="0"/>
           </a:p>
         </p:txBody>
       </p:sp>
@@ -3626,7 +3627,7 @@
           </a:lstStyle>
           <a:p>
             <a:r>
-              <a:rPr lang="en-US" altLang="ko-KR" noProof="0" dirty="0"/>
+              <a:rPr lang="en-US" altLang="ko-KR" noProof="0"/>
               <a:t>Your Picture Here</a:t>
             </a:r>
           </a:p>
@@ -3690,7 +3691,7 @@
               <a:tabLst/>
               <a:defRPr/>
             </a:pPr>
-            <a:endParaRPr kumimoji="0" lang="en-US" altLang="ko-KR" sz="2398" b="0" i="0" u="none" strike="noStrike" kern="1200" cap="none" spc="0" normalizeH="0" baseline="0" noProof="0" dirty="0">
+            <a:endParaRPr kumimoji="0" lang="en-US" altLang="ko-KR" sz="2398" b="0" i="0" u="none" strike="noStrike" kern="1200" cap="none" spc="0" normalizeH="0" baseline="0" noProof="0">
               <a:ln>
                 <a:noFill/>
               </a:ln>
@@ -3765,7 +3766,7 @@
               <a:tabLst/>
               <a:defRPr/>
             </a:pPr>
-            <a:endParaRPr kumimoji="0" lang="en-US" altLang="ko-KR" sz="2398" b="0" i="0" u="none" strike="noStrike" kern="1200" cap="none" spc="0" normalizeH="0" baseline="0" noProof="0" dirty="0">
+            <a:endParaRPr kumimoji="0" lang="en-US" altLang="ko-KR" sz="2398" b="0" i="0" u="none" strike="noStrike" kern="1200" cap="none" spc="0" normalizeH="0" baseline="0" noProof="0">
               <a:ln>
                 <a:noFill/>
               </a:ln>
@@ -3846,7 +3847,7 @@
               <a:tabLst/>
               <a:defRPr/>
             </a:pPr>
-            <a:endParaRPr kumimoji="0" lang="en-US" altLang="ko-KR" sz="2398" b="0" i="0" u="none" strike="noStrike" kern="1200" cap="none" spc="0" normalizeH="0" baseline="0" noProof="0" dirty="0">
+            <a:endParaRPr kumimoji="0" lang="en-US" altLang="ko-KR" sz="2398" b="0" i="0" u="none" strike="noStrike" kern="1200" cap="none" spc="0" normalizeH="0" baseline="0" noProof="0">
               <a:ln>
                 <a:noFill/>
               </a:ln>
@@ -3927,7 +3928,7 @@
               <a:tabLst/>
               <a:defRPr/>
             </a:pPr>
-            <a:endParaRPr kumimoji="0" lang="en-US" altLang="ko-KR" sz="2398" b="0" i="0" u="none" strike="noStrike" kern="1200" cap="none" spc="0" normalizeH="0" baseline="0" noProof="0" dirty="0">
+            <a:endParaRPr kumimoji="0" lang="en-US" altLang="ko-KR" sz="2398" b="0" i="0" u="none" strike="noStrike" kern="1200" cap="none" spc="0" normalizeH="0" baseline="0" noProof="0">
               <a:ln>
                 <a:noFill/>
               </a:ln>
@@ -3944,42 +3945,6 @@
           </a:p>
         </p:txBody>
       </p:sp>
-      <p:pic>
-        <p:nvPicPr>
-          <p:cNvPr id="12" name="Logo Software University" descr="Software University logo">
-            <a:extLst>
-              <a:ext uri="{FF2B5EF4-FFF2-40B4-BE49-F238E27FC236}">
-                <a16:creationId xmlns:a16="http://schemas.microsoft.com/office/drawing/2014/main" id="{233CBB95-791E-4630-B3D9-FADFCE7BCF52}"/>
-              </a:ext>
-            </a:extLst>
-          </p:cNvPr>
-          <p:cNvPicPr>
-            <a:picLocks noChangeAspect="1"/>
-          </p:cNvPicPr>
-          <p:nvPr userDrawn="1"/>
-        </p:nvPicPr>
-        <p:blipFill>
-          <a:blip r:embed="rId2">
-            <a:extLst>
-              <a:ext uri="{28A0092B-C50C-407E-A947-70E740481C1C}">
-                <a14:useLocalDpi xmlns:a14="http://schemas.microsoft.com/office/drawing/2010/main" val="0"/>
-              </a:ext>
-            </a:extLst>
-          </a:blip>
-          <a:stretch>
-            <a:fillRect/>
-          </a:stretch>
-        </p:blipFill>
-        <p:spPr>
-          <a:xfrm>
-            <a:off x="10067957" y="253936"/>
-            <a:ext cx="1915704" cy="559235"/>
-          </a:xfrm>
-          <a:prstGeom prst="rect">
-            <a:avLst/>
-          </a:prstGeom>
-        </p:spPr>
-      </p:pic>
       <p:sp>
         <p:nvSpPr>
           <p:cNvPr id="13" name="Slide Title">
@@ -3999,7 +3964,7 @@
         <p:spPr>
           <a:xfrm>
             <a:off x="190406" y="100750"/>
-            <a:ext cx="9715594" cy="882654"/>
+            <a:ext cx="10270594" cy="882654"/>
           </a:xfrm>
         </p:spPr>
         <p:txBody>
@@ -4021,6 +3986,42 @@
           </a:p>
         </p:txBody>
       </p:sp>
+      <p:pic>
+        <p:nvPicPr>
+          <p:cNvPr id="4" name="Picture 3">
+            <a:extLst>
+              <a:ext uri="{FF2B5EF4-FFF2-40B4-BE49-F238E27FC236}">
+                <a16:creationId xmlns:a16="http://schemas.microsoft.com/office/drawing/2014/main" id="{42F3DB3E-BDAA-8201-9A01-2F52640A84CA}"/>
+              </a:ext>
+            </a:extLst>
+          </p:cNvPr>
+          <p:cNvPicPr>
+            <a:picLocks noChangeAspect="1"/>
+          </p:cNvPicPr>
+          <p:nvPr userDrawn="1"/>
+        </p:nvPicPr>
+        <p:blipFill>
+          <a:blip r:embed="rId2" cstate="print">
+            <a:extLst>
+              <a:ext uri="{28A0092B-C50C-407E-A947-70E740481C1C}">
+                <a14:useLocalDpi xmlns:a14="http://schemas.microsoft.com/office/drawing/2010/main" val="0"/>
+              </a:ext>
+            </a:extLst>
+          </a:blip>
+          <a:stretch>
+            <a:fillRect/>
+          </a:stretch>
+        </p:blipFill>
+        <p:spPr>
+          <a:xfrm>
+            <a:off x="10553573" y="368999"/>
+            <a:ext cx="1443361" cy="360001"/>
+          </a:xfrm>
+          <a:prstGeom prst="rect">
+            <a:avLst/>
+          </a:prstGeom>
+        </p:spPr>
+      </p:pic>
     </p:spTree>
     <p:extLst>
       <p:ext uri="{BB962C8B-B14F-4D97-AF65-F5344CB8AC3E}">
@@ -4131,7 +4132,7 @@
               <a:tabLst/>
               <a:defRPr/>
             </a:pPr>
-            <a:endParaRPr kumimoji="0" lang="en-US" altLang="ko-KR" sz="2398" b="0" i="0" u="none" strike="noStrike" kern="1200" cap="none" spc="0" normalizeH="0" baseline="0" noProof="0" dirty="0">
+            <a:endParaRPr kumimoji="0" lang="en-US" altLang="ko-KR" sz="2398" b="0" i="0" u="none" strike="noStrike" kern="1200" cap="none" spc="0" normalizeH="0" baseline="0" noProof="0">
               <a:ln>
                 <a:noFill/>
               </a:ln>
@@ -4150,714 +4151,10 @@
       </p:sp>
       <p:sp>
         <p:nvSpPr>
-          <p:cNvPr id="53" name="Rectangle Bottom Copyright">
+          <p:cNvPr id="3" name="Title 2">
             <a:extLst>
               <a:ext uri="{FF2B5EF4-FFF2-40B4-BE49-F238E27FC236}">
-                <a16:creationId xmlns:a16="http://schemas.microsoft.com/office/drawing/2014/main" id="{B07FB7FB-DA6C-4F5D-B068-357F0FCE27D8}"/>
-              </a:ext>
-            </a:extLst>
-          </p:cNvPr>
-          <p:cNvSpPr/>
-          <p:nvPr userDrawn="1"/>
-        </p:nvSpPr>
-        <p:spPr>
-          <a:xfrm>
-            <a:off x="111000" y="6454758"/>
-            <a:ext cx="11970000" cy="258449"/>
-          </a:xfrm>
-          <a:prstGeom prst="rect">
-            <a:avLst/>
-          </a:prstGeom>
-        </p:spPr>
-        <p:txBody>
-          <a:bodyPr wrap="square">
-            <a:noAutofit/>
-          </a:bodyPr>
-          <a:lstStyle/>
-          <a:p>
-            <a:pPr algn="ctr">
-              <a:lnSpc>
-                <a:spcPct val="100000"/>
-              </a:lnSpc>
-              <a:spcBef>
-                <a:spcPts val="0"/>
-              </a:spcBef>
-              <a:spcAft>
-                <a:spcPts val="0"/>
-              </a:spcAft>
-            </a:pPr>
-            <a:r>
-              <a:rPr lang="en-US" sz="1600" noProof="0" dirty="0">
-                <a:solidFill>
-                  <a:schemeClr val="bg2"/>
-                </a:solidFill>
-                <a:effectLst/>
-                <a:latin typeface="Calibri" panose="020F0502020204030204" pitchFamily="34" charset="0"/>
-                <a:ea typeface="Calibri" panose="020F0502020204030204" pitchFamily="34" charset="0"/>
-                <a:cs typeface="Arial" panose="020B0604020202020204" pitchFamily="34" charset="0"/>
-              </a:rPr>
-              <a:t>© SoftUni – </a:t>
-            </a:r>
-            <a:r>
-              <a:rPr lang="en-US" sz="1600" u="sng" noProof="0" dirty="0">
-                <a:solidFill>
-                  <a:schemeClr val="bg2"/>
-                </a:solidFill>
-                <a:effectLst/>
-                <a:latin typeface="Calibri" panose="020F0502020204030204" pitchFamily="34" charset="0"/>
-                <a:ea typeface="Calibri" panose="020F0502020204030204" pitchFamily="34" charset="0"/>
-                <a:cs typeface="Arial" panose="020B0604020202020204" pitchFamily="34" charset="0"/>
-                <a:hlinkClick r:id="rId2">
-                  <a:extLst>
-                    <a:ext uri="{A12FA001-AC4F-418D-AE19-62706E023703}">
-                      <ahyp:hlinkClr xmlns:ahyp="http://schemas.microsoft.com/office/drawing/2018/hyperlinkcolor" val="tx"/>
-                    </a:ext>
-                  </a:extLst>
-                </a:hlinkClick>
-              </a:rPr>
-              <a:t>https://softuni.org</a:t>
-            </a:r>
-            <a:r>
-              <a:rPr lang="en-US" sz="1600" noProof="0" dirty="0">
-                <a:solidFill>
-                  <a:schemeClr val="bg2"/>
-                </a:solidFill>
-                <a:effectLst/>
-                <a:latin typeface="Calibri" panose="020F0502020204030204" pitchFamily="34" charset="0"/>
-                <a:ea typeface="Calibri" panose="020F0502020204030204" pitchFamily="34" charset="0"/>
-                <a:cs typeface="Arial" panose="020B0604020202020204" pitchFamily="34" charset="0"/>
-              </a:rPr>
-              <a:t>. Copyrighted document. Unauthorized copy, reproduction or use is not permitted.</a:t>
-            </a:r>
-            <a:endParaRPr lang="en-US" sz="2400" noProof="0" dirty="0">
-              <a:solidFill>
-                <a:schemeClr val="bg2"/>
-              </a:solidFill>
-              <a:effectLst/>
-              <a:latin typeface="Calibri" panose="020F0502020204030204" pitchFamily="34" charset="0"/>
-              <a:ea typeface="Calibri" panose="020F0502020204030204" pitchFamily="34" charset="0"/>
-              <a:cs typeface="Arial" panose="020B0604020202020204" pitchFamily="34" charset="0"/>
-            </a:endParaRPr>
-          </a:p>
-        </p:txBody>
-      </p:sp>
-      <p:pic>
-        <p:nvPicPr>
-          <p:cNvPr id="26" name="Picture SoftUni Mascot" descr="SoftUni mascot with open hand">
-            <a:extLst>
-              <a:ext uri="{FF2B5EF4-FFF2-40B4-BE49-F238E27FC236}">
-                <a16:creationId xmlns:a16="http://schemas.microsoft.com/office/drawing/2014/main" id="{247CFF3C-C4FA-493D-8505-DF469F4D36A4}"/>
-              </a:ext>
-            </a:extLst>
-          </p:cNvPr>
-          <p:cNvPicPr>
-            <a:picLocks noChangeAspect="1"/>
-          </p:cNvPicPr>
-          <p:nvPr/>
-        </p:nvPicPr>
-        <p:blipFill>
-          <a:blip r:embed="rId3" cstate="print">
-            <a:extLst>
-              <a:ext uri="{28A0092B-C50C-407E-A947-70E740481C1C}">
-                <a14:useLocalDpi xmlns:a14="http://schemas.microsoft.com/office/drawing/2010/main" val="0"/>
-              </a:ext>
-            </a:extLst>
-          </a:blip>
-          <a:stretch>
-            <a:fillRect/>
-          </a:stretch>
-        </p:blipFill>
-        <p:spPr>
-          <a:xfrm>
-            <a:off x="642586" y="2898830"/>
-            <a:ext cx="2451608" cy="2959741"/>
-          </a:xfrm>
-          <a:prstGeom prst="rect">
-            <a:avLst/>
-          </a:prstGeom>
-        </p:spPr>
-      </p:pic>
-      <p:grpSp>
-        <p:nvGrpSpPr>
-          <p:cNvPr id="2" name="Group SoftUni Brands">
-            <a:extLst>
-              <a:ext uri="{FF2B5EF4-FFF2-40B4-BE49-F238E27FC236}">
-                <a16:creationId xmlns:a16="http://schemas.microsoft.com/office/drawing/2014/main" id="{418FAE34-C1F8-46C7-A4AE-F270D1E70F25}"/>
-              </a:ext>
-            </a:extLst>
-          </p:cNvPr>
-          <p:cNvGrpSpPr/>
-          <p:nvPr userDrawn="1"/>
-        </p:nvGrpSpPr>
-        <p:grpSpPr>
-          <a:xfrm>
-            <a:off x="3332216" y="1702473"/>
-            <a:ext cx="8314909" cy="3543782"/>
-            <a:chOff x="3332216" y="1702473"/>
-            <a:chExt cx="8314909" cy="3543782"/>
-          </a:xfrm>
-        </p:grpSpPr>
-        <p:pic>
-          <p:nvPicPr>
-            <p:cNvPr id="24" name="Picture SoftUni Kids Logo" descr="SoftUni Kids logo">
-              <a:extLst>
-                <a:ext uri="{FF2B5EF4-FFF2-40B4-BE49-F238E27FC236}">
-                  <a16:creationId xmlns:a16="http://schemas.microsoft.com/office/drawing/2014/main" id="{B0812936-74B6-4265-8C08-AEDC8C798702}"/>
-                </a:ext>
-              </a:extLst>
-            </p:cNvPr>
-            <p:cNvPicPr>
-              <a:picLocks noChangeAspect="1"/>
-            </p:cNvPicPr>
-            <p:nvPr/>
-          </p:nvPicPr>
-          <p:blipFill>
-            <a:blip r:embed="rId4" cstate="print">
-              <a:extLst>
-                <a:ext uri="{28A0092B-C50C-407E-A947-70E740481C1C}">
-                  <a14:useLocalDpi xmlns:a14="http://schemas.microsoft.com/office/drawing/2010/main" val="0"/>
-                </a:ext>
-              </a:extLst>
-            </a:blip>
-            <a:stretch>
-              <a:fillRect/>
-            </a:stretch>
-          </p:blipFill>
-          <p:spPr>
-            <a:xfrm>
-              <a:off x="10516883" y="3776294"/>
-              <a:ext cx="1130242" cy="1389256"/>
-            </a:xfrm>
-            <a:prstGeom prst="rect">
-              <a:avLst/>
-            </a:prstGeom>
-          </p:spPr>
-        </p:pic>
-        <p:pic>
-          <p:nvPicPr>
-            <p:cNvPr id="23" name="Picture SoftUni Foundation Logo" descr="SoftUni Foundation logo">
-              <a:extLst>
-                <a:ext uri="{FF2B5EF4-FFF2-40B4-BE49-F238E27FC236}">
-                  <a16:creationId xmlns:a16="http://schemas.microsoft.com/office/drawing/2014/main" id="{6643F71A-2013-433A-8322-FBAAED3162D8}"/>
-                </a:ext>
-              </a:extLst>
-            </p:cNvPr>
-            <p:cNvPicPr>
-              <a:picLocks noChangeAspect="1"/>
-            </p:cNvPicPr>
-            <p:nvPr userDrawn="1"/>
-          </p:nvPicPr>
-          <p:blipFill>
-            <a:blip r:embed="rId5" cstate="print">
-              <a:extLst>
-                <a:ext uri="{28A0092B-C50C-407E-A947-70E740481C1C}">
-                  <a14:useLocalDpi xmlns:a14="http://schemas.microsoft.com/office/drawing/2010/main" val="0"/>
-                </a:ext>
-              </a:extLst>
-            </a:blip>
-            <a:stretch>
-              <a:fillRect/>
-            </a:stretch>
-          </p:blipFill>
-          <p:spPr>
-            <a:xfrm>
-              <a:off x="9053913" y="3788231"/>
-              <a:ext cx="1166400" cy="1350756"/>
-            </a:xfrm>
-            <a:prstGeom prst="rect">
-              <a:avLst/>
-            </a:prstGeom>
-          </p:spPr>
-        </p:pic>
-        <p:pic>
-          <p:nvPicPr>
-            <p:cNvPr id="22" name="Picture SoftUni Digital Logo" descr="SoftUni Digital logo">
-              <a:extLst>
-                <a:ext uri="{FF2B5EF4-FFF2-40B4-BE49-F238E27FC236}">
-                  <a16:creationId xmlns:a16="http://schemas.microsoft.com/office/drawing/2014/main" id="{0A83D66F-855B-463B-920B-BF239B01A206}"/>
-                </a:ext>
-              </a:extLst>
-            </p:cNvPr>
-            <p:cNvPicPr>
-              <a:picLocks noChangeAspect="1"/>
-            </p:cNvPicPr>
-            <p:nvPr userDrawn="1"/>
-          </p:nvPicPr>
-          <p:blipFill>
-            <a:blip r:embed="rId6" cstate="print">
-              <a:extLst>
-                <a:ext uri="{28A0092B-C50C-407E-A947-70E740481C1C}">
-                  <a14:useLocalDpi xmlns:a14="http://schemas.microsoft.com/office/drawing/2010/main" val="0"/>
-                </a:ext>
-              </a:extLst>
-            </a:blip>
-            <a:stretch>
-              <a:fillRect/>
-            </a:stretch>
-          </p:blipFill>
-          <p:spPr>
-            <a:xfrm>
-              <a:off x="7657695" y="3789000"/>
-              <a:ext cx="1084614" cy="1457255"/>
-            </a:xfrm>
-            <a:prstGeom prst="rect">
-              <a:avLst/>
-            </a:prstGeom>
-          </p:spPr>
-        </p:pic>
-        <p:pic>
-          <p:nvPicPr>
-            <p:cNvPr id="21" name="Picture SoftUni Creative Logo" descr="SoftUni Creative logo">
-              <a:extLst>
-                <a:ext uri="{FF2B5EF4-FFF2-40B4-BE49-F238E27FC236}">
-                  <a16:creationId xmlns:a16="http://schemas.microsoft.com/office/drawing/2014/main" id="{EA755AAE-BA08-481C-9224-0061170EE4B8}"/>
-                </a:ext>
-              </a:extLst>
-            </p:cNvPr>
-            <p:cNvPicPr>
-              <a:picLocks noChangeAspect="1"/>
-            </p:cNvPicPr>
-            <p:nvPr/>
-          </p:nvPicPr>
-          <p:blipFill>
-            <a:blip r:embed="rId7" cstate="print">
-              <a:extLst>
-                <a:ext uri="{28A0092B-C50C-407E-A947-70E740481C1C}">
-                  <a14:useLocalDpi xmlns:a14="http://schemas.microsoft.com/office/drawing/2010/main" val="0"/>
-                </a:ext>
-              </a:extLst>
-            </a:blip>
-            <a:stretch>
-              <a:fillRect/>
-            </a:stretch>
-          </p:blipFill>
-          <p:spPr>
-            <a:xfrm>
-              <a:off x="6173913" y="3776293"/>
-              <a:ext cx="1166400" cy="1389257"/>
-            </a:xfrm>
-            <a:prstGeom prst="rect">
-              <a:avLst/>
-            </a:prstGeom>
-          </p:spPr>
-        </p:pic>
-        <p:pic>
-          <p:nvPicPr>
-            <p:cNvPr id="20" name="Picture SoftUni Svetlina Logo" descr="SoftUni Svetlina logo">
-              <a:extLst>
-                <a:ext uri="{FF2B5EF4-FFF2-40B4-BE49-F238E27FC236}">
-                  <a16:creationId xmlns:a16="http://schemas.microsoft.com/office/drawing/2014/main" id="{827D15FD-4C66-4B85-98E6-7826AA8F61C6}"/>
-                </a:ext>
-              </a:extLst>
-            </p:cNvPr>
-            <p:cNvPicPr>
-              <a:picLocks noChangeAspect="1"/>
-            </p:cNvPicPr>
-            <p:nvPr/>
-          </p:nvPicPr>
-          <p:blipFill>
-            <a:blip r:embed="rId8">
-              <a:extLst>
-                <a:ext uri="{28A0092B-C50C-407E-A947-70E740481C1C}">
-                  <a14:useLocalDpi xmlns:a14="http://schemas.microsoft.com/office/drawing/2010/main" val="0"/>
-                </a:ext>
-              </a:extLst>
-            </a:blip>
-            <a:stretch>
-              <a:fillRect/>
-            </a:stretch>
-          </p:blipFill>
-          <p:spPr>
-            <a:xfrm>
-              <a:off x="4735029" y="3776293"/>
-              <a:ext cx="1166400" cy="1402229"/>
-            </a:xfrm>
-            <a:prstGeom prst="rect">
-              <a:avLst/>
-            </a:prstGeom>
-          </p:spPr>
-        </p:pic>
-        <p:pic>
-          <p:nvPicPr>
-            <p:cNvPr id="25" name="Picture Software University Logo" descr="Software University logo">
-              <a:extLst>
-                <a:ext uri="{FF2B5EF4-FFF2-40B4-BE49-F238E27FC236}">
-                  <a16:creationId xmlns:a16="http://schemas.microsoft.com/office/drawing/2014/main" id="{C74C190C-5856-41B9-8819-AE8DE0E10980}"/>
-                </a:ext>
-              </a:extLst>
-            </p:cNvPr>
-            <p:cNvPicPr>
-              <a:picLocks noChangeAspect="1"/>
-            </p:cNvPicPr>
-            <p:nvPr/>
-          </p:nvPicPr>
-          <p:blipFill>
-            <a:blip r:embed="rId9" cstate="print">
-              <a:extLst>
-                <a:ext uri="{28A0092B-C50C-407E-A947-70E740481C1C}">
-                  <a14:useLocalDpi xmlns:a14="http://schemas.microsoft.com/office/drawing/2010/main" val="0"/>
-                </a:ext>
-              </a:extLst>
-            </a:blip>
-            <a:stretch>
-              <a:fillRect/>
-            </a:stretch>
-          </p:blipFill>
-          <p:spPr>
-            <a:xfrm>
-              <a:off x="3332216" y="3776295"/>
-              <a:ext cx="1164654" cy="1440000"/>
-            </a:xfrm>
-            <a:prstGeom prst="rect">
-              <a:avLst/>
-            </a:prstGeom>
-          </p:spPr>
-        </p:pic>
-        <p:cxnSp>
-          <p:nvCxnSpPr>
-            <p:cNvPr id="33" name="Straight Connector 6">
-              <a:extLst>
-                <a:ext uri="{FF2B5EF4-FFF2-40B4-BE49-F238E27FC236}">
-                  <a16:creationId xmlns:a16="http://schemas.microsoft.com/office/drawing/2014/main" id="{5C63D1E8-4A92-4691-8A24-A2FC7E8008E5}"/>
-                </a:ext>
-              </a:extLst>
-            </p:cNvPr>
-            <p:cNvCxnSpPr>
-              <a:cxnSpLocks/>
-            </p:cNvCxnSpPr>
-            <p:nvPr userDrawn="1"/>
-          </p:nvCxnSpPr>
-          <p:spPr>
-            <a:xfrm>
-              <a:off x="11077113" y="3335565"/>
-              <a:ext cx="0" cy="236220"/>
-            </a:xfrm>
-            <a:prstGeom prst="line">
-              <a:avLst/>
-            </a:prstGeom>
-            <a:ln w="25400"/>
-          </p:spPr>
-          <p:style>
-            <a:lnRef idx="1">
-              <a:schemeClr val="accent1"/>
-            </a:lnRef>
-            <a:fillRef idx="0">
-              <a:schemeClr val="accent1"/>
-            </a:fillRef>
-            <a:effectRef idx="0">
-              <a:schemeClr val="accent1"/>
-            </a:effectRef>
-            <a:fontRef idx="minor">
-              <a:schemeClr val="tx1"/>
-            </a:fontRef>
-          </p:style>
-        </p:cxnSp>
-        <p:cxnSp>
-          <p:nvCxnSpPr>
-            <p:cNvPr id="32" name="Straight Connector 5">
-              <a:extLst>
-                <a:ext uri="{FF2B5EF4-FFF2-40B4-BE49-F238E27FC236}">
-                  <a16:creationId xmlns:a16="http://schemas.microsoft.com/office/drawing/2014/main" id="{6E91D320-3732-40B8-864D-142D0A277ED1}"/>
-                </a:ext>
-              </a:extLst>
-            </p:cNvPr>
-            <p:cNvCxnSpPr>
-              <a:cxnSpLocks/>
-            </p:cNvCxnSpPr>
-            <p:nvPr userDrawn="1"/>
-          </p:nvCxnSpPr>
-          <p:spPr>
-            <a:xfrm>
-              <a:off x="9637113" y="3329215"/>
-              <a:ext cx="0" cy="236220"/>
-            </a:xfrm>
-            <a:prstGeom prst="line">
-              <a:avLst/>
-            </a:prstGeom>
-            <a:ln w="25400"/>
-          </p:spPr>
-          <p:style>
-            <a:lnRef idx="1">
-              <a:schemeClr val="accent1"/>
-            </a:lnRef>
-            <a:fillRef idx="0">
-              <a:schemeClr val="accent1"/>
-            </a:fillRef>
-            <a:effectRef idx="0">
-              <a:schemeClr val="accent1"/>
-            </a:effectRef>
-            <a:fontRef idx="minor">
-              <a:schemeClr val="tx1"/>
-            </a:fontRef>
-          </p:style>
-        </p:cxnSp>
-        <p:cxnSp>
-          <p:nvCxnSpPr>
-            <p:cNvPr id="31" name="Straight Connector 4">
-              <a:extLst>
-                <a:ext uri="{FF2B5EF4-FFF2-40B4-BE49-F238E27FC236}">
-                  <a16:creationId xmlns:a16="http://schemas.microsoft.com/office/drawing/2014/main" id="{299ABE09-E33C-46B7-A80D-7BF4A6956211}"/>
-                </a:ext>
-              </a:extLst>
-            </p:cNvPr>
-            <p:cNvCxnSpPr/>
-            <p:nvPr userDrawn="1"/>
-          </p:nvCxnSpPr>
-          <p:spPr>
-            <a:xfrm>
-              <a:off x="8197113" y="3329215"/>
-              <a:ext cx="0" cy="236220"/>
-            </a:xfrm>
-            <a:prstGeom prst="line">
-              <a:avLst/>
-            </a:prstGeom>
-            <a:ln w="25400"/>
-          </p:spPr>
-          <p:style>
-            <a:lnRef idx="1">
-              <a:schemeClr val="accent1"/>
-            </a:lnRef>
-            <a:fillRef idx="0">
-              <a:schemeClr val="accent1"/>
-            </a:fillRef>
-            <a:effectRef idx="0">
-              <a:schemeClr val="accent1"/>
-            </a:effectRef>
-            <a:fontRef idx="minor">
-              <a:schemeClr val="tx1"/>
-            </a:fontRef>
-          </p:style>
-        </p:cxnSp>
-        <p:cxnSp>
-          <p:nvCxnSpPr>
-            <p:cNvPr id="30" name="Straight Connector 3">
-              <a:extLst>
-                <a:ext uri="{FF2B5EF4-FFF2-40B4-BE49-F238E27FC236}">
-                  <a16:creationId xmlns:a16="http://schemas.microsoft.com/office/drawing/2014/main" id="{93DDBF37-0764-47AA-94E3-9A44F3ED8FB5}"/>
-                </a:ext>
-              </a:extLst>
-            </p:cNvPr>
-            <p:cNvCxnSpPr/>
-            <p:nvPr userDrawn="1"/>
-          </p:nvCxnSpPr>
-          <p:spPr>
-            <a:xfrm>
-              <a:off x="6757113" y="3329215"/>
-              <a:ext cx="0" cy="236220"/>
-            </a:xfrm>
-            <a:prstGeom prst="line">
-              <a:avLst/>
-            </a:prstGeom>
-            <a:ln w="25400"/>
-          </p:spPr>
-          <p:style>
-            <a:lnRef idx="1">
-              <a:schemeClr val="accent1"/>
-            </a:lnRef>
-            <a:fillRef idx="0">
-              <a:schemeClr val="accent1"/>
-            </a:fillRef>
-            <a:effectRef idx="0">
-              <a:schemeClr val="accent1"/>
-            </a:effectRef>
-            <a:fontRef idx="minor">
-              <a:schemeClr val="tx1"/>
-            </a:fontRef>
-          </p:style>
-        </p:cxnSp>
-        <p:cxnSp>
-          <p:nvCxnSpPr>
-            <p:cNvPr id="29" name="Straight Connector 2">
-              <a:extLst>
-                <a:ext uri="{FF2B5EF4-FFF2-40B4-BE49-F238E27FC236}">
-                  <a16:creationId xmlns:a16="http://schemas.microsoft.com/office/drawing/2014/main" id="{72BFE2F3-0845-4E5B-9375-E9D4027DD675}"/>
-                </a:ext>
-              </a:extLst>
-            </p:cNvPr>
-            <p:cNvCxnSpPr/>
-            <p:nvPr userDrawn="1"/>
-          </p:nvCxnSpPr>
-          <p:spPr>
-            <a:xfrm>
-              <a:off x="5309913" y="3335565"/>
-              <a:ext cx="0" cy="236220"/>
-            </a:xfrm>
-            <a:prstGeom prst="line">
-              <a:avLst/>
-            </a:prstGeom>
-            <a:ln w="25400"/>
-          </p:spPr>
-          <p:style>
-            <a:lnRef idx="1">
-              <a:schemeClr val="accent1"/>
-            </a:lnRef>
-            <a:fillRef idx="0">
-              <a:schemeClr val="accent1"/>
-            </a:fillRef>
-            <a:effectRef idx="0">
-              <a:schemeClr val="accent1"/>
-            </a:effectRef>
-            <a:fontRef idx="minor">
-              <a:schemeClr val="tx1"/>
-            </a:fontRef>
-          </p:style>
-        </p:cxnSp>
-        <p:cxnSp>
-          <p:nvCxnSpPr>
-            <p:cNvPr id="28" name="Straight Connector 1">
-              <a:extLst>
-                <a:ext uri="{FF2B5EF4-FFF2-40B4-BE49-F238E27FC236}">
-                  <a16:creationId xmlns:a16="http://schemas.microsoft.com/office/drawing/2014/main" id="{D4E5982E-3110-47E1-A5BB-91B7BECC3093}"/>
-                </a:ext>
-              </a:extLst>
-            </p:cNvPr>
-            <p:cNvCxnSpPr/>
-            <p:nvPr userDrawn="1"/>
-          </p:nvCxnSpPr>
-          <p:spPr>
-            <a:xfrm>
-              <a:off x="3915327" y="3335565"/>
-              <a:ext cx="0" cy="236220"/>
-            </a:xfrm>
-            <a:prstGeom prst="line">
-              <a:avLst/>
-            </a:prstGeom>
-            <a:ln w="25400"/>
-          </p:spPr>
-          <p:style>
-            <a:lnRef idx="1">
-              <a:schemeClr val="accent1"/>
-            </a:lnRef>
-            <a:fillRef idx="0">
-              <a:schemeClr val="accent1"/>
-            </a:fillRef>
-            <a:effectRef idx="0">
-              <a:schemeClr val="accent1"/>
-            </a:effectRef>
-            <a:fontRef idx="minor">
-              <a:schemeClr val="tx1"/>
-            </a:fontRef>
-          </p:style>
-        </p:cxnSp>
-        <p:cxnSp>
-          <p:nvCxnSpPr>
-            <p:cNvPr id="27" name="Straight Connector Horizontal">
-              <a:extLst>
-                <a:ext uri="{FF2B5EF4-FFF2-40B4-BE49-F238E27FC236}">
-                  <a16:creationId xmlns:a16="http://schemas.microsoft.com/office/drawing/2014/main" id="{5F62FB7C-BD6E-4383-98C1-2CF30F34CAFD}"/>
-                </a:ext>
-              </a:extLst>
-            </p:cNvPr>
-            <p:cNvCxnSpPr>
-              <a:cxnSpLocks/>
-            </p:cNvCxnSpPr>
-            <p:nvPr userDrawn="1"/>
-          </p:nvCxnSpPr>
-          <p:spPr>
-            <a:xfrm>
-              <a:off x="3915327" y="3335565"/>
-              <a:ext cx="7161786" cy="0"/>
-            </a:xfrm>
-            <a:prstGeom prst="line">
-              <a:avLst/>
-            </a:prstGeom>
-            <a:ln w="25400"/>
-          </p:spPr>
-          <p:style>
-            <a:lnRef idx="1">
-              <a:schemeClr val="accent1"/>
-            </a:lnRef>
-            <a:fillRef idx="0">
-              <a:schemeClr val="accent1"/>
-            </a:fillRef>
-            <a:effectRef idx="0">
-              <a:schemeClr val="accent1"/>
-            </a:effectRef>
-            <a:fontRef idx="minor">
-              <a:schemeClr val="tx1"/>
-            </a:fontRef>
-          </p:style>
-        </p:cxnSp>
-        <p:cxnSp>
-          <p:nvCxnSpPr>
-            <p:cNvPr id="34" name="Straight Connector 0">
-              <a:extLst>
-                <a:ext uri="{FF2B5EF4-FFF2-40B4-BE49-F238E27FC236}">
-                  <a16:creationId xmlns:a16="http://schemas.microsoft.com/office/drawing/2014/main" id="{C84A0FE1-723D-4682-8682-77BAD950EE15}"/>
-                </a:ext>
-              </a:extLst>
-            </p:cNvPr>
-            <p:cNvCxnSpPr/>
-            <p:nvPr userDrawn="1"/>
-          </p:nvCxnSpPr>
-          <p:spPr>
-            <a:xfrm>
-              <a:off x="7496220" y="3092995"/>
-              <a:ext cx="0" cy="236220"/>
-            </a:xfrm>
-            <a:prstGeom prst="line">
-              <a:avLst/>
-            </a:prstGeom>
-            <a:ln w="25400"/>
-          </p:spPr>
-          <p:style>
-            <a:lnRef idx="1">
-              <a:schemeClr val="accent1"/>
-            </a:lnRef>
-            <a:fillRef idx="0">
-              <a:schemeClr val="accent1"/>
-            </a:fillRef>
-            <a:effectRef idx="0">
-              <a:schemeClr val="accent1"/>
-            </a:effectRef>
-            <a:fontRef idx="minor">
-              <a:schemeClr val="tx1"/>
-            </a:fontRef>
-          </p:style>
-        </p:cxnSp>
-        <p:pic>
-          <p:nvPicPr>
-            <p:cNvPr id="18" name="Picture SoftUni Logo" descr="SoftUni logo">
-              <a:extLst>
-                <a:ext uri="{FF2B5EF4-FFF2-40B4-BE49-F238E27FC236}">
-                  <a16:creationId xmlns:a16="http://schemas.microsoft.com/office/drawing/2014/main" id="{A0675455-B7FA-4569-A5FD-A3B0F20B2A26}"/>
-                </a:ext>
-              </a:extLst>
-            </p:cNvPr>
-            <p:cNvPicPr>
-              <a:picLocks noChangeAspect="1"/>
-            </p:cNvPicPr>
-            <p:nvPr/>
-          </p:nvPicPr>
-          <p:blipFill>
-            <a:blip r:embed="rId10" cstate="print">
-              <a:extLst>
-                <a:ext uri="{28A0092B-C50C-407E-A947-70E740481C1C}">
-                  <a14:useLocalDpi xmlns:a14="http://schemas.microsoft.com/office/drawing/2010/main" val="0"/>
-                </a:ext>
-              </a:extLst>
-            </a:blip>
-            <a:stretch>
-              <a:fillRect/>
-            </a:stretch>
-          </p:blipFill>
-          <p:spPr>
-            <a:xfrm>
-              <a:off x="6896770" y="1702473"/>
-              <a:ext cx="1198901" cy="1198901"/>
-            </a:xfrm>
-            <a:prstGeom prst="rect">
-              <a:avLst/>
-            </a:prstGeom>
-          </p:spPr>
-        </p:pic>
-      </p:grpSp>
-      <p:sp>
-        <p:nvSpPr>
-          <p:cNvPr id="19" name="Slide Title">
-            <a:extLst>
-              <a:ext uri="{FF2B5EF4-FFF2-40B4-BE49-F238E27FC236}">
-                <a16:creationId xmlns:a16="http://schemas.microsoft.com/office/drawing/2014/main" id="{7CFDBB16-985C-4CC7-B6DB-B81B36037922}"/>
+                <a16:creationId xmlns:a16="http://schemas.microsoft.com/office/drawing/2014/main" id="{3107753B-8639-4399-B782-EE5377184D2E}"/>
               </a:ext>
             </a:extLst>
           </p:cNvPr>
@@ -4865,142 +4162,33 @@
             <a:spLocks noGrp="1"/>
           </p:cNvSpPr>
           <p:nvPr>
-            <p:ph type="title"/>
+            <p:ph type="title" hasCustomPrompt="1"/>
           </p:nvPr>
         </p:nvSpPr>
         <p:spPr>
           <a:xfrm>
-            <a:off x="809628" y="703244"/>
-            <a:ext cx="5916372" cy="1033303"/>
+            <a:off x="726988" y="1461842"/>
+            <a:ext cx="10731663" cy="3047158"/>
           </a:xfrm>
-          <a:prstGeom prst="rect">
-            <a:avLst/>
-          </a:prstGeom>
         </p:spPr>
         <p:txBody>
-          <a:bodyPr wrap="none" lIns="0" tIns="0" rIns="0" bIns="0" anchor="ctr" anchorCtr="0">
-            <a:noAutofit/>
-            <a:scene3d>
-              <a:camera prst="orthographicFront"/>
-              <a:lightRig rig="soft" dir="t">
-                <a:rot lat="0" lon="0" rev="10800000"/>
-              </a:lightRig>
-            </a:scene3d>
-            <a:sp3d>
-              <a:bevelT w="27940" h="12700"/>
-              <a:contourClr>
-                <a:srgbClr val="DDDDDD"/>
-              </a:contourClr>
-            </a:sp3d>
+          <a:bodyPr>
+            <a:normAutofit/>
           </a:bodyPr>
-          <a:lstStyle/>
-          <a:p>
-            <a:pPr marL="0" marR="0" lvl="0" indent="0" algn="l" defTabSz="913852" rtl="0" eaLnBrk="0" fontAlgn="auto" latinLnBrk="0" hangingPunct="0">
-              <a:lnSpc>
-                <a:spcPct val="100000"/>
-              </a:lnSpc>
-              <a:spcBef>
-                <a:spcPts val="0"/>
-              </a:spcBef>
-              <a:spcAft>
-                <a:spcPts val="0"/>
-              </a:spcAft>
-              <a:buClr>
-                <a:srgbClr val="67748E">
-                  <a:lumMod val="40000"/>
-                  <a:lumOff val="60000"/>
-                </a:srgbClr>
-              </a:buClr>
-              <a:buSzPct val="70000"/>
-              <a:buFont typeface="Wingdings 2" pitchFamily="18" charset="2"/>
-              <a:buNone/>
-              <a:tabLst/>
-              <a:defRPr/>
-            </a:pPr>
-            <a:r>
-              <a:rPr kumimoji="0" lang="en-US" sz="8797" b="1" i="0" u="none" strike="noStrike" kern="1200" cap="none" spc="0" normalizeH="0" baseline="0" noProof="0" dirty="0">
-                <a:ln>
-                  <a:noFill/>
-                </a:ln>
-                <a:solidFill>
-                  <a:srgbClr val="234465"/>
-                </a:solidFill>
-                <a:effectLst/>
-                <a:uLnTx/>
-                <a:uFillTx/>
-                <a:latin typeface="Calibri" panose="020F0502020204030204"/>
-                <a:ea typeface="+mn-ea"/>
-                <a:cs typeface="+mn-cs"/>
-              </a:rPr>
-              <a:t>Questions?</a:t>
-            </a:r>
-            <a:endParaRPr kumimoji="0" lang="en-US" sz="8797" b="1" i="0" u="none" strike="noStrike" kern="1200" cap="none" spc="150" normalizeH="0" baseline="0" noProof="0" dirty="0">
-              <a:ln w="11430"/>
-              <a:solidFill>
-                <a:srgbClr val="234465"/>
-              </a:solidFill>
-              <a:effectLst>
-                <a:outerShdw blurRad="25400" algn="tl" rotWithShape="0">
-                  <a:srgbClr val="000000">
-                    <a:alpha val="43000"/>
-                  </a:srgbClr>
-                </a:outerShdw>
-              </a:effectLst>
-              <a:uLnTx/>
-              <a:uFillTx/>
-              <a:latin typeface="Calibri" panose="020F0502020204030204"/>
-              <a:ea typeface="+mn-ea"/>
-              <a:cs typeface="+mn-cs"/>
-            </a:endParaRPr>
+          <a:lstStyle>
+            <a:lvl1pPr algn="ctr">
+              <a:defRPr sz="13800"/>
+            </a:lvl1pPr>
+          </a:lstStyle>
+          <a:p>
+            <a:r>
+              <a:rPr lang="bg-BG" dirty="0"/>
+              <a:t>Въпроси?</a:t>
+            </a:r>
+            <a:endParaRPr lang="en-US" dirty="0"/>
           </a:p>
         </p:txBody>
       </p:sp>
-      <p:pic>
-        <p:nvPicPr>
-          <p:cNvPr id="36" name="Logo Software University" descr="Software University logo">
-            <a:extLst>
-              <a:ext uri="{FF2B5EF4-FFF2-40B4-BE49-F238E27FC236}">
-                <a16:creationId xmlns:a16="http://schemas.microsoft.com/office/drawing/2014/main" id="{67FC4D2E-913D-432A-B658-F0D82839FA5E}"/>
-              </a:ext>
-            </a:extLst>
-          </p:cNvPr>
-          <p:cNvPicPr>
-            <a:picLocks noChangeAspect="1"/>
-          </p:cNvPicPr>
-          <p:nvPr userDrawn="1"/>
-        </p:nvPicPr>
-        <p:blipFill>
-          <a:blip r:embed="rId11">
-            <a:clrChange>
-              <a:clrFrom>
-                <a:srgbClr val="FFFFFF"/>
-              </a:clrFrom>
-              <a:clrTo>
-                <a:srgbClr val="FFFFFF">
-                  <a:alpha val="0"/>
-                </a:srgbClr>
-              </a:clrTo>
-            </a:clrChange>
-            <a:extLst>
-              <a:ext uri="{28A0092B-C50C-407E-A947-70E740481C1C}">
-                <a14:useLocalDpi xmlns:a14="http://schemas.microsoft.com/office/drawing/2010/main" val="0"/>
-              </a:ext>
-            </a:extLst>
-          </a:blip>
-          <a:stretch>
-            <a:fillRect/>
-          </a:stretch>
-        </p:blipFill>
-        <p:spPr>
-          <a:xfrm>
-            <a:off x="10008761" y="190267"/>
-            <a:ext cx="2013336" cy="690975"/>
-          </a:xfrm>
-          <a:prstGeom prst="rect">
-            <a:avLst/>
-          </a:prstGeom>
-        </p:spPr>
-      </p:pic>
     </p:spTree>
     <p:extLst>
       <p:ext uri="{BB962C8B-B14F-4D97-AF65-F5344CB8AC3E}">
@@ -5035,528 +4223,6 @@
       </p15:sldGuideLst>
     </p:ext>
   </p:extLst>
-</p:sldLayout>
-</file>
-
-<file path=ppt/slideLayouts/slideLayout13.xml><?xml version="1.0" encoding="utf-8"?>
-<p:sldLayout xmlns:a="http://schemas.openxmlformats.org/drawingml/2006/main" xmlns:r="http://schemas.openxmlformats.org/officeDocument/2006/relationships" xmlns:p="http://schemas.openxmlformats.org/presentationml/2006/main" preserve="1" userDrawn="1">
-  <p:cSld name="About Slide">
-    <p:spTree>
-      <p:nvGrpSpPr>
-        <p:cNvPr id="1" name=""/>
-        <p:cNvGrpSpPr/>
-        <p:nvPr/>
-      </p:nvGrpSpPr>
-      <p:grpSpPr>
-        <a:xfrm>
-          <a:off x="0" y="0"/>
-          <a:ext cx="0" cy="0"/>
-          <a:chOff x="0" y="0"/>
-          <a:chExt cx="0" cy="0"/>
-        </a:xfrm>
-      </p:grpSpPr>
-      <p:sp>
-        <p:nvSpPr>
-          <p:cNvPr id="13" name="Slide Number">
-            <a:extLst>
-              <a:ext uri="{FF2B5EF4-FFF2-40B4-BE49-F238E27FC236}">
-                <a16:creationId xmlns:a16="http://schemas.microsoft.com/office/drawing/2014/main" id="{5B8761D8-B42F-4A70-A0CE-682CEB2AE31B}"/>
-              </a:ext>
-            </a:extLst>
-          </p:cNvPr>
-          <p:cNvSpPr>
-            <a:spLocks noGrp="1"/>
-          </p:cNvSpPr>
-          <p:nvPr>
-            <p:ph type="sldNum" sz="quarter" idx="4"/>
-          </p:nvPr>
-        </p:nvSpPr>
-        <p:spPr>
-          <a:xfrm>
-            <a:off x="11753030" y="6507000"/>
-            <a:ext cx="367414" cy="297000"/>
-          </a:xfrm>
-          <a:prstGeom prst="rect">
-            <a:avLst/>
-          </a:prstGeom>
-        </p:spPr>
-        <p:txBody>
-          <a:bodyPr vert="horz" lIns="91440" tIns="45720" rIns="91440" bIns="45720" rtlCol="0" anchor="b"/>
-          <a:lstStyle>
-            <a:lvl1pPr algn="r">
-              <a:defRPr sz="1000"/>
-            </a:lvl1pPr>
-          </a:lstStyle>
-          <a:p>
-            <a:fld id="{2BF067CD-8E6B-4360-9AA8-C5DF2A48A6D1}" type="slidenum">
-              <a:rPr lang="en-US" noProof="0" smtClean="0"/>
-              <a:pPr/>
-              <a:t>‹#›</a:t>
-            </a:fld>
-            <a:endParaRPr lang="en-US" noProof="0" dirty="0"/>
-          </a:p>
-        </p:txBody>
-      </p:sp>
-      <p:pic>
-        <p:nvPicPr>
-          <p:cNvPr id="19" name="Picture Forum" descr="Forum icon">
-            <a:hlinkClick r:id="rId2" tooltip="Software University Discussion Forum"/>
-            <a:extLst>
-              <a:ext uri="{FF2B5EF4-FFF2-40B4-BE49-F238E27FC236}">
-                <a16:creationId xmlns:a16="http://schemas.microsoft.com/office/drawing/2014/main" id="{98C579AD-FAF5-4B28-9B52-5457F1E90061}"/>
-              </a:ext>
-            </a:extLst>
-          </p:cNvPr>
-          <p:cNvPicPr>
-            <a:picLocks noChangeAspect="1"/>
-          </p:cNvPicPr>
-          <p:nvPr userDrawn="1"/>
-        </p:nvPicPr>
-        <p:blipFill>
-          <a:blip r:embed="rId3" cstate="print">
-            <a:extLst>
-              <a:ext uri="{28A0092B-C50C-407E-A947-70E740481C1C}">
-                <a14:useLocalDpi xmlns:a14="http://schemas.microsoft.com/office/drawing/2010/main"/>
-              </a:ext>
-            </a:extLst>
-          </a:blip>
-          <a:stretch>
-            <a:fillRect/>
-          </a:stretch>
-        </p:blipFill>
-        <p:spPr>
-          <a:xfrm>
-            <a:off x="10524350" y="5249556"/>
-            <a:ext cx="970156" cy="965726"/>
-          </a:xfrm>
-          <a:prstGeom prst="rect">
-            <a:avLst/>
-          </a:prstGeom>
-        </p:spPr>
-      </p:pic>
-      <p:pic>
-        <p:nvPicPr>
-          <p:cNvPr id="17" name="Picture Logo FB" descr="Facebook logo">
-            <a:hlinkClick r:id="rId4" tooltip="Software University @ Facebook"/>
-            <a:extLst>
-              <a:ext uri="{FF2B5EF4-FFF2-40B4-BE49-F238E27FC236}">
-                <a16:creationId xmlns:a16="http://schemas.microsoft.com/office/drawing/2014/main" id="{6B2C510E-5EF2-49F6-B926-2BD74CD3C7F8}"/>
-              </a:ext>
-            </a:extLst>
-          </p:cNvPr>
-          <p:cNvPicPr>
-            <a:picLocks noChangeAspect="1" noChangeArrowheads="1"/>
-          </p:cNvPicPr>
-          <p:nvPr userDrawn="1"/>
-        </p:nvPicPr>
-        <p:blipFill rotWithShape="1">
-          <a:blip r:embed="rId5" cstate="print">
-            <a:extLst>
-              <a:ext uri="{28A0092B-C50C-407E-A947-70E740481C1C}">
-                <a14:useLocalDpi xmlns:a14="http://schemas.microsoft.com/office/drawing/2010/main"/>
-              </a:ext>
-            </a:extLst>
-          </a:blip>
-          <a:srcRect/>
-          <a:stretch/>
-        </p:blipFill>
-        <p:spPr bwMode="auto">
-          <a:xfrm>
-            <a:off x="10507451" y="3689937"/>
-            <a:ext cx="1003954" cy="1017562"/>
-          </a:xfrm>
-          <a:prstGeom prst="rect">
-            <a:avLst/>
-          </a:prstGeom>
-          <a:noFill/>
-          <a:extLst>
-            <a:ext uri="{909E8E84-426E-40DD-AFC4-6F175D3DCCD1}">
-              <a14:hiddenFill xmlns:a14="http://schemas.microsoft.com/office/drawing/2010/main">
-                <a:solidFill>
-                  <a:srgbClr val="FFFFFF"/>
-                </a:solidFill>
-              </a14:hiddenFill>
-            </a:ext>
-          </a:extLst>
-        </p:spPr>
-      </p:pic>
-      <p:pic>
-        <p:nvPicPr>
-          <p:cNvPr id="20" name="Picture Logo SoftUni Right" descr="Software University logo">
-            <a:hlinkClick r:id="rId6"/>
-            <a:extLst>
-              <a:ext uri="{FF2B5EF4-FFF2-40B4-BE49-F238E27FC236}">
-                <a16:creationId xmlns:a16="http://schemas.microsoft.com/office/drawing/2014/main" id="{F4604840-E810-44B7-9FF1-3B28CD68B758}"/>
-              </a:ext>
-            </a:extLst>
-          </p:cNvPr>
-          <p:cNvPicPr>
-            <a:picLocks noChangeAspect="1"/>
-          </p:cNvPicPr>
-          <p:nvPr userDrawn="1"/>
-        </p:nvPicPr>
-        <p:blipFill>
-          <a:blip r:embed="rId7">
-            <a:extLst>
-              <a:ext uri="{28A0092B-C50C-407E-A947-70E740481C1C}">
-                <a14:useLocalDpi xmlns:a14="http://schemas.microsoft.com/office/drawing/2010/main" val="0"/>
-              </a:ext>
-            </a:extLst>
-          </a:blip>
-          <a:stretch>
-            <a:fillRect/>
-          </a:stretch>
-        </p:blipFill>
-        <p:spPr>
-          <a:xfrm>
-            <a:off x="10413401" y="1674000"/>
-            <a:ext cx="1192055" cy="1473880"/>
-          </a:xfrm>
-          <a:prstGeom prst="rect">
-            <a:avLst/>
-          </a:prstGeom>
-        </p:spPr>
-      </p:pic>
-      <p:pic>
-        <p:nvPicPr>
-          <p:cNvPr id="16" name="Picture SoftUni Mascot" descr="SoftUni mascot">
-            <a:hlinkClick r:id="rId8"/>
-            <a:extLst>
-              <a:ext uri="{FF2B5EF4-FFF2-40B4-BE49-F238E27FC236}">
-                <a16:creationId xmlns:a16="http://schemas.microsoft.com/office/drawing/2014/main" id="{07C965FA-A87E-4824-AFA8-C67AF548A76A}"/>
-              </a:ext>
-            </a:extLst>
-          </p:cNvPr>
-          <p:cNvPicPr>
-            <a:picLocks noChangeAspect="1"/>
-          </p:cNvPicPr>
-          <p:nvPr/>
-        </p:nvPicPr>
-        <p:blipFill>
-          <a:blip r:embed="rId9">
-            <a:extLst>
-              <a:ext uri="{28A0092B-C50C-407E-A947-70E740481C1C}">
-                <a14:useLocalDpi xmlns:a14="http://schemas.microsoft.com/office/drawing/2010/main" val="0"/>
-              </a:ext>
-            </a:extLst>
-          </a:blip>
-          <a:srcRect/>
-          <a:stretch/>
-        </p:blipFill>
-        <p:spPr>
-          <a:xfrm>
-            <a:off x="7181957" y="2584289"/>
-            <a:ext cx="2732955" cy="3630993"/>
-          </a:xfrm>
-          <a:prstGeom prst="rect">
-            <a:avLst/>
-          </a:prstGeom>
-        </p:spPr>
-      </p:pic>
-      <p:sp>
-        <p:nvSpPr>
-          <p:cNvPr id="12" name="Slide Body Text">
-            <a:extLst>
-              <a:ext uri="{FF2B5EF4-FFF2-40B4-BE49-F238E27FC236}">
-                <a16:creationId xmlns:a16="http://schemas.microsoft.com/office/drawing/2014/main" id="{0C1F9416-8B6E-46DE-973C-777785E27A26}"/>
-              </a:ext>
-            </a:extLst>
-          </p:cNvPr>
-          <p:cNvSpPr>
-            <a:spLocks noGrp="1"/>
-          </p:cNvSpPr>
-          <p:nvPr>
-            <p:ph idx="4294967295" hasCustomPrompt="1"/>
-          </p:nvPr>
-        </p:nvSpPr>
-        <p:spPr>
-          <a:xfrm>
-            <a:off x="152410" y="1186307"/>
-            <a:ext cx="8688590" cy="5496127"/>
-          </a:xfrm>
-        </p:spPr>
-        <p:txBody>
-          <a:bodyPr wrap="square">
-            <a:noAutofit/>
-          </a:bodyPr>
-          <a:lstStyle>
-            <a:lvl1pPr latinLnBrk="0">
-              <a:buClr>
-                <a:schemeClr val="tx1"/>
-              </a:buClr>
-              <a:defRPr sz="2798"/>
-            </a:lvl1pPr>
-            <a:lvl2pPr marL="989981" marR="0" indent="-380762" algn="l" defTabSz="1218438" rtl="0" eaLnBrk="1" fontAlgn="auto" latinLnBrk="1" hangingPunct="1">
-              <a:lnSpc>
-                <a:spcPct val="100000"/>
-              </a:lnSpc>
-              <a:spcBef>
-                <a:spcPts val="600"/>
-              </a:spcBef>
-              <a:spcAft>
-                <a:spcPts val="600"/>
-              </a:spcAft>
-              <a:buClrTx/>
-              <a:buSzTx/>
-              <a:buFont typeface="Wingdings" panose="05000000000000000000" pitchFamily="2" charset="2"/>
-              <a:buChar char="§"/>
-              <a:tabLst>
-                <a:tab pos="282405" algn="l"/>
-              </a:tabLst>
-              <a:defRPr sz="2800"/>
-            </a:lvl2pPr>
-            <a:lvl3pPr>
-              <a:buClr>
-                <a:schemeClr val="tx1"/>
-              </a:buClr>
-              <a:defRPr/>
-            </a:lvl3pPr>
-          </a:lstStyle>
-          <a:p>
-            <a:r>
-              <a:rPr lang="en-US" sz="3000" noProof="0" dirty="0"/>
-              <a:t>Software University – High-Quality Education, Profession and Job for Software Developers</a:t>
-            </a:r>
-          </a:p>
-          <a:p>
-            <a:pPr lvl="1"/>
-            <a:r>
-              <a:rPr lang="en-US" noProof="1">
-                <a:hlinkClick r:id="rId8"/>
-              </a:rPr>
-              <a:t>softuni.bg</a:t>
-            </a:r>
-            <a:r>
-              <a:rPr lang="en-US" noProof="1"/>
-              <a:t> </a:t>
-            </a:r>
-          </a:p>
-          <a:p>
-            <a:r>
-              <a:rPr lang="en-US" sz="3000" noProof="0" dirty="0"/>
-              <a:t>Software University Foundation</a:t>
-            </a:r>
-          </a:p>
-          <a:p>
-            <a:pPr lvl="1"/>
-            <a:r>
-              <a:rPr lang="en-US" noProof="1">
-                <a:hlinkClick r:id="rId10"/>
-              </a:rPr>
-              <a:t>softuni.foundation</a:t>
-            </a:r>
-            <a:endParaRPr lang="en-US" noProof="1"/>
-          </a:p>
-          <a:p>
-            <a:r>
-              <a:rPr lang="en-US" sz="3000" noProof="0" dirty="0"/>
-              <a:t>Software University @ Facebook</a:t>
-            </a:r>
-          </a:p>
-          <a:p>
-            <a:pPr lvl="1"/>
-            <a:r>
-              <a:rPr lang="en-US" noProof="1">
-                <a:hlinkClick r:id="rId4"/>
-              </a:rPr>
-              <a:t>facebook.com/SoftwareUniversity</a:t>
-            </a:r>
-            <a:endParaRPr lang="en-US" noProof="1"/>
-          </a:p>
-          <a:p>
-            <a:r>
-              <a:rPr lang="en-US" sz="3000" noProof="0" dirty="0"/>
-              <a:t>Software University Forums</a:t>
-            </a:r>
-          </a:p>
-          <a:p>
-            <a:pPr lvl="1"/>
-            <a:r>
-              <a:rPr lang="en-US" noProof="1">
-                <a:hlinkClick r:id="rId2"/>
-              </a:rPr>
-              <a:t>forum.softuni.bg</a:t>
-            </a:r>
-            <a:endParaRPr lang="en-US" noProof="1"/>
-          </a:p>
-        </p:txBody>
-      </p:sp>
-      <p:sp>
-        <p:nvSpPr>
-          <p:cNvPr id="10" name="Rectangle Top">
-            <a:extLst>
-              <a:ext uri="{FF2B5EF4-FFF2-40B4-BE49-F238E27FC236}">
-                <a16:creationId xmlns:a16="http://schemas.microsoft.com/office/drawing/2014/main" id="{86646B95-5E3B-4DE8-9118-031C2C296D8C}"/>
-              </a:ext>
-            </a:extLst>
-          </p:cNvPr>
-          <p:cNvSpPr/>
-          <p:nvPr userDrawn="1"/>
-        </p:nvSpPr>
-        <p:spPr>
-          <a:xfrm>
-            <a:off x="0" y="0"/>
-            <a:ext cx="12195176" cy="1095376"/>
-          </a:xfrm>
-          <a:prstGeom prst="rect">
-            <a:avLst/>
-          </a:prstGeom>
-          <a:solidFill>
-            <a:schemeClr val="tx2"/>
-          </a:solidFill>
-          <a:ln>
-            <a:noFill/>
-          </a:ln>
-        </p:spPr>
-        <p:style>
-          <a:lnRef idx="2">
-            <a:schemeClr val="accent1">
-              <a:shade val="50000"/>
-            </a:schemeClr>
-          </a:lnRef>
-          <a:fillRef idx="1">
-            <a:schemeClr val="accent1"/>
-          </a:fillRef>
-          <a:effectRef idx="0">
-            <a:schemeClr val="accent1"/>
-          </a:effectRef>
-          <a:fontRef idx="minor">
-            <a:schemeClr val="lt1"/>
-          </a:fontRef>
-        </p:style>
-        <p:txBody>
-          <a:bodyPr rtlCol="0" anchor="ctr"/>
-          <a:lstStyle/>
-          <a:p>
-            <a:pPr marL="0" marR="0" lvl="0" indent="0" algn="ctr" defTabSz="913852" rtl="0" eaLnBrk="1" fontAlgn="auto" latinLnBrk="0" hangingPunct="1">
-              <a:lnSpc>
-                <a:spcPct val="100000"/>
-              </a:lnSpc>
-              <a:spcBef>
-                <a:spcPts val="0"/>
-              </a:spcBef>
-              <a:spcAft>
-                <a:spcPts val="0"/>
-              </a:spcAft>
-              <a:buClrTx/>
-              <a:buSzTx/>
-              <a:buFontTx/>
-              <a:buNone/>
-              <a:tabLst/>
-              <a:defRPr/>
-            </a:pPr>
-            <a:endParaRPr kumimoji="0" lang="en-US" altLang="ko-KR" sz="2398" b="0" i="0" u="none" strike="noStrike" kern="1200" cap="none" spc="0" normalizeH="0" baseline="0" noProof="0" dirty="0">
-              <a:ln>
-                <a:noFill/>
-              </a:ln>
-              <a:solidFill>
-                <a:srgbClr val="F7C86D"/>
-              </a:solidFill>
-              <a:effectLst/>
-              <a:uLnTx/>
-              <a:uFillTx/>
-              <a:latin typeface="Calibri" panose="020F0502020204030204"/>
-              <a:ea typeface="맑은 고딕" panose="020B0503020000020004" pitchFamily="34" charset="-127"/>
-              <a:cs typeface="+mn-cs"/>
-            </a:endParaRPr>
-          </a:p>
-        </p:txBody>
-      </p:sp>
-      <p:pic>
-        <p:nvPicPr>
-          <p:cNvPr id="11" name="Logo Software University" descr="Software University logo">
-            <a:extLst>
-              <a:ext uri="{FF2B5EF4-FFF2-40B4-BE49-F238E27FC236}">
-                <a16:creationId xmlns:a16="http://schemas.microsoft.com/office/drawing/2014/main" id="{58AB1944-B146-4E89-B2D9-426EB610F319}"/>
-              </a:ext>
-            </a:extLst>
-          </p:cNvPr>
-          <p:cNvPicPr>
-            <a:picLocks noChangeAspect="1"/>
-          </p:cNvPicPr>
-          <p:nvPr userDrawn="1"/>
-        </p:nvPicPr>
-        <p:blipFill>
-          <a:blip r:embed="rId11">
-            <a:extLst>
-              <a:ext uri="{28A0092B-C50C-407E-A947-70E740481C1C}">
-                <a14:useLocalDpi xmlns:a14="http://schemas.microsoft.com/office/drawing/2010/main" val="0"/>
-              </a:ext>
-            </a:extLst>
-          </a:blip>
-          <a:stretch>
-            <a:fillRect/>
-          </a:stretch>
-        </p:blipFill>
-        <p:spPr>
-          <a:xfrm>
-            <a:off x="10067957" y="253936"/>
-            <a:ext cx="1915704" cy="559235"/>
-          </a:xfrm>
-          <a:prstGeom prst="rect">
-            <a:avLst/>
-          </a:prstGeom>
-        </p:spPr>
-      </p:pic>
-      <p:sp>
-        <p:nvSpPr>
-          <p:cNvPr id="18" name="Slide Title">
-            <a:extLst>
-              <a:ext uri="{FF2B5EF4-FFF2-40B4-BE49-F238E27FC236}">
-                <a16:creationId xmlns:a16="http://schemas.microsoft.com/office/drawing/2014/main" id="{AE87ED9C-76E1-4D85-9B06-3AF44AABB668}"/>
-              </a:ext>
-            </a:extLst>
-          </p:cNvPr>
-          <p:cNvSpPr>
-            <a:spLocks noGrp="1"/>
-          </p:cNvSpPr>
-          <p:nvPr>
-            <p:ph type="title" hasCustomPrompt="1"/>
-          </p:nvPr>
-        </p:nvSpPr>
-        <p:spPr>
-          <a:xfrm>
-            <a:off x="172286" y="108873"/>
-            <a:ext cx="9742626" cy="882654"/>
-          </a:xfrm>
-        </p:spPr>
-        <p:txBody>
-          <a:bodyPr/>
-          <a:lstStyle>
-            <a:lvl1pPr latinLnBrk="0">
-              <a:defRPr>
-                <a:solidFill>
-                  <a:schemeClr val="bg2"/>
-                </a:solidFill>
-              </a:defRPr>
-            </a:lvl1pPr>
-          </a:lstStyle>
-          <a:p>
-            <a:r>
-              <a:rPr lang="en-US" noProof="0" dirty="0"/>
-              <a:t>Trainings @ Software University (SoftUni)</a:t>
-            </a:r>
-          </a:p>
-        </p:txBody>
-      </p:sp>
-    </p:spTree>
-    <p:extLst>
-      <p:ext uri="{BB962C8B-B14F-4D97-AF65-F5344CB8AC3E}">
-        <p14:creationId xmlns:p14="http://schemas.microsoft.com/office/powerpoint/2010/main" val="2196466322"/>
-      </p:ext>
-    </p:extLst>
-  </p:cSld>
-  <p:clrMapOvr>
-    <a:masterClrMapping/>
-  </p:clrMapOvr>
-  <mc:AlternateContent xmlns:mc="http://schemas.openxmlformats.org/markup-compatibility/2006" xmlns:p14="http://schemas.microsoft.com/office/powerpoint/2010/main">
-    <mc:Choice Requires="p14">
-      <p:transition spd="slow" p14:dur="2000" advClick="0" advTm="5000"/>
-    </mc:Choice>
-    <mc:Fallback xmlns="">
-      <p:transition spd="slow" advClick="0" advTm="5000"/>
-    </mc:Fallback>
-  </mc:AlternateContent>
 </p:sldLayout>
 </file>
 
@@ -5637,7 +4303,7 @@
               <a:tabLst/>
               <a:defRPr/>
             </a:pPr>
-            <a:endParaRPr kumimoji="0" lang="en-US" altLang="ko-KR" sz="2398" b="0" i="0" u="none" strike="noStrike" kern="1200" cap="none" spc="0" normalizeH="0" baseline="0" noProof="0" dirty="0">
+            <a:endParaRPr kumimoji="0" lang="en-US" altLang="ko-KR" sz="2398" b="0" i="0" u="none" strike="noStrike" kern="1200" cap="none" spc="0" normalizeH="0" baseline="0" noProof="0">
               <a:ln>
                 <a:noFill/>
               </a:ln>
@@ -5965,7 +4631,7 @@
               <a:tabLst/>
               <a:defRPr/>
             </a:pPr>
-            <a:endParaRPr kumimoji="0" lang="en-US" altLang="ko-KR" sz="2398" b="0" i="0" u="none" strike="noStrike" kern="1200" cap="none" spc="0" normalizeH="0" baseline="0" noProof="0" dirty="0">
+            <a:endParaRPr kumimoji="0" lang="en-US" altLang="ko-KR" sz="2398" b="0" i="0" u="none" strike="noStrike" kern="1200" cap="none" spc="0" normalizeH="0" baseline="0" noProof="0">
               <a:ln>
                 <a:noFill/>
               </a:ln>
@@ -5982,42 +4648,6 @@
           </a:p>
         </p:txBody>
       </p:sp>
-      <p:pic>
-        <p:nvPicPr>
-          <p:cNvPr id="12" name="Logo Software University" descr="Software University logo">
-            <a:extLst>
-              <a:ext uri="{FF2B5EF4-FFF2-40B4-BE49-F238E27FC236}">
-                <a16:creationId xmlns:a16="http://schemas.microsoft.com/office/drawing/2014/main" id="{B1D3B425-B9BF-43ED-9DEC-C05002FBA22F}"/>
-              </a:ext>
-            </a:extLst>
-          </p:cNvPr>
-          <p:cNvPicPr>
-            <a:picLocks noChangeAspect="1"/>
-          </p:cNvPicPr>
-          <p:nvPr userDrawn="1"/>
-        </p:nvPicPr>
-        <p:blipFill>
-          <a:blip r:embed="rId2">
-            <a:extLst>
-              <a:ext uri="{28A0092B-C50C-407E-A947-70E740481C1C}">
-                <a14:useLocalDpi xmlns:a14="http://schemas.microsoft.com/office/drawing/2010/main" val="0"/>
-              </a:ext>
-            </a:extLst>
-          </a:blip>
-          <a:stretch>
-            <a:fillRect/>
-          </a:stretch>
-        </p:blipFill>
-        <p:spPr>
-          <a:xfrm>
-            <a:off x="10067957" y="253936"/>
-            <a:ext cx="1915704" cy="559235"/>
-          </a:xfrm>
-          <a:prstGeom prst="rect">
-            <a:avLst/>
-          </a:prstGeom>
-        </p:spPr>
-      </p:pic>
       <p:sp>
         <p:nvSpPr>
           <p:cNvPr id="6" name="Slide Title">
@@ -6037,7 +4667,7 @@
         <p:spPr>
           <a:xfrm>
             <a:off x="190406" y="100750"/>
-            <a:ext cx="9715594" cy="882654"/>
+            <a:ext cx="10270594" cy="882654"/>
           </a:xfrm>
         </p:spPr>
         <p:txBody>
@@ -6059,6 +4689,42 @@
           </a:p>
         </p:txBody>
       </p:sp>
+      <p:pic>
+        <p:nvPicPr>
+          <p:cNvPr id="4" name="Picture 3">
+            <a:extLst>
+              <a:ext uri="{FF2B5EF4-FFF2-40B4-BE49-F238E27FC236}">
+                <a16:creationId xmlns:a16="http://schemas.microsoft.com/office/drawing/2014/main" id="{4B9A1D0F-F579-6A3C-C698-4E2E7F1AB265}"/>
+              </a:ext>
+            </a:extLst>
+          </p:cNvPr>
+          <p:cNvPicPr>
+            <a:picLocks noChangeAspect="1"/>
+          </p:cNvPicPr>
+          <p:nvPr userDrawn="1"/>
+        </p:nvPicPr>
+        <p:blipFill>
+          <a:blip r:embed="rId2" cstate="print">
+            <a:extLst>
+              <a:ext uri="{28A0092B-C50C-407E-A947-70E740481C1C}">
+                <a14:useLocalDpi xmlns:a14="http://schemas.microsoft.com/office/drawing/2010/main" val="0"/>
+              </a:ext>
+            </a:extLst>
+          </a:blip>
+          <a:stretch>
+            <a:fillRect/>
+          </a:stretch>
+        </p:blipFill>
+        <p:spPr>
+          <a:xfrm>
+            <a:off x="10553573" y="368999"/>
+            <a:ext cx="1443361" cy="360001"/>
+          </a:xfrm>
+          <a:prstGeom prst="rect">
+            <a:avLst/>
+          </a:prstGeom>
+        </p:spPr>
+      </p:pic>
     </p:spTree>
     <p:extLst>
       <p:ext uri="{BB962C8B-B14F-4D97-AF65-F5344CB8AC3E}">
@@ -6081,371 +4747,6 @@
 </file>
 
 <file path=ppt/slideLayouts/slideLayout4.xml><?xml version="1.0" encoding="utf-8"?>
-<p:sldLayout xmlns:a="http://schemas.openxmlformats.org/drawingml/2006/main" xmlns:r="http://schemas.openxmlformats.org/officeDocument/2006/relationships" xmlns:p="http://schemas.openxmlformats.org/presentationml/2006/main" preserve="1" userDrawn="1">
-  <p:cSld name="Table of Contents">
-    <p:spTree>
-      <p:nvGrpSpPr>
-        <p:cNvPr id="1" name=""/>
-        <p:cNvGrpSpPr/>
-        <p:nvPr/>
-      </p:nvGrpSpPr>
-      <p:grpSpPr>
-        <a:xfrm>
-          <a:off x="0" y="0"/>
-          <a:ext cx="0" cy="0"/>
-          <a:chOff x="0" y="0"/>
-          <a:chExt cx="0" cy="0"/>
-        </a:xfrm>
-      </p:grpSpPr>
-      <p:sp>
-        <p:nvSpPr>
-          <p:cNvPr id="10" name="Slide Number">
-            <a:extLst>
-              <a:ext uri="{FF2B5EF4-FFF2-40B4-BE49-F238E27FC236}">
-                <a16:creationId xmlns:a16="http://schemas.microsoft.com/office/drawing/2014/main" id="{39DDE17E-5472-41F3-AF5F-54DFF10DC63C}"/>
-              </a:ext>
-            </a:extLst>
-          </p:cNvPr>
-          <p:cNvSpPr>
-            <a:spLocks noGrp="1"/>
-          </p:cNvSpPr>
-          <p:nvPr>
-            <p:ph type="sldNum" sz="quarter" idx="4"/>
-          </p:nvPr>
-        </p:nvSpPr>
-        <p:spPr>
-          <a:xfrm>
-            <a:off x="11753030" y="6507000"/>
-            <a:ext cx="367414" cy="297000"/>
-          </a:xfrm>
-          <a:prstGeom prst="rect">
-            <a:avLst/>
-          </a:prstGeom>
-        </p:spPr>
-        <p:txBody>
-          <a:bodyPr vert="horz" lIns="91440" tIns="45720" rIns="91440" bIns="45720" rtlCol="0" anchor="b"/>
-          <a:lstStyle>
-            <a:lvl1pPr algn="r">
-              <a:defRPr sz="1000"/>
-            </a:lvl1pPr>
-          </a:lstStyle>
-          <a:p>
-            <a:fld id="{2BF067CD-8E6B-4360-9AA8-C5DF2A48A6D1}" type="slidenum">
-              <a:rPr lang="en-US" noProof="0" smtClean="0"/>
-              <a:pPr/>
-              <a:t>‹#›</a:t>
-            </a:fld>
-            <a:endParaRPr lang="en-US" noProof="0" dirty="0"/>
-          </a:p>
-        </p:txBody>
-      </p:sp>
-      <p:pic>
-        <p:nvPicPr>
-          <p:cNvPr id="9" name="Picture SoftUni Mascot" descr="SoftUni mascot with laptop">
-            <a:extLst>
-              <a:ext uri="{FF2B5EF4-FFF2-40B4-BE49-F238E27FC236}">
-                <a16:creationId xmlns:a16="http://schemas.microsoft.com/office/drawing/2014/main" id="{DC4365F6-D2C1-47B4-8477-38FD2C7711AA}"/>
-              </a:ext>
-            </a:extLst>
-          </p:cNvPr>
-          <p:cNvPicPr>
-            <a:picLocks noChangeAspect="1"/>
-          </p:cNvPicPr>
-          <p:nvPr/>
-        </p:nvPicPr>
-        <p:blipFill>
-          <a:blip r:embed="rId2" cstate="print">
-            <a:extLst>
-              <a:ext uri="{28A0092B-C50C-407E-A947-70E740481C1C}">
-                <a14:useLocalDpi xmlns:a14="http://schemas.microsoft.com/office/drawing/2010/main" val="0"/>
-              </a:ext>
-            </a:extLst>
-          </a:blip>
-          <a:stretch>
-            <a:fillRect/>
-          </a:stretch>
-        </p:blipFill>
-        <p:spPr>
-          <a:xfrm flipH="1">
-            <a:off x="9516000" y="3408496"/>
-            <a:ext cx="2251057" cy="3044431"/>
-          </a:xfrm>
-          <a:prstGeom prst="rect">
-            <a:avLst/>
-          </a:prstGeom>
-        </p:spPr>
-      </p:pic>
-      <p:sp>
-        <p:nvSpPr>
-          <p:cNvPr id="23" name="Slide Body Text">
-            <a:extLst>
-              <a:ext uri="{FF2B5EF4-FFF2-40B4-BE49-F238E27FC236}">
-                <a16:creationId xmlns:a16="http://schemas.microsoft.com/office/drawing/2014/main" id="{889D93F4-ABFA-46BF-8E5D-FE6562ACB20F}"/>
-              </a:ext>
-            </a:extLst>
-          </p:cNvPr>
-          <p:cNvSpPr>
-            <a:spLocks noGrp="1"/>
-          </p:cNvSpPr>
-          <p:nvPr>
-            <p:ph type="body" sz="quarter" idx="13" hasCustomPrompt="1"/>
-          </p:nvPr>
-        </p:nvSpPr>
-        <p:spPr>
-          <a:xfrm>
-            <a:off x="196766" y="1371604"/>
-            <a:ext cx="9049234" cy="5207396"/>
-          </a:xfrm>
-        </p:spPr>
-        <p:txBody>
-          <a:bodyPr>
-            <a:normAutofit/>
-          </a:bodyPr>
-          <a:lstStyle>
-            <a:lvl1pPr marL="514042" indent="-514042" latinLnBrk="0">
-              <a:buFont typeface="+mj-lt"/>
-              <a:buAutoNum type="arabicPeriod"/>
-              <a:defRPr sz="3600">
-                <a:solidFill>
-                  <a:schemeClr val="tx1"/>
-                </a:solidFill>
-              </a:defRPr>
-            </a:lvl1pPr>
-            <a:lvl2pPr>
-              <a:defRPr sz="3400"/>
-            </a:lvl2pPr>
-          </a:lstStyle>
-          <a:p>
-            <a:pPr lvl="0"/>
-            <a:r>
-              <a:rPr lang="en-US" noProof="0"/>
-              <a:t>…</a:t>
-            </a:r>
-          </a:p>
-          <a:p>
-            <a:pPr lvl="1"/>
-            <a:r>
-              <a:rPr lang="en-US" noProof="0"/>
-              <a:t>…</a:t>
-            </a:r>
-          </a:p>
-          <a:p>
-            <a:pPr lvl="1"/>
-            <a:r>
-              <a:rPr lang="en-US" noProof="0"/>
-              <a:t>…</a:t>
-            </a:r>
-          </a:p>
-          <a:p>
-            <a:pPr lvl="0"/>
-            <a:r>
-              <a:rPr lang="en-US" noProof="0"/>
-              <a:t>…</a:t>
-            </a:r>
-          </a:p>
-          <a:p>
-            <a:pPr lvl="1"/>
-            <a:r>
-              <a:rPr lang="en-US" noProof="0"/>
-              <a:t>…</a:t>
-            </a:r>
-          </a:p>
-          <a:p>
-            <a:pPr lvl="1"/>
-            <a:r>
-              <a:rPr lang="en-US" noProof="0"/>
-              <a:t>…</a:t>
-            </a:r>
-          </a:p>
-          <a:p>
-            <a:pPr lvl="0"/>
-            <a:r>
-              <a:rPr lang="en-US" noProof="0"/>
-              <a:t>…</a:t>
-            </a:r>
-          </a:p>
-        </p:txBody>
-      </p:sp>
-      <p:sp>
-        <p:nvSpPr>
-          <p:cNvPr id="8" name="Rectangle Top">
-            <a:extLst>
-              <a:ext uri="{FF2B5EF4-FFF2-40B4-BE49-F238E27FC236}">
-                <a16:creationId xmlns:a16="http://schemas.microsoft.com/office/drawing/2014/main" id="{930E0800-9260-4369-8330-8264DD33C5CE}"/>
-              </a:ext>
-            </a:extLst>
-          </p:cNvPr>
-          <p:cNvSpPr/>
-          <p:nvPr userDrawn="1"/>
-        </p:nvSpPr>
-        <p:spPr>
-          <a:xfrm>
-            <a:off x="0" y="0"/>
-            <a:ext cx="12196800" cy="1095376"/>
-          </a:xfrm>
-          <a:prstGeom prst="rect">
-            <a:avLst/>
-          </a:prstGeom>
-          <a:solidFill>
-            <a:schemeClr val="tx2"/>
-          </a:solidFill>
-          <a:ln>
-            <a:noFill/>
-          </a:ln>
-        </p:spPr>
-        <p:style>
-          <a:lnRef idx="2">
-            <a:schemeClr val="accent1">
-              <a:shade val="50000"/>
-            </a:schemeClr>
-          </a:lnRef>
-          <a:fillRef idx="1">
-            <a:schemeClr val="accent1"/>
-          </a:fillRef>
-          <a:effectRef idx="0">
-            <a:schemeClr val="accent1"/>
-          </a:effectRef>
-          <a:fontRef idx="minor">
-            <a:schemeClr val="lt1"/>
-          </a:fontRef>
-        </p:style>
-        <p:txBody>
-          <a:bodyPr rtlCol="0" anchor="ctr"/>
-          <a:lstStyle/>
-          <a:p>
-            <a:pPr marL="0" marR="0" lvl="0" indent="0" algn="ctr" defTabSz="913852" rtl="0" eaLnBrk="1" fontAlgn="auto" latinLnBrk="0" hangingPunct="1">
-              <a:lnSpc>
-                <a:spcPct val="100000"/>
-              </a:lnSpc>
-              <a:spcBef>
-                <a:spcPts val="0"/>
-              </a:spcBef>
-              <a:spcAft>
-                <a:spcPts val="0"/>
-              </a:spcAft>
-              <a:buClrTx/>
-              <a:buSzTx/>
-              <a:buFontTx/>
-              <a:buNone/>
-              <a:tabLst/>
-              <a:defRPr/>
-            </a:pPr>
-            <a:endParaRPr kumimoji="0" lang="en-US" altLang="ko-KR" sz="2398" b="0" i="0" u="none" strike="noStrike" kern="1200" cap="none" spc="0" normalizeH="0" baseline="0" noProof="0" dirty="0">
-              <a:ln>
-                <a:noFill/>
-              </a:ln>
-              <a:solidFill>
-                <a:srgbClr val="F7C86D"/>
-              </a:solidFill>
-              <a:effectLst/>
-              <a:uLnTx/>
-              <a:uFillTx/>
-              <a:latin typeface="Calibri" panose="020F0502020204030204"/>
-              <a:ea typeface="맑은 고딕" panose="020B0503020000020004" pitchFamily="34" charset="-127"/>
-              <a:cs typeface="+mn-cs"/>
-            </a:endParaRPr>
-          </a:p>
-        </p:txBody>
-      </p:sp>
-      <p:pic>
-        <p:nvPicPr>
-          <p:cNvPr id="11" name="Logo Software University" descr="Software University logo">
-            <a:extLst>
-              <a:ext uri="{FF2B5EF4-FFF2-40B4-BE49-F238E27FC236}">
-                <a16:creationId xmlns:a16="http://schemas.microsoft.com/office/drawing/2014/main" id="{14F779A7-4A91-448B-BEFA-956C70A1C22F}"/>
-              </a:ext>
-            </a:extLst>
-          </p:cNvPr>
-          <p:cNvPicPr>
-            <a:picLocks noChangeAspect="1"/>
-          </p:cNvPicPr>
-          <p:nvPr userDrawn="1"/>
-        </p:nvPicPr>
-        <p:blipFill>
-          <a:blip r:embed="rId3">
-            <a:extLst>
-              <a:ext uri="{28A0092B-C50C-407E-A947-70E740481C1C}">
-                <a14:useLocalDpi xmlns:a14="http://schemas.microsoft.com/office/drawing/2010/main" val="0"/>
-              </a:ext>
-            </a:extLst>
-          </a:blip>
-          <a:stretch>
-            <a:fillRect/>
-          </a:stretch>
-        </p:blipFill>
-        <p:spPr>
-          <a:xfrm>
-            <a:off x="10067957" y="253936"/>
-            <a:ext cx="1915704" cy="559235"/>
-          </a:xfrm>
-          <a:prstGeom prst="rect">
-            <a:avLst/>
-          </a:prstGeom>
-        </p:spPr>
-      </p:pic>
-      <p:sp>
-        <p:nvSpPr>
-          <p:cNvPr id="13" name="Slide Title">
-            <a:extLst>
-              <a:ext uri="{FF2B5EF4-FFF2-40B4-BE49-F238E27FC236}">
-                <a16:creationId xmlns:a16="http://schemas.microsoft.com/office/drawing/2014/main" id="{357D7BE1-6358-42CC-94F3-7BCDD91DCB6D}"/>
-              </a:ext>
-            </a:extLst>
-          </p:cNvPr>
-          <p:cNvSpPr>
-            <a:spLocks noGrp="1"/>
-          </p:cNvSpPr>
-          <p:nvPr>
-            <p:ph type="title" hasCustomPrompt="1"/>
-          </p:nvPr>
-        </p:nvSpPr>
-        <p:spPr>
-          <a:xfrm>
-            <a:off x="190406" y="100750"/>
-            <a:ext cx="9715594" cy="882654"/>
-          </a:xfrm>
-        </p:spPr>
-        <p:txBody>
-          <a:bodyPr/>
-          <a:lstStyle>
-            <a:lvl1pPr latinLnBrk="0">
-              <a:defRPr>
-                <a:solidFill>
-                  <a:schemeClr val="bg2"/>
-                </a:solidFill>
-              </a:defRPr>
-            </a:lvl1pPr>
-          </a:lstStyle>
-          <a:p>
-            <a:r>
-              <a:rPr lang="en-US" noProof="0" dirty="0"/>
-              <a:t>Table of Contents</a:t>
-            </a:r>
-          </a:p>
-        </p:txBody>
-      </p:sp>
-    </p:spTree>
-    <p:extLst>
-      <p:ext uri="{BB962C8B-B14F-4D97-AF65-F5344CB8AC3E}">
-        <p14:creationId xmlns:p14="http://schemas.microsoft.com/office/powerpoint/2010/main" val="1028724482"/>
-      </p:ext>
-    </p:extLst>
-  </p:cSld>
-  <p:clrMapOvr>
-    <a:masterClrMapping/>
-  </p:clrMapOvr>
-  <mc:AlternateContent xmlns:mc="http://schemas.openxmlformats.org/markup-compatibility/2006" xmlns:p14="http://schemas.microsoft.com/office/powerpoint/2010/main">
-    <mc:Choice Requires="p14">
-      <p:transition spd="slow" p14:dur="2000" advClick="0" advTm="5000"/>
-    </mc:Choice>
-    <mc:Fallback xmlns="">
-      <p:transition spd="slow" advClick="0" advTm="5000"/>
-    </mc:Fallback>
-  </mc:AlternateContent>
-</p:sldLayout>
-</file>
-
-<file path=ppt/slideLayouts/slideLayout5.xml><?xml version="1.0" encoding="utf-8"?>
 <p:sldLayout xmlns:a="http://schemas.openxmlformats.org/drawingml/2006/main" xmlns:r="http://schemas.openxmlformats.org/officeDocument/2006/relationships" xmlns:p="http://schemas.openxmlformats.org/presentationml/2006/main" preserve="1" userDrawn="1">
   <p:cSld name="Important Concept">
     <p:spTree>
@@ -6716,52 +5017,6 @@
           </a:p>
         </p:txBody>
       </p:sp>
-      <p:pic>
-        <p:nvPicPr>
-          <p:cNvPr id="3" name="Logo Software University" descr="Software University logo">
-            <a:extLst>
-              <a:ext uri="{FF2B5EF4-FFF2-40B4-BE49-F238E27FC236}">
-                <a16:creationId xmlns:a16="http://schemas.microsoft.com/office/drawing/2014/main" id="{5573C101-930B-47AC-967A-A64513DFFDEE}"/>
-              </a:ext>
-            </a:extLst>
-          </p:cNvPr>
-          <p:cNvPicPr>
-            <a:picLocks noChangeAspect="1"/>
-          </p:cNvPicPr>
-          <p:nvPr userDrawn="1"/>
-        </p:nvPicPr>
-        <p:blipFill>
-          <a:blip r:embed="rId3">
-            <a:clrChange>
-              <a:clrFrom>
-                <a:srgbClr val="FFFFFF"/>
-              </a:clrFrom>
-              <a:clrTo>
-                <a:srgbClr val="FFFFFF">
-                  <a:alpha val="0"/>
-                </a:srgbClr>
-              </a:clrTo>
-            </a:clrChange>
-            <a:extLst>
-              <a:ext uri="{28A0092B-C50C-407E-A947-70E740481C1C}">
-                <a14:useLocalDpi xmlns:a14="http://schemas.microsoft.com/office/drawing/2010/main" val="0"/>
-              </a:ext>
-            </a:extLst>
-          </a:blip>
-          <a:stretch>
-            <a:fillRect/>
-          </a:stretch>
-        </p:blipFill>
-        <p:spPr>
-          <a:xfrm>
-            <a:off x="10008761" y="190267"/>
-            <a:ext cx="2013336" cy="690975"/>
-          </a:xfrm>
-          <a:prstGeom prst="rect">
-            <a:avLst/>
-          </a:prstGeom>
-        </p:spPr>
-      </p:pic>
       <p:sp>
         <p:nvSpPr>
           <p:cNvPr id="8" name="Slide Title">
@@ -6780,8 +5035,8 @@
         </p:nvSpPr>
         <p:spPr>
           <a:xfrm>
-            <a:off x="1296957" y="100750"/>
-            <a:ext cx="8625520" cy="882654"/>
+            <a:off x="1296956" y="100750"/>
+            <a:ext cx="9164044" cy="882654"/>
           </a:xfrm>
         </p:spPr>
         <p:txBody>
@@ -6799,6 +5054,42 @@
           </a:p>
         </p:txBody>
       </p:sp>
+      <p:pic>
+        <p:nvPicPr>
+          <p:cNvPr id="2" name="Picture 1">
+            <a:extLst>
+              <a:ext uri="{FF2B5EF4-FFF2-40B4-BE49-F238E27FC236}">
+                <a16:creationId xmlns:a16="http://schemas.microsoft.com/office/drawing/2014/main" id="{78CA5371-2597-CF8F-1859-226395807433}"/>
+              </a:ext>
+            </a:extLst>
+          </p:cNvPr>
+          <p:cNvPicPr>
+            <a:picLocks noChangeAspect="1"/>
+          </p:cNvPicPr>
+          <p:nvPr userDrawn="1"/>
+        </p:nvPicPr>
+        <p:blipFill>
+          <a:blip r:embed="rId3" cstate="print">
+            <a:extLst>
+              <a:ext uri="{28A0092B-C50C-407E-A947-70E740481C1C}">
+                <a14:useLocalDpi xmlns:a14="http://schemas.microsoft.com/office/drawing/2010/main" val="0"/>
+              </a:ext>
+            </a:extLst>
+          </a:blip>
+          <a:stretch>
+            <a:fillRect/>
+          </a:stretch>
+        </p:blipFill>
+        <p:spPr>
+          <a:xfrm>
+            <a:off x="10551877" y="362077"/>
+            <a:ext cx="1443357" cy="360000"/>
+          </a:xfrm>
+          <a:prstGeom prst="rect">
+            <a:avLst/>
+          </a:prstGeom>
+        </p:spPr>
+      </p:pic>
     </p:spTree>
     <p:extLst>
       <p:ext uri="{BB962C8B-B14F-4D97-AF65-F5344CB8AC3E}">
@@ -6820,7 +5111,7 @@
 </p:sldLayout>
 </file>
 
-<file path=ppt/slideLayouts/slideLayout6.xml><?xml version="1.0" encoding="utf-8"?>
+<file path=ppt/slideLayouts/slideLayout5.xml><?xml version="1.0" encoding="utf-8"?>
 <p:sldLayout xmlns:a="http://schemas.openxmlformats.org/drawingml/2006/main" xmlns:r="http://schemas.openxmlformats.org/officeDocument/2006/relationships" xmlns:p="http://schemas.openxmlformats.org/presentationml/2006/main" preserve="1">
   <p:cSld name="Important Example">
     <p:spTree>
@@ -7097,52 +5388,6 @@
           </a:p>
         </p:txBody>
       </p:sp>
-      <p:pic>
-        <p:nvPicPr>
-          <p:cNvPr id="16" name="Logo Software University" descr="Software University logo">
-            <a:extLst>
-              <a:ext uri="{FF2B5EF4-FFF2-40B4-BE49-F238E27FC236}">
-                <a16:creationId xmlns:a16="http://schemas.microsoft.com/office/drawing/2014/main" id="{EFEBB553-EACE-4B4F-8B4F-7629FDD910A4}"/>
-              </a:ext>
-            </a:extLst>
-          </p:cNvPr>
-          <p:cNvPicPr>
-            <a:picLocks noChangeAspect="1"/>
-          </p:cNvPicPr>
-          <p:nvPr userDrawn="1"/>
-        </p:nvPicPr>
-        <p:blipFill>
-          <a:blip r:embed="rId3">
-            <a:clrChange>
-              <a:clrFrom>
-                <a:srgbClr val="FFFFFF"/>
-              </a:clrFrom>
-              <a:clrTo>
-                <a:srgbClr val="FFFFFF">
-                  <a:alpha val="0"/>
-                </a:srgbClr>
-              </a:clrTo>
-            </a:clrChange>
-            <a:extLst>
-              <a:ext uri="{28A0092B-C50C-407E-A947-70E740481C1C}">
-                <a14:useLocalDpi xmlns:a14="http://schemas.microsoft.com/office/drawing/2010/main" val="0"/>
-              </a:ext>
-            </a:extLst>
-          </a:blip>
-          <a:stretch>
-            <a:fillRect/>
-          </a:stretch>
-        </p:blipFill>
-        <p:spPr>
-          <a:xfrm>
-            <a:off x="10008761" y="190267"/>
-            <a:ext cx="2013336" cy="690975"/>
-          </a:xfrm>
-          <a:prstGeom prst="rect">
-            <a:avLst/>
-          </a:prstGeom>
-        </p:spPr>
-      </p:pic>
       <p:sp>
         <p:nvSpPr>
           <p:cNvPr id="13" name="Slide Title">
@@ -7161,8 +5406,8 @@
         </p:nvSpPr>
         <p:spPr>
           <a:xfrm>
-            <a:off x="1296957" y="100750"/>
-            <a:ext cx="8625520" cy="882654"/>
+            <a:off x="1296956" y="100750"/>
+            <a:ext cx="9164044" cy="882654"/>
           </a:xfrm>
         </p:spPr>
         <p:txBody>
@@ -7180,6 +5425,42 @@
           </a:p>
         </p:txBody>
       </p:sp>
+      <p:pic>
+        <p:nvPicPr>
+          <p:cNvPr id="2" name="Picture 1">
+            <a:extLst>
+              <a:ext uri="{FF2B5EF4-FFF2-40B4-BE49-F238E27FC236}">
+                <a16:creationId xmlns:a16="http://schemas.microsoft.com/office/drawing/2014/main" id="{A37AF1B9-D67A-246A-86B6-E28F19C52390}"/>
+              </a:ext>
+            </a:extLst>
+          </p:cNvPr>
+          <p:cNvPicPr>
+            <a:picLocks noChangeAspect="1"/>
+          </p:cNvPicPr>
+          <p:nvPr userDrawn="1"/>
+        </p:nvPicPr>
+        <p:blipFill>
+          <a:blip r:embed="rId3" cstate="print">
+            <a:extLst>
+              <a:ext uri="{28A0092B-C50C-407E-A947-70E740481C1C}">
+                <a14:useLocalDpi xmlns:a14="http://schemas.microsoft.com/office/drawing/2010/main" val="0"/>
+              </a:ext>
+            </a:extLst>
+          </a:blip>
+          <a:stretch>
+            <a:fillRect/>
+          </a:stretch>
+        </p:blipFill>
+        <p:spPr>
+          <a:xfrm>
+            <a:off x="10551877" y="362077"/>
+            <a:ext cx="1443357" cy="360000"/>
+          </a:xfrm>
+          <a:prstGeom prst="rect">
+            <a:avLst/>
+          </a:prstGeom>
+        </p:spPr>
+      </p:pic>
     </p:spTree>
     <p:extLst>
       <p:ext uri="{BB962C8B-B14F-4D97-AF65-F5344CB8AC3E}">
@@ -7201,7 +5482,7 @@
 </p:sldLayout>
 </file>
 
-<file path=ppt/slideLayouts/slideLayout7.xml><?xml version="1.0" encoding="utf-8"?>
+<file path=ppt/slideLayouts/slideLayout6.xml><?xml version="1.0" encoding="utf-8"?>
 <p:sldLayout xmlns:a="http://schemas.openxmlformats.org/drawingml/2006/main" xmlns:r="http://schemas.openxmlformats.org/officeDocument/2006/relationships" xmlns:p="http://schemas.openxmlformats.org/presentationml/2006/main" preserve="1" userDrawn="1">
   <p:cSld name="Blank Slide">
     <p:spTree>
@@ -7496,8 +5777,8 @@
         </p:nvSpPr>
         <p:spPr>
           <a:xfrm>
-            <a:off x="585176" y="100750"/>
-            <a:ext cx="11410061" cy="882654"/>
+            <a:off x="585177" y="100750"/>
+            <a:ext cx="9875824" cy="882654"/>
           </a:xfrm>
         </p:spPr>
         <p:txBody>
@@ -7515,6 +5796,42 @@
           </a:p>
         </p:txBody>
       </p:sp>
+      <p:pic>
+        <p:nvPicPr>
+          <p:cNvPr id="2" name="Picture 1">
+            <a:extLst>
+              <a:ext uri="{FF2B5EF4-FFF2-40B4-BE49-F238E27FC236}">
+                <a16:creationId xmlns:a16="http://schemas.microsoft.com/office/drawing/2014/main" id="{9C2C375B-43BF-D1DD-F160-1500A111885C}"/>
+              </a:ext>
+            </a:extLst>
+          </p:cNvPr>
+          <p:cNvPicPr>
+            <a:picLocks noChangeAspect="1"/>
+          </p:cNvPicPr>
+          <p:nvPr userDrawn="1"/>
+        </p:nvPicPr>
+        <p:blipFill>
+          <a:blip r:embed="rId3" cstate="print">
+            <a:extLst>
+              <a:ext uri="{28A0092B-C50C-407E-A947-70E740481C1C}">
+                <a14:useLocalDpi xmlns:a14="http://schemas.microsoft.com/office/drawing/2010/main" val="0"/>
+              </a:ext>
+            </a:extLst>
+          </a:blip>
+          <a:stretch>
+            <a:fillRect/>
+          </a:stretch>
+        </p:blipFill>
+        <p:spPr>
+          <a:xfrm>
+            <a:off x="10551877" y="362077"/>
+            <a:ext cx="1443357" cy="360000"/>
+          </a:xfrm>
+          <a:prstGeom prst="rect">
+            <a:avLst/>
+          </a:prstGeom>
+        </p:spPr>
+      </p:pic>
     </p:spTree>
     <p:extLst>
       <p:ext uri="{BB962C8B-B14F-4D97-AF65-F5344CB8AC3E}">
@@ -7536,7 +5853,7 @@
 </p:sldLayout>
 </file>
 
-<file path=ppt/slideLayouts/slideLayout8.xml><?xml version="1.0" encoding="utf-8"?>
+<file path=ppt/slideLayouts/slideLayout7.xml><?xml version="1.0" encoding="utf-8"?>
 <p:sldLayout xmlns:a="http://schemas.openxmlformats.org/drawingml/2006/main" xmlns:r="http://schemas.openxmlformats.org/officeDocument/2006/relationships" xmlns:p="http://schemas.openxmlformats.org/presentationml/2006/main" preserve="1" userDrawn="1">
   <p:cSld name="Source Code Example">
     <p:spTree>
@@ -7591,7 +5908,7 @@
               <a:pPr/>
               <a:t>‹#›</a:t>
             </a:fld>
-            <a:endParaRPr lang="en-US" noProof="0" dirty="0"/>
+            <a:endParaRPr lang="en-US" noProof="0"/>
           </a:p>
         </p:txBody>
       </p:sp>
@@ -7609,7 +5926,7 @@
         </p:nvSpPr>
         <p:spPr>
           <a:xfrm>
-            <a:off x="0" y="0"/>
+            <a:off x="0" y="1311"/>
             <a:ext cx="12196800" cy="1095376"/>
           </a:xfrm>
           <a:prstGeom prst="rect">
@@ -7676,48 +5993,12 @@
           </a:p>
         </p:txBody>
       </p:sp>
-      <p:pic>
-        <p:nvPicPr>
-          <p:cNvPr id="10" name="Logo Software University" descr="Software University logo">
+      <p:sp>
+        <p:nvSpPr>
+          <p:cNvPr id="12" name="Slide Body Text">
             <a:extLst>
               <a:ext uri="{FF2B5EF4-FFF2-40B4-BE49-F238E27FC236}">
-                <a16:creationId xmlns:a16="http://schemas.microsoft.com/office/drawing/2014/main" id="{8C01D7AF-7CBD-46E1-99F3-8EB60E838D91}"/>
-              </a:ext>
-            </a:extLst>
-          </p:cNvPr>
-          <p:cNvPicPr>
-            <a:picLocks noChangeAspect="1"/>
-          </p:cNvPicPr>
-          <p:nvPr userDrawn="1"/>
-        </p:nvPicPr>
-        <p:blipFill>
-          <a:blip r:embed="rId2">
-            <a:extLst>
-              <a:ext uri="{28A0092B-C50C-407E-A947-70E740481C1C}">
-                <a14:useLocalDpi xmlns:a14="http://schemas.microsoft.com/office/drawing/2010/main" val="0"/>
-              </a:ext>
-            </a:extLst>
-          </a:blip>
-          <a:stretch>
-            <a:fillRect/>
-          </a:stretch>
-        </p:blipFill>
-        <p:spPr>
-          <a:xfrm>
-            <a:off x="10067957" y="253936"/>
-            <a:ext cx="1915704" cy="559235"/>
-          </a:xfrm>
-          <a:prstGeom prst="rect">
-            <a:avLst/>
-          </a:prstGeom>
-        </p:spPr>
-      </p:pic>
-      <p:sp>
-        <p:nvSpPr>
-          <p:cNvPr id="17" name="Slide Body Text">
-            <a:extLst>
-              <a:ext uri="{FF2B5EF4-FFF2-40B4-BE49-F238E27FC236}">
-                <a16:creationId xmlns:a16="http://schemas.microsoft.com/office/drawing/2014/main" id="{1E60575F-8475-4C78-97A7-27D7891D2770}"/>
+                <a16:creationId xmlns:a16="http://schemas.microsoft.com/office/drawing/2014/main" id="{B608ED73-CE88-49E4-8BFC-DBD6E9AE6B10}"/>
               </a:ext>
             </a:extLst>
           </p:cNvPr>
@@ -7725,32 +6006,52 @@
             <a:spLocks noGrp="1"/>
           </p:cNvSpPr>
           <p:nvPr>
-            <p:ph type="body" sz="quarter" idx="12" hasCustomPrompt="1"/>
+            <p:ph type="body" sz="quarter" idx="10" hasCustomPrompt="1"/>
           </p:nvPr>
         </p:nvSpPr>
         <p:spPr>
           <a:xfrm>
-            <a:off x="190402" y="1196125"/>
-            <a:ext cx="11818096" cy="5528766"/>
+            <a:off x="190406" y="1206668"/>
+            <a:ext cx="11804831" cy="5550582"/>
           </a:xfrm>
         </p:spPr>
         <p:txBody>
           <a:bodyPr/>
           <a:lstStyle>
             <a:lvl1pPr latinLnBrk="0">
-              <a:defRPr/>
+              <a:defRPr>
+                <a:solidFill>
+                  <a:schemeClr val="tx1"/>
+                </a:solidFill>
+              </a:defRPr>
             </a:lvl1pPr>
             <a:lvl2pPr latinLnBrk="0">
-              <a:defRPr/>
+              <a:defRPr>
+                <a:solidFill>
+                  <a:schemeClr val="tx1"/>
+                </a:solidFill>
+              </a:defRPr>
             </a:lvl2pPr>
             <a:lvl3pPr latinLnBrk="0">
-              <a:defRPr/>
+              <a:defRPr>
+                <a:solidFill>
+                  <a:schemeClr val="tx1"/>
+                </a:solidFill>
+              </a:defRPr>
             </a:lvl3pPr>
             <a:lvl4pPr latinLnBrk="0">
-              <a:defRPr/>
+              <a:defRPr>
+                <a:solidFill>
+                  <a:schemeClr val="tx1"/>
+                </a:solidFill>
+              </a:defRPr>
             </a:lvl4pPr>
             <a:lvl5pPr latinLnBrk="0">
-              <a:defRPr/>
+              <a:defRPr>
+                <a:solidFill>
+                  <a:schemeClr val="tx1"/>
+                </a:solidFill>
+              </a:defRPr>
             </a:lvl5pPr>
           </a:lstStyle>
           <a:p>
@@ -7764,10 +6065,10 @@
       </p:sp>
       <p:sp>
         <p:nvSpPr>
-          <p:cNvPr id="15" name="Code Box">
+          <p:cNvPr id="4" name="Code Box">
             <a:extLst>
               <a:ext uri="{FF2B5EF4-FFF2-40B4-BE49-F238E27FC236}">
-                <a16:creationId xmlns:a16="http://schemas.microsoft.com/office/drawing/2014/main" id="{29C63EC2-5578-406B-8C2A-23FDE6C14C82}"/>
+                <a16:creationId xmlns:a16="http://schemas.microsoft.com/office/drawing/2014/main" id="{F4E021E9-D6DB-4272-8C9F-CEF4940FDC10}"/>
               </a:ext>
             </a:extLst>
           </p:cNvPr>
@@ -7781,7 +6082,7 @@
         <p:spPr>
           <a:xfrm>
             <a:off x="674683" y="2034000"/>
-            <a:ext cx="10836275" cy="2318684"/>
+            <a:ext cx="10836275" cy="2237893"/>
           </a:xfrm>
           <a:solidFill>
             <a:schemeClr val="accent6">
@@ -7803,15 +6104,6 @@
           </a:bodyPr>
           <a:lstStyle>
             <a:lvl1pPr>
-              <a:lnSpc>
-                <a:spcPct val="110000"/>
-              </a:lnSpc>
-              <a:spcBef>
-                <a:spcPts val="0"/>
-              </a:spcBef>
-              <a:spcAft>
-                <a:spcPts val="0"/>
-              </a:spcAft>
               <a:buNone/>
               <a:defRPr lang="en-US" sz="2800" b="1" smtClean="0">
                 <a:latin typeface="Consolas" pitchFamily="49" charset="0"/>
@@ -7906,8 +6198,8 @@
         </p:nvSpPr>
         <p:spPr>
           <a:xfrm>
-            <a:off x="190406" y="100750"/>
-            <a:ext cx="9715594" cy="882654"/>
+            <a:off x="190405" y="100750"/>
+            <a:ext cx="10239658" cy="882654"/>
           </a:xfrm>
         </p:spPr>
         <p:txBody>
@@ -7929,6 +6221,42 @@
           </a:p>
         </p:txBody>
       </p:sp>
+      <p:pic>
+        <p:nvPicPr>
+          <p:cNvPr id="3" name="Picture 2">
+            <a:extLst>
+              <a:ext uri="{FF2B5EF4-FFF2-40B4-BE49-F238E27FC236}">
+                <a16:creationId xmlns:a16="http://schemas.microsoft.com/office/drawing/2014/main" id="{4B69A4E8-9221-8F79-65B4-BF9AA7F87DD7}"/>
+              </a:ext>
+            </a:extLst>
+          </p:cNvPr>
+          <p:cNvPicPr>
+            <a:picLocks noChangeAspect="1"/>
+          </p:cNvPicPr>
+          <p:nvPr userDrawn="1"/>
+        </p:nvPicPr>
+        <p:blipFill>
+          <a:blip r:embed="rId2" cstate="print">
+            <a:extLst>
+              <a:ext uri="{28A0092B-C50C-407E-A947-70E740481C1C}">
+                <a14:useLocalDpi xmlns:a14="http://schemas.microsoft.com/office/drawing/2010/main" val="0"/>
+              </a:ext>
+            </a:extLst>
+          </a:blip>
+          <a:stretch>
+            <a:fillRect/>
+          </a:stretch>
+        </p:blipFill>
+        <p:spPr>
+          <a:xfrm>
+            <a:off x="10553573" y="368999"/>
+            <a:ext cx="1443361" cy="360001"/>
+          </a:xfrm>
+          <a:prstGeom prst="rect">
+            <a:avLst/>
+          </a:prstGeom>
+        </p:spPr>
+      </p:pic>
     </p:spTree>
     <p:extLst>
       <p:ext uri="{BB962C8B-B14F-4D97-AF65-F5344CB8AC3E}">
@@ -7950,7 +6278,7 @@
 </p:sldLayout>
 </file>
 
-<file path=ppt/slideLayouts/slideLayout9.xml><?xml version="1.0" encoding="utf-8"?>
+<file path=ppt/slideLayouts/slideLayout8.xml><?xml version="1.0" encoding="utf-8"?>
 <p:sldLayout xmlns:a="http://schemas.openxmlformats.org/drawingml/2006/main" xmlns:r="http://schemas.openxmlformats.org/officeDocument/2006/relationships" xmlns:p="http://schemas.openxmlformats.org/presentationml/2006/main" preserve="1">
   <p:cSld name="Demo Slide">
     <p:spTree>
@@ -8027,7 +6355,7 @@
               <a:tabLst/>
               <a:defRPr/>
             </a:pPr>
-            <a:endParaRPr kumimoji="0" lang="en-US" altLang="ko-KR" sz="2398" b="0" i="0" u="none" strike="noStrike" kern="1200" cap="none" spc="0" normalizeH="0" baseline="0" noProof="0" dirty="0">
+            <a:endParaRPr kumimoji="0" lang="en-US" altLang="ko-KR" sz="2398" b="0" i="0" u="none" strike="noStrike" kern="1200" cap="none" spc="0" normalizeH="0" baseline="0" noProof="0">
               <a:ln>
                 <a:noFill/>
               </a:ln>
@@ -8137,6 +6465,335 @@
     <p:extLst>
       <p:ext uri="{BB962C8B-B14F-4D97-AF65-F5344CB8AC3E}">
         <p14:creationId xmlns:p14="http://schemas.microsoft.com/office/powerpoint/2010/main" val="2423919747"/>
+      </p:ext>
+    </p:extLst>
+  </p:cSld>
+  <p:clrMapOvr>
+    <a:masterClrMapping/>
+  </p:clrMapOvr>
+  <mc:AlternateContent xmlns:mc="http://schemas.openxmlformats.org/markup-compatibility/2006" xmlns:p14="http://schemas.microsoft.com/office/powerpoint/2010/main">
+    <mc:Choice Requires="p14">
+      <p:transition spd="slow" p14:dur="2000" advClick="0" advTm="5000"/>
+    </mc:Choice>
+    <mc:Fallback xmlns="">
+      <p:transition spd="slow" advClick="0" advTm="5000"/>
+    </mc:Fallback>
+  </mc:AlternateContent>
+</p:sldLayout>
+</file>
+
+<file path=ppt/slideLayouts/slideLayout9.xml><?xml version="1.0" encoding="utf-8"?>
+<p:sldLayout xmlns:a="http://schemas.openxmlformats.org/drawingml/2006/main" xmlns:r="http://schemas.openxmlformats.org/officeDocument/2006/relationships" xmlns:p="http://schemas.openxmlformats.org/presentationml/2006/main" preserve="1" userDrawn="1">
+  <p:cSld name="Table of Contents">
+    <p:spTree>
+      <p:nvGrpSpPr>
+        <p:cNvPr id="1" name=""/>
+        <p:cNvGrpSpPr/>
+        <p:nvPr/>
+      </p:nvGrpSpPr>
+      <p:grpSpPr>
+        <a:xfrm>
+          <a:off x="0" y="0"/>
+          <a:ext cx="0" cy="0"/>
+          <a:chOff x="0" y="0"/>
+          <a:chExt cx="0" cy="0"/>
+        </a:xfrm>
+      </p:grpSpPr>
+      <p:sp>
+        <p:nvSpPr>
+          <p:cNvPr id="10" name="Slide Number">
+            <a:extLst>
+              <a:ext uri="{FF2B5EF4-FFF2-40B4-BE49-F238E27FC236}">
+                <a16:creationId xmlns:a16="http://schemas.microsoft.com/office/drawing/2014/main" id="{39DDE17E-5472-41F3-AF5F-54DFF10DC63C}"/>
+              </a:ext>
+            </a:extLst>
+          </p:cNvPr>
+          <p:cNvSpPr>
+            <a:spLocks noGrp="1"/>
+          </p:cNvSpPr>
+          <p:nvPr>
+            <p:ph type="sldNum" sz="quarter" idx="4"/>
+          </p:nvPr>
+        </p:nvSpPr>
+        <p:spPr>
+          <a:xfrm>
+            <a:off x="11753030" y="6507000"/>
+            <a:ext cx="367414" cy="297000"/>
+          </a:xfrm>
+          <a:prstGeom prst="rect">
+            <a:avLst/>
+          </a:prstGeom>
+        </p:spPr>
+        <p:txBody>
+          <a:bodyPr vert="horz" lIns="91440" tIns="45720" rIns="91440" bIns="45720" rtlCol="0" anchor="b"/>
+          <a:lstStyle>
+            <a:lvl1pPr algn="r">
+              <a:defRPr sz="1000"/>
+            </a:lvl1pPr>
+          </a:lstStyle>
+          <a:p>
+            <a:fld id="{2BF067CD-8E6B-4360-9AA8-C5DF2A48A6D1}" type="slidenum">
+              <a:rPr lang="en-US" noProof="0" smtClean="0"/>
+              <a:pPr/>
+              <a:t>‹#›</a:t>
+            </a:fld>
+            <a:endParaRPr lang="en-US" noProof="0"/>
+          </a:p>
+        </p:txBody>
+      </p:sp>
+      <p:sp>
+        <p:nvSpPr>
+          <p:cNvPr id="23" name="Slide Body Text">
+            <a:extLst>
+              <a:ext uri="{FF2B5EF4-FFF2-40B4-BE49-F238E27FC236}">
+                <a16:creationId xmlns:a16="http://schemas.microsoft.com/office/drawing/2014/main" id="{889D93F4-ABFA-46BF-8E5D-FE6562ACB20F}"/>
+              </a:ext>
+            </a:extLst>
+          </p:cNvPr>
+          <p:cNvSpPr>
+            <a:spLocks noGrp="1"/>
+          </p:cNvSpPr>
+          <p:nvPr>
+            <p:ph type="body" sz="quarter" idx="13" hasCustomPrompt="1"/>
+          </p:nvPr>
+        </p:nvSpPr>
+        <p:spPr>
+          <a:xfrm>
+            <a:off x="196766" y="1371604"/>
+            <a:ext cx="11781606" cy="5207396"/>
+          </a:xfrm>
+        </p:spPr>
+        <p:txBody>
+          <a:bodyPr>
+            <a:normAutofit/>
+          </a:bodyPr>
+          <a:lstStyle>
+            <a:lvl1pPr marL="514042" indent="-514042" latinLnBrk="0">
+              <a:buFont typeface="+mj-lt"/>
+              <a:buAutoNum type="arabicPeriod"/>
+              <a:defRPr sz="3600">
+                <a:solidFill>
+                  <a:schemeClr val="tx1"/>
+                </a:solidFill>
+              </a:defRPr>
+            </a:lvl1pPr>
+            <a:lvl2pPr>
+              <a:defRPr sz="3400"/>
+            </a:lvl2pPr>
+          </a:lstStyle>
+          <a:p>
+            <a:pPr lvl="0"/>
+            <a:r>
+              <a:rPr lang="en-US" noProof="0" dirty="0"/>
+              <a:t>…</a:t>
+            </a:r>
+          </a:p>
+          <a:p>
+            <a:pPr lvl="1"/>
+            <a:r>
+              <a:rPr lang="en-US" noProof="0" dirty="0"/>
+              <a:t>…</a:t>
+            </a:r>
+          </a:p>
+          <a:p>
+            <a:pPr lvl="1"/>
+            <a:r>
+              <a:rPr lang="en-US" noProof="0" dirty="0"/>
+              <a:t>…</a:t>
+            </a:r>
+          </a:p>
+          <a:p>
+            <a:pPr lvl="0"/>
+            <a:r>
+              <a:rPr lang="en-US" noProof="0" dirty="0"/>
+              <a:t>…</a:t>
+            </a:r>
+          </a:p>
+          <a:p>
+            <a:pPr lvl="1"/>
+            <a:r>
+              <a:rPr lang="en-US" noProof="0" dirty="0"/>
+              <a:t>…</a:t>
+            </a:r>
+          </a:p>
+          <a:p>
+            <a:pPr lvl="1"/>
+            <a:r>
+              <a:rPr lang="en-US" noProof="0" dirty="0"/>
+              <a:t>…</a:t>
+            </a:r>
+          </a:p>
+          <a:p>
+            <a:pPr lvl="0"/>
+            <a:r>
+              <a:rPr lang="en-US" noProof="0" dirty="0"/>
+              <a:t>…</a:t>
+            </a:r>
+          </a:p>
+        </p:txBody>
+      </p:sp>
+      <p:sp>
+        <p:nvSpPr>
+          <p:cNvPr id="8" name="Rectangle Top">
+            <a:extLst>
+              <a:ext uri="{FF2B5EF4-FFF2-40B4-BE49-F238E27FC236}">
+                <a16:creationId xmlns:a16="http://schemas.microsoft.com/office/drawing/2014/main" id="{930E0800-9260-4369-8330-8264DD33C5CE}"/>
+              </a:ext>
+            </a:extLst>
+          </p:cNvPr>
+          <p:cNvSpPr/>
+          <p:nvPr userDrawn="1"/>
+        </p:nvSpPr>
+        <p:spPr>
+          <a:xfrm>
+            <a:off x="0" y="0"/>
+            <a:ext cx="12196800" cy="1095376"/>
+          </a:xfrm>
+          <a:prstGeom prst="rect">
+            <a:avLst/>
+          </a:prstGeom>
+          <a:solidFill>
+            <a:schemeClr val="tx2"/>
+          </a:solidFill>
+          <a:ln>
+            <a:noFill/>
+          </a:ln>
+        </p:spPr>
+        <p:style>
+          <a:lnRef idx="2">
+            <a:schemeClr val="accent1">
+              <a:shade val="50000"/>
+            </a:schemeClr>
+          </a:lnRef>
+          <a:fillRef idx="1">
+            <a:schemeClr val="accent1"/>
+          </a:fillRef>
+          <a:effectRef idx="0">
+            <a:schemeClr val="accent1"/>
+          </a:effectRef>
+          <a:fontRef idx="minor">
+            <a:schemeClr val="lt1"/>
+          </a:fontRef>
+        </p:style>
+        <p:txBody>
+          <a:bodyPr rtlCol="0" anchor="ctr"/>
+          <a:lstStyle/>
+          <a:p>
+            <a:pPr marL="0" marR="0" lvl="0" indent="0" algn="ctr" defTabSz="913852" rtl="0" eaLnBrk="1" fontAlgn="auto" latinLnBrk="0" hangingPunct="1">
+              <a:lnSpc>
+                <a:spcPct val="100000"/>
+              </a:lnSpc>
+              <a:spcBef>
+                <a:spcPts val="0"/>
+              </a:spcBef>
+              <a:spcAft>
+                <a:spcPts val="0"/>
+              </a:spcAft>
+              <a:buClrTx/>
+              <a:buSzTx/>
+              <a:buFontTx/>
+              <a:buNone/>
+              <a:tabLst/>
+              <a:defRPr/>
+            </a:pPr>
+            <a:endParaRPr kumimoji="0" lang="en-US" altLang="ko-KR" sz="2398" b="0" i="0" u="none" strike="noStrike" kern="1200" cap="none" spc="0" normalizeH="0" baseline="0" noProof="0">
+              <a:ln>
+                <a:noFill/>
+              </a:ln>
+              <a:solidFill>
+                <a:srgbClr val="F7C86D"/>
+              </a:solidFill>
+              <a:effectLst/>
+              <a:uLnTx/>
+              <a:uFillTx/>
+              <a:latin typeface="Calibri" panose="020F0502020204030204"/>
+              <a:ea typeface="맑은 고딕" panose="020B0503020000020004" pitchFamily="34" charset="-127"/>
+              <a:cs typeface="+mn-cs"/>
+            </a:endParaRPr>
+          </a:p>
+        </p:txBody>
+      </p:sp>
+      <p:sp>
+        <p:nvSpPr>
+          <p:cNvPr id="13" name="Slide Title">
+            <a:extLst>
+              <a:ext uri="{FF2B5EF4-FFF2-40B4-BE49-F238E27FC236}">
+                <a16:creationId xmlns:a16="http://schemas.microsoft.com/office/drawing/2014/main" id="{357D7BE1-6358-42CC-94F3-7BCDD91DCB6D}"/>
+              </a:ext>
+            </a:extLst>
+          </p:cNvPr>
+          <p:cNvSpPr>
+            <a:spLocks noGrp="1"/>
+          </p:cNvSpPr>
+          <p:nvPr>
+            <p:ph type="title" hasCustomPrompt="1"/>
+          </p:nvPr>
+        </p:nvSpPr>
+        <p:spPr>
+          <a:xfrm>
+            <a:off x="190406" y="100750"/>
+            <a:ext cx="10270594" cy="882654"/>
+          </a:xfrm>
+        </p:spPr>
+        <p:txBody>
+          <a:bodyPr/>
+          <a:lstStyle>
+            <a:lvl1pPr latinLnBrk="0">
+              <a:defRPr>
+                <a:solidFill>
+                  <a:schemeClr val="bg2"/>
+                </a:solidFill>
+              </a:defRPr>
+            </a:lvl1pPr>
+          </a:lstStyle>
+          <a:p>
+            <a:r>
+              <a:rPr lang="en-US" noProof="0" dirty="0"/>
+              <a:t>Table of Contents</a:t>
+            </a:r>
+          </a:p>
+        </p:txBody>
+      </p:sp>
+      <p:pic>
+        <p:nvPicPr>
+          <p:cNvPr id="3" name="Picture 2">
+            <a:extLst>
+              <a:ext uri="{FF2B5EF4-FFF2-40B4-BE49-F238E27FC236}">
+                <a16:creationId xmlns:a16="http://schemas.microsoft.com/office/drawing/2014/main" id="{4FD808AB-EC49-1578-0005-D58D2A365AA1}"/>
+              </a:ext>
+            </a:extLst>
+          </p:cNvPr>
+          <p:cNvPicPr>
+            <a:picLocks noChangeAspect="1"/>
+          </p:cNvPicPr>
+          <p:nvPr userDrawn="1"/>
+        </p:nvPicPr>
+        <p:blipFill>
+          <a:blip r:embed="rId2" cstate="print">
+            <a:extLst>
+              <a:ext uri="{28A0092B-C50C-407E-A947-70E740481C1C}">
+                <a14:useLocalDpi xmlns:a14="http://schemas.microsoft.com/office/drawing/2010/main" val="0"/>
+              </a:ext>
+            </a:extLst>
+          </a:blip>
+          <a:stretch>
+            <a:fillRect/>
+          </a:stretch>
+        </p:blipFill>
+        <p:spPr>
+          <a:xfrm>
+            <a:off x="10553573" y="368999"/>
+            <a:ext cx="1443361" cy="360001"/>
+          </a:xfrm>
+          <a:prstGeom prst="rect">
+            <a:avLst/>
+          </a:prstGeom>
+        </p:spPr>
+      </p:pic>
+    </p:spTree>
+    <p:extLst>
+      <p:ext uri="{BB962C8B-B14F-4D97-AF65-F5344CB8AC3E}">
+        <p14:creationId xmlns:p14="http://schemas.microsoft.com/office/powerpoint/2010/main" val="1028724482"/>
       </p:ext>
     </p:extLst>
   </p:cSld>
@@ -8179,35 +6836,6 @@
           <a:chExt cx="0" cy="0"/>
         </a:xfrm>
       </p:grpSpPr>
-      <p:pic>
-        <p:nvPicPr>
-          <p:cNvPr id="4" name="Picture Background" descr="SoftUni Background">
-            <a:extLst>
-              <a:ext uri="{FF2B5EF4-FFF2-40B4-BE49-F238E27FC236}">
-                <a16:creationId xmlns:a16="http://schemas.microsoft.com/office/drawing/2014/main" id="{5BE90A63-DDD9-4B3B-A234-DF69B9BC812F}"/>
-              </a:ext>
-            </a:extLst>
-          </p:cNvPr>
-          <p:cNvPicPr>
-            <a:picLocks noChangeAspect="1"/>
-          </p:cNvPicPr>
-          <p:nvPr userDrawn="1"/>
-        </p:nvPicPr>
-        <p:blipFill rotWithShape="1">
-          <a:blip r:embed="rId15"/>
-          <a:srcRect b="1672"/>
-          <a:stretch/>
-        </p:blipFill>
-        <p:spPr>
-          <a:xfrm>
-            <a:off x="0" y="1"/>
-            <a:ext cx="12192000" cy="6857999"/>
-          </a:xfrm>
-          <a:prstGeom prst="rect">
-            <a:avLst/>
-          </a:prstGeom>
-        </p:spPr>
-      </p:pic>
       <p:sp>
         <p:nvSpPr>
           <p:cNvPr id="11" name="Slide Body Text">
@@ -8324,19 +6952,18 @@
   </p:cSld>
   <p:clrMap bg1="lt1" tx1="dk1" bg2="lt2" tx2="dk2" accent1="accent1" accent2="accent2" accent3="accent3" accent4="accent4" accent5="accent5" accent6="accent6" hlink="hlink" folHlink="folHlink"/>
   <p:sldLayoutIdLst>
-    <p:sldLayoutId id="2147483676" r:id="rId1"/>
+    <p:sldLayoutId id="2147483691" r:id="rId1"/>
     <p:sldLayoutId id="2147483689" r:id="rId2"/>
     <p:sldLayoutId id="2147483681" r:id="rId3"/>
-    <p:sldLayoutId id="2147483677" r:id="rId4"/>
-    <p:sldLayoutId id="2147483679" r:id="rId5"/>
-    <p:sldLayoutId id="2147483680" r:id="rId6"/>
-    <p:sldLayoutId id="2147483688" r:id="rId7"/>
-    <p:sldLayoutId id="2147483684" r:id="rId8"/>
-    <p:sldLayoutId id="2147483690" r:id="rId9"/>
+    <p:sldLayoutId id="2147483679" r:id="rId4"/>
+    <p:sldLayoutId id="2147483680" r:id="rId5"/>
+    <p:sldLayoutId id="2147483688" r:id="rId6"/>
+    <p:sldLayoutId id="2147483684" r:id="rId7"/>
+    <p:sldLayoutId id="2147483690" r:id="rId8"/>
+    <p:sldLayoutId id="2147483677" r:id="rId9"/>
     <p:sldLayoutId id="2147483683" r:id="rId10"/>
     <p:sldLayoutId id="2147483685" r:id="rId11"/>
     <p:sldLayoutId id="2147483686" r:id="rId12"/>
-    <p:sldLayoutId id="2147483687" r:id="rId13"/>
   </p:sldLayoutIdLst>
   <mc:AlternateContent xmlns:mc="http://schemas.openxmlformats.org/markup-compatibility/2006" xmlns:p14="http://schemas.microsoft.com/office/powerpoint/2010/main">
     <mc:Choice Requires="p14">
@@ -8665,6 +7292,161 @@
       </p:grpSpPr>
       <p:sp>
         <p:nvSpPr>
+          <p:cNvPr id="10" name="Text Placeholder 9">
+            <a:extLst>
+              <a:ext uri="{FF2B5EF4-FFF2-40B4-BE49-F238E27FC236}">
+                <a16:creationId xmlns:a16="http://schemas.microsoft.com/office/drawing/2014/main" id="{F585BC4C-0F13-4FD4-8F23-99FD46618370}"/>
+              </a:ext>
+            </a:extLst>
+          </p:cNvPr>
+          <p:cNvSpPr>
+            <a:spLocks noGrp="1"/>
+          </p:cNvSpPr>
+          <p:nvPr>
+            <p:ph type="body" sz="quarter" idx="22"/>
+          </p:nvPr>
+        </p:nvSpPr>
+        <p:spPr>
+          <a:xfrm>
+            <a:off x="6390120" y="5814357"/>
+            <a:ext cx="5248260" cy="341313"/>
+          </a:xfrm>
+        </p:spPr>
+        <p:txBody>
+          <a:bodyPr/>
+          <a:lstStyle/>
+          <a:p>
+            <a:r>
+              <a:rPr lang="bg-BG" sz="2350" dirty="0"/>
+              <a:t>Софтуерни и хардуерни науки</a:t>
+            </a:r>
+            <a:endParaRPr lang="bg-BG" sz="2400" dirty="0"/>
+          </a:p>
+        </p:txBody>
+      </p:sp>
+      <p:sp>
+        <p:nvSpPr>
+          <p:cNvPr id="9" name="Text Placeholder 8">
+            <a:extLst>
+              <a:ext uri="{FF2B5EF4-FFF2-40B4-BE49-F238E27FC236}">
+                <a16:creationId xmlns:a16="http://schemas.microsoft.com/office/drawing/2014/main" id="{FA396BB6-2053-4690-9672-BC528007D370}"/>
+              </a:ext>
+            </a:extLst>
+          </p:cNvPr>
+          <p:cNvSpPr>
+            <a:spLocks noGrp="1"/>
+          </p:cNvSpPr>
+          <p:nvPr>
+            <p:ph type="body" sz="quarter" idx="21"/>
+          </p:nvPr>
+        </p:nvSpPr>
+        <p:spPr>
+          <a:xfrm>
+            <a:off x="6390122" y="5426440"/>
+            <a:ext cx="5248260" cy="374236"/>
+          </a:xfrm>
+        </p:spPr>
+        <p:txBody>
+          <a:bodyPr>
+            <a:normAutofit fontScale="85000" lnSpcReduction="20000"/>
+          </a:bodyPr>
+          <a:lstStyle/>
+          <a:p>
+            <a:r>
+              <a:rPr lang="bg-BG" sz="2750" dirty="0">
+                <a:solidFill>
+                  <a:srgbClr val="234465"/>
+                </a:solidFill>
+              </a:rPr>
+              <a:t>Курс "</a:t>
+            </a:r>
+            <a:r>
+              <a:rPr lang="ru-RU" sz="2750" dirty="0">
+                <a:solidFill>
+                  <a:srgbClr val="234465"/>
+                </a:solidFill>
+              </a:rPr>
+              <a:t>Структури от данни и алгоритми</a:t>
+            </a:r>
+            <a:r>
+              <a:rPr lang="bg-BG" sz="2750" dirty="0">
+                <a:solidFill>
+                  <a:srgbClr val="234465"/>
+                </a:solidFill>
+              </a:rPr>
+              <a:t>"</a:t>
+            </a:r>
+            <a:endParaRPr lang="bg-BG" sz="2800" dirty="0">
+              <a:solidFill>
+                <a:srgbClr val="234465"/>
+              </a:solidFill>
+            </a:endParaRPr>
+          </a:p>
+        </p:txBody>
+      </p:sp>
+      <p:sp>
+        <p:nvSpPr>
+          <p:cNvPr id="12" name="Text Placeholder 11"/>
+          <p:cNvSpPr>
+            <a:spLocks noGrp="1"/>
+          </p:cNvSpPr>
+          <p:nvPr>
+            <p:ph type="body" sz="quarter" idx="18"/>
+          </p:nvPr>
+        </p:nvSpPr>
+        <p:spPr>
+          <a:xfrm>
+            <a:off x="516000" y="5814000"/>
+            <a:ext cx="4751953" cy="341556"/>
+          </a:xfrm>
+        </p:spPr>
+        <p:txBody>
+          <a:bodyPr/>
+          <a:lstStyle/>
+          <a:p>
+            <a:r>
+              <a:rPr lang="en-US" dirty="0">
+                <a:hlinkClick r:id="rId3"/>
+              </a:rPr>
+              <a:t>https://github.com/BG-IT-Edu</a:t>
+            </a:r>
+            <a:endParaRPr lang="bg-BG" dirty="0"/>
+          </a:p>
+        </p:txBody>
+      </p:sp>
+      <p:sp>
+        <p:nvSpPr>
+          <p:cNvPr id="11" name="Text Placeholder 10"/>
+          <p:cNvSpPr>
+            <a:spLocks noGrp="1"/>
+          </p:cNvSpPr>
+          <p:nvPr>
+            <p:ph type="body" sz="quarter" idx="17"/>
+          </p:nvPr>
+        </p:nvSpPr>
+        <p:spPr/>
+        <p:txBody>
+          <a:bodyPr/>
+          <a:lstStyle/>
+          <a:p>
+            <a:r>
+              <a:rPr lang="bg-BG" sz="1950" dirty="0">
+                <a:solidFill>
+                  <a:srgbClr val="234465"/>
+                </a:solidFill>
+              </a:rPr>
+              <a:t>Проект "Отворено учебно съдържание по програмиране и ИТ", СофтУни Фондация</a:t>
+            </a:r>
+            <a:endParaRPr lang="bg-BG" sz="1800" dirty="0">
+              <a:solidFill>
+                <a:srgbClr val="234465"/>
+              </a:solidFill>
+            </a:endParaRPr>
+          </a:p>
+        </p:txBody>
+      </p:sp>
+      <p:sp>
+        <p:nvSpPr>
           <p:cNvPr id="3" name="Subtitle 2">
             <a:extLst>
               <a:ext uri="{FF2B5EF4-FFF2-40B4-BE49-F238E27FC236}">
@@ -8679,12 +7461,7 @@
             <p:ph type="subTitle" idx="1"/>
           </p:nvPr>
         </p:nvSpPr>
-        <p:spPr>
-          <a:xfrm>
-            <a:off x="554182" y="1408774"/>
-            <a:ext cx="11083636" cy="747890"/>
-          </a:xfrm>
-        </p:spPr>
+        <p:spPr/>
         <p:txBody>
           <a:bodyPr>
             <a:normAutofit/>
@@ -8730,129 +7507,6 @@
           </a:p>
         </p:txBody>
       </p:sp>
-      <p:sp>
-        <p:nvSpPr>
-          <p:cNvPr id="11" name="Text Placeholder 10"/>
-          <p:cNvSpPr>
-            <a:spLocks noGrp="1"/>
-          </p:cNvSpPr>
-          <p:nvPr>
-            <p:ph type="body" sz="quarter" idx="17"/>
-          </p:nvPr>
-        </p:nvSpPr>
-        <p:spPr/>
-        <p:txBody>
-          <a:bodyPr/>
-          <a:lstStyle/>
-          <a:p>
-            <a:r>
-              <a:rPr lang="en-US" sz="1950" dirty="0">
-                <a:ea typeface="+mn-lt"/>
-                <a:cs typeface="+mn-lt"/>
-              </a:rPr>
-              <a:t>Софтуерен университет</a:t>
-            </a:r>
-            <a:endParaRPr lang="en-US" sz="1950" b="0" dirty="0">
-              <a:ea typeface="+mn-lt"/>
-              <a:cs typeface="+mn-lt"/>
-            </a:endParaRPr>
-          </a:p>
-        </p:txBody>
-      </p:sp>
-      <p:sp>
-        <p:nvSpPr>
-          <p:cNvPr id="12" name="Text Placeholder 11"/>
-          <p:cNvSpPr>
-            <a:spLocks noGrp="1"/>
-          </p:cNvSpPr>
-          <p:nvPr>
-            <p:ph type="body" sz="quarter" idx="18"/>
-          </p:nvPr>
-        </p:nvSpPr>
-        <p:spPr/>
-        <p:txBody>
-          <a:bodyPr/>
-          <a:lstStyle/>
-          <a:p>
-            <a:r>
-              <a:rPr lang="en-US" dirty="0">
-                <a:hlinkClick r:id="rId3"/>
-              </a:rPr>
-              <a:t>https://softuni.bg</a:t>
-            </a:r>
-            <a:endParaRPr lang="en-US" dirty="0"/>
-          </a:p>
-        </p:txBody>
-      </p:sp>
-      <p:sp>
-        <p:nvSpPr>
-          <p:cNvPr id="9" name="Text Placeholder 8">
-            <a:extLst>
-              <a:ext uri="{FF2B5EF4-FFF2-40B4-BE49-F238E27FC236}">
-                <a16:creationId xmlns:a16="http://schemas.microsoft.com/office/drawing/2014/main" id="{FA396BB6-2053-4690-9672-BC528007D370}"/>
-              </a:ext>
-            </a:extLst>
-          </p:cNvPr>
-          <p:cNvSpPr>
-            <a:spLocks noGrp="1"/>
-          </p:cNvSpPr>
-          <p:nvPr>
-            <p:ph type="body" sz="quarter" idx="19"/>
-          </p:nvPr>
-        </p:nvSpPr>
-        <p:spPr/>
-        <p:txBody>
-          <a:bodyPr/>
-          <a:lstStyle/>
-          <a:p>
-            <a:r>
-              <a:rPr lang="en-US" sz="2750" dirty="0">
-                <a:ea typeface="+mn-lt"/>
-                <a:cs typeface="+mn-lt"/>
-              </a:rPr>
-              <a:t>СофтУни</a:t>
-            </a:r>
-            <a:endParaRPr lang="bg-BG" dirty="0"/>
-          </a:p>
-        </p:txBody>
-      </p:sp>
-      <p:sp>
-        <p:nvSpPr>
-          <p:cNvPr id="10" name="Text Placeholder 9">
-            <a:extLst>
-              <a:ext uri="{FF2B5EF4-FFF2-40B4-BE49-F238E27FC236}">
-                <a16:creationId xmlns:a16="http://schemas.microsoft.com/office/drawing/2014/main" id="{F585BC4C-0F13-4FD4-8F23-99FD46618370}"/>
-              </a:ext>
-            </a:extLst>
-          </p:cNvPr>
-          <p:cNvSpPr>
-            <a:spLocks noGrp="1"/>
-          </p:cNvSpPr>
-          <p:nvPr>
-            <p:ph type="body" sz="quarter" idx="20"/>
-          </p:nvPr>
-        </p:nvSpPr>
-        <p:spPr>
-          <a:xfrm>
-            <a:off x="553082" y="5158168"/>
-            <a:ext cx="3071681" cy="794072"/>
-          </a:xfrm>
-        </p:spPr>
-        <p:txBody>
-          <a:bodyPr/>
-          <a:lstStyle/>
-          <a:p>
-            <a:r>
-              <a:rPr lang="en-US" sz="2350" dirty="0">
-                <a:ea typeface="+mn-lt"/>
-                <a:cs typeface="+mn-lt"/>
-              </a:rPr>
-              <a:t>Преподавателски екип</a:t>
-            </a:r>
-            <a:endParaRPr lang="bg-BG" dirty="0"/>
-          </a:p>
-        </p:txBody>
-      </p:sp>
       <p:grpSp>
         <p:nvGrpSpPr>
           <p:cNvPr id="14" name="Group 13">
@@ -8867,7 +7521,7 @@
         </p:nvGrpSpPr>
         <p:grpSpPr>
           <a:xfrm>
-            <a:off x="3362959" y="2774169"/>
+            <a:off x="7041000" y="2729590"/>
             <a:ext cx="5466081" cy="1877499"/>
             <a:chOff x="3503612" y="2606207"/>
             <a:chExt cx="3810000" cy="1408389"/>
@@ -9591,7 +8245,7 @@
     </p:spTree>
     <p:extLst>
       <p:ext uri="{BB962C8B-B14F-4D97-AF65-F5344CB8AC3E}">
-        <p14:creationId xmlns:p14="http://schemas.microsoft.com/office/powerpoint/2010/main" val="2006716048"/>
+        <p14:creationId xmlns:p14="http://schemas.microsoft.com/office/powerpoint/2010/main" val="3505060812"/>
       </p:ext>
     </p:extLst>
   </p:cSld>
@@ -9626,113 +8280,6 @@
           <a:chExt cx="0" cy="0"/>
         </a:xfrm>
       </p:grpSpPr>
-      <p:sp>
-        <p:nvSpPr>
-          <p:cNvPr id="4" name="Subtitle 3">
-            <a:extLst>
-              <a:ext uri="{FF2B5EF4-FFF2-40B4-BE49-F238E27FC236}">
-                <a16:creationId xmlns:a16="http://schemas.microsoft.com/office/drawing/2014/main" id="{808EF176-F273-21D4-B13E-BF19F27B3D36}"/>
-              </a:ext>
-            </a:extLst>
-          </p:cNvPr>
-          <p:cNvSpPr>
-            <a:spLocks noGrp="1"/>
-          </p:cNvSpPr>
-          <p:nvPr>
-            <p:ph type="subTitle" sz="quarter" idx="11"/>
-          </p:nvPr>
-        </p:nvSpPr>
-        <p:spPr/>
-        <p:txBody>
-          <a:bodyPr/>
-          <a:lstStyle/>
-          <a:p>
-            <a:r>
-              <a:rPr lang="en-GB" sz="4000" dirty="0">
-                <a:latin typeface="Consolas" panose="020B0609020204030204" pitchFamily="49" charset="0"/>
-                <a:cs typeface="Consolas" panose="020B0609020204030204" pitchFamily="49" charset="0"/>
-              </a:rPr>
-              <a:t>For</a:t>
-            </a:r>
-            <a:r>
-              <a:rPr lang="en-GB" sz="4000" dirty="0">
-                <a:cs typeface="Arial"/>
-              </a:rPr>
-              <a:t>-цикъл</a:t>
-            </a:r>
-            <a:r>
-              <a:rPr lang="bg-BG" sz="4000" dirty="0">
-                <a:cs typeface="Arial"/>
-              </a:rPr>
-              <a:t>,</a:t>
-            </a:r>
-            <a:r>
-              <a:rPr lang="en-GB" sz="4000" dirty="0">
-                <a:cs typeface="Arial"/>
-              </a:rPr>
-              <a:t> </a:t>
-            </a:r>
-            <a:r>
-              <a:rPr lang="en-GB" sz="4000" dirty="0">
-                <a:latin typeface="Consolas" panose="020B0609020204030204" pitchFamily="49" charset="0"/>
-                <a:cs typeface="Consolas" panose="020B0609020204030204" pitchFamily="49" charset="0"/>
-              </a:rPr>
-              <a:t>String.Split()</a:t>
-            </a:r>
-            <a:r>
-              <a:rPr lang="bg-BG" sz="4000" dirty="0">
-                <a:latin typeface="Calibri" panose="020F0502020204030204" pitchFamily="34" charset="0"/>
-                <a:cs typeface="Calibri" panose="020F0502020204030204" pitchFamily="34" charset="0"/>
-              </a:rPr>
-              <a:t>, </a:t>
-            </a:r>
-            <a:r>
-              <a:rPr lang="en-US" sz="4000" dirty="0">
-                <a:latin typeface="Consolas" panose="020B0609020204030204" pitchFamily="49" charset="0"/>
-                <a:cs typeface="Consolas" panose="020B0609020204030204" pitchFamily="49" charset="0"/>
-              </a:rPr>
-              <a:t>String.Join()</a:t>
-            </a:r>
-            <a:endParaRPr lang="en-BG" dirty="0">
-              <a:latin typeface="Consolas" panose="020B0609020204030204" pitchFamily="49" charset="0"/>
-              <a:cs typeface="Consolas" panose="020B0609020204030204" pitchFamily="49" charset="0"/>
-            </a:endParaRPr>
-          </a:p>
-        </p:txBody>
-      </p:sp>
-      <p:sp>
-        <p:nvSpPr>
-          <p:cNvPr id="2" name="Заглавие 1">
-            <a:extLst>
-              <a:ext uri="{FF2B5EF4-FFF2-40B4-BE49-F238E27FC236}">
-                <a16:creationId xmlns:a16="http://schemas.microsoft.com/office/drawing/2014/main" id="{96F78281-F0CC-4D96-9D70-27876AA26320}"/>
-              </a:ext>
-            </a:extLst>
-          </p:cNvPr>
-          <p:cNvSpPr>
-            <a:spLocks noGrp="1"/>
-          </p:cNvSpPr>
-          <p:nvPr>
-            <p:ph type="title" sz="quarter" idx="10"/>
-          </p:nvPr>
-        </p:nvSpPr>
-        <p:spPr>
-          <a:xfrm>
-            <a:off x="615109" y="4704825"/>
-            <a:ext cx="10961783" cy="768084"/>
-          </a:xfrm>
-        </p:spPr>
-        <p:txBody>
-          <a:bodyPr/>
-          <a:lstStyle/>
-          <a:p>
-            <a:r>
-              <a:rPr lang="bg-BG" dirty="0"/>
-              <a:t>Четене и отпечатване на списък</a:t>
-            </a:r>
-          </a:p>
-        </p:txBody>
-      </p:sp>
       <p:pic>
         <p:nvPicPr>
           <p:cNvPr id="7" name="Picture 6">
@@ -9769,10 +8316,76 @@
           </a:prstGeom>
         </p:spPr>
       </p:pic>
+      <p:sp>
+        <p:nvSpPr>
+          <p:cNvPr id="5" name="Подзаглавие 4">
+            <a:extLst>
+              <a:ext uri="{FF2B5EF4-FFF2-40B4-BE49-F238E27FC236}">
+                <a16:creationId xmlns:a16="http://schemas.microsoft.com/office/drawing/2014/main" id="{E994B424-178E-AC28-48A1-0DD5574C51D9}"/>
+              </a:ext>
+            </a:extLst>
+          </p:cNvPr>
+          <p:cNvSpPr>
+            <a:spLocks noGrp="1"/>
+          </p:cNvSpPr>
+          <p:nvPr>
+            <p:ph type="subTitle" sz="quarter" idx="11"/>
+          </p:nvPr>
+        </p:nvSpPr>
+        <p:spPr/>
+        <p:txBody>
+          <a:bodyPr/>
+          <a:lstStyle/>
+          <a:p>
+            <a:r>
+              <a:rPr lang="ru-RU"/>
+              <a:t>Четене и отпечатване на списък</a:t>
+            </a:r>
+            <a:endParaRPr lang="bg-BG"/>
+          </a:p>
+        </p:txBody>
+      </p:sp>
+      <p:sp>
+        <p:nvSpPr>
+          <p:cNvPr id="8" name="Заглавие 7">
+            <a:extLst>
+              <a:ext uri="{FF2B5EF4-FFF2-40B4-BE49-F238E27FC236}">
+                <a16:creationId xmlns:a16="http://schemas.microsoft.com/office/drawing/2014/main" id="{CEA2E8E5-9593-CF82-5AF2-D1231BF83004}"/>
+              </a:ext>
+            </a:extLst>
+          </p:cNvPr>
+          <p:cNvSpPr>
+            <a:spLocks noGrp="1"/>
+          </p:cNvSpPr>
+          <p:nvPr>
+            <p:ph type="title" sz="quarter" idx="10"/>
+          </p:nvPr>
+        </p:nvSpPr>
+        <p:spPr/>
+        <p:txBody>
+          <a:bodyPr/>
+          <a:lstStyle/>
+          <a:p>
+            <a:r>
+              <a:rPr lang="en-US"/>
+              <a:t>For-</a:t>
+            </a:r>
+            <a:r>
+              <a:rPr lang="bg-BG"/>
+              <a:t>цикъл, </a:t>
+            </a:r>
+            <a:r>
+              <a:rPr lang="en-US"/>
+              <a:t>String.Split(), String.Join()</a:t>
+            </a:r>
+            <a:endParaRPr lang="bg-BG"/>
+          </a:p>
+        </p:txBody>
+      </p:sp>
     </p:spTree>
     <p:extLst>
       <p:ext uri="{BB962C8B-B14F-4D97-AF65-F5344CB8AC3E}">
-        <p14:creationId xmlns:p14="http://schemas.microsoft.com/office/powerpoint/2010/main" val="3261477654"/>
+        <p14:creationId xmlns:p14="http://schemas.microsoft.com/office/powerpoint/2010/main" val="881570277"/>
       </p:ext>
     </p:extLst>
   </p:cSld>
@@ -10623,10 +9236,10 @@
       </p:sp>
       <p:sp>
         <p:nvSpPr>
-          <p:cNvPr id="11" name="Slide Number">
+          <p:cNvPr id="2" name="Slide Number">
             <a:extLst>
               <a:ext uri="{FF2B5EF4-FFF2-40B4-BE49-F238E27FC236}">
-                <a16:creationId xmlns:a16="http://schemas.microsoft.com/office/drawing/2014/main" id="{4FE92903-FFA1-4813-B48F-013FFB0CD109}"/>
+                <a16:creationId xmlns:a16="http://schemas.microsoft.com/office/drawing/2014/main" id="{1FD83A35-BEB1-D388-2B66-4EB931141D58}"/>
               </a:ext>
             </a:extLst>
           </p:cNvPr>
@@ -10666,7 +9279,7 @@
     </p:spTree>
     <p:extLst>
       <p:ext uri="{BB962C8B-B14F-4D97-AF65-F5344CB8AC3E}">
-        <p14:creationId xmlns:p14="http://schemas.microsoft.com/office/powerpoint/2010/main" val="3926207047"/>
+        <p14:creationId xmlns:p14="http://schemas.microsoft.com/office/powerpoint/2010/main" val="3101108625"/>
       </p:ext>
     </p:extLst>
   </p:cSld>
@@ -11245,13 +9858,13 @@
           <a:lstStyle/>
           <a:p>
             <a:r>
-              <a:rPr lang="en-US" sz="3800" dirty="0">
+              <a:rPr lang="en-US" sz="4000" dirty="0">
                 <a:ea typeface="+mj-lt"/>
                 <a:cs typeface="+mj-lt"/>
               </a:rPr>
               <a:t>Четене на списък от един ред</a:t>
             </a:r>
-            <a:endParaRPr lang="bg-BG" sz="3800" dirty="0">
+            <a:endParaRPr lang="bg-BG" sz="4000" dirty="0">
               <a:cs typeface="Calibri"/>
             </a:endParaRPr>
           </a:p>
@@ -11799,10 +10412,10 @@
       </p:sp>
       <p:sp>
         <p:nvSpPr>
-          <p:cNvPr id="12" name="Slide Number">
+          <p:cNvPr id="4" name="Slide Number">
             <a:extLst>
               <a:ext uri="{FF2B5EF4-FFF2-40B4-BE49-F238E27FC236}">
-                <a16:creationId xmlns:a16="http://schemas.microsoft.com/office/drawing/2014/main" id="{40F830DB-BCBC-406C-A21C-56525A6C829C}"/>
+                <a16:creationId xmlns:a16="http://schemas.microsoft.com/office/drawing/2014/main" id="{8A62060F-C2B5-3D32-2610-BDBB6DC2BE2C}"/>
               </a:ext>
             </a:extLst>
           </p:cNvPr>
@@ -11842,7 +10455,7 @@
     </p:spTree>
     <p:extLst>
       <p:ext uri="{BB962C8B-B14F-4D97-AF65-F5344CB8AC3E}">
-        <p14:creationId xmlns:p14="http://schemas.microsoft.com/office/powerpoint/2010/main" val="3576044623"/>
+        <p14:creationId xmlns:p14="http://schemas.microsoft.com/office/powerpoint/2010/main" val="483651507"/>
       </p:ext>
     </p:extLst>
   </p:cSld>
@@ -12432,7 +11045,7 @@
             </a:r>
             <a:r>
               <a:rPr lang="en-US" sz="3950" dirty="0"/>
-              <a:t> на списъка на конзолата</a:t>
+              <a:t> на списък на конзолата</a:t>
             </a:r>
             <a:endParaRPr lang="bg-BG" dirty="0"/>
           </a:p>
@@ -12739,10 +11352,10 @@
       </p:pic>
       <p:sp>
         <p:nvSpPr>
-          <p:cNvPr id="10" name="Slide Number">
+          <p:cNvPr id="4" name="Slide Number">
             <a:extLst>
               <a:ext uri="{FF2B5EF4-FFF2-40B4-BE49-F238E27FC236}">
-                <a16:creationId xmlns:a16="http://schemas.microsoft.com/office/drawing/2014/main" id="{6D364257-BE32-4CCC-90C9-95AE6FBD6999}"/>
+                <a16:creationId xmlns:a16="http://schemas.microsoft.com/office/drawing/2014/main" id="{AC384812-1409-10F8-8CD6-540D83B09881}"/>
               </a:ext>
             </a:extLst>
           </p:cNvPr>
@@ -12782,7 +11395,7 @@
     </p:spTree>
     <p:extLst>
       <p:ext uri="{BB962C8B-B14F-4D97-AF65-F5344CB8AC3E}">
-        <p14:creationId xmlns:p14="http://schemas.microsoft.com/office/powerpoint/2010/main" val="3892256803"/>
+        <p14:creationId xmlns:p14="http://schemas.microsoft.com/office/powerpoint/2010/main" val="1889834905"/>
       </p:ext>
     </p:extLst>
   </p:cSld>
@@ -13817,10 +12430,10 @@
       </p:sp>
       <p:sp>
         <p:nvSpPr>
-          <p:cNvPr id="15" name="Slide Number">
+          <p:cNvPr id="2" name="Slide Number">
             <a:extLst>
               <a:ext uri="{FF2B5EF4-FFF2-40B4-BE49-F238E27FC236}">
-                <a16:creationId xmlns:a16="http://schemas.microsoft.com/office/drawing/2014/main" id="{E1263F4A-831F-43D7-9E7F-114140952066}"/>
+                <a16:creationId xmlns:a16="http://schemas.microsoft.com/office/drawing/2014/main" id="{B0DFB09B-46C7-BE96-D1EB-8A656DD99174}"/>
               </a:ext>
             </a:extLst>
           </p:cNvPr>
@@ -13860,7 +12473,7 @@
     </p:spTree>
     <p:extLst>
       <p:ext uri="{BB962C8B-B14F-4D97-AF65-F5344CB8AC3E}">
-        <p14:creationId xmlns:p14="http://schemas.microsoft.com/office/powerpoint/2010/main" val="3844809884"/>
+        <p14:creationId xmlns:p14="http://schemas.microsoft.com/office/powerpoint/2010/main" val="4066843028"/>
       </p:ext>
     </p:extLst>
   </p:cSld>
@@ -13887,6 +12500,9 @@
                     <p:cTn id="3" fill="hold">
                       <p:stCondLst>
                         <p:cond delay="indefinite"/>
+                        <p:cond evt="onBegin" delay="0">
+                          <p:tn val="2"/>
+                        </p:cond>
                       </p:stCondLst>
                       <p:childTnLst>
                         <p:par>
@@ -13896,7 +12512,7 @@
                             </p:stCondLst>
                             <p:childTnLst>
                               <p:par>
-                                <p:cTn id="5" presetID="1" presetClass="entr" presetSubtype="0" fill="hold" grpId="0" nodeType="clickEffect">
+                                <p:cTn id="5" presetID="1" presetClass="entr" presetSubtype="0" fill="hold" nodeType="withEffect">
                                   <p:stCondLst>
                                     <p:cond delay="0"/>
                                   </p:stCondLst>
@@ -13909,7 +12525,11 @@
                                           </p:stCondLst>
                                         </p:cTn>
                                         <p:tgtEl>
-                                          <p:spTgt spid="8"/>
+                                          <p:spTgt spid="6">
+                                            <p:txEl>
+                                              <p:pRg st="2" end="2"/>
+                                            </p:txEl>
+                                          </p:spTgt>
                                         </p:tgtEl>
                                         <p:attrNameLst>
                                           <p:attrName>style.visibility</p:attrName>
@@ -13922,35 +12542,26 @@
                                   </p:childTnLst>
                                 </p:cTn>
                               </p:par>
+                            </p:childTnLst>
+                          </p:cTn>
+                        </p:par>
+                      </p:childTnLst>
+                    </p:cTn>
+                  </p:par>
+                  <p:par>
+                    <p:cTn id="7" fill="hold">
+                      <p:stCondLst>
+                        <p:cond delay="indefinite"/>
+                      </p:stCondLst>
+                      <p:childTnLst>
+                        <p:par>
+                          <p:cTn id="8" fill="hold">
+                            <p:stCondLst>
+                              <p:cond delay="0"/>
+                            </p:stCondLst>
+                            <p:childTnLst>
                               <p:par>
-                                <p:cTn id="7" presetID="1" presetClass="entr" presetSubtype="0" fill="hold" grpId="0" nodeType="withEffect">
-                                  <p:stCondLst>
-                                    <p:cond delay="0"/>
-                                  </p:stCondLst>
-                                  <p:childTnLst>
-                                    <p:set>
-                                      <p:cBhvr>
-                                        <p:cTn id="8" dur="1" fill="hold">
-                                          <p:stCondLst>
-                                            <p:cond delay="0"/>
-                                          </p:stCondLst>
-                                        </p:cTn>
-                                        <p:tgtEl>
-                                          <p:spTgt spid="9"/>
-                                        </p:tgtEl>
-                                        <p:attrNameLst>
-                                          <p:attrName>style.visibility</p:attrName>
-                                        </p:attrNameLst>
-                                      </p:cBhvr>
-                                      <p:to>
-                                        <p:strVal val="visible"/>
-                                      </p:to>
-                                    </p:set>
-                                  </p:childTnLst>
-                                </p:cTn>
-                              </p:par>
-                              <p:par>
-                                <p:cTn id="9" presetID="1" presetClass="entr" presetSubtype="0" fill="hold" grpId="0" nodeType="withEffect">
+                                <p:cTn id="9" presetID="1" presetClass="entr" presetSubtype="0" fill="hold" grpId="0" nodeType="clickEffect">
                                   <p:stCondLst>
                                     <p:cond delay="0"/>
                                   </p:stCondLst>
@@ -13963,7 +12574,7 @@
                                           </p:stCondLst>
                                         </p:cTn>
                                         <p:tgtEl>
-                                          <p:spTgt spid="10"/>
+                                          <p:spTgt spid="8"/>
                                         </p:tgtEl>
                                         <p:attrNameLst>
                                           <p:attrName>style.visibility</p:attrName>
@@ -13990,7 +12601,7 @@
                                           </p:stCondLst>
                                         </p:cTn>
                                         <p:tgtEl>
-                                          <p:spTgt spid="11"/>
+                                          <p:spTgt spid="10"/>
                                         </p:tgtEl>
                                         <p:attrNameLst>
                                           <p:attrName>style.visibility</p:attrName>
@@ -14017,6 +12628,105 @@
                                           </p:stCondLst>
                                         </p:cTn>
                                         <p:tgtEl>
+                                          <p:spTgt spid="9"/>
+                                        </p:tgtEl>
+                                        <p:attrNameLst>
+                                          <p:attrName>style.visibility</p:attrName>
+                                        </p:attrNameLst>
+                                      </p:cBhvr>
+                                      <p:to>
+                                        <p:strVal val="visible"/>
+                                      </p:to>
+                                    </p:set>
+                                  </p:childTnLst>
+                                </p:cTn>
+                              </p:par>
+                              <p:par>
+                                <p:cTn id="15" presetID="1" presetClass="entr" presetSubtype="0" fill="hold" nodeType="withEffect">
+                                  <p:stCondLst>
+                                    <p:cond delay="0"/>
+                                  </p:stCondLst>
+                                  <p:childTnLst>
+                                    <p:set>
+                                      <p:cBhvr>
+                                        <p:cTn id="16" dur="1" fill="hold">
+                                          <p:stCondLst>
+                                            <p:cond delay="0"/>
+                                          </p:stCondLst>
+                                        </p:cTn>
+                                        <p:tgtEl>
+                                          <p:spTgt spid="7"/>
+                                        </p:tgtEl>
+                                        <p:attrNameLst>
+                                          <p:attrName>style.visibility</p:attrName>
+                                        </p:attrNameLst>
+                                      </p:cBhvr>
+                                      <p:to>
+                                        <p:strVal val="visible"/>
+                                      </p:to>
+                                    </p:set>
+                                  </p:childTnLst>
+                                </p:cTn>
+                              </p:par>
+                            </p:childTnLst>
+                          </p:cTn>
+                        </p:par>
+                      </p:childTnLst>
+                    </p:cTn>
+                  </p:par>
+                  <p:par>
+                    <p:cTn id="17" fill="hold">
+                      <p:stCondLst>
+                        <p:cond delay="indefinite"/>
+                      </p:stCondLst>
+                      <p:childTnLst>
+                        <p:par>
+                          <p:cTn id="18" fill="hold">
+                            <p:stCondLst>
+                              <p:cond delay="0"/>
+                            </p:stCondLst>
+                            <p:childTnLst>
+                              <p:par>
+                                <p:cTn id="19" presetID="1" presetClass="entr" presetSubtype="0" fill="hold" grpId="0" nodeType="clickEffect">
+                                  <p:stCondLst>
+                                    <p:cond delay="0"/>
+                                  </p:stCondLst>
+                                  <p:childTnLst>
+                                    <p:set>
+                                      <p:cBhvr>
+                                        <p:cTn id="20" dur="1" fill="hold">
+                                          <p:stCondLst>
+                                            <p:cond delay="0"/>
+                                          </p:stCondLst>
+                                        </p:cTn>
+                                        <p:tgtEl>
+                                          <p:spTgt spid="11"/>
+                                        </p:tgtEl>
+                                        <p:attrNameLst>
+                                          <p:attrName>style.visibility</p:attrName>
+                                        </p:attrNameLst>
+                                      </p:cBhvr>
+                                      <p:to>
+                                        <p:strVal val="visible"/>
+                                      </p:to>
+                                    </p:set>
+                                  </p:childTnLst>
+                                </p:cTn>
+                              </p:par>
+                              <p:par>
+                                <p:cTn id="21" presetID="1" presetClass="entr" presetSubtype="0" fill="hold" grpId="0" nodeType="withEffect">
+                                  <p:stCondLst>
+                                    <p:cond delay="0"/>
+                                  </p:stCondLst>
+                                  <p:childTnLst>
+                                    <p:set>
+                                      <p:cBhvr>
+                                        <p:cTn id="22" dur="1" fill="hold">
+                                          <p:stCondLst>
+                                            <p:cond delay="0"/>
+                                          </p:stCondLst>
+                                        </p:cTn>
+                                        <p:tgtEl>
                                           <p:spTgt spid="12"/>
                                         </p:tgtEl>
                                         <p:attrNameLst>
@@ -14031,78 +12741,20 @@
                                 </p:cTn>
                               </p:par>
                               <p:par>
-                                <p:cTn id="15" presetID="1" presetClass="entr" presetSubtype="0" fill="hold" grpId="0" nodeType="withEffect">
+                                <p:cTn id="23" presetID="1" presetClass="entr" presetSubtype="0" fill="hold" grpId="0" nodeType="withEffect">
                                   <p:stCondLst>
                                     <p:cond delay="0"/>
                                   </p:stCondLst>
                                   <p:childTnLst>
                                     <p:set>
                                       <p:cBhvr>
-                                        <p:cTn id="16" dur="1" fill="hold">
+                                        <p:cTn id="24" dur="1" fill="hold">
                                           <p:stCondLst>
                                             <p:cond delay="0"/>
                                           </p:stCondLst>
                                         </p:cTn>
                                         <p:tgtEl>
                                           <p:spTgt spid="13"/>
-                                        </p:tgtEl>
-                                        <p:attrNameLst>
-                                          <p:attrName>style.visibility</p:attrName>
-                                        </p:attrNameLst>
-                                      </p:cBhvr>
-                                      <p:to>
-                                        <p:strVal val="visible"/>
-                                      </p:to>
-                                    </p:set>
-                                  </p:childTnLst>
-                                </p:cTn>
-                              </p:par>
-                              <p:par>
-                                <p:cTn id="17" presetID="1" presetClass="entr" presetSubtype="0" fill="hold" nodeType="withEffect">
-                                  <p:stCondLst>
-                                    <p:cond delay="0"/>
-                                  </p:stCondLst>
-                                  <p:childTnLst>
-                                    <p:set>
-                                      <p:cBhvr>
-                                        <p:cTn id="18" dur="1" fill="hold">
-                                          <p:stCondLst>
-                                            <p:cond delay="0"/>
-                                          </p:stCondLst>
-                                        </p:cTn>
-                                        <p:tgtEl>
-                                          <p:spTgt spid="6">
-                                            <p:txEl>
-                                              <p:pRg st="2" end="2"/>
-                                            </p:txEl>
-                                          </p:spTgt>
-                                        </p:tgtEl>
-                                        <p:attrNameLst>
-                                          <p:attrName>style.visibility</p:attrName>
-                                        </p:attrNameLst>
-                                      </p:cBhvr>
-                                      <p:to>
-                                        <p:strVal val="visible"/>
-                                      </p:to>
-                                    </p:set>
-                                  </p:childTnLst>
-                                </p:cTn>
-                              </p:par>
-                              <p:par>
-                                <p:cTn id="19" presetID="1" presetClass="entr" presetSubtype="0" fill="hold" nodeType="withEffect">
-                                  <p:stCondLst>
-                                    <p:cond delay="0"/>
-                                  </p:stCondLst>
-                                  <p:childTnLst>
-                                    <p:set>
-                                      <p:cBhvr>
-                                        <p:cTn id="20" dur="1" fill="hold">
-                                          <p:stCondLst>
-                                            <p:cond delay="0"/>
-                                          </p:stCondLst>
-                                        </p:cTn>
-                                        <p:tgtEl>
-                                          <p:spTgt spid="7"/>
                                         </p:tgtEl>
                                         <p:attrNameLst>
                                           <p:attrName>style.visibility</p:attrName>
@@ -14481,7 +13133,7 @@
             <a:r>
               <a:rPr lang="en-GB" sz="2600" noProof="1">
                 <a:solidFill>
-                  <a:srgbClr val="FFA000"/>
+                  <a:schemeClr val="bg1"/>
                 </a:solidFill>
               </a:rPr>
               <a:t>List&lt;int&gt; </a:t>
@@ -14514,18 +13166,10 @@
             <a:r>
               <a:rPr lang="en-GB" sz="2600" noProof="1">
                 <a:solidFill>
-                  <a:srgbClr val="234465"/>
-                </a:solidFill>
-              </a:rPr>
-              <a:t>  </a:t>
-            </a:r>
-            <a:r>
-              <a:rPr lang="en-GB" sz="2600" noProof="1">
-                <a:solidFill>
-                  <a:srgbClr val="FFA000"/>
-                </a:solidFill>
-              </a:rPr>
-              <a:t>.ToList()</a:t>
+                  <a:schemeClr val="bg1"/>
+                </a:solidFill>
+              </a:rPr>
+              <a:t>  .ToList()</a:t>
             </a:r>
             <a:r>
               <a:rPr lang="en-GB" sz="2600" noProof="1">
@@ -14583,7 +13227,7 @@
             <a:r>
               <a:rPr lang="en-GB" sz="2600" noProof="1">
                 <a:solidFill>
-                  <a:srgbClr val="FFA000"/>
+                  <a:schemeClr val="bg1"/>
                 </a:solidFill>
               </a:rPr>
               <a:t>RemoveAt(</a:t>
@@ -14595,7 +13239,7 @@
             <a:r>
               <a:rPr lang="en-GB" sz="2600" noProof="1">
                 <a:solidFill>
-                  <a:srgbClr val="FFA000"/>
+                  <a:schemeClr val="bg1"/>
                 </a:solidFill>
               </a:rPr>
               <a:t>)</a:t>
@@ -14627,10 +13271,10 @@
       </p:sp>
       <p:sp>
         <p:nvSpPr>
-          <p:cNvPr id="6" name="Slide Number">
+          <p:cNvPr id="2" name="Slide Number">
             <a:extLst>
               <a:ext uri="{FF2B5EF4-FFF2-40B4-BE49-F238E27FC236}">
-                <a16:creationId xmlns:a16="http://schemas.microsoft.com/office/drawing/2014/main" id="{4D831C83-0C61-4A35-9620-E7DBCFB85DE6}"/>
+                <a16:creationId xmlns:a16="http://schemas.microsoft.com/office/drawing/2014/main" id="{7007ABF4-069C-E84E-BE13-25236D96D4DC}"/>
               </a:ext>
             </a:extLst>
           </p:cNvPr>
@@ -14670,7 +13314,7 @@
     </p:spTree>
     <p:extLst>
       <p:ext uri="{BB962C8B-B14F-4D97-AF65-F5344CB8AC3E}">
-        <p14:creationId xmlns:p14="http://schemas.microsoft.com/office/powerpoint/2010/main" val="2791013214"/>
+        <p14:creationId xmlns:p14="http://schemas.microsoft.com/office/powerpoint/2010/main" val="1671089787"/>
       </p:ext>
     </p:extLst>
   </p:cSld>
@@ -15381,10 +14025,10 @@
       </p:pic>
       <p:sp>
         <p:nvSpPr>
-          <p:cNvPr id="11" name="Slide Number">
+          <p:cNvPr id="2" name="Slide Number">
             <a:extLst>
               <a:ext uri="{FF2B5EF4-FFF2-40B4-BE49-F238E27FC236}">
-                <a16:creationId xmlns:a16="http://schemas.microsoft.com/office/drawing/2014/main" id="{50C1E755-6EB0-4FEF-A80B-780B50263901}"/>
+                <a16:creationId xmlns:a16="http://schemas.microsoft.com/office/drawing/2014/main" id="{ACC4CE48-6ACA-CFF7-E20E-97D970B1D0D4}"/>
               </a:ext>
             </a:extLst>
           </p:cNvPr>
@@ -15424,7 +14068,7 @@
     </p:spTree>
     <p:extLst>
       <p:ext uri="{BB962C8B-B14F-4D97-AF65-F5344CB8AC3E}">
-        <p14:creationId xmlns:p14="http://schemas.microsoft.com/office/powerpoint/2010/main" val="4051200753"/>
+        <p14:creationId xmlns:p14="http://schemas.microsoft.com/office/powerpoint/2010/main" val="3599652053"/>
       </p:ext>
     </p:extLst>
   </p:cSld>
@@ -16384,10 +15028,10 @@
       </p:sp>
       <p:sp>
         <p:nvSpPr>
-          <p:cNvPr id="6" name="Slide Number">
+          <p:cNvPr id="2" name="Slide Number">
             <a:extLst>
               <a:ext uri="{FF2B5EF4-FFF2-40B4-BE49-F238E27FC236}">
-                <a16:creationId xmlns:a16="http://schemas.microsoft.com/office/drawing/2014/main" id="{2D9CD45D-71CD-44D4-ADB8-EA0513875F3E}"/>
+                <a16:creationId xmlns:a16="http://schemas.microsoft.com/office/drawing/2014/main" id="{3D502ABC-35D0-0353-37EF-3609CC71D976}"/>
               </a:ext>
             </a:extLst>
           </p:cNvPr>
@@ -16427,7 +15071,7 @@
     </p:spTree>
     <p:extLst>
       <p:ext uri="{BB962C8B-B14F-4D97-AF65-F5344CB8AC3E}">
-        <p14:creationId xmlns:p14="http://schemas.microsoft.com/office/powerpoint/2010/main" val="423027403"/>
+        <p14:creationId xmlns:p14="http://schemas.microsoft.com/office/powerpoint/2010/main" val="240343727"/>
       </p:ext>
     </p:extLst>
   </p:cSld>
@@ -17370,10 +16014,10 @@
       </p:sp>
       <p:sp>
         <p:nvSpPr>
-          <p:cNvPr id="6" name="Slide Number">
+          <p:cNvPr id="2" name="Slide Number">
             <a:extLst>
               <a:ext uri="{FF2B5EF4-FFF2-40B4-BE49-F238E27FC236}">
-                <a16:creationId xmlns:a16="http://schemas.microsoft.com/office/drawing/2014/main" id="{1A9252AC-C6CF-4416-A5CB-A16561C8D077}"/>
+                <a16:creationId xmlns:a16="http://schemas.microsoft.com/office/drawing/2014/main" id="{3528BE15-24BE-DDA0-6D21-3B15F96001B7}"/>
               </a:ext>
             </a:extLst>
           </p:cNvPr>
@@ -17413,7 +16057,7 @@
     </p:spTree>
     <p:extLst>
       <p:ext uri="{BB962C8B-B14F-4D97-AF65-F5344CB8AC3E}">
-        <p14:creationId xmlns:p14="http://schemas.microsoft.com/office/powerpoint/2010/main" val="4106104308"/>
+        <p14:creationId xmlns:p14="http://schemas.microsoft.com/office/powerpoint/2010/main" val="1658023974"/>
       </p:ext>
     </p:extLst>
   </p:cSld>
@@ -17690,10 +16334,10 @@
       </p:pic>
       <p:sp>
         <p:nvSpPr>
-          <p:cNvPr id="5" name="Title 4">
+          <p:cNvPr id="4" name="Заглавие 3">
             <a:extLst>
               <a:ext uri="{FF2B5EF4-FFF2-40B4-BE49-F238E27FC236}">
-                <a16:creationId xmlns:a16="http://schemas.microsoft.com/office/drawing/2014/main" id="{90A4FF7F-8CFD-4AF6-A21B-51D70D9908DB}"/>
+                <a16:creationId xmlns:a16="http://schemas.microsoft.com/office/drawing/2014/main" id="{B3CF09F6-C228-D898-A782-D657FFC43B37}"/>
               </a:ext>
             </a:extLst>
           </p:cNvPr>
@@ -17710,27 +16354,16 @@
           <a:lstStyle/>
           <a:p>
             <a:r>
-              <a:rPr lang="en-US" sz="5350" dirty="0">
-                <a:ea typeface="+mj-lt"/>
-                <a:cs typeface="+mj-lt"/>
-              </a:rPr>
-              <a:t>Сортиране на </a:t>
-            </a:r>
-            <a:r>
-              <a:rPr lang="bg-BG" sz="5350" dirty="0">
-                <a:ea typeface="+mj-lt"/>
-                <a:cs typeface="+mj-lt"/>
-              </a:rPr>
-              <a:t>списък</a:t>
-            </a:r>
-            <a:endParaRPr lang="bg-BG" dirty="0"/>
+              <a:rPr lang="bg-BG"/>
+              <a:t>Сортиране на списък</a:t>
+            </a:r>
           </a:p>
         </p:txBody>
       </p:sp>
     </p:spTree>
     <p:extLst>
       <p:ext uri="{BB962C8B-B14F-4D97-AF65-F5344CB8AC3E}">
-        <p14:creationId xmlns:p14="http://schemas.microsoft.com/office/powerpoint/2010/main" val="3500695753"/>
+        <p14:creationId xmlns:p14="http://schemas.microsoft.com/office/powerpoint/2010/main" val="294897772"/>
       </p:ext>
     </p:extLst>
   </p:cSld>
@@ -17798,23 +16431,6 @@
             </a:r>
           </a:p>
           <a:p>
-            <a:pPr marL="746433" lvl="1" indent="-457200">
-              <a:lnSpc>
-                <a:spcPct val="114000"/>
-              </a:lnSpc>
-              <a:spcBef>
-                <a:spcPts val="1200"/>
-              </a:spcBef>
-            </a:pPr>
-            <a:r>
-              <a:rPr lang="bg-BG" dirty="0">
-                <a:ea typeface="+mn-lt"/>
-                <a:cs typeface="+mn-lt"/>
-              </a:rPr>
-              <a:t>Манипулиране на списък</a:t>
-            </a:r>
-          </a:p>
-          <a:p>
             <a:pPr marL="445770" indent="-445770">
               <a:lnSpc>
                 <a:spcPct val="114000"/>
@@ -17884,10 +16500,10 @@
       </p:sp>
       <p:sp>
         <p:nvSpPr>
-          <p:cNvPr id="5" name="Slide Number">
+          <p:cNvPr id="2" name="Slide Number">
             <a:extLst>
               <a:ext uri="{FF2B5EF4-FFF2-40B4-BE49-F238E27FC236}">
-                <a16:creationId xmlns:a16="http://schemas.microsoft.com/office/drawing/2014/main" id="{3335260D-C4CC-405F-B09E-403CEF4A44A2}"/>
+                <a16:creationId xmlns:a16="http://schemas.microsoft.com/office/drawing/2014/main" id="{1C3DCE9B-B04E-4E45-154C-332CD1ABE4EF}"/>
               </a:ext>
             </a:extLst>
           </p:cNvPr>
@@ -18015,7 +16631,7 @@
     </p:spTree>
     <p:extLst>
       <p:ext uri="{BB962C8B-B14F-4D97-AF65-F5344CB8AC3E}">
-        <p14:creationId xmlns:p14="http://schemas.microsoft.com/office/powerpoint/2010/main" val="1667771886"/>
+        <p14:creationId xmlns:p14="http://schemas.microsoft.com/office/powerpoint/2010/main" val="715982011"/>
       </p:ext>
     </p:extLst>
   </p:cSld>
@@ -18066,7 +16682,7 @@
                                         <p:tgtEl>
                                           <p:spTgt spid="444419">
                                             <p:txEl>
-                                              <p:pRg st="2" end="2"/>
+                                              <p:pRg st="1" end="1"/>
                                             </p:txEl>
                                           </p:spTgt>
                                         </p:tgtEl>
@@ -18115,7 +16731,7 @@
                                         <p:tgtEl>
                                           <p:spTgt spid="444419">
                                             <p:txEl>
-                                              <p:pRg st="3" end="3"/>
+                                              <p:pRg st="2" end="2"/>
                                             </p:txEl>
                                           </p:spTgt>
                                         </p:tgtEl>
@@ -18775,10 +17391,10 @@
       </p:sp>
       <p:sp>
         <p:nvSpPr>
-          <p:cNvPr id="9" name="Slide Number">
+          <p:cNvPr id="2" name="Slide Number">
             <a:extLst>
               <a:ext uri="{FF2B5EF4-FFF2-40B4-BE49-F238E27FC236}">
-                <a16:creationId xmlns:a16="http://schemas.microsoft.com/office/drawing/2014/main" id="{22A40108-FF41-4B07-8288-5E004ADFFA09}"/>
+                <a16:creationId xmlns:a16="http://schemas.microsoft.com/office/drawing/2014/main" id="{44A624DB-82FE-C29B-64F2-5C4E28B8E9AE}"/>
               </a:ext>
             </a:extLst>
           </p:cNvPr>
@@ -18818,7 +17434,7 @@
     </p:spTree>
     <p:extLst>
       <p:ext uri="{BB962C8B-B14F-4D97-AF65-F5344CB8AC3E}">
-        <p14:creationId xmlns:p14="http://schemas.microsoft.com/office/powerpoint/2010/main" val="144113205"/>
+        <p14:creationId xmlns:p14="http://schemas.microsoft.com/office/powerpoint/2010/main" val="2964705762"/>
       </p:ext>
     </p:extLst>
   </p:cSld>
@@ -18845,9 +17461,6 @@
                     <p:cTn id="3" fill="hold">
                       <p:stCondLst>
                         <p:cond delay="indefinite"/>
-                        <p:cond evt="onBegin" delay="0">
-                          <p:tn val="2"/>
-                        </p:cond>
                       </p:stCondLst>
                       <p:childTnLst>
                         <p:par>
@@ -18857,7 +17470,7 @@
                             </p:stCondLst>
                             <p:childTnLst>
                               <p:par>
-                                <p:cTn id="5" presetID="1" presetClass="entr" presetSubtype="0" fill="hold" grpId="0" nodeType="withEffect">
+                                <p:cTn id="5" presetID="1" presetClass="entr" presetSubtype="0" fill="hold" grpId="0" nodeType="clickEffect">
                                   <p:stCondLst>
                                     <p:cond delay="0"/>
                                   </p:stCondLst>
@@ -19298,15 +17911,33 @@
                                   </p:childTnLst>
                                 </p:cTn>
                               </p:par>
+                            </p:childTnLst>
+                          </p:cTn>
+                        </p:par>
+                      </p:childTnLst>
+                    </p:cTn>
+                  </p:par>
+                  <p:par>
+                    <p:cTn id="41" fill="hold">
+                      <p:stCondLst>
+                        <p:cond delay="indefinite"/>
+                      </p:stCondLst>
+                      <p:childTnLst>
+                        <p:par>
+                          <p:cTn id="42" fill="hold">
+                            <p:stCondLst>
+                              <p:cond delay="0"/>
+                            </p:stCondLst>
+                            <p:childTnLst>
                               <p:par>
-                                <p:cTn id="41" presetID="1" presetClass="entr" presetSubtype="0" fill="hold" nodeType="withEffect">
+                                <p:cTn id="43" presetID="1" presetClass="entr" presetSubtype="0" fill="hold" nodeType="clickEffect">
                                   <p:stCondLst>
                                     <p:cond delay="0"/>
                                   </p:stCondLst>
                                   <p:childTnLst>
                                     <p:set>
                                       <p:cBhvr>
-                                        <p:cTn id="42" dur="1" fill="hold">
+                                        <p:cTn id="44" dur="1" fill="hold">
                                           <p:stCondLst>
                                             <p:cond delay="0"/>
                                           </p:stCondLst>
@@ -20189,10 +18820,10 @@
       </p:sp>
       <p:sp>
         <p:nvSpPr>
-          <p:cNvPr id="10" name="Slide Number">
+          <p:cNvPr id="3" name="Slide Number">
             <a:extLst>
               <a:ext uri="{FF2B5EF4-FFF2-40B4-BE49-F238E27FC236}">
-                <a16:creationId xmlns:a16="http://schemas.microsoft.com/office/drawing/2014/main" id="{5BC137A6-5206-42C4-9ACB-CACB291EEAC6}"/>
+                <a16:creationId xmlns:a16="http://schemas.microsoft.com/office/drawing/2014/main" id="{B69DA72B-A770-E9A1-F758-43BA9471585B}"/>
               </a:ext>
             </a:extLst>
           </p:cNvPr>
@@ -20232,7 +18863,7 @@
     </p:spTree>
     <p:extLst>
       <p:ext uri="{BB962C8B-B14F-4D97-AF65-F5344CB8AC3E}">
-        <p14:creationId xmlns:p14="http://schemas.microsoft.com/office/powerpoint/2010/main" val="107106962"/>
+        <p14:creationId xmlns:p14="http://schemas.microsoft.com/office/powerpoint/2010/main" val="1920426807"/>
       </p:ext>
     </p:extLst>
   </p:cSld>
@@ -20298,35 +18929,26 @@
                                   </p:childTnLst>
                                 </p:cTn>
                               </p:par>
+                            </p:childTnLst>
+                          </p:cTn>
+                        </p:par>
+                      </p:childTnLst>
+                    </p:cTn>
+                  </p:par>
+                  <p:par>
+                    <p:cTn id="7" fill="hold">
+                      <p:stCondLst>
+                        <p:cond delay="indefinite"/>
+                      </p:stCondLst>
+                      <p:childTnLst>
+                        <p:par>
+                          <p:cTn id="8" fill="hold">
+                            <p:stCondLst>
+                              <p:cond delay="0"/>
+                            </p:stCondLst>
+                            <p:childTnLst>
                               <p:par>
-                                <p:cTn id="7" presetID="1" presetClass="entr" presetSubtype="0" fill="hold" grpId="0" nodeType="withEffect">
-                                  <p:stCondLst>
-                                    <p:cond delay="0"/>
-                                  </p:stCondLst>
-                                  <p:childTnLst>
-                                    <p:set>
-                                      <p:cBhvr>
-                                        <p:cTn id="8" dur="1" fill="hold">
-                                          <p:stCondLst>
-                                            <p:cond delay="0"/>
-                                          </p:stCondLst>
-                                        </p:cTn>
-                                        <p:tgtEl>
-                                          <p:spTgt spid="8"/>
-                                        </p:tgtEl>
-                                        <p:attrNameLst>
-                                          <p:attrName>style.visibility</p:attrName>
-                                        </p:attrNameLst>
-                                      </p:cBhvr>
-                                      <p:to>
-                                        <p:strVal val="visible"/>
-                                      </p:to>
-                                    </p:set>
-                                  </p:childTnLst>
-                                </p:cTn>
-                              </p:par>
-                              <p:par>
-                                <p:cTn id="9" presetID="1" presetClass="entr" presetSubtype="0" fill="hold" grpId="0" nodeType="withEffect">
+                                <p:cTn id="9" presetID="1" presetClass="entr" presetSubtype="0" fill="hold" grpId="0" nodeType="clickEffect">
                                   <p:stCondLst>
                                     <p:cond delay="0"/>
                                   </p:stCondLst>
@@ -20334,33 +18956,6 @@
                                     <p:set>
                                       <p:cBhvr>
                                         <p:cTn id="10" dur="1" fill="hold">
-                                          <p:stCondLst>
-                                            <p:cond delay="0"/>
-                                          </p:stCondLst>
-                                        </p:cTn>
-                                        <p:tgtEl>
-                                          <p:spTgt spid="9"/>
-                                        </p:tgtEl>
-                                        <p:attrNameLst>
-                                          <p:attrName>style.visibility</p:attrName>
-                                        </p:attrNameLst>
-                                      </p:cBhvr>
-                                      <p:to>
-                                        <p:strVal val="visible"/>
-                                      </p:to>
-                                    </p:set>
-                                  </p:childTnLst>
-                                </p:cTn>
-                              </p:par>
-                              <p:par>
-                                <p:cTn id="11" presetID="1" presetClass="entr" presetSubtype="0" fill="hold" grpId="0" nodeType="withEffect">
-                                  <p:stCondLst>
-                                    <p:cond delay="0"/>
-                                  </p:stCondLst>
-                                  <p:childTnLst>
-                                    <p:set>
-                                      <p:cBhvr>
-                                        <p:cTn id="12" dur="1" fill="hold">
                                           <p:stCondLst>
                                             <p:cond delay="0"/>
                                           </p:stCondLst>
@@ -20379,8 +18974,26 @@
                                   </p:childTnLst>
                                 </p:cTn>
                               </p:par>
+                            </p:childTnLst>
+                          </p:cTn>
+                        </p:par>
+                      </p:childTnLst>
+                    </p:cTn>
+                  </p:par>
+                  <p:par>
+                    <p:cTn id="11" fill="hold">
+                      <p:stCondLst>
+                        <p:cond delay="indefinite"/>
+                      </p:stCondLst>
+                      <p:childTnLst>
+                        <p:par>
+                          <p:cTn id="12" fill="hold">
+                            <p:stCondLst>
+                              <p:cond delay="0"/>
+                            </p:stCondLst>
+                            <p:childTnLst>
                               <p:par>
-                                <p:cTn id="13" presetID="1" presetClass="entr" presetSubtype="0" fill="hold" grpId="0" nodeType="withEffect">
+                                <p:cTn id="13" presetID="1" presetClass="entr" presetSubtype="0" fill="hold" grpId="0" nodeType="clickEffect">
                                   <p:stCondLst>
                                     <p:cond delay="0"/>
                                   </p:stCondLst>
@@ -20393,7 +19006,7 @@
                                           </p:stCondLst>
                                         </p:cTn>
                                         <p:tgtEl>
-                                          <p:spTgt spid="2"/>
+                                          <p:spTgt spid="8"/>
                                         </p:tgtEl>
                                         <p:attrNameLst>
                                           <p:attrName>style.visibility</p:attrName>
@@ -20415,6 +19028,60 @@
                                     <p:set>
                                       <p:cBhvr>
                                         <p:cTn id="16" dur="1" fill="hold">
+                                          <p:stCondLst>
+                                            <p:cond delay="0"/>
+                                          </p:stCondLst>
+                                        </p:cTn>
+                                        <p:tgtEl>
+                                          <p:spTgt spid="9"/>
+                                        </p:tgtEl>
+                                        <p:attrNameLst>
+                                          <p:attrName>style.visibility</p:attrName>
+                                        </p:attrNameLst>
+                                      </p:cBhvr>
+                                      <p:to>
+                                        <p:strVal val="visible"/>
+                                      </p:to>
+                                    </p:set>
+                                  </p:childTnLst>
+                                </p:cTn>
+                              </p:par>
+                              <p:par>
+                                <p:cTn id="17" presetID="1" presetClass="entr" presetSubtype="0" fill="hold" grpId="0" nodeType="withEffect">
+                                  <p:stCondLst>
+                                    <p:cond delay="0"/>
+                                  </p:stCondLst>
+                                  <p:childTnLst>
+                                    <p:set>
+                                      <p:cBhvr>
+                                        <p:cTn id="18" dur="1" fill="hold">
+                                          <p:stCondLst>
+                                            <p:cond delay="0"/>
+                                          </p:stCondLst>
+                                        </p:cTn>
+                                        <p:tgtEl>
+                                          <p:spTgt spid="2"/>
+                                        </p:tgtEl>
+                                        <p:attrNameLst>
+                                          <p:attrName>style.visibility</p:attrName>
+                                        </p:attrNameLst>
+                                      </p:cBhvr>
+                                      <p:to>
+                                        <p:strVal val="visible"/>
+                                      </p:to>
+                                    </p:set>
+                                  </p:childTnLst>
+                                </p:cTn>
+                              </p:par>
+                              <p:par>
+                                <p:cTn id="19" presetID="1" presetClass="entr" presetSubtype="0" fill="hold" grpId="0" nodeType="withEffect">
+                                  <p:stCondLst>
+                                    <p:cond delay="0"/>
+                                  </p:stCondLst>
+                                  <p:childTnLst>
+                                    <p:set>
+                                      <p:cBhvr>
+                                        <p:cTn id="20" dur="1" fill="hold">
                                           <p:stCondLst>
                                             <p:cond delay="0"/>
                                           </p:stCondLst>
@@ -20811,10 +19478,18 @@
             <a:r>
               <a:rPr lang="en-GB" noProof="1">
                 <a:solidFill>
+                  <a:schemeClr val="bg1"/>
+                </a:solidFill>
+              </a:rPr>
+              <a:t>List&lt;string&gt;</a:t>
+            </a:r>
+            <a:r>
+              <a:rPr lang="en-GB" noProof="1">
+                <a:solidFill>
                   <a:srgbClr val="FFA000"/>
                 </a:solidFill>
               </a:rPr>
-              <a:t>List&lt;string&gt; </a:t>
+              <a:t> </a:t>
             </a:r>
             <a:r>
               <a:rPr lang="en-GB" noProof="1"/>
@@ -20831,7 +19506,7 @@
             <a:r>
               <a:rPr lang="en-GB" noProof="1">
                 <a:solidFill>
-                  <a:srgbClr val="FFA000"/>
+                  <a:schemeClr val="bg1"/>
                 </a:solidFill>
               </a:rPr>
               <a:t>new List&lt;string&gt;()</a:t>
@@ -20883,7 +19558,7 @@
             <a:r>
               <a:rPr lang="en-GB" noProof="1">
                 <a:solidFill>
-                  <a:srgbClr val="FFA000"/>
+                  <a:schemeClr val="bg1"/>
                 </a:solidFill>
               </a:rPr>
               <a:t>Add(</a:t>
@@ -20895,7 +19570,7 @@
             <a:r>
               <a:rPr lang="en-GB" noProof="1">
                 <a:solidFill>
-                  <a:srgbClr val="FFA000"/>
+                  <a:schemeClr val="bg1"/>
                 </a:solidFill>
               </a:rPr>
               <a:t>)</a:t>
@@ -20929,7 +19604,7 @@
             <a:r>
               <a:rPr lang="en-GB" noProof="1">
                 <a:solidFill>
-                  <a:srgbClr val="FFA000"/>
+                  <a:schemeClr val="bg1"/>
                 </a:solidFill>
               </a:rPr>
               <a:t>Sort()</a:t>
@@ -20961,10 +19636,10 @@
       </p:sp>
       <p:sp>
         <p:nvSpPr>
-          <p:cNvPr id="7" name="Slide Number">
+          <p:cNvPr id="2" name="Slide Number">
             <a:extLst>
               <a:ext uri="{FF2B5EF4-FFF2-40B4-BE49-F238E27FC236}">
-                <a16:creationId xmlns:a16="http://schemas.microsoft.com/office/drawing/2014/main" id="{69944B4C-2921-46C1-ACEE-E85509E7811D}"/>
+                <a16:creationId xmlns:a16="http://schemas.microsoft.com/office/drawing/2014/main" id="{FEAE3D2C-E972-9BB6-FAD6-58F345BD615B}"/>
               </a:ext>
             </a:extLst>
           </p:cNvPr>
@@ -21004,7 +19679,7 @@
     </p:spTree>
     <p:extLst>
       <p:ext uri="{BB962C8B-B14F-4D97-AF65-F5344CB8AC3E}">
-        <p14:creationId xmlns:p14="http://schemas.microsoft.com/office/powerpoint/2010/main" val="593019270"/>
+        <p14:creationId xmlns:p14="http://schemas.microsoft.com/office/powerpoint/2010/main" val="1853981925"/>
       </p:ext>
     </p:extLst>
   </p:cSld>
@@ -21559,16 +20234,16 @@
             </a:endParaRPr>
           </a:p>
           <a:p>
-            <a:pPr lvl="1" indent="-360045"/>
-            <a:r>
-              <a:rPr lang="en-US" sz="3200" dirty="0">
+            <a:pPr indent="-360045"/>
+            <a:r>
+              <a:rPr lang="en-US" sz="3400" dirty="0">
                 <a:ea typeface="+mn-lt"/>
                 <a:cs typeface="+mn-lt"/>
               </a:rPr>
               <a:t>Принтирайте останалите числа в </a:t>
             </a:r>
             <a:r>
-              <a:rPr lang="en-US" sz="3200" b="1" dirty="0">
+              <a:rPr lang="en-US" sz="3400" b="1" dirty="0">
                 <a:solidFill>
                   <a:schemeClr val="bg1"/>
                 </a:solidFill>
@@ -21577,7 +20252,7 @@
               </a:rPr>
               <a:t>обратен ред</a:t>
             </a:r>
-            <a:endParaRPr lang="en-US" sz="3200" b="1" dirty="0">
+            <a:endParaRPr lang="en-US" sz="3400" b="1" dirty="0">
               <a:solidFill>
                 <a:schemeClr val="bg1"/>
               </a:solidFill>
@@ -21585,34 +20260,34 @@
             </a:endParaRPr>
           </a:p>
           <a:p>
-            <a:pPr lvl="1" indent="-360045"/>
-            <a:r>
-              <a:rPr lang="en-US" sz="3400" dirty="0">
+            <a:pPr indent="-360045"/>
+            <a:r>
+              <a:rPr lang="en-US" sz="3600" dirty="0">
                 <a:ea typeface="+mn-lt"/>
                 <a:cs typeface="+mn-lt"/>
               </a:rPr>
               <a:t>Ако не съдържа числа</a:t>
             </a:r>
             <a:r>
-              <a:rPr lang="bg-BG" sz="3400" dirty="0">
+              <a:rPr lang="bg-BG" sz="3600" dirty="0">
                 <a:ea typeface="+mn-lt"/>
                 <a:cs typeface="+mn-lt"/>
               </a:rPr>
               <a:t>,</a:t>
             </a:r>
             <a:r>
-              <a:rPr lang="en-US" sz="3400" dirty="0">
+              <a:rPr lang="en-US" sz="3600" dirty="0">
                 <a:ea typeface="+mn-lt"/>
                 <a:cs typeface="+mn-lt"/>
               </a:rPr>
               <a:t> отпечатайте </a:t>
             </a:r>
             <a:r>
-              <a:rPr lang="en-US" sz="3400" dirty="0"/>
+              <a:rPr lang="en-US" sz="3600" dirty="0"/>
               <a:t> "</a:t>
             </a:r>
             <a:r>
-              <a:rPr lang="en-US" sz="3400" b="1" dirty="0">
+              <a:rPr lang="en-US" sz="3600" b="1" dirty="0">
                 <a:solidFill>
                   <a:schemeClr val="bg1"/>
                 </a:solidFill>
@@ -21620,10 +20295,10 @@
               <a:t>empty</a:t>
             </a:r>
             <a:r>
-              <a:rPr lang="en-US" sz="3400" dirty="0"/>
+              <a:rPr lang="en-US" sz="3600" dirty="0"/>
               <a:t>"</a:t>
             </a:r>
-            <a:endParaRPr lang="bg-BG" sz="3400" dirty="0">
+            <a:endParaRPr lang="bg-BG" sz="3600" dirty="0">
               <a:cs typeface="Calibri"/>
             </a:endParaRPr>
           </a:p>
@@ -22186,10 +20861,10 @@
       </p:sp>
       <p:sp>
         <p:nvSpPr>
-          <p:cNvPr id="16" name="Slide Number">
+          <p:cNvPr id="2" name="Slide Number">
             <a:extLst>
               <a:ext uri="{FF2B5EF4-FFF2-40B4-BE49-F238E27FC236}">
-                <a16:creationId xmlns:a16="http://schemas.microsoft.com/office/drawing/2014/main" id="{0D354F60-BD35-4096-8C31-9D6D7454DB0A}"/>
+                <a16:creationId xmlns:a16="http://schemas.microsoft.com/office/drawing/2014/main" id="{B89F04AD-4C7D-3EDA-BFA8-7E97628F3567}"/>
               </a:ext>
             </a:extLst>
           </p:cNvPr>
@@ -22229,7 +20904,7 @@
     </p:spTree>
     <p:extLst>
       <p:ext uri="{BB962C8B-B14F-4D97-AF65-F5344CB8AC3E}">
-        <p14:creationId xmlns:p14="http://schemas.microsoft.com/office/powerpoint/2010/main" val="1999717474"/>
+        <p14:creationId xmlns:p14="http://schemas.microsoft.com/office/powerpoint/2010/main" val="3215756785"/>
       </p:ext>
     </p:extLst>
   </p:cSld>
@@ -22280,7 +20955,7 @@
                                         <p:tgtEl>
                                           <p:spTgt spid="6">
                                             <p:txEl>
-                                              <p:pRg st="3" end="3"/>
+                                              <p:pRg st="2" end="2"/>
                                             </p:txEl>
                                           </p:spTgt>
                                         </p:tgtEl>
@@ -22314,7 +20989,7 @@
                             </p:stCondLst>
                             <p:childTnLst>
                               <p:par>
-                                <p:cTn id="9" presetID="1" presetClass="entr" presetSubtype="0" fill="hold" grpId="0" nodeType="clickEffect">
+                                <p:cTn id="9" presetID="1" presetClass="entr" presetSubtype="0" fill="hold" nodeType="clickEffect">
                                   <p:stCondLst>
                                     <p:cond delay="0"/>
                                   </p:stCondLst>
@@ -22322,6 +20997,55 @@
                                     <p:set>
                                       <p:cBhvr>
                                         <p:cTn id="10" dur="1" fill="hold">
+                                          <p:stCondLst>
+                                            <p:cond delay="0"/>
+                                          </p:stCondLst>
+                                        </p:cTn>
+                                        <p:tgtEl>
+                                          <p:spTgt spid="6">
+                                            <p:txEl>
+                                              <p:pRg st="3" end="3"/>
+                                            </p:txEl>
+                                          </p:spTgt>
+                                        </p:tgtEl>
+                                        <p:attrNameLst>
+                                          <p:attrName>style.visibility</p:attrName>
+                                        </p:attrNameLst>
+                                      </p:cBhvr>
+                                      <p:to>
+                                        <p:strVal val="visible"/>
+                                      </p:to>
+                                    </p:set>
+                                  </p:childTnLst>
+                                </p:cTn>
+                              </p:par>
+                            </p:childTnLst>
+                          </p:cTn>
+                        </p:par>
+                      </p:childTnLst>
+                    </p:cTn>
+                  </p:par>
+                  <p:par>
+                    <p:cTn id="11" fill="hold">
+                      <p:stCondLst>
+                        <p:cond delay="indefinite"/>
+                      </p:stCondLst>
+                      <p:childTnLst>
+                        <p:par>
+                          <p:cTn id="12" fill="hold">
+                            <p:stCondLst>
+                              <p:cond delay="0"/>
+                            </p:stCondLst>
+                            <p:childTnLst>
+                              <p:par>
+                                <p:cTn id="13" presetID="1" presetClass="entr" presetSubtype="0" fill="hold" grpId="0" nodeType="clickEffect">
+                                  <p:stCondLst>
+                                    <p:cond delay="0"/>
+                                  </p:stCondLst>
+                                  <p:childTnLst>
+                                    <p:set>
+                                      <p:cBhvr>
+                                        <p:cTn id="14" dur="1" fill="hold">
                                           <p:stCondLst>
                                             <p:cond delay="0"/>
                                           </p:stCondLst>
@@ -22341,14 +21065,14 @@
                                 </p:cTn>
                               </p:par>
                               <p:par>
-                                <p:cTn id="11" presetID="1" presetClass="entr" presetSubtype="0" fill="hold" grpId="0" nodeType="withEffect">
+                                <p:cTn id="15" presetID="1" presetClass="entr" presetSubtype="0" fill="hold" grpId="0" nodeType="withEffect">
                                   <p:stCondLst>
                                     <p:cond delay="0"/>
                                   </p:stCondLst>
                                   <p:childTnLst>
                                     <p:set>
                                       <p:cBhvr>
-                                        <p:cTn id="12" dur="1" fill="hold">
+                                        <p:cTn id="16" dur="1" fill="hold">
                                           <p:stCondLst>
                                             <p:cond delay="0"/>
                                           </p:stCondLst>
@@ -22368,14 +21092,14 @@
                                 </p:cTn>
                               </p:par>
                               <p:par>
-                                <p:cTn id="13" presetID="1" presetClass="entr" presetSubtype="0" fill="hold" grpId="0" nodeType="withEffect">
+                                <p:cTn id="17" presetID="1" presetClass="entr" presetSubtype="0" fill="hold" grpId="0" nodeType="withEffect">
                                   <p:stCondLst>
                                     <p:cond delay="0"/>
                                   </p:stCondLst>
                                   <p:childTnLst>
                                     <p:set>
                                       <p:cBhvr>
-                                        <p:cTn id="14" dur="1" fill="hold">
+                                        <p:cTn id="18" dur="1" fill="hold">
                                           <p:stCondLst>
                                             <p:cond delay="0"/>
                                           </p:stCondLst>
@@ -22401,26 +21125,26 @@
                     </p:cTn>
                   </p:par>
                   <p:par>
-                    <p:cTn id="15" fill="hold">
+                    <p:cTn id="19" fill="hold">
                       <p:stCondLst>
                         <p:cond delay="indefinite"/>
                       </p:stCondLst>
                       <p:childTnLst>
                         <p:par>
-                          <p:cTn id="16" fill="hold">
+                          <p:cTn id="20" fill="hold">
                             <p:stCondLst>
                               <p:cond delay="0"/>
                             </p:stCondLst>
                             <p:childTnLst>
                               <p:par>
-                                <p:cTn id="17" presetID="1" presetClass="entr" presetSubtype="0" fill="hold" grpId="0" nodeType="clickEffect">
+                                <p:cTn id="21" presetID="1" presetClass="entr" presetSubtype="0" fill="hold" grpId="0" nodeType="clickEffect">
                                   <p:stCondLst>
                                     <p:cond delay="0"/>
                                   </p:stCondLst>
                                   <p:childTnLst>
                                     <p:set>
                                       <p:cBhvr>
-                                        <p:cTn id="18" dur="1" fill="hold">
+                                        <p:cTn id="22" dur="1" fill="hold">
                                           <p:stCondLst>
                                             <p:cond delay="0"/>
                                           </p:stCondLst>
@@ -22440,14 +21164,14 @@
                                 </p:cTn>
                               </p:par>
                               <p:par>
-                                <p:cTn id="19" presetID="1" presetClass="entr" presetSubtype="0" fill="hold" grpId="0" nodeType="withEffect">
+                                <p:cTn id="23" presetID="1" presetClass="entr" presetSubtype="0" fill="hold" grpId="0" nodeType="withEffect">
                                   <p:stCondLst>
                                     <p:cond delay="0"/>
                                   </p:stCondLst>
                                   <p:childTnLst>
                                     <p:set>
                                       <p:cBhvr>
-                                        <p:cTn id="20" dur="1" fill="hold">
+                                        <p:cTn id="24" dur="1" fill="hold">
                                           <p:stCondLst>
                                             <p:cond delay="0"/>
                                           </p:stCondLst>
@@ -22467,14 +21191,14 @@
                                 </p:cTn>
                               </p:par>
                               <p:par>
-                                <p:cTn id="21" presetID="1" presetClass="entr" presetSubtype="0" fill="hold" grpId="0" nodeType="withEffect">
+                                <p:cTn id="25" presetID="1" presetClass="entr" presetSubtype="0" fill="hold" grpId="0" nodeType="withEffect">
                                   <p:stCondLst>
                                     <p:cond delay="0"/>
                                   </p:stCondLst>
                                   <p:childTnLst>
                                     <p:set>
                                       <p:cBhvr>
-                                        <p:cTn id="22" dur="1" fill="hold">
+                                        <p:cTn id="26" dur="1" fill="hold">
                                           <p:stCondLst>
                                             <p:cond delay="0"/>
                                           </p:stCondLst>
@@ -22500,26 +21224,26 @@
                     </p:cTn>
                   </p:par>
                   <p:par>
-                    <p:cTn id="23" fill="hold">
+                    <p:cTn id="27" fill="hold">
                       <p:stCondLst>
                         <p:cond delay="indefinite"/>
                       </p:stCondLst>
                       <p:childTnLst>
                         <p:par>
-                          <p:cTn id="24" fill="hold">
+                          <p:cTn id="28" fill="hold">
                             <p:stCondLst>
                               <p:cond delay="0"/>
                             </p:stCondLst>
                             <p:childTnLst>
                               <p:par>
-                                <p:cTn id="25" presetID="1" presetClass="entr" presetSubtype="0" fill="hold" grpId="0" nodeType="clickEffect">
+                                <p:cTn id="29" presetID="1" presetClass="entr" presetSubtype="0" fill="hold" grpId="0" nodeType="clickEffect">
                                   <p:stCondLst>
                                     <p:cond delay="0"/>
                                   </p:stCondLst>
                                   <p:childTnLst>
                                     <p:set>
                                       <p:cBhvr>
-                                        <p:cTn id="26" dur="1" fill="hold">
+                                        <p:cTn id="30" dur="1" fill="hold">
                                           <p:stCondLst>
                                             <p:cond delay="0"/>
                                           </p:stCondLst>
@@ -22539,14 +21263,14 @@
                                 </p:cTn>
                               </p:par>
                               <p:par>
-                                <p:cTn id="27" presetID="1" presetClass="entr" presetSubtype="0" fill="hold" grpId="0" nodeType="withEffect">
+                                <p:cTn id="31" presetID="1" presetClass="entr" presetSubtype="0" fill="hold" grpId="0" nodeType="withEffect">
                                   <p:stCondLst>
                                     <p:cond delay="0"/>
                                   </p:stCondLst>
                                   <p:childTnLst>
                                     <p:set>
                                       <p:cBhvr>
-                                        <p:cTn id="28" dur="1" fill="hold">
+                                        <p:cTn id="32" dur="1" fill="hold">
                                           <p:stCondLst>
                                             <p:cond delay="0"/>
                                           </p:stCondLst>
@@ -22566,14 +21290,14 @@
                                 </p:cTn>
                               </p:par>
                               <p:par>
-                                <p:cTn id="29" presetID="1" presetClass="entr" presetSubtype="0" fill="hold" grpId="0" nodeType="withEffect">
+                                <p:cTn id="33" presetID="1" presetClass="entr" presetSubtype="0" fill="hold" grpId="0" nodeType="withEffect">
                                   <p:stCondLst>
                                     <p:cond delay="0"/>
                                   </p:stCondLst>
                                   <p:childTnLst>
                                     <p:set>
                                       <p:cBhvr>
-                                        <p:cTn id="30" dur="1" fill="hold">
+                                        <p:cTn id="34" dur="1" fill="hold">
                                           <p:stCondLst>
                                             <p:cond delay="0"/>
                                           </p:stCondLst>
@@ -23155,10 +21879,10 @@
       </p:sp>
       <p:sp>
         <p:nvSpPr>
-          <p:cNvPr id="7" name="Slide Number">
+          <p:cNvPr id="2" name="Slide Number">
             <a:extLst>
               <a:ext uri="{FF2B5EF4-FFF2-40B4-BE49-F238E27FC236}">
-                <a16:creationId xmlns:a16="http://schemas.microsoft.com/office/drawing/2014/main" id="{6923A346-F0F3-4092-85B3-5FE6DFB348EB}"/>
+                <a16:creationId xmlns:a16="http://schemas.microsoft.com/office/drawing/2014/main" id="{6D920E05-6691-5591-AFDC-FBD1AAA2CEDA}"/>
               </a:ext>
             </a:extLst>
           </p:cNvPr>
@@ -23198,7 +21922,7 @@
     </p:spTree>
     <p:extLst>
       <p:ext uri="{BB962C8B-B14F-4D97-AF65-F5344CB8AC3E}">
-        <p14:creationId xmlns:p14="http://schemas.microsoft.com/office/powerpoint/2010/main" val="4287963343"/>
+        <p14:creationId xmlns:p14="http://schemas.microsoft.com/office/powerpoint/2010/main" val="916317615"/>
       </p:ext>
     </p:extLst>
   </p:cSld>
@@ -24480,10 +23204,10 @@
       </p:sp>
       <p:sp>
         <p:nvSpPr>
-          <p:cNvPr id="13" name="Slide Number">
+          <p:cNvPr id="2" name="Slide Number">
             <a:extLst>
               <a:ext uri="{FF2B5EF4-FFF2-40B4-BE49-F238E27FC236}">
-                <a16:creationId xmlns:a16="http://schemas.microsoft.com/office/drawing/2014/main" id="{1E269316-2E0E-479B-A761-74BB58985E68}"/>
+                <a16:creationId xmlns:a16="http://schemas.microsoft.com/office/drawing/2014/main" id="{17CA16D9-F590-EA92-E48E-34C7ADC5317A}"/>
               </a:ext>
             </a:extLst>
           </p:cNvPr>
@@ -24523,7 +23247,7 @@
     </p:spTree>
     <p:extLst>
       <p:ext uri="{BB962C8B-B14F-4D97-AF65-F5344CB8AC3E}">
-        <p14:creationId xmlns:p14="http://schemas.microsoft.com/office/powerpoint/2010/main" val="3260812461"/>
+        <p14:creationId xmlns:p14="http://schemas.microsoft.com/office/powerpoint/2010/main" val="2141687070"/>
       </p:ext>
     </p:extLst>
   </p:cSld>
@@ -24855,21 +23579,140 @@
           <a:lstStyle/>
           <a:p>
             <a:r>
-              <a:rPr lang="en-US" sz="8800" dirty="0">
-                <a:solidFill>
-                  <a:srgbClr val="234465"/>
-                </a:solidFill>
-              </a:rPr>
-              <a:t>Въпроси?</a:t>
-            </a:r>
-            <a:endParaRPr lang="en-US" sz="8800" dirty="0"/>
+              <a:rPr lang="bg-BG" dirty="0"/>
+              <a:t>Въпроси</a:t>
+            </a:r>
+            <a:r>
+              <a:rPr lang="en-US" dirty="0"/>
+              <a:t>?</a:t>
+            </a:r>
+          </a:p>
+        </p:txBody>
+      </p:sp>
+      <p:sp>
+        <p:nvSpPr>
+          <p:cNvPr id="2" name="Rectangle Bottom Copyright">
+            <a:extLst>
+              <a:ext uri="{FF2B5EF4-FFF2-40B4-BE49-F238E27FC236}">
+                <a16:creationId xmlns:a16="http://schemas.microsoft.com/office/drawing/2014/main" id="{664812A4-2991-44D1-BFE9-32E55AADF8A5}"/>
+              </a:ext>
+            </a:extLst>
+          </p:cNvPr>
+          <p:cNvSpPr/>
+          <p:nvPr/>
+        </p:nvSpPr>
+        <p:spPr>
+          <a:xfrm>
+            <a:off x="111000" y="6454758"/>
+            <a:ext cx="11970000" cy="304242"/>
+          </a:xfrm>
+          <a:prstGeom prst="rect">
+            <a:avLst/>
+          </a:prstGeom>
+        </p:spPr>
+        <p:txBody>
+          <a:bodyPr wrap="square">
+            <a:noAutofit/>
+          </a:bodyPr>
+          <a:lstStyle/>
+          <a:p>
+            <a:pPr algn="ctr">
+              <a:lnSpc>
+                <a:spcPct val="100000"/>
+              </a:lnSpc>
+              <a:spcBef>
+                <a:spcPts val="0"/>
+              </a:spcBef>
+              <a:spcAft>
+                <a:spcPts val="0"/>
+              </a:spcAft>
+            </a:pPr>
+            <a:r>
+              <a:rPr lang="bg-BG" sz="1600" dirty="0">
+                <a:solidFill>
+                  <a:schemeClr val="bg2"/>
+                </a:solidFill>
+                <a:effectLst/>
+                <a:latin typeface="Calibri" panose="020F0502020204030204" pitchFamily="34" charset="0"/>
+                <a:ea typeface="Calibri" panose="020F0502020204030204" pitchFamily="34" charset="0"/>
+                <a:cs typeface="Arial" panose="020B0604020202020204" pitchFamily="34" charset="0"/>
+              </a:rPr>
+              <a:t>Проект "</a:t>
+            </a:r>
+            <a:r>
+              <a:rPr lang="bg-BG" sz="1600" dirty="0">
+                <a:solidFill>
+                  <a:schemeClr val="bg1">
+                    <a:lumMod val="20000"/>
+                    <a:lumOff val="80000"/>
+                  </a:schemeClr>
+                </a:solidFill>
+                <a:effectLst/>
+                <a:latin typeface="Calibri" panose="020F0502020204030204" pitchFamily="34" charset="0"/>
+                <a:ea typeface="Calibri" panose="020F0502020204030204" pitchFamily="34" charset="0"/>
+                <a:cs typeface="Arial" panose="020B0604020202020204" pitchFamily="34" charset="0"/>
+                <a:hlinkClick r:id="rId3">
+                  <a:extLst>
+                    <a:ext uri="{A12FA001-AC4F-418D-AE19-62706E023703}">
+                      <ahyp:hlinkClr xmlns:ahyp="http://schemas.microsoft.com/office/drawing/2018/hyperlinkcolor" val="tx"/>
+                    </a:ext>
+                  </a:extLst>
+                </a:hlinkClick>
+              </a:rPr>
+              <a:t>Отворено учебно съдържание по програмиране и ИТ</a:t>
+            </a:r>
+            <a:r>
+              <a:rPr lang="bg-BG" sz="1600" dirty="0">
+                <a:solidFill>
+                  <a:schemeClr val="bg2"/>
+                </a:solidFill>
+                <a:effectLst/>
+                <a:latin typeface="Calibri" panose="020F0502020204030204" pitchFamily="34" charset="0"/>
+                <a:ea typeface="Calibri" panose="020F0502020204030204" pitchFamily="34" charset="0"/>
+                <a:cs typeface="Arial" panose="020B0604020202020204" pitchFamily="34" charset="0"/>
+              </a:rPr>
+              <a:t>", СофтУни Фондация (лиценз </a:t>
+            </a:r>
+            <a:r>
+              <a:rPr lang="en-US" sz="1600" dirty="0">
+                <a:solidFill>
+                  <a:schemeClr val="bg2"/>
+                </a:solidFill>
+                <a:effectLst/>
+                <a:latin typeface="Calibri" panose="020F0502020204030204" pitchFamily="34" charset="0"/>
+                <a:ea typeface="Calibri" panose="020F0502020204030204" pitchFamily="34" charset="0"/>
+                <a:cs typeface="Arial" panose="020B0604020202020204" pitchFamily="34" charset="0"/>
+              </a:rPr>
+              <a:t>CC-BY-NC-SA</a:t>
+            </a:r>
+            <a:r>
+              <a:rPr lang="bg-BG" sz="1600" dirty="0">
+                <a:solidFill>
+                  <a:schemeClr val="bg2"/>
+                </a:solidFill>
+                <a:effectLst/>
+                <a:latin typeface="Calibri" panose="020F0502020204030204" pitchFamily="34" charset="0"/>
+                <a:ea typeface="Calibri" panose="020F0502020204030204" pitchFamily="34" charset="0"/>
+                <a:cs typeface="Arial" panose="020B0604020202020204" pitchFamily="34" charset="0"/>
+              </a:rPr>
+              <a:t>)</a:t>
+            </a:r>
+            <a:endParaRPr lang="bg-BG" sz="2400" dirty="0">
+              <a:solidFill>
+                <a:schemeClr val="bg2"/>
+              </a:solidFill>
+              <a:effectLst/>
+              <a:latin typeface="Calibri" panose="020F0502020204030204" pitchFamily="34" charset="0"/>
+              <a:ea typeface="Calibri" panose="020F0502020204030204" pitchFamily="34" charset="0"/>
+              <a:cs typeface="Arial" panose="020B0604020202020204" pitchFamily="34" charset="0"/>
+            </a:endParaRPr>
           </a:p>
         </p:txBody>
       </p:sp>
     </p:spTree>
     <p:extLst>
       <p:ext uri="{BB962C8B-B14F-4D97-AF65-F5344CB8AC3E}">
-        <p14:creationId xmlns:p14="http://schemas.microsoft.com/office/powerpoint/2010/main" val="1154503904"/>
+        <p14:creationId xmlns:p14="http://schemas.microsoft.com/office/powerpoint/2010/main" val="3685880069"/>
       </p:ext>
     </p:extLst>
   </p:cSld>
@@ -24923,11 +23766,13 @@
         <p:spPr>
           <a:xfrm>
             <a:off x="190402" y="1269001"/>
-            <a:ext cx="11818096" cy="5455890"/>
+            <a:ext cx="9865598" cy="2474999"/>
           </a:xfrm>
         </p:spPr>
         <p:txBody>
-          <a:bodyPr/>
+          <a:bodyPr>
+            <a:normAutofit/>
+          </a:bodyPr>
           <a:lstStyle/>
           <a:p>
             <a:pPr>
@@ -24936,113 +23781,42 @@
               </a:lnSpc>
             </a:pPr>
             <a:r>
-              <a:rPr lang="bg-BG" dirty="0"/>
+              <a:rPr lang="bg-BG" sz="3200" dirty="0"/>
               <a:t>Този курс</a:t>
             </a:r>
             <a:r>
-              <a:rPr lang="en-US" dirty="0"/>
+              <a:rPr lang="en-US" sz="3200" dirty="0"/>
               <a:t> (</a:t>
             </a:r>
             <a:r>
-              <a:rPr lang="bg-BG" dirty="0"/>
+              <a:rPr lang="bg-BG" sz="3200" dirty="0"/>
               <a:t>презентации, примери, демонстрационен код, упражнения, домашни, видео и други активи</a:t>
             </a:r>
             <a:r>
-              <a:rPr lang="en-US" dirty="0"/>
+              <a:rPr lang="en-US" sz="3200" dirty="0"/>
               <a:t>) </a:t>
             </a:r>
             <a:r>
-              <a:rPr lang="bg-BG" dirty="0"/>
+              <a:rPr lang="bg-BG" sz="3200" dirty="0"/>
               <a:t>представлява</a:t>
             </a:r>
             <a:r>
-              <a:rPr lang="en-US" dirty="0"/>
+              <a:rPr lang="en-US" sz="3200" dirty="0"/>
               <a:t> </a:t>
             </a:r>
             <a:r>
-              <a:rPr lang="bg-BG" b="1" dirty="0"/>
-              <a:t>защитено авторско съдържание</a:t>
-            </a:r>
-            <a:endParaRPr lang="en-US" dirty="0"/>
-          </a:p>
-          <a:p>
-            <a:pPr>
-              <a:lnSpc>
-                <a:spcPct val="120000"/>
-              </a:lnSpc>
-            </a:pPr>
-            <a:r>
-              <a:rPr lang="bg-BG" dirty="0"/>
-              <a:t>Нерегламентирано копиране</a:t>
-            </a:r>
-            <a:r>
-              <a:rPr lang="en-US" dirty="0"/>
-              <a:t>,</a:t>
-            </a:r>
-            <a:r>
-              <a:rPr lang="bg-BG" dirty="0"/>
-              <a:t> разпространение или използване е незаконно</a:t>
-            </a:r>
-          </a:p>
-          <a:p>
-            <a:pPr>
-              <a:lnSpc>
-                <a:spcPct val="120000"/>
-              </a:lnSpc>
-            </a:pPr>
-            <a:r>
-              <a:rPr lang="en-US" dirty="0"/>
-              <a:t>© </a:t>
-            </a:r>
-            <a:r>
-              <a:rPr lang="bg-BG" dirty="0"/>
-              <a:t>СофтУни</a:t>
-            </a:r>
-            <a:r>
-              <a:rPr lang="en-US" dirty="0"/>
-              <a:t> – </a:t>
-            </a:r>
-            <a:r>
-              <a:rPr lang="en-US" dirty="0">
-                <a:hlinkClick r:id="rId3"/>
-              </a:rPr>
-              <a:t>https://softuni.org</a:t>
-            </a:r>
-            <a:endParaRPr lang="en-US" dirty="0"/>
-          </a:p>
-          <a:p>
-            <a:pPr>
-              <a:lnSpc>
-                <a:spcPct val="120000"/>
-              </a:lnSpc>
-            </a:pPr>
-            <a:r>
-              <a:rPr lang="en-US" dirty="0"/>
-              <a:t>© </a:t>
-            </a:r>
-            <a:r>
-              <a:rPr lang="bg-BG" dirty="0"/>
-              <a:t>Софтуерен университет</a:t>
-            </a:r>
-            <a:r>
-              <a:rPr lang="en-US" dirty="0"/>
-              <a:t> – </a:t>
-            </a:r>
-            <a:r>
-              <a:rPr lang="en-US" dirty="0">
-                <a:hlinkClick r:id="rId4"/>
-              </a:rPr>
-              <a:t>https://softuni.bg</a:t>
-            </a:r>
-            <a:endParaRPr lang="bg-BG" dirty="0"/>
-          </a:p>
-          <a:p>
-            <a:pPr>
-              <a:lnSpc>
-                <a:spcPct val="120000"/>
-              </a:lnSpc>
-            </a:pPr>
-            <a:endParaRPr lang="bg-BG" dirty="0"/>
+              <a:rPr lang="bg-BG" sz="3200" b="1" dirty="0"/>
+              <a:t>свободно учебно съдържание </a:t>
+            </a:r>
+            <a:r>
+              <a:rPr lang="bg-BG" sz="3200" dirty="0"/>
+              <a:t>и се разпространява под свободен лиценз </a:t>
+            </a:r>
+            <a:r>
+              <a:rPr lang="en-US" sz="3200" b="1" dirty="0"/>
+              <a:t>CC-BY-NC-SA</a:t>
+            </a:r>
+            <a:endParaRPr lang="bg-BG" sz="3200" dirty="0"/>
           </a:p>
         </p:txBody>
       </p:sp>
@@ -25061,7 +23835,7 @@
           <p:nvPr/>
         </p:nvPicPr>
         <p:blipFill>
-          <a:blip r:embed="rId5">
+          <a:blip r:embed="rId3">
             <a:clrChange>
               <a:clrFrom>
                 <a:srgbClr val="FFFFFF"/>
@@ -25079,8 +23853,8 @@
         </p:blipFill>
         <p:spPr>
           <a:xfrm>
-            <a:off x="9745023" y="4445455"/>
-            <a:ext cx="1930977" cy="2043545"/>
+            <a:off x="10226175" y="1440120"/>
+            <a:ext cx="1198986" cy="1268880"/>
           </a:xfrm>
           <a:prstGeom prst="rect">
             <a:avLst/>
@@ -25117,10 +23891,171 @@
       </p:sp>
       <p:sp>
         <p:nvSpPr>
-          <p:cNvPr id="7" name="Slide Number">
+          <p:cNvPr id="11" name="TextBox 10">
             <a:extLst>
               <a:ext uri="{FF2B5EF4-FFF2-40B4-BE49-F238E27FC236}">
-                <a16:creationId xmlns:a16="http://schemas.microsoft.com/office/drawing/2014/main" id="{986F1241-4467-4A33-8F42-658BD1961EF6}"/>
+                <a16:creationId xmlns:a16="http://schemas.microsoft.com/office/drawing/2014/main" id="{0C18DF19-B750-4C88-975B-661A6BF61F5E}"/>
+              </a:ext>
+            </a:extLst>
+          </p:cNvPr>
+          <p:cNvSpPr txBox="1"/>
+          <p:nvPr/>
+        </p:nvSpPr>
+        <p:spPr>
+          <a:xfrm>
+            <a:off x="190401" y="3927519"/>
+            <a:ext cx="11710599" cy="1979644"/>
+          </a:xfrm>
+          <a:prstGeom prst="rect">
+            <a:avLst/>
+          </a:prstGeom>
+          <a:noFill/>
+          <a:ln w="12700">
+            <a:noFill/>
+          </a:ln>
+        </p:spPr>
+        <p:txBody>
+          <a:bodyPr wrap="square">
+            <a:spAutoFit/>
+          </a:bodyPr>
+          <a:lstStyle/>
+          <a:p>
+            <a:pPr marL="360363" indent="-360363" defTabSz="1218438">
+              <a:lnSpc>
+                <a:spcPct val="120000"/>
+              </a:lnSpc>
+              <a:spcBef>
+                <a:spcPts val="600"/>
+              </a:spcBef>
+              <a:spcAft>
+                <a:spcPts val="600"/>
+              </a:spcAft>
+              <a:buFont typeface="Wingdings" panose="05000000000000000000" pitchFamily="2" charset="2"/>
+              <a:buChar char="§"/>
+              <a:defRPr/>
+            </a:pPr>
+            <a:r>
+              <a:rPr lang="bg-BG" sz="3200" dirty="0"/>
+              <a:t>Проект "</a:t>
+            </a:r>
+            <a:r>
+              <a:rPr lang="bg-BG" sz="3200" b="1" dirty="0"/>
+              <a:t>Отворено учебно съдържание по програмиране и ИТ</a:t>
+            </a:r>
+            <a:r>
+              <a:rPr lang="bg-BG" sz="3200" dirty="0"/>
+              <a:t>" към Фондация "Софтуерен университет"</a:t>
+            </a:r>
+            <a:r>
+              <a:rPr lang="en-US" sz="3200" dirty="0"/>
+              <a:t>:</a:t>
+            </a:r>
+            <a:endParaRPr lang="bg-BG" sz="3200" dirty="0"/>
+          </a:p>
+          <a:p>
+            <a:pPr marL="817563" lvl="1" indent="-360363" defTabSz="1218438">
+              <a:lnSpc>
+                <a:spcPct val="120000"/>
+              </a:lnSpc>
+              <a:spcBef>
+                <a:spcPts val="600"/>
+              </a:spcBef>
+              <a:spcAft>
+                <a:spcPts val="600"/>
+              </a:spcAft>
+              <a:buFont typeface="Wingdings" panose="05000000000000000000" pitchFamily="2" charset="2"/>
+              <a:buChar char="§"/>
+              <a:defRPr/>
+            </a:pPr>
+            <a:r>
+              <a:rPr kumimoji="0" lang="en-US" sz="3200" b="0" i="0" u="none" strike="noStrike" kern="1200" cap="none" spc="0" normalizeH="0" baseline="0" noProof="0" dirty="0">
+                <a:ln>
+                  <a:noFill/>
+                </a:ln>
+                <a:solidFill>
+                  <a:srgbClr val="234465"/>
+                </a:solidFill>
+                <a:effectLst/>
+                <a:uLnTx/>
+                <a:uFillTx/>
+                <a:latin typeface="Calibri"/>
+                <a:ea typeface="+mn-ea"/>
+                <a:cs typeface="+mn-cs"/>
+                <a:hlinkClick r:id="rId4"/>
+              </a:rPr>
+              <a:t>https://github.com/BG-IT-Edu</a:t>
+            </a:r>
+            <a:endParaRPr kumimoji="0" lang="bg-BG" sz="3200" b="0" i="0" u="none" strike="noStrike" kern="1200" cap="none" spc="0" normalizeH="0" baseline="0" noProof="0" dirty="0">
+              <a:ln>
+                <a:noFill/>
+              </a:ln>
+              <a:solidFill>
+                <a:srgbClr val="234465"/>
+              </a:solidFill>
+              <a:effectLst/>
+              <a:uLnTx/>
+              <a:uFillTx/>
+              <a:latin typeface="Calibri"/>
+              <a:ea typeface="+mn-ea"/>
+              <a:cs typeface="+mn-cs"/>
+            </a:endParaRPr>
+          </a:p>
+        </p:txBody>
+      </p:sp>
+      <p:pic>
+        <p:nvPicPr>
+          <p:cNvPr id="7" name="Picture 6" title="CC-BY-NC-SA License">
+            <a:hlinkClick r:id="rId5" tooltip="This work is licensed under the &quot;Creative Commons Attribution-NonCommercial-ShareAlike 4.0 International&quot; license"/>
+            <a:extLst>
+              <a:ext uri="{FF2B5EF4-FFF2-40B4-BE49-F238E27FC236}">
+                <a16:creationId xmlns:a16="http://schemas.microsoft.com/office/drawing/2014/main" id="{F6C77C47-F7D8-A176-5C69-7FDE5C7E8003}"/>
+              </a:ext>
+            </a:extLst>
+          </p:cNvPr>
+          <p:cNvPicPr>
+            <a:picLocks noChangeAspect="1" noChangeArrowheads="1"/>
+          </p:cNvPicPr>
+          <p:nvPr/>
+        </p:nvPicPr>
+        <p:blipFill>
+          <a:blip r:embed="rId6">
+            <a:extLst>
+              <a:ext uri="{28A0092B-C50C-407E-A947-70E740481C1C}">
+                <a14:useLocalDpi xmlns:a14="http://schemas.microsoft.com/office/drawing/2010/main"/>
+              </a:ext>
+            </a:extLst>
+          </a:blip>
+          <a:srcRect/>
+          <a:stretch>
+            <a:fillRect/>
+          </a:stretch>
+        </p:blipFill>
+        <p:spPr bwMode="auto">
+          <a:xfrm>
+            <a:off x="9831000" y="2908593"/>
+            <a:ext cx="1989336" cy="696022"/>
+          </a:xfrm>
+          <a:prstGeom prst="roundRect">
+            <a:avLst>
+              <a:gd name="adj" fmla="val 3940"/>
+            </a:avLst>
+          </a:prstGeom>
+          <a:solidFill>
+            <a:srgbClr val="231F20">
+              <a:alpha val="50000"/>
+            </a:srgbClr>
+          </a:solidFill>
+          <a:ln>
+            <a:noFill/>
+          </a:ln>
+        </p:spPr>
+      </p:pic>
+      <p:sp>
+        <p:nvSpPr>
+          <p:cNvPr id="4" name="Slide Number">
+            <a:extLst>
+              <a:ext uri="{FF2B5EF4-FFF2-40B4-BE49-F238E27FC236}">
+                <a16:creationId xmlns:a16="http://schemas.microsoft.com/office/drawing/2014/main" id="{5F8A2404-7EAA-2514-80D5-646290939E83}"/>
               </a:ext>
             </a:extLst>
           </p:cNvPr>
@@ -25160,7 +24095,7 @@
     </p:spTree>
     <p:extLst>
       <p:ext uri="{BB962C8B-B14F-4D97-AF65-F5344CB8AC3E}">
-        <p14:creationId xmlns:p14="http://schemas.microsoft.com/office/powerpoint/2010/main" val="173046327"/>
+        <p14:creationId xmlns:p14="http://schemas.microsoft.com/office/powerpoint/2010/main" val="3400089737"/>
       </p:ext>
     </p:extLst>
   </p:cSld>
@@ -25968,10 +24903,10 @@
       </p:grpSp>
       <p:sp>
         <p:nvSpPr>
-          <p:cNvPr id="3" name="Subtitle 2">
+          <p:cNvPr id="5" name="Подзаглавие 4">
             <a:extLst>
               <a:ext uri="{FF2B5EF4-FFF2-40B4-BE49-F238E27FC236}">
-                <a16:creationId xmlns:a16="http://schemas.microsoft.com/office/drawing/2014/main" id="{28EF2A9F-44E3-48E4-C895-E2B028EEBFAA}"/>
+                <a16:creationId xmlns:a16="http://schemas.microsoft.com/office/drawing/2014/main" id="{8AAF8B02-DEC7-C03C-3B47-AC1E69A1B5AC}"/>
               </a:ext>
             </a:extLst>
           </p:cNvPr>
@@ -25989,18 +24924,17 @@
           <a:p>
             <a:r>
               <a:rPr lang="bg-BG" dirty="0"/>
-              <a:t>Поредица от елементи</a:t>
-            </a:r>
-            <a:endParaRPr lang="en-US" dirty="0"/>
+              <a:t>Същност и основни методи</a:t>
+            </a:r>
           </a:p>
         </p:txBody>
       </p:sp>
       <p:sp>
         <p:nvSpPr>
-          <p:cNvPr id="4" name="Title 3">
+          <p:cNvPr id="7" name="Заглавие 6">
             <a:extLst>
               <a:ext uri="{FF2B5EF4-FFF2-40B4-BE49-F238E27FC236}">
-                <a16:creationId xmlns:a16="http://schemas.microsoft.com/office/drawing/2014/main" id="{D25AE5A5-9907-4783-9BAC-727D7B74A227}"/>
+                <a16:creationId xmlns:a16="http://schemas.microsoft.com/office/drawing/2014/main" id="{F56AFA0B-96A0-7285-7024-9B91731EBDE3}"/>
               </a:ext>
             </a:extLst>
           </p:cNvPr>
@@ -26017,21 +24951,16 @@
           <a:lstStyle/>
           <a:p>
             <a:r>
-              <a:rPr lang="en-GB" dirty="0"/>
-              <a:t>Списъ</a:t>
-            </a:r>
-            <a:r>
               <a:rPr lang="bg-BG" dirty="0"/>
-              <a:t>к</a:t>
-            </a:r>
-            <a:endParaRPr lang="en-GB" dirty="0"/>
+              <a:t>Списък</a:t>
+            </a:r>
           </a:p>
         </p:txBody>
       </p:sp>
     </p:spTree>
     <p:extLst>
       <p:ext uri="{BB962C8B-B14F-4D97-AF65-F5344CB8AC3E}">
-        <p14:creationId xmlns:p14="http://schemas.microsoft.com/office/powerpoint/2010/main" val="3346906021"/>
+        <p14:creationId xmlns:p14="http://schemas.microsoft.com/office/powerpoint/2010/main" val="3360481095"/>
       </p:ext>
     </p:extLst>
   </p:cSld>
@@ -26108,7 +25037,15 @@
             </a:r>
             <a:r>
               <a:rPr lang="bg-BG" sz="3350" dirty="0"/>
-              <a:t>е списък от елементи с еднакъв тип данни</a:t>
+              <a:t>е списък от елементи с </a:t>
+            </a:r>
+            <a:r>
+              <a:rPr lang="bg-BG" sz="3350" b="1" dirty="0">
+                <a:solidFill>
+                  <a:schemeClr val="bg1"/>
+                </a:solidFill>
+              </a:rPr>
+              <a:t>еднакъв тип данни</a:t>
             </a:r>
           </a:p>
           <a:p>
@@ -26164,11 +25101,7 @@
           <a:p>
             <a:r>
               <a:rPr lang="bg-BG" sz="3950" dirty="0"/>
-              <a:t>Списък от тип Т (</a:t>
-            </a:r>
-            <a:r>
-              <a:rPr lang="en-US" sz="3950" dirty="0"/>
-              <a:t>List&lt;T&gt;)</a:t>
+              <a:t>Списък</a:t>
             </a:r>
             <a:endParaRPr lang="en-US" dirty="0"/>
           </a:p>
@@ -26373,7 +25306,7 @@
             </a:r>
             <a:endParaRPr lang="en-US" sz="2400" dirty="0">
               <a:solidFill>
-                <a:schemeClr val="bg1"/>
+                <a:schemeClr val="accent2"/>
               </a:solidFill>
               <a:latin typeface="Consolas"/>
             </a:endParaRPr>
@@ -26557,10 +25490,10 @@
       </p:sp>
       <p:sp>
         <p:nvSpPr>
-          <p:cNvPr id="6" name="Slide Number">
+          <p:cNvPr id="2" name="Slide Number">
             <a:extLst>
               <a:ext uri="{FF2B5EF4-FFF2-40B4-BE49-F238E27FC236}">
-                <a16:creationId xmlns:a16="http://schemas.microsoft.com/office/drawing/2014/main" id="{DD2D1701-43CF-4C5D-9416-C61ABBB7B0DA}"/>
+                <a16:creationId xmlns:a16="http://schemas.microsoft.com/office/drawing/2014/main" id="{D1452F7C-5300-2379-3464-047DD540E069}"/>
               </a:ext>
             </a:extLst>
           </p:cNvPr>
@@ -26688,7 +25621,7 @@
     </p:spTree>
     <p:extLst>
       <p:ext uri="{BB962C8B-B14F-4D97-AF65-F5344CB8AC3E}">
-        <p14:creationId xmlns:p14="http://schemas.microsoft.com/office/powerpoint/2010/main" val="632337627"/>
+        <p14:creationId xmlns:p14="http://schemas.microsoft.com/office/powerpoint/2010/main" val="442059057"/>
       </p:ext>
     </p:extLst>
   </p:cSld>
@@ -26861,15 +25794,33 @@
                                   </p:childTnLst>
                                 </p:cTn>
                               </p:par>
+                            </p:childTnLst>
+                          </p:cTn>
+                        </p:par>
+                      </p:childTnLst>
+                    </p:cTn>
+                  </p:par>
+                  <p:par>
+                    <p:cTn id="15" fill="hold">
+                      <p:stCondLst>
+                        <p:cond delay="indefinite"/>
+                      </p:stCondLst>
+                      <p:childTnLst>
+                        <p:par>
+                          <p:cTn id="16" fill="hold">
+                            <p:stCondLst>
+                              <p:cond delay="0"/>
+                            </p:stCondLst>
+                            <p:childTnLst>
                               <p:par>
-                                <p:cTn id="15" presetID="1" presetClass="entr" presetSubtype="0" fill="hold" nodeType="withEffect">
+                                <p:cTn id="17" presetID="1" presetClass="entr" presetSubtype="0" fill="hold" nodeType="clickEffect">
                                   <p:stCondLst>
                                     <p:cond delay="0"/>
                                   </p:stCondLst>
                                   <p:childTnLst>
                                     <p:set>
                                       <p:cBhvr>
-                                        <p:cTn id="16" dur="1" fill="hold">
+                                        <p:cTn id="18" dur="1" fill="hold">
                                           <p:stCondLst>
                                             <p:cond delay="0"/>
                                           </p:stCondLst>
@@ -26893,14 +25844,14 @@
                                 </p:cTn>
                               </p:par>
                               <p:par>
-                                <p:cTn id="17" presetID="1" presetClass="entr" presetSubtype="0" fill="hold" nodeType="withEffect">
+                                <p:cTn id="19" presetID="1" presetClass="entr" presetSubtype="0" fill="hold" nodeType="withEffect">
                                   <p:stCondLst>
                                     <p:cond delay="0"/>
                                   </p:stCondLst>
                                   <p:childTnLst>
                                     <p:set>
                                       <p:cBhvr>
-                                        <p:cTn id="18" dur="1" fill="hold">
+                                        <p:cTn id="20" dur="1" fill="hold">
                                           <p:stCondLst>
                                             <p:cond delay="0"/>
                                           </p:stCondLst>
@@ -27394,10 +26345,10 @@
       </p:sp>
       <p:sp>
         <p:nvSpPr>
-          <p:cNvPr id="6" name="Slide Number">
+          <p:cNvPr id="2" name="Slide Number">
             <a:extLst>
               <a:ext uri="{FF2B5EF4-FFF2-40B4-BE49-F238E27FC236}">
-                <a16:creationId xmlns:a16="http://schemas.microsoft.com/office/drawing/2014/main" id="{14016058-4EC7-48A5-BA92-863BAED20431}"/>
+                <a16:creationId xmlns:a16="http://schemas.microsoft.com/office/drawing/2014/main" id="{F99FB547-388D-C1B1-BE3B-3ADF61B06897}"/>
               </a:ext>
             </a:extLst>
           </p:cNvPr>
@@ -27437,7 +26388,7 @@
     </p:spTree>
     <p:extLst>
       <p:ext uri="{BB962C8B-B14F-4D97-AF65-F5344CB8AC3E}">
-        <p14:creationId xmlns:p14="http://schemas.microsoft.com/office/powerpoint/2010/main" val="1343865349"/>
+        <p14:creationId xmlns:p14="http://schemas.microsoft.com/office/powerpoint/2010/main" val="1979357305"/>
       </p:ext>
     </p:extLst>
   </p:cSld>
@@ -29022,7 +27973,7 @@
         </p:spPr>
         <p:txBody>
           <a:bodyPr vert="horz" lIns="108000" tIns="36000" rIns="108000" bIns="36000" rtlCol="0" anchor="t">
-            <a:normAutofit/>
+            <a:normAutofit lnSpcReduction="10000"/>
           </a:bodyPr>
           <a:lstStyle/>
           <a:p>
@@ -29080,7 +28031,7 @@
                   <a:schemeClr val="bg1"/>
                 </a:solidFill>
               </a:rPr>
-              <a:t>броя</a:t>
+              <a:t>броят</a:t>
             </a:r>
             <a:r>
               <a:rPr lang="bg-BG" sz="3350" dirty="0">
@@ -29285,10 +28236,10 @@
       </p:sp>
       <p:sp>
         <p:nvSpPr>
-          <p:cNvPr id="20" name="Slide Number">
+          <p:cNvPr id="2" name="Slide Number">
             <a:extLst>
               <a:ext uri="{FF2B5EF4-FFF2-40B4-BE49-F238E27FC236}">
-                <a16:creationId xmlns:a16="http://schemas.microsoft.com/office/drawing/2014/main" id="{889081D0-8BE3-4F6E-84D8-04061CC77783}"/>
+                <a16:creationId xmlns:a16="http://schemas.microsoft.com/office/drawing/2014/main" id="{54B61771-5040-425A-B774-ACD04335DB2F}"/>
               </a:ext>
             </a:extLst>
           </p:cNvPr>
@@ -29328,7 +28279,7 @@
     </p:spTree>
     <p:extLst>
       <p:ext uri="{BB962C8B-B14F-4D97-AF65-F5344CB8AC3E}">
-        <p14:creationId xmlns:p14="http://schemas.microsoft.com/office/powerpoint/2010/main" val="296153630"/>
+        <p14:creationId xmlns:p14="http://schemas.microsoft.com/office/powerpoint/2010/main" val="1468948814"/>
       </p:ext>
     </p:extLst>
   </p:cSld>
@@ -30507,6 +29458,16 @@
               <a:t>броя</a:t>
             </a:r>
             <a:r>
+              <a:rPr lang="bg-BG" sz="3350" b="1" dirty="0">
+                <a:solidFill>
+                  <a:schemeClr val="bg1"/>
+                </a:solidFill>
+                <a:ea typeface="+mn-lt"/>
+                <a:cs typeface="+mn-lt"/>
+              </a:rPr>
+              <a:t>т</a:t>
+            </a:r>
+            <a:r>
               <a:rPr lang="en-GB" sz="3350" dirty="0">
                 <a:ea typeface="+mn-lt"/>
                 <a:cs typeface="+mn-lt"/>
@@ -31145,10 +30106,10 @@
       </p:sp>
       <p:sp>
         <p:nvSpPr>
-          <p:cNvPr id="22" name="Slide Number">
+          <p:cNvPr id="2" name="Slide Number">
             <a:extLst>
               <a:ext uri="{FF2B5EF4-FFF2-40B4-BE49-F238E27FC236}">
-                <a16:creationId xmlns:a16="http://schemas.microsoft.com/office/drawing/2014/main" id="{94B72F5E-F011-4224-AA37-9E8C10613135}"/>
+                <a16:creationId xmlns:a16="http://schemas.microsoft.com/office/drawing/2014/main" id="{8A97B302-EC20-466D-526F-CC82176F2D8E}"/>
               </a:ext>
             </a:extLst>
           </p:cNvPr>
@@ -31188,7 +30149,7 @@
     </p:spTree>
     <p:extLst>
       <p:ext uri="{BB962C8B-B14F-4D97-AF65-F5344CB8AC3E}">
-        <p14:creationId xmlns:p14="http://schemas.microsoft.com/office/powerpoint/2010/main" val="252282569"/>
+        <p14:creationId xmlns:p14="http://schemas.microsoft.com/office/powerpoint/2010/main" val="4211744813"/>
       </p:ext>
     </p:extLst>
   </p:cSld>
@@ -31215,9 +30176,6 @@
                     <p:cTn id="3" fill="hold">
                       <p:stCondLst>
                         <p:cond delay="indefinite"/>
-                        <p:cond evt="onBegin" delay="0">
-                          <p:tn val="2"/>
-                        </p:cond>
                       </p:stCondLst>
                       <p:childTnLst>
                         <p:par>
@@ -31227,14 +30185,45 @@
                             </p:stCondLst>
                             <p:childTnLst>
                               <p:par>
-                                <p:cTn id="5" presetID="43" presetClass="path" presetSubtype="0" accel="50000" decel="50000" fill="hold" grpId="0" nodeType="withEffect">
+                                <p:cTn id="5" presetID="1" presetClass="entr" presetSubtype="0" fill="hold" nodeType="clickEffect">
                                   <p:stCondLst>
                                     <p:cond delay="0"/>
                                   </p:stCondLst>
                                   <p:childTnLst>
-                                    <p:animMotion origin="layout" path="M 4.16667E-6 3.7037E-7 L 4.16667E-6 -0.20648 C 4.16667E-6 -0.29861 -0.05521 -0.41296 -0.1 -0.41296 L -0.2 -0.41296 " pathEditMode="relative" rAng="16200000" ptsTypes="AAAA">
+                                    <p:set>
                                       <p:cBhvr>
-                                        <p:cTn id="6" dur="2000" fill="hold"/>
+                                        <p:cTn id="6" dur="1" fill="hold">
+                                          <p:stCondLst>
+                                            <p:cond delay="0"/>
+                                          </p:stCondLst>
+                                        </p:cTn>
+                                        <p:tgtEl>
+                                          <p:spTgt spid="21">
+                                            <p:txEl>
+                                              <p:pRg st="1" end="1"/>
+                                            </p:txEl>
+                                          </p:spTgt>
+                                        </p:tgtEl>
+                                        <p:attrNameLst>
+                                          <p:attrName>style.visibility</p:attrName>
+                                        </p:attrNameLst>
+                                      </p:cBhvr>
+                                      <p:to>
+                                        <p:strVal val="visible"/>
+                                      </p:to>
+                                    </p:set>
+                                  </p:childTnLst>
+                                </p:cTn>
+                              </p:par>
+                              <p:par>
+                                <p:cTn id="7" presetID="43" presetClass="path" presetSubtype="0" accel="50000" decel="50000" fill="hold" grpId="0" nodeType="withEffect">
+                                  <p:stCondLst>
+                                    <p:cond delay="0"/>
+                                  </p:stCondLst>
+                                  <p:childTnLst>
+                                    <p:animMotion origin="layout" path="M -0.0039 -2.59259E-6 L -0.0039 -0.20648 C -0.0039 -0.29861 -0.05912 -0.41296 -0.10391 -0.41296 L -0.20391 -0.41296 " pathEditMode="relative" rAng="16200000" ptsTypes="AAAA">
+                                      <p:cBhvr>
+                                        <p:cTn id="8" dur="2000" fill="hold"/>
                                         <p:tgtEl>
                                           <p:spTgt spid="19"/>
                                         </p:tgtEl>
@@ -31252,20 +30241,20 @@
                           </p:cTn>
                         </p:par>
                         <p:par>
-                          <p:cTn id="7" fill="hold">
+                          <p:cTn id="9" fill="hold">
                             <p:stCondLst>
                               <p:cond delay="2000"/>
                             </p:stCondLst>
                             <p:childTnLst>
                               <p:par>
-                                <p:cTn id="8" presetID="1" presetClass="exit" presetSubtype="0" fill="hold" grpId="0" nodeType="afterEffect">
+                                <p:cTn id="10" presetID="1" presetClass="exit" presetSubtype="0" fill="hold" grpId="0" nodeType="afterEffect">
                                   <p:stCondLst>
                                     <p:cond delay="0"/>
                                   </p:stCondLst>
                                   <p:childTnLst>
                                     <p:set>
                                       <p:cBhvr>
-                                        <p:cTn id="9" dur="1" fill="hold">
+                                        <p:cTn id="11" dur="1" fill="hold">
                                           <p:stCondLst>
                                             <p:cond delay="0"/>
                                           </p:stCondLst>
@@ -31285,14 +30274,14 @@
                                 </p:cTn>
                               </p:par>
                               <p:par>
-                                <p:cTn id="10" presetID="1" presetClass="entr" presetSubtype="0" fill="hold" grpId="0" nodeType="withEffect">
+                                <p:cTn id="12" presetID="1" presetClass="entr" presetSubtype="0" fill="hold" grpId="0" nodeType="withEffect">
                                   <p:stCondLst>
                                     <p:cond delay="0"/>
                                   </p:stCondLst>
                                   <p:childTnLst>
                                     <p:set>
                                       <p:cBhvr>
-                                        <p:cTn id="11" dur="1" fill="hold">
+                                        <p:cTn id="13" dur="1" fill="hold">
                                           <p:stCondLst>
                                             <p:cond delay="0"/>
                                           </p:stCondLst>
@@ -31315,20 +30304,20 @@
                           </p:cTn>
                         </p:par>
                         <p:par>
-                          <p:cTn id="12" fill="hold">
+                          <p:cTn id="14" fill="hold">
                             <p:stCondLst>
                               <p:cond delay="2000"/>
                             </p:stCondLst>
                             <p:childTnLst>
                               <p:par>
-                                <p:cTn id="13" presetID="42" presetClass="path" presetSubtype="0" accel="50000" decel="50000" fill="hold" grpId="0" nodeType="afterEffect">
+                                <p:cTn id="15" presetID="42" presetClass="path" presetSubtype="0" accel="50000" decel="50000" fill="hold" grpId="0" nodeType="afterEffect">
                                   <p:stCondLst>
                                     <p:cond delay="0"/>
                                   </p:stCondLst>
                                   <p:childTnLst>
-                                    <p:animMotion origin="layout" path="M -4.79167E-6 -2.22222E-6 L 0.00092 -0.09259 " pathEditMode="relative" rAng="0" ptsTypes="AA">
+                                    <p:animMotion origin="layout" path="M 5E-6 -2.22222E-6 L 0.00091 -0.09259 " pathEditMode="relative" rAng="0" ptsTypes="AA">
                                       <p:cBhvr>
-                                        <p:cTn id="14" dur="2000" fill="hold"/>
+                                        <p:cTn id="16" dur="2000" fill="hold"/>
                                         <p:tgtEl>
                                           <p:spTgt spid="18"/>
                                         </p:tgtEl>
@@ -32079,7 +31068,7 @@
             </a:r>
             <a:r>
               <a:rPr lang="en-GB" sz="3350" dirty="0"/>
-              <a:t> елемент на индекс 1</a:t>
+              <a:t>елемент на индекс 1</a:t>
             </a:r>
             <a:endParaRPr lang="bg-BG" sz="3350" dirty="0"/>
           </a:p>
@@ -32118,7 +31107,7 @@
                 <a:latin typeface="Calibri"/>
                 <a:cs typeface="Calibri"/>
               </a:rPr>
-              <a:t> при вмъкване</a:t>
+              <a:t>при вмъкване</a:t>
             </a:r>
           </a:p>
           <a:p>
@@ -32617,10 +31606,10 @@
       </p:sp>
       <p:sp>
         <p:nvSpPr>
-          <p:cNvPr id="20" name="Slide Number">
+          <p:cNvPr id="2" name="Slide Number">
             <a:extLst>
               <a:ext uri="{FF2B5EF4-FFF2-40B4-BE49-F238E27FC236}">
-                <a16:creationId xmlns:a16="http://schemas.microsoft.com/office/drawing/2014/main" id="{01D8CA1F-FF58-411B-9535-39A0AA689942}"/>
+                <a16:creationId xmlns:a16="http://schemas.microsoft.com/office/drawing/2014/main" id="{77207579-03CC-A298-2973-6E555A9A86BC}"/>
               </a:ext>
             </a:extLst>
           </p:cNvPr>
@@ -32660,7 +31649,7 @@
     </p:spTree>
     <p:extLst>
       <p:ext uri="{BB962C8B-B14F-4D97-AF65-F5344CB8AC3E}">
-        <p14:creationId xmlns:p14="http://schemas.microsoft.com/office/powerpoint/2010/main" val="3993117222"/>
+        <p14:creationId xmlns:p14="http://schemas.microsoft.com/office/powerpoint/2010/main" val="1119611155"/>
       </p:ext>
     </p:extLst>
   </p:cSld>
@@ -32687,9 +31676,6 @@
                     <p:cTn id="3" fill="hold">
                       <p:stCondLst>
                         <p:cond delay="indefinite"/>
-                        <p:cond evt="onBegin" delay="0">
-                          <p:tn val="2"/>
-                        </p:cond>
                       </p:stCondLst>
                       <p:childTnLst>
                         <p:par>
@@ -32699,14 +31685,54 @@
                             </p:stCondLst>
                             <p:childTnLst>
                               <p:par>
-                                <p:cTn id="5" presetID="50" presetClass="path" presetSubtype="0" accel="50000" decel="50000" fill="hold" grpId="0" nodeType="afterEffect">
+                                <p:cTn id="5" presetID="1" presetClass="entr" presetSubtype="0" fill="hold" nodeType="clickEffect">
+                                  <p:stCondLst>
+                                    <p:cond delay="0"/>
+                                  </p:stCondLst>
+                                  <p:childTnLst>
+                                    <p:set>
+                                      <p:cBhvr>
+                                        <p:cTn id="6" dur="1" fill="hold">
+                                          <p:stCondLst>
+                                            <p:cond delay="0"/>
+                                          </p:stCondLst>
+                                        </p:cTn>
+                                        <p:tgtEl>
+                                          <p:spTgt spid="21">
+                                            <p:txEl>
+                                              <p:pRg st="1" end="1"/>
+                                            </p:txEl>
+                                          </p:spTgt>
+                                        </p:tgtEl>
+                                        <p:attrNameLst>
+                                          <p:attrName>style.visibility</p:attrName>
+                                        </p:attrNameLst>
+                                      </p:cBhvr>
+                                      <p:to>
+                                        <p:strVal val="visible"/>
+                                      </p:to>
+                                    </p:set>
+                                  </p:childTnLst>
+                                </p:cTn>
+                              </p:par>
+                            </p:childTnLst>
+                          </p:cTn>
+                        </p:par>
+                        <p:par>
+                          <p:cTn id="7" fill="hold">
+                            <p:stCondLst>
+                              <p:cond delay="0"/>
+                            </p:stCondLst>
+                            <p:childTnLst>
+                              <p:par>
+                                <p:cTn id="8" presetID="50" presetClass="path" presetSubtype="0" accel="50000" decel="50000" fill="hold" grpId="0" nodeType="afterEffect">
                                   <p:stCondLst>
                                     <p:cond delay="0"/>
                                   </p:stCondLst>
                                   <p:childTnLst>
                                     <p:animMotion origin="layout" path="M 4.375E-6 -7.40741E-7 L 0.09921 -7.40741E-7 C 0.14362 -7.40741E-7 0.19843 0.11389 0.19843 0.20671 L 0.19843 0.41343 " pathEditMode="relative" rAng="0" ptsTypes="AAAA">
                                       <p:cBhvr>
-                                        <p:cTn id="6" dur="2000" fill="hold"/>
+                                        <p:cTn id="9" dur="2000" fill="hold"/>
                                         <p:tgtEl>
                                           <p:spTgt spid="42"/>
                                         </p:tgtEl>
@@ -32724,20 +31750,20 @@
                           </p:cTn>
                         </p:par>
                         <p:par>
-                          <p:cTn id="7" fill="hold">
+                          <p:cTn id="10" fill="hold">
                             <p:stCondLst>
                               <p:cond delay="2000"/>
                             </p:stCondLst>
                             <p:childTnLst>
                               <p:par>
-                                <p:cTn id="8" presetID="1" presetClass="exit" presetSubtype="0" fill="hold" grpId="0" nodeType="afterEffect">
+                                <p:cTn id="11" presetID="1" presetClass="exit" presetSubtype="0" fill="hold" grpId="0" nodeType="afterEffect">
                                   <p:stCondLst>
                                     <p:cond delay="0"/>
                                   </p:stCondLst>
                                   <p:childTnLst>
                                     <p:set>
                                       <p:cBhvr>
-                                        <p:cTn id="9" dur="1" fill="hold">
+                                        <p:cTn id="12" dur="1" fill="hold">
                                           <p:stCondLst>
                                             <p:cond delay="0"/>
                                           </p:stCondLst>
@@ -32757,14 +31783,14 @@
                                 </p:cTn>
                               </p:par>
                               <p:par>
-                                <p:cTn id="10" presetID="1" presetClass="entr" presetSubtype="0" fill="hold" grpId="0" nodeType="withEffect">
+                                <p:cTn id="13" presetID="1" presetClass="entr" presetSubtype="0" fill="hold" grpId="0" nodeType="withEffect">
                                   <p:stCondLst>
                                     <p:cond delay="0"/>
                                   </p:stCondLst>
                                   <p:childTnLst>
                                     <p:set>
                                       <p:cBhvr>
-                                        <p:cTn id="11" dur="1" fill="hold">
+                                        <p:cTn id="14" dur="1" fill="hold">
                                           <p:stCondLst>
                                             <p:cond delay="0"/>
                                           </p:stCondLst>
@@ -32784,14 +31810,14 @@
                                 </p:cTn>
                               </p:par>
                               <p:par>
-                                <p:cTn id="12" presetID="42" presetClass="path" presetSubtype="0" accel="50000" decel="50000" fill="hold" grpId="0" nodeType="withEffect">
+                                <p:cTn id="15" presetID="42" presetClass="path" presetSubtype="0" accel="50000" decel="50000" fill="hold" grpId="0" nodeType="withEffect">
                                   <p:stCondLst>
                                     <p:cond delay="0"/>
                                   </p:stCondLst>
                                   <p:childTnLst>
-                                    <p:animMotion origin="layout" path="M 4.79167E-6 -4.81481E-6 L -0.00013 0.0963 " pathEditMode="relative" rAng="0" ptsTypes="AA">
+                                    <p:animMotion origin="layout" path="M 4.58333E-6 -2.96296E-6 L -0.00013 0.0963 " pathEditMode="relative" rAng="0" ptsTypes="AA">
                                       <p:cBhvr>
-                                        <p:cTn id="13" dur="2000" fill="hold"/>
+                                        <p:cTn id="16" dur="2000" fill="hold"/>
                                         <p:tgtEl>
                                           <p:spTgt spid="18"/>
                                         </p:tgtEl>
@@ -33432,10 +32458,10 @@
       </p:sp>
       <p:sp>
         <p:nvSpPr>
-          <p:cNvPr id="7" name="Slide Number">
+          <p:cNvPr id="2" name="Slide Number">
             <a:extLst>
               <a:ext uri="{FF2B5EF4-FFF2-40B4-BE49-F238E27FC236}">
-                <a16:creationId xmlns:a16="http://schemas.microsoft.com/office/drawing/2014/main" id="{EDD3C3A4-782D-4C1C-949F-9607244EB8AE}"/>
+                <a16:creationId xmlns:a16="http://schemas.microsoft.com/office/drawing/2014/main" id="{73D05444-42E1-88E2-5F78-B0759A55EAF6}"/>
               </a:ext>
             </a:extLst>
           </p:cNvPr>
@@ -33475,7 +32501,7 @@
     </p:spTree>
     <p:extLst>
       <p:ext uri="{BB962C8B-B14F-4D97-AF65-F5344CB8AC3E}">
-        <p14:creationId xmlns:p14="http://schemas.microsoft.com/office/powerpoint/2010/main" val="3181172498"/>
+        <p14:creationId xmlns:p14="http://schemas.microsoft.com/office/powerpoint/2010/main" val="195232458"/>
       </p:ext>
     </p:extLst>
   </p:cSld>
@@ -33847,12 +32873,12 @@
 <file path=ppt/theme/theme1.xml><?xml version="1.0" encoding="utf-8"?>
 <a:theme xmlns:a="http://schemas.openxmlformats.org/drawingml/2006/main" name="SoftUni">
   <a:themeElements>
-    <a:clrScheme name="Custom 28">
+    <a:clrScheme name="Custom 2">
       <a:dk1>
         <a:srgbClr val="234465"/>
       </a:dk1>
       <a:lt1>
-        <a:srgbClr val="FFA000"/>
+        <a:srgbClr val="BF7800"/>
       </a:lt1>
       <a:dk2>
         <a:srgbClr val="234465"/>
@@ -33861,7 +32887,7 @@
         <a:srgbClr val="FFFFFF"/>
       </a:lt2>
       <a:accent1>
-        <a:srgbClr val="F29600"/>
+        <a:srgbClr val="FFA000"/>
       </a:accent1>
       <a:accent2>
         <a:srgbClr val="00B050"/>
@@ -33879,10 +32905,10 @@
         <a:srgbClr val="F4F5F7"/>
       </a:accent6>
       <a:hlink>
-        <a:srgbClr val="F2AC44"/>
+        <a:srgbClr val="BF7800"/>
       </a:hlink>
       <a:folHlink>
-        <a:srgbClr val="F6C781"/>
+        <a:srgbClr val="EF9511"/>
       </a:folHlink>
     </a:clrScheme>
     <a:fontScheme name="SoftUni">

--- a/Courses/Software-Sciences/Module-2-DS-and-Algo/02.1-Lists-Basics/02.1-Lists-Basics.pptx
+++ b/Courses/Software-Sciences/Module-2-DS-and-Algo/02.1-Lists-Basics/02.1-Lists-Basics.pptx
@@ -5,10 +5,10 @@
     <p:sldMasterId id="2147483675" r:id="rId1"/>
   </p:sldMasterIdLst>
   <p:notesMasterIdLst>
-    <p:notesMasterId r:id="rId29"/>
+    <p:notesMasterId r:id="rId31"/>
   </p:notesMasterIdLst>
   <p:handoutMasterIdLst>
-    <p:handoutMasterId r:id="rId30"/>
+    <p:handoutMasterId r:id="rId32"/>
   </p:handoutMasterIdLst>
   <p:sldIdLst>
     <p:sldId id="274" r:id="rId2"/>
@@ -24,20 +24,22 @@
     <p:sldId id="505" r:id="rId12"/>
     <p:sldId id="506" r:id="rId13"/>
     <p:sldId id="507" r:id="rId14"/>
-    <p:sldId id="519" r:id="rId15"/>
-    <p:sldId id="520" r:id="rId16"/>
+    <p:sldId id="535" r:id="rId15"/>
+    <p:sldId id="521" r:id="rId16"/>
     <p:sldId id="522" r:id="rId17"/>
-    <p:sldId id="521" r:id="rId18"/>
-    <p:sldId id="524" r:id="rId19"/>
-    <p:sldId id="508" r:id="rId20"/>
-    <p:sldId id="509" r:id="rId21"/>
-    <p:sldId id="515" r:id="rId22"/>
-    <p:sldId id="516" r:id="rId23"/>
-    <p:sldId id="525" r:id="rId24"/>
-    <p:sldId id="526" r:id="rId25"/>
-    <p:sldId id="510" r:id="rId26"/>
-    <p:sldId id="533" r:id="rId27"/>
-    <p:sldId id="534" r:id="rId28"/>
+    <p:sldId id="538" r:id="rId18"/>
+    <p:sldId id="539" r:id="rId19"/>
+    <p:sldId id="536" r:id="rId20"/>
+    <p:sldId id="524" r:id="rId21"/>
+    <p:sldId id="508" r:id="rId22"/>
+    <p:sldId id="509" r:id="rId23"/>
+    <p:sldId id="515" r:id="rId24"/>
+    <p:sldId id="516" r:id="rId25"/>
+    <p:sldId id="525" r:id="rId26"/>
+    <p:sldId id="526" r:id="rId27"/>
+    <p:sldId id="510" r:id="rId28"/>
+    <p:sldId id="533" r:id="rId29"/>
+    <p:sldId id="534" r:id="rId30"/>
   </p:sldIdLst>
   <p:sldSz cx="12192000" cy="6858000"/>
   <p:notesSz cx="6858000" cy="9144000"/>
@@ -162,10 +164,12 @@
             <p14:sldId id="505"/>
             <p14:sldId id="506"/>
             <p14:sldId id="507"/>
-            <p14:sldId id="519"/>
-            <p14:sldId id="520"/>
+            <p14:sldId id="535"/>
+            <p14:sldId id="521"/>
             <p14:sldId id="522"/>
-            <p14:sldId id="521"/>
+            <p14:sldId id="538"/>
+            <p14:sldId id="539"/>
+            <p14:sldId id="536"/>
             <p14:sldId id="524"/>
           </p14:sldIdLst>
         </p14:section>
@@ -303,7 +307,7 @@
           <a:p>
             <a:fld id="{4E087215-0C8F-4762-A664-737A353EC9A4}" type="datetimeFigureOut">
               <a:rPr lang="bg-BG" smtClean="0"/>
-              <a:t>17.9.2023 г.</a:t>
+              <a:t>1.07.24 г.</a:t>
             </a:fld>
             <a:endParaRPr lang="bg-BG"/>
           </a:p>
@@ -499,7 +503,7 @@
           <a:p>
             <a:fld id="{72D84649-876A-46C9-8472-14CB09C070D8}" type="datetimeFigureOut">
               <a:rPr lang="en-US" smtClean="0"/>
-              <a:t>9/17/2023</a:t>
+              <a:t>7/1/24</a:t>
             </a:fld>
             <a:endParaRPr lang="en-US"/>
           </a:p>
@@ -1395,7 +1399,7 @@
           <a:bodyPr/>
           <a:lstStyle/>
           <a:p>
-            <a:endParaRPr lang="en-BG" dirty="0"/>
+            <a:endParaRPr lang="bg-BG" dirty="0"/>
           </a:p>
         </p:txBody>
       </p:sp>
@@ -1406,7 +1410,7 @@
             <a:spLocks noGrp="1"/>
           </p:cNvSpPr>
           <p:nvPr>
-            <p:ph type="sldNum" sz="quarter" idx="5"/>
+            <p:ph type="sldNum" sz="quarter" idx="10"/>
           </p:nvPr>
         </p:nvSpPr>
         <p:spPr/>
@@ -1416,7 +1420,7 @@
           <a:p>
             <a:fld id="{2BF067CD-8E6B-4360-9AA8-C5DF2A48A6D1}" type="slidenum">
               <a:rPr lang="en-US" smtClean="0"/>
-              <a:t>15</a:t>
+              <a:t>20</a:t>
             </a:fld>
             <a:endParaRPr lang="en-US" dirty="0"/>
           </a:p>
@@ -1424,10 +1428,10 @@
       </p:sp>
       <p:sp>
         <p:nvSpPr>
-          <p:cNvPr id="6" name="Footer Placeholder 7">
+          <p:cNvPr id="5" name="Footer Placeholder 7">
             <a:extLst>
               <a:ext uri="{FF2B5EF4-FFF2-40B4-BE49-F238E27FC236}">
-                <a16:creationId xmlns:a16="http://schemas.microsoft.com/office/drawing/2014/main" id="{8424E69A-8025-076A-E747-7F52DB05CAFB}"/>
+                <a16:creationId xmlns:a16="http://schemas.microsoft.com/office/drawing/2014/main" id="{8BBADAA6-C3CF-352B-B97E-F83346FB1C2D}"/>
               </a:ext>
             </a:extLst>
           </p:cNvPr>
@@ -1480,7 +1484,7 @@
     </p:spTree>
     <p:extLst>
       <p:ext uri="{BB962C8B-B14F-4D97-AF65-F5344CB8AC3E}">
-        <p14:creationId xmlns:p14="http://schemas.microsoft.com/office/powerpoint/2010/main" val="2543222779"/>
+        <p14:creationId xmlns:p14="http://schemas.microsoft.com/office/powerpoint/2010/main" val="2656582521"/>
       </p:ext>
     </p:extLst>
   </p:cSld>
@@ -1534,18 +1538,18 @@
           <a:bodyPr/>
           <a:lstStyle/>
           <a:p>
-            <a:endParaRPr lang="bg-BG" dirty="0"/>
+            <a:endParaRPr lang="en-US" dirty="0"/>
           </a:p>
         </p:txBody>
       </p:sp>
       <p:sp>
         <p:nvSpPr>
-          <p:cNvPr id="4" name="Slide Number Placeholder 3"/>
+          <p:cNvPr id="5" name="Slide Number Placeholder 4"/>
           <p:cNvSpPr>
             <a:spLocks noGrp="1"/>
           </p:cNvSpPr>
           <p:nvPr>
-            <p:ph type="sldNum" sz="quarter" idx="10"/>
+            <p:ph type="sldNum" sz="quarter" idx="11"/>
           </p:nvPr>
         </p:nvSpPr>
         <p:spPr/>
@@ -1553,9 +1557,10 @@
           <a:bodyPr/>
           <a:lstStyle/>
           <a:p>
-            <a:fld id="{2BF067CD-8E6B-4360-9AA8-C5DF2A48A6D1}" type="slidenum">
+            <a:fld id="{3EBA5BD7-F043-4D1B-AA17-CD412FC534DE}" type="slidenum">
               <a:rPr lang="en-US" smtClean="0"/>
-              <a:t>18</a:t>
+              <a:pPr/>
+              <a:t>27</a:t>
             </a:fld>
             <a:endParaRPr lang="en-US" dirty="0"/>
           </a:p>
@@ -1563,10 +1568,10 @@
       </p:sp>
       <p:sp>
         <p:nvSpPr>
-          <p:cNvPr id="5" name="Footer Placeholder 7">
+          <p:cNvPr id="4" name="Footer Placeholder 7">
             <a:extLst>
               <a:ext uri="{FF2B5EF4-FFF2-40B4-BE49-F238E27FC236}">
-                <a16:creationId xmlns:a16="http://schemas.microsoft.com/office/drawing/2014/main" id="{8BBADAA6-C3CF-352B-B97E-F83346FB1C2D}"/>
+                <a16:creationId xmlns:a16="http://schemas.microsoft.com/office/drawing/2014/main" id="{C6770BF1-CBF7-0630-F448-1F86AFA1CC3F}"/>
               </a:ext>
             </a:extLst>
           </p:cNvPr>
@@ -1619,7 +1624,7 @@
     </p:spTree>
     <p:extLst>
       <p:ext uri="{BB962C8B-B14F-4D97-AF65-F5344CB8AC3E}">
-        <p14:creationId xmlns:p14="http://schemas.microsoft.com/office/powerpoint/2010/main" val="2656582521"/>
+        <p14:creationId xmlns:p14="http://schemas.microsoft.com/office/powerpoint/2010/main" val="2108769264"/>
       </p:ext>
     </p:extLst>
   </p:cSld>
@@ -1679,23 +1684,129 @@
       </p:sp>
       <p:sp>
         <p:nvSpPr>
-          <p:cNvPr id="5" name="Slide Number Placeholder 4"/>
-          <p:cNvSpPr>
-            <a:spLocks noGrp="1"/>
+          <p:cNvPr id="7" name="Slide Number Placeholder 5">
+            <a:extLst>
+              <a:ext uri="{FF2B5EF4-FFF2-40B4-BE49-F238E27FC236}">
+                <a16:creationId xmlns:a16="http://schemas.microsoft.com/office/drawing/2014/main" id="{5049B984-F964-47FF-8179-0A3007CE21CD}"/>
+              </a:ext>
+            </a:extLst>
+          </p:cNvPr>
+          <p:cNvSpPr txBox="1">
+            <a:spLocks/>
           </p:cNvSpPr>
-          <p:nvPr>
-            <p:ph type="sldNum" sz="quarter" idx="11"/>
-          </p:nvPr>
+          <p:nvPr/>
         </p:nvSpPr>
-        <p:spPr/>
+        <p:spPr>
+          <a:xfrm>
+            <a:off x="6488999" y="8847000"/>
+            <a:ext cx="367414" cy="297000"/>
+          </a:xfrm>
+          <a:prstGeom prst="rect">
+            <a:avLst/>
+          </a:prstGeom>
+        </p:spPr>
         <p:txBody>
-          <a:bodyPr/>
-          <a:lstStyle/>
+          <a:bodyPr vert="horz" lIns="91440" tIns="45720" rIns="91440" bIns="45720" rtlCol="0" anchor="b"/>
+          <a:lstStyle>
+            <a:defPPr>
+              <a:defRPr lang="en-US"/>
+            </a:defPPr>
+            <a:lvl1pPr marL="0" algn="r" defTabSz="914400" rtl="0" eaLnBrk="1" latinLnBrk="0" hangingPunct="1">
+              <a:defRPr sz="1200" kern="1200">
+                <a:solidFill>
+                  <a:schemeClr val="tx1"/>
+                </a:solidFill>
+                <a:latin typeface="+mn-lt"/>
+                <a:ea typeface="+mn-ea"/>
+                <a:cs typeface="+mn-cs"/>
+              </a:defRPr>
+            </a:lvl1pPr>
+            <a:lvl2pPr marL="457200" algn="l" defTabSz="914400" rtl="0" eaLnBrk="1" latinLnBrk="0" hangingPunct="1">
+              <a:defRPr sz="1800" kern="1200">
+                <a:solidFill>
+                  <a:schemeClr val="tx1"/>
+                </a:solidFill>
+                <a:latin typeface="+mn-lt"/>
+                <a:ea typeface="+mn-ea"/>
+                <a:cs typeface="+mn-cs"/>
+              </a:defRPr>
+            </a:lvl2pPr>
+            <a:lvl3pPr marL="914400" algn="l" defTabSz="914400" rtl="0" eaLnBrk="1" latinLnBrk="0" hangingPunct="1">
+              <a:defRPr sz="1800" kern="1200">
+                <a:solidFill>
+                  <a:schemeClr val="tx1"/>
+                </a:solidFill>
+                <a:latin typeface="+mn-lt"/>
+                <a:ea typeface="+mn-ea"/>
+                <a:cs typeface="+mn-cs"/>
+              </a:defRPr>
+            </a:lvl3pPr>
+            <a:lvl4pPr marL="1371600" algn="l" defTabSz="914400" rtl="0" eaLnBrk="1" latinLnBrk="0" hangingPunct="1">
+              <a:defRPr sz="1800" kern="1200">
+                <a:solidFill>
+                  <a:schemeClr val="tx1"/>
+                </a:solidFill>
+                <a:latin typeface="+mn-lt"/>
+                <a:ea typeface="+mn-ea"/>
+                <a:cs typeface="+mn-cs"/>
+              </a:defRPr>
+            </a:lvl4pPr>
+            <a:lvl5pPr marL="1828800" algn="l" defTabSz="914400" rtl="0" eaLnBrk="1" latinLnBrk="0" hangingPunct="1">
+              <a:defRPr sz="1800" kern="1200">
+                <a:solidFill>
+                  <a:schemeClr val="tx1"/>
+                </a:solidFill>
+                <a:latin typeface="+mn-lt"/>
+                <a:ea typeface="+mn-ea"/>
+                <a:cs typeface="+mn-cs"/>
+              </a:defRPr>
+            </a:lvl5pPr>
+            <a:lvl6pPr marL="2286000" algn="l" defTabSz="914400" rtl="0" eaLnBrk="1" latinLnBrk="0" hangingPunct="1">
+              <a:defRPr sz="1800" kern="1200">
+                <a:solidFill>
+                  <a:schemeClr val="tx1"/>
+                </a:solidFill>
+                <a:latin typeface="+mn-lt"/>
+                <a:ea typeface="+mn-ea"/>
+                <a:cs typeface="+mn-cs"/>
+              </a:defRPr>
+            </a:lvl6pPr>
+            <a:lvl7pPr marL="2743200" algn="l" defTabSz="914400" rtl="0" eaLnBrk="1" latinLnBrk="0" hangingPunct="1">
+              <a:defRPr sz="1800" kern="1200">
+                <a:solidFill>
+                  <a:schemeClr val="tx1"/>
+                </a:solidFill>
+                <a:latin typeface="+mn-lt"/>
+                <a:ea typeface="+mn-ea"/>
+                <a:cs typeface="+mn-cs"/>
+              </a:defRPr>
+            </a:lvl7pPr>
+            <a:lvl8pPr marL="3200400" algn="l" defTabSz="914400" rtl="0" eaLnBrk="1" latinLnBrk="0" hangingPunct="1">
+              <a:defRPr sz="1800" kern="1200">
+                <a:solidFill>
+                  <a:schemeClr val="tx1"/>
+                </a:solidFill>
+                <a:latin typeface="+mn-lt"/>
+                <a:ea typeface="+mn-ea"/>
+                <a:cs typeface="+mn-cs"/>
+              </a:defRPr>
+            </a:lvl8pPr>
+            <a:lvl9pPr marL="3657600" algn="l" defTabSz="914400" rtl="0" eaLnBrk="1" latinLnBrk="0" hangingPunct="1">
+              <a:defRPr sz="1800" kern="1200">
+                <a:solidFill>
+                  <a:schemeClr val="tx1"/>
+                </a:solidFill>
+                <a:latin typeface="+mn-lt"/>
+                <a:ea typeface="+mn-ea"/>
+                <a:cs typeface="+mn-cs"/>
+              </a:defRPr>
+            </a:lvl9pPr>
+          </a:lstStyle>
           <a:p>
             <a:fld id="{3EBA5BD7-F043-4D1B-AA17-CD412FC534DE}" type="slidenum">
               <a:rPr lang="en-US" smtClean="0"/>
               <a:pPr/>
-              <a:t>25</a:t>
+              <a:t>28</a:t>
             </a:fld>
             <a:endParaRPr lang="en-US" dirty="0"/>
           </a:p>
@@ -1703,10 +1814,10 @@
       </p:sp>
       <p:sp>
         <p:nvSpPr>
-          <p:cNvPr id="4" name="Footer Placeholder 7">
+          <p:cNvPr id="5" name="Footer Placeholder 7">
             <a:extLst>
               <a:ext uri="{FF2B5EF4-FFF2-40B4-BE49-F238E27FC236}">
-                <a16:creationId xmlns:a16="http://schemas.microsoft.com/office/drawing/2014/main" id="{C6770BF1-CBF7-0630-F448-1F86AFA1CC3F}"/>
+                <a16:creationId xmlns:a16="http://schemas.microsoft.com/office/drawing/2014/main" id="{67A7C1B6-340E-4EA7-4DD2-9FC0FF5F8B8F}"/>
               </a:ext>
             </a:extLst>
           </p:cNvPr>
@@ -1759,7 +1870,7 @@
     </p:spTree>
     <p:extLst>
       <p:ext uri="{BB962C8B-B14F-4D97-AF65-F5344CB8AC3E}">
-        <p14:creationId xmlns:p14="http://schemas.microsoft.com/office/powerpoint/2010/main" val="2108769264"/>
+        <p14:creationId xmlns:p14="http://schemas.microsoft.com/office/powerpoint/2010/main" val="2838998354"/>
       </p:ext>
     </p:extLst>
   </p:cSld>
@@ -1813,252 +1924,6 @@
           <a:bodyPr/>
           <a:lstStyle/>
           <a:p>
-            <a:endParaRPr lang="en-US" dirty="0"/>
-          </a:p>
-        </p:txBody>
-      </p:sp>
-      <p:sp>
-        <p:nvSpPr>
-          <p:cNvPr id="7" name="Slide Number Placeholder 5">
-            <a:extLst>
-              <a:ext uri="{FF2B5EF4-FFF2-40B4-BE49-F238E27FC236}">
-                <a16:creationId xmlns:a16="http://schemas.microsoft.com/office/drawing/2014/main" id="{5049B984-F964-47FF-8179-0A3007CE21CD}"/>
-              </a:ext>
-            </a:extLst>
-          </p:cNvPr>
-          <p:cNvSpPr txBox="1">
-            <a:spLocks/>
-          </p:cNvSpPr>
-          <p:nvPr/>
-        </p:nvSpPr>
-        <p:spPr>
-          <a:xfrm>
-            <a:off x="6488999" y="8847000"/>
-            <a:ext cx="367414" cy="297000"/>
-          </a:xfrm>
-          <a:prstGeom prst="rect">
-            <a:avLst/>
-          </a:prstGeom>
-        </p:spPr>
-        <p:txBody>
-          <a:bodyPr vert="horz" lIns="91440" tIns="45720" rIns="91440" bIns="45720" rtlCol="0" anchor="b"/>
-          <a:lstStyle>
-            <a:defPPr>
-              <a:defRPr lang="en-US"/>
-            </a:defPPr>
-            <a:lvl1pPr marL="0" algn="r" defTabSz="914400" rtl="0" eaLnBrk="1" latinLnBrk="0" hangingPunct="1">
-              <a:defRPr sz="1200" kern="1200">
-                <a:solidFill>
-                  <a:schemeClr val="tx1"/>
-                </a:solidFill>
-                <a:latin typeface="+mn-lt"/>
-                <a:ea typeface="+mn-ea"/>
-                <a:cs typeface="+mn-cs"/>
-              </a:defRPr>
-            </a:lvl1pPr>
-            <a:lvl2pPr marL="457200" algn="l" defTabSz="914400" rtl="0" eaLnBrk="1" latinLnBrk="0" hangingPunct="1">
-              <a:defRPr sz="1800" kern="1200">
-                <a:solidFill>
-                  <a:schemeClr val="tx1"/>
-                </a:solidFill>
-                <a:latin typeface="+mn-lt"/>
-                <a:ea typeface="+mn-ea"/>
-                <a:cs typeface="+mn-cs"/>
-              </a:defRPr>
-            </a:lvl2pPr>
-            <a:lvl3pPr marL="914400" algn="l" defTabSz="914400" rtl="0" eaLnBrk="1" latinLnBrk="0" hangingPunct="1">
-              <a:defRPr sz="1800" kern="1200">
-                <a:solidFill>
-                  <a:schemeClr val="tx1"/>
-                </a:solidFill>
-                <a:latin typeface="+mn-lt"/>
-                <a:ea typeface="+mn-ea"/>
-                <a:cs typeface="+mn-cs"/>
-              </a:defRPr>
-            </a:lvl3pPr>
-            <a:lvl4pPr marL="1371600" algn="l" defTabSz="914400" rtl="0" eaLnBrk="1" latinLnBrk="0" hangingPunct="1">
-              <a:defRPr sz="1800" kern="1200">
-                <a:solidFill>
-                  <a:schemeClr val="tx1"/>
-                </a:solidFill>
-                <a:latin typeface="+mn-lt"/>
-                <a:ea typeface="+mn-ea"/>
-                <a:cs typeface="+mn-cs"/>
-              </a:defRPr>
-            </a:lvl4pPr>
-            <a:lvl5pPr marL="1828800" algn="l" defTabSz="914400" rtl="0" eaLnBrk="1" latinLnBrk="0" hangingPunct="1">
-              <a:defRPr sz="1800" kern="1200">
-                <a:solidFill>
-                  <a:schemeClr val="tx1"/>
-                </a:solidFill>
-                <a:latin typeface="+mn-lt"/>
-                <a:ea typeface="+mn-ea"/>
-                <a:cs typeface="+mn-cs"/>
-              </a:defRPr>
-            </a:lvl5pPr>
-            <a:lvl6pPr marL="2286000" algn="l" defTabSz="914400" rtl="0" eaLnBrk="1" latinLnBrk="0" hangingPunct="1">
-              <a:defRPr sz="1800" kern="1200">
-                <a:solidFill>
-                  <a:schemeClr val="tx1"/>
-                </a:solidFill>
-                <a:latin typeface="+mn-lt"/>
-                <a:ea typeface="+mn-ea"/>
-                <a:cs typeface="+mn-cs"/>
-              </a:defRPr>
-            </a:lvl6pPr>
-            <a:lvl7pPr marL="2743200" algn="l" defTabSz="914400" rtl="0" eaLnBrk="1" latinLnBrk="0" hangingPunct="1">
-              <a:defRPr sz="1800" kern="1200">
-                <a:solidFill>
-                  <a:schemeClr val="tx1"/>
-                </a:solidFill>
-                <a:latin typeface="+mn-lt"/>
-                <a:ea typeface="+mn-ea"/>
-                <a:cs typeface="+mn-cs"/>
-              </a:defRPr>
-            </a:lvl7pPr>
-            <a:lvl8pPr marL="3200400" algn="l" defTabSz="914400" rtl="0" eaLnBrk="1" latinLnBrk="0" hangingPunct="1">
-              <a:defRPr sz="1800" kern="1200">
-                <a:solidFill>
-                  <a:schemeClr val="tx1"/>
-                </a:solidFill>
-                <a:latin typeface="+mn-lt"/>
-                <a:ea typeface="+mn-ea"/>
-                <a:cs typeface="+mn-cs"/>
-              </a:defRPr>
-            </a:lvl8pPr>
-            <a:lvl9pPr marL="3657600" algn="l" defTabSz="914400" rtl="0" eaLnBrk="1" latinLnBrk="0" hangingPunct="1">
-              <a:defRPr sz="1800" kern="1200">
-                <a:solidFill>
-                  <a:schemeClr val="tx1"/>
-                </a:solidFill>
-                <a:latin typeface="+mn-lt"/>
-                <a:ea typeface="+mn-ea"/>
-                <a:cs typeface="+mn-cs"/>
-              </a:defRPr>
-            </a:lvl9pPr>
-          </a:lstStyle>
-          <a:p>
-            <a:fld id="{3EBA5BD7-F043-4D1B-AA17-CD412FC534DE}" type="slidenum">
-              <a:rPr lang="en-US" smtClean="0"/>
-              <a:pPr/>
-              <a:t>26</a:t>
-            </a:fld>
-            <a:endParaRPr lang="en-US" dirty="0"/>
-          </a:p>
-        </p:txBody>
-      </p:sp>
-      <p:sp>
-        <p:nvSpPr>
-          <p:cNvPr id="5" name="Footer Placeholder 7">
-            <a:extLst>
-              <a:ext uri="{FF2B5EF4-FFF2-40B4-BE49-F238E27FC236}">
-                <a16:creationId xmlns:a16="http://schemas.microsoft.com/office/drawing/2014/main" id="{67A7C1B6-340E-4EA7-4DD2-9FC0FF5F8B8F}"/>
-              </a:ext>
-            </a:extLst>
-          </p:cNvPr>
-          <p:cNvSpPr>
-            <a:spLocks noGrp="1"/>
-          </p:cNvSpPr>
-          <p:nvPr>
-            <p:ph type="ftr" sz="quarter" idx="4"/>
-          </p:nvPr>
-        </p:nvSpPr>
-        <p:spPr>
-          <a:xfrm>
-            <a:off x="-1" y="8892000"/>
-            <a:ext cx="6488999" cy="252000"/>
-          </a:xfrm>
-          <a:prstGeom prst="rect">
-            <a:avLst/>
-          </a:prstGeom>
-        </p:spPr>
-        <p:txBody>
-          <a:bodyPr vert="horz" lIns="91440" tIns="45720" rIns="91440" bIns="45720" rtlCol="0" anchor="b"/>
-          <a:lstStyle>
-            <a:lvl1pPr algn="l">
-              <a:defRPr sz="1100"/>
-            </a:lvl1pPr>
-          </a:lstStyle>
-          <a:p>
-            <a:r>
-              <a:rPr lang="bg-BG" sz="1100" dirty="0"/>
-              <a:t>Работна група </a:t>
-            </a:r>
-            <a:r>
-              <a:rPr lang="bg-BG" dirty="0"/>
-              <a:t>"Образование по програмиране и ИТ"</a:t>
-            </a:r>
-            <a:r>
-              <a:rPr lang="bg-BG" sz="1100" dirty="0"/>
-              <a:t>, с подкрепата на </a:t>
-            </a:r>
-            <a:r>
-              <a:rPr lang="en-US" sz="1100" dirty="0">
-                <a:hlinkClick r:id="rId3"/>
-              </a:rPr>
-              <a:t>SoftUni</a:t>
-            </a:r>
-            <a:endParaRPr lang="en-US" sz="1100" dirty="0"/>
-          </a:p>
-        </p:txBody>
-      </p:sp>
-    </p:spTree>
-    <p:extLst>
-      <p:ext uri="{BB962C8B-B14F-4D97-AF65-F5344CB8AC3E}">
-        <p14:creationId xmlns:p14="http://schemas.microsoft.com/office/powerpoint/2010/main" val="2838998354"/>
-      </p:ext>
-    </p:extLst>
-  </p:cSld>
-  <p:clrMapOvr>
-    <a:masterClrMapping/>
-  </p:clrMapOvr>
-</p:notes>
-</file>
-
-<file path=ppt/notesSlides/notesSlide9.xml><?xml version="1.0" encoding="utf-8"?>
-<p:notes xmlns:a="http://schemas.openxmlformats.org/drawingml/2006/main" xmlns:r="http://schemas.openxmlformats.org/officeDocument/2006/relationships" xmlns:p="http://schemas.openxmlformats.org/presentationml/2006/main">
-  <p:cSld>
-    <p:spTree>
-      <p:nvGrpSpPr>
-        <p:cNvPr id="1" name=""/>
-        <p:cNvGrpSpPr/>
-        <p:nvPr/>
-      </p:nvGrpSpPr>
-      <p:grpSpPr>
-        <a:xfrm>
-          <a:off x="0" y="0"/>
-          <a:ext cx="0" cy="0"/>
-          <a:chOff x="0" y="0"/>
-          <a:chExt cx="0" cy="0"/>
-        </a:xfrm>
-      </p:grpSpPr>
-      <p:sp>
-        <p:nvSpPr>
-          <p:cNvPr id="2" name="Slide Image Placeholder 1"/>
-          <p:cNvSpPr>
-            <a:spLocks noGrp="1" noRot="1" noChangeAspect="1"/>
-          </p:cNvSpPr>
-          <p:nvPr>
-            <p:ph type="sldImg"/>
-          </p:nvPr>
-        </p:nvSpPr>
-        <p:spPr/>
-      </p:sp>
-      <p:sp>
-        <p:nvSpPr>
-          <p:cNvPr id="3" name="Notes Placeholder 2"/>
-          <p:cNvSpPr>
-            <a:spLocks noGrp="1"/>
-          </p:cNvSpPr>
-          <p:nvPr>
-            <p:ph type="body" idx="1"/>
-          </p:nvPr>
-        </p:nvSpPr>
-        <p:spPr/>
-        <p:txBody>
-          <a:bodyPr/>
-          <a:lstStyle/>
-          <a:p>
             <a:endParaRPr lang="en-US"/>
           </a:p>
         </p:txBody>
@@ -2187,7 +2052,7 @@
             <a:fld id="{3EBA5BD7-F043-4D1B-AA17-CD412FC534DE}" type="slidenum">
               <a:rPr lang="en-US" smtClean="0"/>
               <a:pPr/>
-              <a:t>27</a:t>
+              <a:t>29</a:t>
             </a:fld>
             <a:endParaRPr lang="en-US" dirty="0"/>
           </a:p>
@@ -11862,7 +11727,43 @@
       </p:grpSpPr>
       <p:sp>
         <p:nvSpPr>
-          <p:cNvPr id="6" name="Text Placeholder 5"/>
+          <p:cNvPr id="2" name="Slide Number Placeholder 1">
+            <a:extLst>
+              <a:ext uri="{FF2B5EF4-FFF2-40B4-BE49-F238E27FC236}">
+                <a16:creationId xmlns:a16="http://schemas.microsoft.com/office/drawing/2014/main" id="{6693A33B-4DDB-2D0F-63F5-E36A0C26AD6B}"/>
+              </a:ext>
+            </a:extLst>
+          </p:cNvPr>
+          <p:cNvSpPr>
+            <a:spLocks noGrp="1"/>
+          </p:cNvSpPr>
+          <p:nvPr>
+            <p:ph type="sldNum" sz="quarter" idx="5"/>
+          </p:nvPr>
+        </p:nvSpPr>
+        <p:spPr/>
+        <p:txBody>
+          <a:bodyPr/>
+          <a:lstStyle/>
+          <a:p>
+            <a:fld id="{2BF067CD-8E6B-4360-9AA8-C5DF2A48A6D1}" type="slidenum">
+              <a:rPr lang="en-US" noProof="0" smtClean="0"/>
+              <a:pPr/>
+              <a:t>14</a:t>
+            </a:fld>
+            <a:endParaRPr lang="en-US" noProof="0" dirty="0"/>
+          </a:p>
+        </p:txBody>
+      </p:sp>
+      <p:sp>
+        <p:nvSpPr>
+          <p:cNvPr id="3" name="Text Placeholder 2">
+            <a:extLst>
+              <a:ext uri="{FF2B5EF4-FFF2-40B4-BE49-F238E27FC236}">
+                <a16:creationId xmlns:a16="http://schemas.microsoft.com/office/drawing/2014/main" id="{D0551858-135B-EE17-E9B9-BCCE995BD0CE}"/>
+              </a:ext>
+            </a:extLst>
+          </p:cNvPr>
           <p:cNvSpPr>
             <a:spLocks noGrp="1"/>
           </p:cNvSpPr>
@@ -11870,165 +11771,101 @@
             <p:ph type="body" sz="quarter" idx="10"/>
           </p:nvPr>
         </p:nvSpPr>
-        <p:spPr>
-          <a:xfrm>
-            <a:off x="191940" y="1196706"/>
-            <a:ext cx="12110719" cy="5199712"/>
-          </a:xfrm>
-        </p:spPr>
+        <p:spPr/>
         <p:txBody>
-          <a:bodyPr vert="horz" lIns="108000" tIns="36000" rIns="108000" bIns="36000" rtlCol="0" anchor="t">
-            <a:normAutofit/>
-          </a:bodyPr>
+          <a:bodyPr/>
           <a:lstStyle/>
           <a:p>
-            <a:pPr marL="360045" indent="-360045"/>
-            <a:r>
-              <a:rPr lang="en-US" sz="3350" dirty="0"/>
-              <a:t>Напишете задача, която</a:t>
-            </a:r>
-            <a:r>
-              <a:rPr lang="en-US" sz="3350" dirty="0">
-                <a:solidFill>
-                  <a:srgbClr val="234465"/>
-                </a:solidFill>
-              </a:rPr>
-              <a:t> </a:t>
-            </a:r>
-            <a:r>
-              <a:rPr lang="en-US" sz="3350" b="1" dirty="0">
+            <a:r>
+              <a:rPr lang="bg-BG" dirty="0"/>
+              <a:t>Ще получавате </a:t>
+            </a:r>
+            <a:r>
+              <a:rPr lang="bg-BG" b="1" dirty="0">
                 <a:solidFill>
                   <a:schemeClr val="bg1"/>
                 </a:solidFill>
               </a:rPr>
-              <a:t>събира всички числа </a:t>
-            </a:r>
-            <a:r>
-              <a:rPr lang="en-US" sz="3350" dirty="0"/>
-              <a:t>в </a:t>
-            </a:r>
-            <a:r>
-              <a:rPr lang="en-US" sz="3350" b="1" dirty="0">
-                <a:solidFill>
-                  <a:schemeClr val="bg1"/>
-                </a:solidFill>
-              </a:rPr>
-              <a:t>списък</a:t>
-            </a:r>
-            <a:r>
-              <a:rPr lang="en-US" sz="3350" dirty="0"/>
+              <a:t>хранителни продукти</a:t>
+            </a:r>
+            <a:r>
+              <a:rPr lang="bg-BG" dirty="0"/>
+              <a:t>, които да добавите към вашия </a:t>
+            </a:r>
+            <a:r>
+              <a:rPr lang="bg-BG" b="1" dirty="0"/>
+              <a:t>списък за пазаруване</a:t>
+            </a:r>
+            <a:endParaRPr lang="en-US" dirty="0"/>
+          </a:p>
+          <a:p>
+            <a:pPr lvl="1"/>
+            <a:r>
+              <a:rPr lang="bg-BG" dirty="0"/>
+              <a:t>Ще четете продукти до получаване на </a:t>
+            </a:r>
+            <a:r>
+              <a:rPr lang="bg-BG" b="1" dirty="0"/>
+              <a:t>команда</a:t>
+            </a:r>
+            <a:r>
+              <a:rPr lang="bg-BG" dirty="0"/>
               <a:t> </a:t>
             </a:r>
             <a:r>
-              <a:rPr lang="en-US" sz="3350" dirty="0">
-                <a:ea typeface="+mn-lt"/>
-                <a:cs typeface="+mn-lt"/>
-              </a:rPr>
-              <a:t>в следния ред</a:t>
-            </a:r>
-            <a:r>
-              <a:rPr lang="en-US" sz="3350" dirty="0"/>
-              <a:t>: </a:t>
-            </a:r>
-            <a:endParaRPr lang="bg-BG" dirty="0"/>
-          </a:p>
-          <a:p>
-            <a:pPr lvl="1" indent="-360045"/>
-            <a:r>
-              <a:rPr lang="en-US" sz="3150" dirty="0"/>
-              <a:t>първи + последен, </a:t>
-            </a:r>
-            <a:r>
-              <a:rPr lang="en-US" sz="3150" dirty="0">
-                <a:ea typeface="+mn-lt"/>
-                <a:cs typeface="+mn-lt"/>
-              </a:rPr>
-              <a:t>първи </a:t>
-            </a:r>
-            <a:r>
-              <a:rPr lang="en-US" sz="3150" dirty="0"/>
-              <a:t>+ 1 + </a:t>
-            </a:r>
-            <a:r>
-              <a:rPr lang="en-US" sz="3150" dirty="0">
-                <a:ea typeface="+mn-lt"/>
-                <a:cs typeface="+mn-lt"/>
-              </a:rPr>
-              <a:t>последен</a:t>
-            </a:r>
-            <a:r>
-              <a:rPr lang="en-US" sz="3150" dirty="0"/>
-              <a:t>- 1, </a:t>
-            </a:r>
-            <a:r>
-              <a:rPr lang="en-US" sz="3150" dirty="0">
-                <a:ea typeface="+mn-lt"/>
-                <a:cs typeface="+mn-lt"/>
-              </a:rPr>
-              <a:t>първи </a:t>
-            </a:r>
-            <a:r>
-              <a:rPr lang="en-US" sz="3150" dirty="0"/>
-              <a:t>+ 2 +</a:t>
-            </a:r>
-            <a:r>
-              <a:rPr lang="en-US" sz="3150" dirty="0">
-                <a:ea typeface="+mn-lt"/>
-                <a:cs typeface="+mn-lt"/>
-              </a:rPr>
-              <a:t> последен-</a:t>
-            </a:r>
-            <a:r>
-              <a:rPr lang="en-US" sz="3150" dirty="0"/>
-              <a:t> 2, … </a:t>
-            </a:r>
-            <a:r>
-              <a:rPr lang="en-US" sz="3150" dirty="0">
-                <a:ea typeface="+mn-lt"/>
-                <a:cs typeface="+mn-lt"/>
-              </a:rPr>
-              <a:t>първи </a:t>
-            </a:r>
-            <a:r>
-              <a:rPr lang="en-US" sz="3150" dirty="0"/>
-              <a:t>+ n, </a:t>
-            </a:r>
-            <a:r>
-              <a:rPr lang="en-US" sz="3150" dirty="0">
-                <a:ea typeface="+mn-lt"/>
-                <a:cs typeface="+mn-lt"/>
-              </a:rPr>
-              <a:t>последен</a:t>
-            </a:r>
-            <a:r>
-              <a:rPr lang="en-US" sz="3150" dirty="0"/>
-              <a:t>- n</a:t>
-            </a:r>
-            <a:endParaRPr lang="en-US" sz="3150" dirty="0">
-              <a:cs typeface="Calibri"/>
-            </a:endParaRPr>
-          </a:p>
-          <a:p>
-            <a:pPr marL="360045" indent="-360045"/>
-            <a:r>
-              <a:rPr lang="en-US" sz="3350" dirty="0"/>
-              <a:t>Пример:</a:t>
-            </a:r>
-            <a:endParaRPr lang="en-US" sz="3350" dirty="0">
-              <a:cs typeface="Calibri"/>
-            </a:endParaRPr>
-          </a:p>
-          <a:p>
-            <a:pPr marL="0" indent="0">
-              <a:buNone/>
-            </a:pPr>
-            <a:endParaRPr lang="bg-BG" dirty="0"/>
+              <a:rPr lang="en-US" dirty="0"/>
+              <a:t>"</a:t>
+            </a:r>
+            <a:r>
+              <a:rPr lang="en-US" b="1" dirty="0"/>
+              <a:t>End</a:t>
+            </a:r>
+            <a:r>
+              <a:rPr lang="bg-BG" dirty="0"/>
+              <a:t>"</a:t>
+            </a:r>
+            <a:endParaRPr lang="en-US" dirty="0"/>
+          </a:p>
+          <a:p>
+            <a:r>
+              <a:rPr lang="bg-BG" dirty="0"/>
+              <a:t>Отпечатайте списъка на </a:t>
+            </a:r>
+            <a:r>
+              <a:rPr lang="bg-BG" b="1" dirty="0"/>
+              <a:t>един ред</a:t>
+            </a:r>
+          </a:p>
+          <a:p>
+            <a:pPr lvl="1"/>
+            <a:r>
+              <a:rPr lang="bg-BG" dirty="0"/>
+              <a:t>Продуктите трябва да са разделени със </a:t>
+            </a:r>
+            <a:r>
+              <a:rPr lang="bg-BG" b="1" dirty="0"/>
+              <a:t>запетая</a:t>
+            </a:r>
+            <a:r>
+              <a:rPr lang="bg-BG" dirty="0"/>
+              <a:t> и </a:t>
+            </a:r>
+            <a:r>
+              <a:rPr lang="bg-BG" b="1" dirty="0"/>
+              <a:t>интервал</a:t>
+            </a:r>
           </a:p>
         </p:txBody>
       </p:sp>
       <p:sp>
         <p:nvSpPr>
-          <p:cNvPr id="4" name="Title 3"/>
+          <p:cNvPr id="4" name="Title 3">
+            <a:extLst>
+              <a:ext uri="{FF2B5EF4-FFF2-40B4-BE49-F238E27FC236}">
+                <a16:creationId xmlns:a16="http://schemas.microsoft.com/office/drawing/2014/main" id="{51222F3B-3DCF-E007-C0EE-C895A4271A3C}"/>
+              </a:ext>
+            </a:extLst>
+          </p:cNvPr>
           <p:cNvSpPr>
             <a:spLocks noGrp="1"/>
           </p:cNvSpPr>
@@ -12042,51 +11879,21 @@
           <a:lstStyle/>
           <a:p>
             <a:r>
-              <a:rPr lang="en-GB" sz="3950" dirty="0"/>
-              <a:t>Задача: </a:t>
-            </a:r>
-            <a:r>
-              <a:rPr lang="en-GB" sz="3950" dirty="0">
-                <a:ea typeface="+mj-lt"/>
-                <a:cs typeface="+mj-lt"/>
-              </a:rPr>
-              <a:t>Трикът на Гаус</a:t>
-            </a:r>
-            <a:endParaRPr lang="bg-BG" sz="3950" dirty="0"/>
+              <a:rPr lang="bg-BG" dirty="0"/>
+              <a:t>Задача: Списък с продукти</a:t>
+            </a:r>
           </a:p>
         </p:txBody>
       </p:sp>
-      <p:pic>
-        <p:nvPicPr>
-          <p:cNvPr id="7" name="Picture 6"/>
-          <p:cNvPicPr/>
-          <p:nvPr/>
-        </p:nvPicPr>
-        <p:blipFill>
-          <a:blip r:embed="rId2" cstate="print">
+      <p:sp>
+        <p:nvSpPr>
+          <p:cNvPr id="5" name="Rectangle 4">
             <a:extLst>
-              <a:ext uri="{28A0092B-C50C-407E-A947-70E740481C1C}">
-                <a14:useLocalDpi xmlns:a14="http://schemas.microsoft.com/office/drawing/2010/main" val="0"/>
+              <a:ext uri="{FF2B5EF4-FFF2-40B4-BE49-F238E27FC236}">
+                <a16:creationId xmlns:a16="http://schemas.microsoft.com/office/drawing/2014/main" id="{AF5CF740-1F6A-B6BD-0DD2-3198C0A557B2}"/>
               </a:ext>
             </a:extLst>
-          </a:blip>
-          <a:stretch>
-            <a:fillRect/>
-          </a:stretch>
-        </p:blipFill>
-        <p:spPr>
-          <a:xfrm>
-            <a:off x="1661252" y="4264521"/>
-            <a:ext cx="3743235" cy="1632756"/>
-          </a:xfrm>
-          <a:prstGeom prst="rect">
-            <a:avLst/>
-          </a:prstGeom>
-        </p:spPr>
-      </p:pic>
-      <p:sp>
-        <p:nvSpPr>
-          <p:cNvPr id="8" name="Rectangle 7"/>
+          </p:cNvPr>
           <p:cNvSpPr>
             <a:spLocks noChangeArrowheads="1"/>
           </p:cNvSpPr>
@@ -12094,8 +11901,8 @@
         </p:nvSpPr>
         <p:spPr bwMode="auto">
           <a:xfrm>
-            <a:off x="6302254" y="4184909"/>
-            <a:ext cx="1999638" cy="633443"/>
+            <a:off x="633835" y="4696368"/>
+            <a:ext cx="3840556" cy="1818491"/>
           </a:xfrm>
           <a:prstGeom prst="rect">
             <a:avLst/>
@@ -12118,7 +11925,7 @@
           </a:bodyPr>
           <a:lstStyle/>
           <a:p>
-            <a:pPr algn="ctr" defTabSz="1218804" latinLnBrk="1">
+            <a:pPr defTabSz="1218804" latinLnBrk="1">
               <a:spcBef>
                 <a:spcPts val="600"/>
               </a:spcBef>
@@ -12127,17 +11934,55 @@
               </a:spcAft>
             </a:pPr>
             <a:r>
-              <a:rPr lang="en-US" sz="2699" b="1" noProof="1">
-                <a:latin typeface="Consolas" panose="020B0609020204030204" pitchFamily="49" charset="0"/>
-              </a:rPr>
-              <a:t>1 2 3 4 5</a:t>
+              <a:rPr lang="en-US" sz="2800" b="1" noProof="1">
+                <a:latin typeface="Consolas" pitchFamily="49" charset="0"/>
+              </a:rPr>
+              <a:t>Chocolate Bisquits</a:t>
+            </a:r>
+          </a:p>
+          <a:p>
+            <a:pPr defTabSz="1218804" latinLnBrk="1">
+              <a:spcBef>
+                <a:spcPts val="600"/>
+              </a:spcBef>
+              <a:spcAft>
+                <a:spcPts val="600"/>
+              </a:spcAft>
+            </a:pPr>
+            <a:r>
+              <a:rPr lang="en-US" sz="2800" b="1" noProof="1">
+                <a:latin typeface="Consolas" pitchFamily="49" charset="0"/>
+              </a:rPr>
+              <a:t>Croissant</a:t>
+            </a:r>
+          </a:p>
+          <a:p>
+            <a:pPr defTabSz="1218804" latinLnBrk="1">
+              <a:spcBef>
+                <a:spcPts val="600"/>
+              </a:spcBef>
+              <a:spcAft>
+                <a:spcPts val="600"/>
+              </a:spcAft>
+            </a:pPr>
+            <a:r>
+              <a:rPr lang="en-US" sz="2800" b="1" noProof="1">
+                <a:latin typeface="Consolas" pitchFamily="49" charset="0"/>
+              </a:rPr>
+              <a:t>End</a:t>
             </a:r>
           </a:p>
         </p:txBody>
       </p:sp>
       <p:sp>
         <p:nvSpPr>
-          <p:cNvPr id="9" name="Rectangle 8"/>
+          <p:cNvPr id="6" name="Rectangle 5">
+            <a:extLst>
+              <a:ext uri="{FF2B5EF4-FFF2-40B4-BE49-F238E27FC236}">
+                <a16:creationId xmlns:a16="http://schemas.microsoft.com/office/drawing/2014/main" id="{FDE53059-07A4-9978-AF43-2938B6A17E9D}"/>
+              </a:ext>
+            </a:extLst>
+          </p:cNvPr>
           <p:cNvSpPr>
             <a:spLocks noChangeArrowheads="1"/>
           </p:cNvSpPr>
@@ -12145,8 +11990,8 @@
         </p:nvSpPr>
         <p:spPr bwMode="auto">
           <a:xfrm>
-            <a:off x="9767317" y="4184909"/>
-            <a:ext cx="1244882" cy="633443"/>
+            <a:off x="5691000" y="5281141"/>
+            <a:ext cx="6062030" cy="648940"/>
           </a:xfrm>
           <a:prstGeom prst="rect">
             <a:avLst/>
@@ -12169,7 +12014,7 @@
           </a:bodyPr>
           <a:lstStyle/>
           <a:p>
-            <a:pPr algn="ctr" defTabSz="1218804" latinLnBrk="1">
+            <a:pPr defTabSz="1218804" latinLnBrk="1">
               <a:spcBef>
                 <a:spcPts val="600"/>
               </a:spcBef>
@@ -12178,24 +12023,30 @@
               </a:spcAft>
             </a:pPr>
             <a:r>
-              <a:rPr lang="en-US" sz="2699" b="1" noProof="1">
-                <a:latin typeface="Consolas" panose="020B0609020204030204" pitchFamily="49" charset="0"/>
-              </a:rPr>
-              <a:t>6 6 3</a:t>
+              <a:rPr lang="en-US" sz="2800" b="1" noProof="1">
+                <a:latin typeface="Consolas" pitchFamily="49" charset="0"/>
+              </a:rPr>
+              <a:t>Chocolate Bisquits, Croissant</a:t>
             </a:r>
           </a:p>
         </p:txBody>
       </p:sp>
       <p:sp>
         <p:nvSpPr>
-          <p:cNvPr id="10" name="Arrow: Right 6"/>
+          <p:cNvPr id="7" name="Arrow: Right 6">
+            <a:extLst>
+              <a:ext uri="{FF2B5EF4-FFF2-40B4-BE49-F238E27FC236}">
+                <a16:creationId xmlns:a16="http://schemas.microsoft.com/office/drawing/2014/main" id="{DD2ACC78-B55A-ECAE-64FD-7D04A9AAD4BC}"/>
+              </a:ext>
+            </a:extLst>
+          </p:cNvPr>
           <p:cNvSpPr/>
           <p:nvPr/>
         </p:nvSpPr>
         <p:spPr>
           <a:xfrm>
-            <a:off x="8609024" y="4320703"/>
-            <a:ext cx="612324" cy="380901"/>
+            <a:off x="4811283" y="5415161"/>
+            <a:ext cx="542825" cy="380901"/>
           </a:xfrm>
           <a:prstGeom prst="rightArrow">
             <a:avLst/>
@@ -12256,224 +12107,10 @@
           </a:p>
         </p:txBody>
       </p:sp>
-      <p:sp>
-        <p:nvSpPr>
-          <p:cNvPr id="11" name="Rectangle 10"/>
-          <p:cNvSpPr>
-            <a:spLocks noChangeArrowheads="1"/>
-          </p:cNvSpPr>
-          <p:nvPr/>
-        </p:nvSpPr>
-        <p:spPr bwMode="auto">
-          <a:xfrm>
-            <a:off x="6336373" y="5082816"/>
-            <a:ext cx="1999639" cy="633443"/>
-          </a:xfrm>
-          <a:prstGeom prst="rect">
-            <a:avLst/>
-          </a:prstGeom>
-          <a:solidFill>
-            <a:schemeClr val="accent6">
-              <a:lumMod val="75000"/>
-              <a:alpha val="15000"/>
-            </a:schemeClr>
-          </a:solidFill>
-          <a:ln w="12700">
-            <a:solidFill>
-              <a:schemeClr val="accent5"/>
-            </a:solidFill>
-          </a:ln>
-        </p:spPr>
-        <p:txBody>
-          <a:bodyPr vert="horz" wrap="square" lIns="143963" tIns="107972" rIns="143963" bIns="107972" rtlCol="0">
-            <a:spAutoFit/>
-          </a:bodyPr>
-          <a:lstStyle/>
-          <a:p>
-            <a:pPr algn="ctr" defTabSz="1218804" latinLnBrk="1">
-              <a:spcBef>
-                <a:spcPts val="600"/>
-              </a:spcBef>
-              <a:spcAft>
-                <a:spcPts val="600"/>
-              </a:spcAft>
-            </a:pPr>
-            <a:r>
-              <a:rPr lang="en-US" sz="2699" b="1" noProof="1">
-                <a:latin typeface="Consolas" panose="020B0609020204030204" pitchFamily="49" charset="0"/>
-              </a:rPr>
-              <a:t>1 2 3 4</a:t>
-            </a:r>
-          </a:p>
-        </p:txBody>
-      </p:sp>
-      <p:sp>
-        <p:nvSpPr>
-          <p:cNvPr id="12" name="Rectangle 11"/>
-          <p:cNvSpPr>
-            <a:spLocks noChangeArrowheads="1"/>
-          </p:cNvSpPr>
-          <p:nvPr/>
-        </p:nvSpPr>
-        <p:spPr bwMode="auto">
-          <a:xfrm>
-            <a:off x="9767318" y="5082816"/>
-            <a:ext cx="1244881" cy="633443"/>
-          </a:xfrm>
-          <a:prstGeom prst="rect">
-            <a:avLst/>
-          </a:prstGeom>
-          <a:solidFill>
-            <a:schemeClr val="accent6">
-              <a:lumMod val="75000"/>
-              <a:alpha val="15000"/>
-            </a:schemeClr>
-          </a:solidFill>
-          <a:ln w="12700">
-            <a:solidFill>
-              <a:schemeClr val="accent5"/>
-            </a:solidFill>
-          </a:ln>
-        </p:spPr>
-        <p:txBody>
-          <a:bodyPr vert="horz" wrap="square" lIns="143963" tIns="107972" rIns="143963" bIns="107972" rtlCol="0">
-            <a:spAutoFit/>
-          </a:bodyPr>
-          <a:lstStyle/>
-          <a:p>
-            <a:pPr algn="ctr" defTabSz="1218804" latinLnBrk="1">
-              <a:spcBef>
-                <a:spcPts val="600"/>
-              </a:spcBef>
-              <a:spcAft>
-                <a:spcPts val="600"/>
-              </a:spcAft>
-            </a:pPr>
-            <a:r>
-              <a:rPr lang="en-US" sz="2699" b="1" noProof="1">
-                <a:latin typeface="Consolas" panose="020B0609020204030204" pitchFamily="49" charset="0"/>
-              </a:rPr>
-              <a:t>5 5</a:t>
-            </a:r>
-          </a:p>
-        </p:txBody>
-      </p:sp>
-      <p:sp>
-        <p:nvSpPr>
-          <p:cNvPr id="13" name="Arrow: Right 6"/>
-          <p:cNvSpPr/>
-          <p:nvPr/>
-        </p:nvSpPr>
-        <p:spPr>
-          <a:xfrm>
-            <a:off x="8688637" y="5209086"/>
-            <a:ext cx="612324" cy="380901"/>
-          </a:xfrm>
-          <a:prstGeom prst="rightArrow">
-            <a:avLst/>
-          </a:prstGeom>
-          <a:solidFill>
-            <a:schemeClr val="dk2">
-              <a:alpha val="80000"/>
-            </a:schemeClr>
-          </a:solidFill>
-          <a:ln w="19050">
-            <a:solidFill>
-              <a:schemeClr val="tx1">
-                <a:lumMod val="75000"/>
-                <a:alpha val="80000"/>
-              </a:schemeClr>
-            </a:solidFill>
-          </a:ln>
-          <a:effectLst/>
-        </p:spPr>
-        <p:style>
-          <a:lnRef idx="2">
-            <a:schemeClr val="accent1">
-              <a:shade val="50000"/>
-            </a:schemeClr>
-          </a:lnRef>
-          <a:fillRef idx="1001">
-            <a:schemeClr val="dk2"/>
-          </a:fillRef>
-          <a:effectRef idx="0">
-            <a:schemeClr val="accent1"/>
-          </a:effectRef>
-          <a:fontRef idx="minor">
-            <a:schemeClr val="lt1"/>
-          </a:fontRef>
-        </p:style>
-        <p:txBody>
-          <a:bodyPr rot="0" spcFirstLastPara="0" vertOverflow="overflow" horzOverflow="overflow" vert="horz" wrap="square" lIns="91416" tIns="45708" rIns="91416" bIns="45708" numCol="1" spcCol="0" rtlCol="0" fromWordArt="0" anchor="ctr" anchorCtr="0" forceAA="0" compatLnSpc="1">
-            <a:prstTxWarp prst="textNoShape">
-              <a:avLst/>
-            </a:prstTxWarp>
-            <a:noAutofit/>
-          </a:bodyPr>
-          <a:lstStyle/>
-          <a:p>
-            <a:pPr algn="ctr"/>
-            <a:endParaRPr lang="en-US" sz="2799" b="1" dirty="0">
-              <a:solidFill>
-                <a:srgbClr val="FFFFFF"/>
-              </a:solidFill>
-              <a:effectLst>
-                <a:outerShdw blurRad="38100" dist="38100" dir="2700000" algn="tl">
-                  <a:srgbClr val="000000">
-                    <a:alpha val="43137"/>
-                  </a:srgbClr>
-                </a:outerShdw>
-              </a:effectLst>
-            </a:endParaRPr>
-          </a:p>
-        </p:txBody>
-      </p:sp>
-      <p:sp>
-        <p:nvSpPr>
-          <p:cNvPr id="2" name="Slide Number">
-            <a:extLst>
-              <a:ext uri="{FF2B5EF4-FFF2-40B4-BE49-F238E27FC236}">
-                <a16:creationId xmlns:a16="http://schemas.microsoft.com/office/drawing/2014/main" id="{B0DFB09B-46C7-BE96-D1EB-8A656DD99174}"/>
-              </a:ext>
-            </a:extLst>
-          </p:cNvPr>
-          <p:cNvSpPr>
-            <a:spLocks noGrp="1"/>
-          </p:cNvSpPr>
-          <p:nvPr>
-            <p:ph type="sldNum" sz="quarter" idx="5"/>
-          </p:nvPr>
-        </p:nvSpPr>
-        <p:spPr>
-          <a:xfrm>
-            <a:off x="11753030" y="6507000"/>
-            <a:ext cx="367414" cy="297000"/>
-          </a:xfrm>
-          <a:prstGeom prst="rect">
-            <a:avLst/>
-          </a:prstGeom>
-        </p:spPr>
-        <p:txBody>
-          <a:bodyPr vert="horz" lIns="91440" tIns="45720" rIns="91440" bIns="45720" rtlCol="0" anchor="b"/>
-          <a:lstStyle>
-            <a:lvl1pPr algn="r">
-              <a:defRPr sz="1000"/>
-            </a:lvl1pPr>
-          </a:lstStyle>
-          <a:p>
-            <a:fld id="{2BF067CD-8E6B-4360-9AA8-C5DF2A48A6D1}" type="slidenum">
-              <a:rPr lang="en-US" noProof="0" smtClean="0"/>
-              <a:pPr/>
-              <a:t>14</a:t>
-            </a:fld>
-            <a:endParaRPr lang="en-US" noProof="0" dirty="0"/>
-          </a:p>
-        </p:txBody>
-      </p:sp>
     </p:spTree>
     <p:extLst>
       <p:ext uri="{BB962C8B-B14F-4D97-AF65-F5344CB8AC3E}">
-        <p14:creationId xmlns:p14="http://schemas.microsoft.com/office/powerpoint/2010/main" val="4066843028"/>
+        <p14:creationId xmlns:p14="http://schemas.microsoft.com/office/powerpoint/2010/main" val="3891745949"/>
       </p:ext>
     </p:extLst>
   </p:cSld>
@@ -12500,9 +12137,6 @@
                     <p:cTn id="3" fill="hold">
                       <p:stCondLst>
                         <p:cond delay="indefinite"/>
-                        <p:cond evt="onBegin" delay="0">
-                          <p:tn val="2"/>
-                        </p:cond>
                       </p:stCondLst>
                       <p:childTnLst>
                         <p:par>
@@ -12512,7 +12146,7 @@
                             </p:stCondLst>
                             <p:childTnLst>
                               <p:par>
-                                <p:cTn id="5" presetID="1" presetClass="entr" presetSubtype="0" fill="hold" nodeType="withEffect">
+                                <p:cTn id="5" presetID="1" presetClass="entr" presetSubtype="0" fill="hold" nodeType="clickEffect">
                                   <p:stCondLst>
                                     <p:cond delay="0"/>
                                   </p:stCondLst>
@@ -12525,9 +12159,9 @@
                                           </p:stCondLst>
                                         </p:cTn>
                                         <p:tgtEl>
-                                          <p:spTgt spid="6">
+                                          <p:spTgt spid="3">
                                             <p:txEl>
-                                              <p:pRg st="2" end="2"/>
+                                              <p:pRg st="1" end="1"/>
                                             </p:txEl>
                                           </p:spTgt>
                                         </p:tgtEl>
@@ -12561,7 +12195,7 @@
                             </p:stCondLst>
                             <p:childTnLst>
                               <p:par>
-                                <p:cTn id="9" presetID="1" presetClass="entr" presetSubtype="0" fill="hold" grpId="0" nodeType="clickEffect">
+                                <p:cTn id="9" presetID="1" presetClass="entr" presetSubtype="0" fill="hold" nodeType="clickEffect">
                                   <p:stCondLst>
                                     <p:cond delay="0"/>
                                   </p:stCondLst>
@@ -12574,88 +12208,11 @@
                                           </p:stCondLst>
                                         </p:cTn>
                                         <p:tgtEl>
-                                          <p:spTgt spid="8"/>
-                                        </p:tgtEl>
-                                        <p:attrNameLst>
-                                          <p:attrName>style.visibility</p:attrName>
-                                        </p:attrNameLst>
-                                      </p:cBhvr>
-                                      <p:to>
-                                        <p:strVal val="visible"/>
-                                      </p:to>
-                                    </p:set>
-                                  </p:childTnLst>
-                                </p:cTn>
-                              </p:par>
-                              <p:par>
-                                <p:cTn id="11" presetID="1" presetClass="entr" presetSubtype="0" fill="hold" grpId="0" nodeType="withEffect">
-                                  <p:stCondLst>
-                                    <p:cond delay="0"/>
-                                  </p:stCondLst>
-                                  <p:childTnLst>
-                                    <p:set>
-                                      <p:cBhvr>
-                                        <p:cTn id="12" dur="1" fill="hold">
-                                          <p:stCondLst>
-                                            <p:cond delay="0"/>
-                                          </p:stCondLst>
-                                        </p:cTn>
-                                        <p:tgtEl>
-                                          <p:spTgt spid="10"/>
-                                        </p:tgtEl>
-                                        <p:attrNameLst>
-                                          <p:attrName>style.visibility</p:attrName>
-                                        </p:attrNameLst>
-                                      </p:cBhvr>
-                                      <p:to>
-                                        <p:strVal val="visible"/>
-                                      </p:to>
-                                    </p:set>
-                                  </p:childTnLst>
-                                </p:cTn>
-                              </p:par>
-                              <p:par>
-                                <p:cTn id="13" presetID="1" presetClass="entr" presetSubtype="0" fill="hold" grpId="0" nodeType="withEffect">
-                                  <p:stCondLst>
-                                    <p:cond delay="0"/>
-                                  </p:stCondLst>
-                                  <p:childTnLst>
-                                    <p:set>
-                                      <p:cBhvr>
-                                        <p:cTn id="14" dur="1" fill="hold">
-                                          <p:stCondLst>
-                                            <p:cond delay="0"/>
-                                          </p:stCondLst>
-                                        </p:cTn>
-                                        <p:tgtEl>
-                                          <p:spTgt spid="9"/>
-                                        </p:tgtEl>
-                                        <p:attrNameLst>
-                                          <p:attrName>style.visibility</p:attrName>
-                                        </p:attrNameLst>
-                                      </p:cBhvr>
-                                      <p:to>
-                                        <p:strVal val="visible"/>
-                                      </p:to>
-                                    </p:set>
-                                  </p:childTnLst>
-                                </p:cTn>
-                              </p:par>
-                              <p:par>
-                                <p:cTn id="15" presetID="1" presetClass="entr" presetSubtype="0" fill="hold" nodeType="withEffect">
-                                  <p:stCondLst>
-                                    <p:cond delay="0"/>
-                                  </p:stCondLst>
-                                  <p:childTnLst>
-                                    <p:set>
-                                      <p:cBhvr>
-                                        <p:cTn id="16" dur="1" fill="hold">
-                                          <p:stCondLst>
-                                            <p:cond delay="0"/>
-                                          </p:stCondLst>
-                                        </p:cTn>
-                                        <p:tgtEl>
-                                          <p:spTgt spid="7"/>
+                                          <p:spTgt spid="3">
+                                            <p:txEl>
+                                              <p:pRg st="2" end="2"/>
+                                            </p:txEl>
+                                          </p:spTgt>
                                         </p:tgtEl>
                                         <p:attrNameLst>
                                           <p:attrName>style.visibility</p:attrName>
@@ -12675,32 +12232,36 @@
                     </p:cTn>
                   </p:par>
                   <p:par>
-                    <p:cTn id="17" fill="hold">
+                    <p:cTn id="11" fill="hold">
                       <p:stCondLst>
                         <p:cond delay="indefinite"/>
                       </p:stCondLst>
                       <p:childTnLst>
                         <p:par>
-                          <p:cTn id="18" fill="hold">
+                          <p:cTn id="12" fill="hold">
                             <p:stCondLst>
                               <p:cond delay="0"/>
                             </p:stCondLst>
                             <p:childTnLst>
                               <p:par>
-                                <p:cTn id="19" presetID="1" presetClass="entr" presetSubtype="0" fill="hold" grpId="0" nodeType="clickEffect">
+                                <p:cTn id="13" presetID="1" presetClass="entr" presetSubtype="0" fill="hold" nodeType="clickEffect">
                                   <p:stCondLst>
                                     <p:cond delay="0"/>
                                   </p:stCondLst>
                                   <p:childTnLst>
                                     <p:set>
                                       <p:cBhvr>
-                                        <p:cTn id="20" dur="1" fill="hold">
+                                        <p:cTn id="14" dur="1" fill="hold">
                                           <p:stCondLst>
                                             <p:cond delay="0"/>
                                           </p:stCondLst>
                                         </p:cTn>
                                         <p:tgtEl>
-                                          <p:spTgt spid="11"/>
+                                          <p:spTgt spid="3">
+                                            <p:txEl>
+                                              <p:pRg st="3" end="3"/>
+                                            </p:txEl>
+                                          </p:spTgt>
                                         </p:tgtEl>
                                         <p:attrNameLst>
                                           <p:attrName>style.visibility</p:attrName>
@@ -12713,8 +12274,71 @@
                                   </p:childTnLst>
                                 </p:cTn>
                               </p:par>
+                            </p:childTnLst>
+                          </p:cTn>
+                        </p:par>
+                      </p:childTnLst>
+                    </p:cTn>
+                  </p:par>
+                  <p:par>
+                    <p:cTn id="15" fill="hold">
+                      <p:stCondLst>
+                        <p:cond delay="indefinite"/>
+                      </p:stCondLst>
+                      <p:childTnLst>
+                        <p:par>
+                          <p:cTn id="16" fill="hold">
+                            <p:stCondLst>
+                              <p:cond delay="0"/>
+                            </p:stCondLst>
+                            <p:childTnLst>
                               <p:par>
-                                <p:cTn id="21" presetID="1" presetClass="entr" presetSubtype="0" fill="hold" grpId="0" nodeType="withEffect">
+                                <p:cTn id="17" presetID="1" presetClass="entr" presetSubtype="0" fill="hold" grpId="0" nodeType="clickEffect">
+                                  <p:stCondLst>
+                                    <p:cond delay="0"/>
+                                  </p:stCondLst>
+                                  <p:childTnLst>
+                                    <p:set>
+                                      <p:cBhvr>
+                                        <p:cTn id="18" dur="1" fill="hold">
+                                          <p:stCondLst>
+                                            <p:cond delay="0"/>
+                                          </p:stCondLst>
+                                        </p:cTn>
+                                        <p:tgtEl>
+                                          <p:spTgt spid="5"/>
+                                        </p:tgtEl>
+                                        <p:attrNameLst>
+                                          <p:attrName>style.visibility</p:attrName>
+                                        </p:attrNameLst>
+                                      </p:cBhvr>
+                                      <p:to>
+                                        <p:strVal val="visible"/>
+                                      </p:to>
+                                    </p:set>
+                                  </p:childTnLst>
+                                </p:cTn>
+                              </p:par>
+                            </p:childTnLst>
+                          </p:cTn>
+                        </p:par>
+                      </p:childTnLst>
+                    </p:cTn>
+                  </p:par>
+                  <p:par>
+                    <p:cTn id="19" fill="hold">
+                      <p:stCondLst>
+                        <p:cond delay="indefinite"/>
+                      </p:stCondLst>
+                      <p:childTnLst>
+                        <p:par>
+                          <p:cTn id="20" fill="hold">
+                            <p:stCondLst>
+                              <p:cond delay="0"/>
+                            </p:stCondLst>
+                            <p:childTnLst>
+                              <p:par>
+                                <p:cTn id="21" presetID="1" presetClass="entr" presetSubtype="0" fill="hold" grpId="0" nodeType="clickEffect">
                                   <p:stCondLst>
                                     <p:cond delay="0"/>
                                   </p:stCondLst>
@@ -12727,7 +12351,7 @@
                                           </p:stCondLst>
                                         </p:cTn>
                                         <p:tgtEl>
-                                          <p:spTgt spid="12"/>
+                                          <p:spTgt spid="7"/>
                                         </p:tgtEl>
                                         <p:attrNameLst>
                                           <p:attrName>style.visibility</p:attrName>
@@ -12754,7 +12378,7 @@
                                           </p:stCondLst>
                                         </p:cTn>
                                         <p:tgtEl>
-                                          <p:spTgt spid="13"/>
+                                          <p:spTgt spid="6"/>
                                         </p:tgtEl>
                                         <p:attrNameLst>
                                           <p:attrName>style.visibility</p:attrName>
@@ -12795,12 +12419,9 @@
       </p:par>
     </p:tnLst>
     <p:bldLst>
-      <p:bldP spid="8" grpId="0" animBg="1"/>
-      <p:bldP spid="9" grpId="0" animBg="1"/>
-      <p:bldP spid="10" grpId="0" animBg="1"/>
-      <p:bldP spid="11" grpId="0" animBg="1"/>
-      <p:bldP spid="12" grpId="0" animBg="1"/>
-      <p:bldP spid="13" grpId="0" animBg="1"/>
+      <p:bldP spid="5" grpId="0" animBg="1"/>
+      <p:bldP spid="6" grpId="0" animBg="1"/>
+      <p:bldP spid="7" grpId="0" animBg="1"/>
     </p:bldLst>
   </p:timing>
 </p:sld>
@@ -12825,7 +12446,7 @@
       </p:grpSpPr>
       <p:sp>
         <p:nvSpPr>
-          <p:cNvPr id="5" name="Title 4"/>
+          <p:cNvPr id="4" name="Title 3"/>
           <p:cNvSpPr>
             <a:spLocks noGrp="1"/>
           </p:cNvSpPr>
@@ -12840,91 +12461,25 @@
           <a:p>
             <a:r>
               <a:rPr lang="en-GB" sz="3950" dirty="0"/>
-              <a:t>Решение: Трикът на Гаус</a:t>
-            </a:r>
-            <a:endParaRPr lang="en-GB" sz="3950" b="0" dirty="0">
-              <a:ea typeface="+mj-lt"/>
-              <a:cs typeface="+mj-lt"/>
-            </a:endParaRPr>
+              <a:t>Решение: </a:t>
+            </a:r>
+            <a:r>
+              <a:rPr lang="bg-BG" sz="3950" dirty="0">
+                <a:ea typeface="+mj-lt"/>
+                <a:cs typeface="+mj-lt"/>
+              </a:rPr>
+              <a:t>Списък с продукти</a:t>
+            </a:r>
+            <a:endParaRPr lang="bg-BG" dirty="0"/>
           </a:p>
         </p:txBody>
       </p:sp>
       <p:sp>
         <p:nvSpPr>
-          <p:cNvPr id="8" name="TextBox 7">
+          <p:cNvPr id="11" name="Text Placeholder 2">
             <a:extLst>
               <a:ext uri="{FF2B5EF4-FFF2-40B4-BE49-F238E27FC236}">
-                <a16:creationId xmlns:a16="http://schemas.microsoft.com/office/drawing/2014/main" id="{C2D4609F-3AB6-4038-8082-E2B95055A8B7}"/>
-              </a:ext>
-            </a:extLst>
-          </p:cNvPr>
-          <p:cNvSpPr txBox="1"/>
-          <p:nvPr/>
-        </p:nvSpPr>
-        <p:spPr>
-          <a:xfrm>
-            <a:off x="817381" y="6381328"/>
-            <a:ext cx="10554067" cy="400006"/>
-          </a:xfrm>
-          <a:prstGeom prst="rect">
-            <a:avLst/>
-          </a:prstGeom>
-          <a:noFill/>
-        </p:spPr>
-        <p:txBody>
-          <a:bodyPr wrap="square" lIns="91440" tIns="45720" rIns="91440" bIns="45720" rtlCol="0" anchor="t">
-            <a:spAutoFit/>
-          </a:bodyPr>
-          <a:lstStyle/>
-          <a:p>
-            <a:pPr algn="ctr"/>
-            <a:r>
-              <a:rPr lang="en-US" sz="1950" dirty="0">
-                <a:ea typeface="+mn-lt"/>
-                <a:cs typeface="+mn-lt"/>
-              </a:rPr>
-              <a:t>Тествайте решението </a:t>
-            </a:r>
-            <a:r>
-              <a:rPr lang="bg-BG" sz="1950" dirty="0">
-                <a:ea typeface="+mn-lt"/>
-                <a:cs typeface="+mn-lt"/>
-              </a:rPr>
-              <a:t>си </a:t>
-            </a:r>
-            <a:r>
-              <a:rPr lang="en-US" sz="1950" dirty="0">
-                <a:ea typeface="+mn-lt"/>
-                <a:cs typeface="+mn-lt"/>
-              </a:rPr>
-              <a:t>в Judge</a:t>
-            </a:r>
-            <a:r>
-              <a:rPr lang="en-US" sz="1950" dirty="0"/>
-              <a:t>:</a:t>
-            </a:r>
-            <a:r>
-              <a:rPr lang="bg-BG" sz="1950" dirty="0"/>
-              <a:t> </a:t>
-            </a:r>
-            <a:r>
-              <a:rPr lang="en-US" sz="1950" dirty="0">
-                <a:hlinkClick r:id="rId3"/>
-              </a:rPr>
-              <a:t>https://judge.softuni.org/Contests/Practice/Index/4150#0</a:t>
-            </a:r>
-            <a:endParaRPr lang="en-US" sz="1950" dirty="0">
-              <a:cs typeface="Calibri"/>
-            </a:endParaRPr>
-          </a:p>
-        </p:txBody>
-      </p:sp>
-      <p:sp>
-        <p:nvSpPr>
-          <p:cNvPr id="11" name="Text Placeholder 6">
-            <a:extLst>
-              <a:ext uri="{FF2B5EF4-FFF2-40B4-BE49-F238E27FC236}">
-                <a16:creationId xmlns:a16="http://schemas.microsoft.com/office/drawing/2014/main" id="{89D71378-EE01-498C-9BB2-1DA6FCD7CB8D}"/>
+                <a16:creationId xmlns:a16="http://schemas.microsoft.com/office/drawing/2014/main" id="{E6EBCD58-AB07-446C-8517-BCE5FF9961B3}"/>
               </a:ext>
             </a:extLst>
           </p:cNvPr>
@@ -12935,8 +12490,8 @@
         </p:nvSpPr>
         <p:spPr>
           <a:xfrm>
-            <a:off x="676272" y="1274186"/>
-            <a:ext cx="10836275" cy="5035134"/>
+            <a:off x="502199" y="2124000"/>
+            <a:ext cx="11187602" cy="3558767"/>
           </a:xfrm>
           <a:prstGeom prst="rect">
             <a:avLst/>
@@ -12956,7 +12511,7 @@
           </a:ln>
         </p:spPr>
         <p:txBody>
-          <a:bodyPr vert="horz" wrap="square" lIns="144000" tIns="108000" rIns="144000" bIns="108000" rtlCol="0">
+          <a:bodyPr vert="horz" wrap="square" lIns="144000" tIns="108000" rIns="144000" bIns="108000" rtlCol="0" anchor="t">
             <a:spAutoFit/>
           </a:bodyPr>
           <a:lstStyle>
@@ -13127,145 +12682,147 @@
             </a:lvl9pPr>
           </a:lstStyle>
           <a:p>
-            <a:pPr>
-              <a:defRPr/>
+            <a:pPr latinLnBrk="1">
+              <a:lnSpc>
+                <a:spcPct val="105000"/>
+              </a:lnSpc>
             </a:pPr>
             <a:r>
-              <a:rPr lang="en-GB" sz="2600" noProof="1">
+              <a:rPr lang="en-US" sz="2599" noProof="1">
+                <a:cs typeface="Arial" panose="020B0604020202020204" pitchFamily="34" charset="0"/>
+              </a:rPr>
+              <a:t>List&lt;string&gt; products = </a:t>
+            </a:r>
+            <a:r>
+              <a:rPr lang="en-US" sz="2599" noProof="1">
                 <a:solidFill>
                   <a:schemeClr val="bg1"/>
                 </a:solidFill>
-              </a:rPr>
-              <a:t>List&lt;int&gt; </a:t>
-            </a:r>
-            <a:r>
-              <a:rPr lang="en-GB" sz="2600" noProof="1"/>
-              <a:t>numbers = Console.ReadLine()</a:t>
-            </a:r>
-            <a:br>
-              <a:rPr lang="en-GB" sz="2600" noProof="1"/>
-            </a:br>
-            <a:r>
-              <a:rPr lang="en-GB" sz="2600" noProof="1"/>
-              <a:t>.Split()</a:t>
-            </a:r>
-          </a:p>
-          <a:p>
-            <a:pPr>
-              <a:defRPr/>
+                <a:cs typeface="Arial" panose="020B0604020202020204" pitchFamily="34" charset="0"/>
+              </a:rPr>
+              <a:t>new List&lt;string&gt;()</a:t>
+            </a:r>
+            <a:r>
+              <a:rPr lang="en-US" sz="2599" noProof="1">
+                <a:cs typeface="Arial" panose="020B0604020202020204" pitchFamily="34" charset="0"/>
+              </a:rPr>
+              <a:t>;</a:t>
+            </a:r>
+          </a:p>
+          <a:p>
+            <a:pPr latinLnBrk="1">
+              <a:lnSpc>
+                <a:spcPct val="105000"/>
+              </a:lnSpc>
             </a:pPr>
             <a:r>
-              <a:rPr lang="en-GB" sz="2600" noProof="1"/>
-              <a:t>  .Select(int.Parse)</a:t>
-            </a:r>
-          </a:p>
-          <a:p>
-            <a:pPr>
-              <a:defRPr/>
+              <a:rPr lang="en-US" sz="2599" noProof="1">
+                <a:latin typeface="Consolas"/>
+                <a:cs typeface="Arial" panose="020B0604020202020204" pitchFamily="34" charset="0"/>
+              </a:rPr>
+              <a:t>string command = Console.ReadLine();</a:t>
+            </a:r>
+          </a:p>
+          <a:p>
+            <a:pPr latinLnBrk="1">
+              <a:lnSpc>
+                <a:spcPct val="105000"/>
+              </a:lnSpc>
             </a:pPr>
-            <a:r>
-              <a:rPr lang="en-GB" sz="2600" noProof="1">
+            <a:endParaRPr lang="en-US" sz="2599" noProof="1">
+              <a:latin typeface="Consolas"/>
+              <a:cs typeface="Arial" panose="020B0604020202020204" pitchFamily="34" charset="0"/>
+            </a:endParaRPr>
+          </a:p>
+          <a:p>
+            <a:pPr latinLnBrk="1">
+              <a:lnSpc>
+                <a:spcPct val="105000"/>
+              </a:lnSpc>
+            </a:pPr>
+            <a:r>
+              <a:rPr lang="en-US" sz="2599" noProof="1">
+                <a:latin typeface="Consolas"/>
+                <a:cs typeface="Arial" panose="020B0604020202020204" pitchFamily="34" charset="0"/>
+              </a:rPr>
+              <a:t>while (command != "End")</a:t>
+            </a:r>
+          </a:p>
+          <a:p>
+            <a:pPr latinLnBrk="1">
+              <a:lnSpc>
+                <a:spcPct val="105000"/>
+              </a:lnSpc>
+            </a:pPr>
+            <a:r>
+              <a:rPr lang="en-US" sz="2599" noProof="1">
+                <a:latin typeface="Consolas"/>
+                <a:cs typeface="Arial" panose="020B0604020202020204" pitchFamily="34" charset="0"/>
+              </a:rPr>
+              <a:t>{</a:t>
+            </a:r>
+          </a:p>
+          <a:p>
+            <a:pPr latinLnBrk="1">
+              <a:lnSpc>
+                <a:spcPct val="105000"/>
+              </a:lnSpc>
+            </a:pPr>
+            <a:r>
+              <a:rPr lang="en-US" sz="2599" noProof="1">
+                <a:latin typeface="Consolas"/>
+                <a:cs typeface="Arial" panose="020B0604020202020204" pitchFamily="34" charset="0"/>
+              </a:rPr>
+              <a:t>	  products.</a:t>
+            </a:r>
+            <a:r>
+              <a:rPr lang="en-US" sz="2599" noProof="1">
                 <a:solidFill>
                   <a:schemeClr val="bg1"/>
                 </a:solidFill>
-              </a:rPr>
-              <a:t>  .ToList()</a:t>
-            </a:r>
-            <a:r>
-              <a:rPr lang="en-GB" sz="2600" noProof="1">
-                <a:solidFill>
-                  <a:srgbClr val="234465"/>
-                </a:solidFill>
-              </a:rPr>
-              <a:t>;</a:t>
-            </a:r>
-          </a:p>
-          <a:p>
-            <a:pPr>
-              <a:defRPr/>
+                <a:latin typeface="Consolas"/>
+                <a:cs typeface="Arial" panose="020B0604020202020204" pitchFamily="34" charset="0"/>
+              </a:rPr>
+              <a:t>Add</a:t>
+            </a:r>
+            <a:r>
+              <a:rPr lang="en-US" sz="2599" noProof="1">
+                <a:latin typeface="Consolas"/>
+                <a:cs typeface="Arial" panose="020B0604020202020204" pitchFamily="34" charset="0"/>
+              </a:rPr>
+              <a:t>(command);</a:t>
+            </a:r>
+          </a:p>
+          <a:p>
+            <a:pPr latinLnBrk="1">
+              <a:lnSpc>
+                <a:spcPct val="105000"/>
+              </a:lnSpc>
             </a:pPr>
             <a:r>
-              <a:rPr lang="en-GB" sz="2600" noProof="1"/>
-              <a:t>int originalLength = numbers.Count;</a:t>
-            </a:r>
-          </a:p>
-          <a:p>
-            <a:pPr>
-              <a:defRPr/>
+              <a:rPr lang="en-US" sz="2599" noProof="1">
+                <a:latin typeface="Consolas"/>
+                <a:cs typeface="Arial" panose="020B0604020202020204" pitchFamily="34" charset="0"/>
+              </a:rPr>
+              <a:t>    command = Console.ReadLine();</a:t>
+            </a:r>
+          </a:p>
+          <a:p>
+            <a:pPr latinLnBrk="1">
+              <a:lnSpc>
+                <a:spcPct val="105000"/>
+              </a:lnSpc>
             </a:pPr>
             <a:r>
-              <a:rPr lang="en-GB" sz="2600" noProof="1"/>
-              <a:t>for (int i = 0; i &lt; originalLength / 2; i++)</a:t>
-            </a:r>
-          </a:p>
-          <a:p>
-            <a:pPr>
-              <a:defRPr/>
-            </a:pPr>
-            <a:r>
-              <a:rPr lang="en-GB" sz="2600" noProof="1"/>
-              <a:t>{</a:t>
-            </a:r>
-          </a:p>
-          <a:p>
-            <a:pPr>
-              <a:defRPr/>
-            </a:pPr>
-            <a:r>
-              <a:rPr lang="en-GB" sz="2600" noProof="1"/>
-              <a:t>  numbers[i] += numbers[numbers.Count - 1];</a:t>
-            </a:r>
-          </a:p>
-          <a:p>
-            <a:pPr>
-              <a:defRPr/>
-            </a:pPr>
-            <a:r>
-              <a:rPr lang="en-GB" sz="2600" noProof="1"/>
-              <a:t>  numbers.</a:t>
-            </a:r>
-            <a:r>
-              <a:rPr lang="en-GB" sz="2600" noProof="1">
-                <a:solidFill>
-                  <a:schemeClr val="bg1"/>
-                </a:solidFill>
-              </a:rPr>
-              <a:t>RemoveAt(</a:t>
-            </a:r>
-            <a:r>
-              <a:rPr lang="en-GB" sz="2600" noProof="1"/>
-              <a:t>numbers.Count - 1</a:t>
-            </a:r>
-            <a:r>
-              <a:rPr lang="en-GB" sz="2600" noProof="1">
-                <a:solidFill>
-                  <a:schemeClr val="bg1"/>
-                </a:solidFill>
-              </a:rPr>
-              <a:t>)</a:t>
-            </a:r>
-            <a:r>
-              <a:rPr lang="en-GB" sz="2600" noProof="1"/>
-              <a:t>;</a:t>
-            </a:r>
-          </a:p>
-          <a:p>
-            <a:pPr>
-              <a:defRPr/>
-            </a:pPr>
-            <a:r>
-              <a:rPr lang="en-GB" sz="2600" noProof="1"/>
+              <a:rPr lang="en-US" sz="2599" noProof="1">
+                <a:latin typeface="Consolas"/>
+                <a:cs typeface="Arial" panose="020B0604020202020204" pitchFamily="34" charset="0"/>
+              </a:rPr>
               <a:t>}</a:t>
             </a:r>
-          </a:p>
-          <a:p>
-            <a:pPr>
-              <a:defRPr/>
-            </a:pPr>
-            <a:r>
-              <a:rPr lang="en-GB" sz="2600" noProof="1"/>
-              <a:t>Console.WriteLine(string.Join(" ", numbers));</a:t>
-            </a:r>
+            <a:endParaRPr lang="en-GB" sz="2600" noProof="1">
+              <a:latin typeface="Consolas"/>
+            </a:endParaRPr>
           </a:p>
         </p:txBody>
       </p:sp>
@@ -13274,7 +12831,7 @@
           <p:cNvPr id="2" name="Slide Number">
             <a:extLst>
               <a:ext uri="{FF2B5EF4-FFF2-40B4-BE49-F238E27FC236}">
-                <a16:creationId xmlns:a16="http://schemas.microsoft.com/office/drawing/2014/main" id="{7007ABF4-069C-E84E-BE13-25236D96D4DC}"/>
+                <a16:creationId xmlns:a16="http://schemas.microsoft.com/office/drawing/2014/main" id="{3D502ABC-35D0-0353-37EF-3609CC71D976}"/>
               </a:ext>
             </a:extLst>
           </p:cNvPr>
@@ -13314,7 +12871,7 @@
     </p:spTree>
     <p:extLst>
       <p:ext uri="{BB962C8B-B14F-4D97-AF65-F5344CB8AC3E}">
-        <p14:creationId xmlns:p14="http://schemas.microsoft.com/office/powerpoint/2010/main" val="1671089787"/>
+        <p14:creationId xmlns:p14="http://schemas.microsoft.com/office/powerpoint/2010/main" val="240343727"/>
       </p:ext>
     </p:extLst>
   </p:cSld>
@@ -13365,7 +12922,7 @@
                                         <p:tgtEl>
                                           <p:spTgt spid="11">
                                             <p:txEl>
-                                              <p:pRg st="3" end="3"/>
+                                              <p:pRg st="1" end="1"/>
                                             </p:txEl>
                                           </p:spTgt>
                                         </p:tgtEl>
@@ -13380,39 +12937,26 @@
                                   </p:childTnLst>
                                 </p:cTn>
                               </p:par>
+                            </p:childTnLst>
+                          </p:cTn>
+                        </p:par>
+                      </p:childTnLst>
+                    </p:cTn>
+                  </p:par>
+                  <p:par>
+                    <p:cTn id="7" fill="hold">
+                      <p:stCondLst>
+                        <p:cond delay="indefinite"/>
+                      </p:stCondLst>
+                      <p:childTnLst>
+                        <p:par>
+                          <p:cTn id="8" fill="hold">
+                            <p:stCondLst>
+                              <p:cond delay="0"/>
+                            </p:stCondLst>
+                            <p:childTnLst>
                               <p:par>
-                                <p:cTn id="7" presetID="1" presetClass="entr" presetSubtype="0" fill="hold" nodeType="withEffect">
-                                  <p:stCondLst>
-                                    <p:cond delay="0"/>
-                                  </p:stCondLst>
-                                  <p:childTnLst>
-                                    <p:set>
-                                      <p:cBhvr>
-                                        <p:cTn id="8" dur="1" fill="hold">
-                                          <p:stCondLst>
-                                            <p:cond delay="0"/>
-                                          </p:stCondLst>
-                                        </p:cTn>
-                                        <p:tgtEl>
-                                          <p:spTgt spid="11">
-                                            <p:txEl>
-                                              <p:pRg st="4" end="4"/>
-                                            </p:txEl>
-                                          </p:spTgt>
-                                        </p:tgtEl>
-                                        <p:attrNameLst>
-                                          <p:attrName>style.visibility</p:attrName>
-                                        </p:attrNameLst>
-                                      </p:cBhvr>
-                                      <p:to>
-                                        <p:strVal val="visible"/>
-                                      </p:to>
-                                    </p:set>
-                                  </p:childTnLst>
-                                </p:cTn>
-                              </p:par>
-                              <p:par>
-                                <p:cTn id="9" presetID="1" presetClass="entr" presetSubtype="0" fill="hold" nodeType="withEffect">
+                                <p:cTn id="9" presetID="1" presetClass="entr" presetSubtype="0" fill="hold" nodeType="clickEffect">
                                   <p:stCondLst>
                                     <p:cond delay="0"/>
                                   </p:stCondLst>
@@ -13427,7 +12971,7 @@
                                         <p:tgtEl>
                                           <p:spTgt spid="11">
                                             <p:txEl>
-                                              <p:pRg st="5" end="5"/>
+                                              <p:pRg st="3" end="3"/>
                                             </p:txEl>
                                           </p:spTgt>
                                         </p:tgtEl>
@@ -13458,7 +13002,38 @@
                                         <p:tgtEl>
                                           <p:spTgt spid="11">
                                             <p:txEl>
-                                              <p:pRg st="8" end="8"/>
+                                              <p:pRg st="4" end="4"/>
+                                            </p:txEl>
+                                          </p:spTgt>
+                                        </p:tgtEl>
+                                        <p:attrNameLst>
+                                          <p:attrName>style.visibility</p:attrName>
+                                        </p:attrNameLst>
+                                      </p:cBhvr>
+                                      <p:to>
+                                        <p:strVal val="visible"/>
+                                      </p:to>
+                                    </p:set>
+                                  </p:childTnLst>
+                                </p:cTn>
+                              </p:par>
+                              <p:par>
+                                <p:cTn id="13" presetID="1" presetClass="entr" presetSubtype="0" fill="hold" nodeType="withEffect">
+                                  <p:stCondLst>
+                                    <p:cond delay="0"/>
+                                  </p:stCondLst>
+                                  <p:childTnLst>
+                                    <p:set>
+                                      <p:cBhvr>
+                                        <p:cTn id="14" dur="1" fill="hold">
+                                          <p:stCondLst>
+                                            <p:cond delay="0"/>
+                                          </p:stCondLst>
+                                        </p:cTn>
+                                        <p:tgtEl>
+                                          <p:spTgt spid="11">
+                                            <p:txEl>
+                                              <p:pRg st="7" end="7"/>
                                             </p:txEl>
                                           </p:spTgt>
                                         </p:tgtEl>
@@ -13480,26 +13055,75 @@
                     </p:cTn>
                   </p:par>
                   <p:par>
-                    <p:cTn id="13" fill="hold">
+                    <p:cTn id="15" fill="hold">
                       <p:stCondLst>
                         <p:cond delay="indefinite"/>
                       </p:stCondLst>
                       <p:childTnLst>
                         <p:par>
-                          <p:cTn id="14" fill="hold">
+                          <p:cTn id="16" fill="hold">
                             <p:stCondLst>
                               <p:cond delay="0"/>
                             </p:stCondLst>
                             <p:childTnLst>
                               <p:par>
-                                <p:cTn id="15" presetID="1" presetClass="entr" presetSubtype="0" fill="hold" nodeType="clickEffect">
+                                <p:cTn id="17" presetID="1" presetClass="entr" presetSubtype="0" fill="hold" nodeType="clickEffect">
                                   <p:stCondLst>
                                     <p:cond delay="0"/>
                                   </p:stCondLst>
                                   <p:childTnLst>
                                     <p:set>
                                       <p:cBhvr>
-                                        <p:cTn id="16" dur="1" fill="hold">
+                                        <p:cTn id="18" dur="1" fill="hold">
+                                          <p:stCondLst>
+                                            <p:cond delay="0"/>
+                                          </p:stCondLst>
+                                        </p:cTn>
+                                        <p:tgtEl>
+                                          <p:spTgt spid="11">
+                                            <p:txEl>
+                                              <p:pRg st="5" end="5"/>
+                                            </p:txEl>
+                                          </p:spTgt>
+                                        </p:tgtEl>
+                                        <p:attrNameLst>
+                                          <p:attrName>style.visibility</p:attrName>
+                                        </p:attrNameLst>
+                                      </p:cBhvr>
+                                      <p:to>
+                                        <p:strVal val="visible"/>
+                                      </p:to>
+                                    </p:set>
+                                  </p:childTnLst>
+                                </p:cTn>
+                              </p:par>
+                            </p:childTnLst>
+                          </p:cTn>
+                        </p:par>
+                      </p:childTnLst>
+                    </p:cTn>
+                  </p:par>
+                  <p:par>
+                    <p:cTn id="19" fill="hold">
+                      <p:stCondLst>
+                        <p:cond delay="indefinite"/>
+                      </p:stCondLst>
+                      <p:childTnLst>
+                        <p:par>
+                          <p:cTn id="20" fill="hold">
+                            <p:stCondLst>
+                              <p:cond delay="0"/>
+                            </p:stCondLst>
+                            <p:childTnLst>
+                              <p:par>
+                                <p:cTn id="21" presetID="1" presetClass="entr" presetSubtype="0" fill="hold" nodeType="clickEffect">
+                                  <p:stCondLst>
+                                    <p:cond delay="0"/>
+                                  </p:stCondLst>
+                                  <p:childTnLst>
+                                    <p:set>
+                                      <p:cBhvr>
+                                        <p:cTn id="22" dur="1" fill="hold">
                                           <p:stCondLst>
                                             <p:cond delay="0"/>
                                           </p:stCondLst>
@@ -13522,8 +13146,1392 @@
                                   </p:childTnLst>
                                 </p:cTn>
                               </p:par>
+                            </p:childTnLst>
+                          </p:cTn>
+                        </p:par>
+                      </p:childTnLst>
+                    </p:cTn>
+                  </p:par>
+                </p:childTnLst>
+              </p:cTn>
+              <p:prevCondLst>
+                <p:cond evt="onPrev" delay="0">
+                  <p:tgtEl>
+                    <p:sldTgt/>
+                  </p:tgtEl>
+                </p:cond>
+              </p:prevCondLst>
+              <p:nextCondLst>
+                <p:cond evt="onNext" delay="0">
+                  <p:tgtEl>
+                    <p:sldTgt/>
+                  </p:tgtEl>
+                </p:cond>
+              </p:nextCondLst>
+            </p:seq>
+          </p:childTnLst>
+        </p:cTn>
+      </p:par>
+    </p:tnLst>
+  </p:timing>
+</p:sld>
+</file>
+
+<file path=ppt/slides/slide16.xml><?xml version="1.0" encoding="utf-8"?>
+<p:sld xmlns:a="http://schemas.openxmlformats.org/drawingml/2006/main" xmlns:r="http://schemas.openxmlformats.org/officeDocument/2006/relationships" xmlns:p="http://schemas.openxmlformats.org/presentationml/2006/main">
+  <p:cSld>
+    <p:spTree>
+      <p:nvGrpSpPr>
+        <p:cNvPr id="1" name=""/>
+        <p:cNvGrpSpPr/>
+        <p:nvPr/>
+      </p:nvGrpSpPr>
+      <p:grpSpPr>
+        <a:xfrm>
+          <a:off x="0" y="0"/>
+          <a:ext cx="0" cy="0"/>
+          <a:chOff x="0" y="0"/>
+          <a:chExt cx="0" cy="0"/>
+        </a:xfrm>
+      </p:grpSpPr>
+      <p:sp>
+        <p:nvSpPr>
+          <p:cNvPr id="7" name="Text Placeholder 6"/>
+          <p:cNvSpPr>
+            <a:spLocks noGrp="1"/>
+          </p:cNvSpPr>
+          <p:nvPr>
+            <p:ph type="body" sz="quarter" idx="10"/>
+          </p:nvPr>
+        </p:nvSpPr>
+        <p:spPr/>
+        <p:txBody>
+          <a:bodyPr vert="horz" lIns="108000" tIns="36000" rIns="108000" bIns="36000" rtlCol="0" anchor="t">
+            <a:normAutofit/>
+          </a:bodyPr>
+          <a:lstStyle/>
+          <a:p>
+            <a:pPr marL="360045" indent="-360045"/>
+            <a:r>
+              <a:rPr lang="bg-BG" sz="3350" dirty="0"/>
+              <a:t>Ще получите </a:t>
+            </a:r>
+            <a:r>
+              <a:rPr lang="bg-BG" sz="3350" b="1" dirty="0">
+                <a:solidFill>
+                  <a:schemeClr val="bg1"/>
+                </a:solidFill>
+              </a:rPr>
+              <a:t>поредица от цели числа </a:t>
+            </a:r>
+            <a:r>
+              <a:rPr lang="bg-BG" sz="3350" dirty="0"/>
+              <a:t>на </a:t>
+            </a:r>
+            <a:r>
+              <a:rPr lang="bg-BG" sz="3350" b="1" dirty="0"/>
+              <a:t>един ред</a:t>
+            </a:r>
+            <a:r>
+              <a:rPr lang="bg-BG" sz="3350" dirty="0"/>
+              <a:t>, разделени с </a:t>
+            </a:r>
+            <a:r>
+              <a:rPr lang="bg-BG" sz="3350" b="1" dirty="0"/>
+              <a:t>интервал</a:t>
+            </a:r>
+          </a:p>
+          <a:p>
+            <a:pPr marL="360045" indent="-360045"/>
+            <a:r>
+              <a:rPr lang="bg-BG" sz="3350" dirty="0"/>
+              <a:t>Създайте </a:t>
+            </a:r>
+            <a:r>
+              <a:rPr lang="bg-BG" sz="3350" b="1" dirty="0">
+                <a:solidFill>
+                  <a:schemeClr val="bg1"/>
+                </a:solidFill>
+              </a:rPr>
+              <a:t>нов списък </a:t>
+            </a:r>
+            <a:r>
+              <a:rPr lang="bg-BG" sz="3350" dirty="0"/>
+              <a:t>с числата от стария, но </a:t>
+            </a:r>
+            <a:r>
+              <a:rPr lang="bg-BG" sz="3350" b="1" dirty="0">
+                <a:solidFill>
+                  <a:schemeClr val="bg1"/>
+                </a:solidFill>
+              </a:rPr>
+              <a:t>умножени по две</a:t>
+            </a:r>
+          </a:p>
+          <a:p>
+            <a:pPr marL="360045" indent="-360045"/>
+            <a:r>
+              <a:rPr lang="bg-BG" sz="3350" dirty="0"/>
+              <a:t>Отпечатайте числата от </a:t>
+            </a:r>
+            <a:r>
+              <a:rPr lang="bg-BG" sz="3350" b="1" dirty="0">
+                <a:solidFill>
+                  <a:schemeClr val="bg1"/>
+                </a:solidFill>
+              </a:rPr>
+              <a:t>новия списък </a:t>
+            </a:r>
+            <a:r>
+              <a:rPr lang="bg-BG" sz="3350" dirty="0"/>
+              <a:t>на </a:t>
+            </a:r>
+            <a:r>
+              <a:rPr lang="bg-BG" sz="3350" b="1" dirty="0"/>
+              <a:t>един ред</a:t>
+            </a:r>
+            <a:r>
+              <a:rPr lang="bg-BG" sz="3350" dirty="0"/>
+              <a:t>, разделени с </a:t>
+            </a:r>
+            <a:r>
+              <a:rPr lang="bg-BG" sz="3350" b="1" dirty="0"/>
+              <a:t>интервал</a:t>
+            </a:r>
+          </a:p>
+        </p:txBody>
+      </p:sp>
+      <p:sp>
+        <p:nvSpPr>
+          <p:cNvPr id="6" name="Title 5"/>
+          <p:cNvSpPr>
+            <a:spLocks noGrp="1"/>
+          </p:cNvSpPr>
+          <p:nvPr>
+            <p:ph type="title"/>
+          </p:nvPr>
+        </p:nvSpPr>
+        <p:spPr/>
+        <p:txBody>
+          <a:bodyPr/>
+          <a:lstStyle/>
+          <a:p>
+            <a:r>
+              <a:rPr lang="en-GB" sz="3950" dirty="0"/>
+              <a:t>Задача:</a:t>
+            </a:r>
+            <a:r>
+              <a:rPr lang="bg-BG" sz="3950" dirty="0"/>
+              <a:t> Удвояване на числа</a:t>
+            </a:r>
+          </a:p>
+        </p:txBody>
+      </p:sp>
+      <p:sp>
+        <p:nvSpPr>
+          <p:cNvPr id="8" name="Rectangle 7"/>
+          <p:cNvSpPr>
+            <a:spLocks noChangeArrowheads="1"/>
+          </p:cNvSpPr>
+          <p:nvPr/>
+        </p:nvSpPr>
+        <p:spPr bwMode="auto">
+          <a:xfrm>
+            <a:off x="2948230" y="5356295"/>
+            <a:ext cx="2098514" cy="648940"/>
+          </a:xfrm>
+          <a:prstGeom prst="rect">
+            <a:avLst/>
+          </a:prstGeom>
+          <a:solidFill>
+            <a:schemeClr val="accent6">
+              <a:lumMod val="75000"/>
+              <a:alpha val="15000"/>
+            </a:schemeClr>
+          </a:solidFill>
+          <a:ln w="12700">
+            <a:solidFill>
+              <a:schemeClr val="accent5"/>
+            </a:solidFill>
+          </a:ln>
+        </p:spPr>
+        <p:txBody>
+          <a:bodyPr vert="horz" wrap="square" lIns="143963" tIns="107972" rIns="143963" bIns="107972" rtlCol="0">
+            <a:spAutoFit/>
+          </a:bodyPr>
+          <a:lstStyle/>
+          <a:p>
+            <a:pPr defTabSz="1218804" latinLnBrk="1">
+              <a:spcBef>
+                <a:spcPts val="600"/>
+              </a:spcBef>
+              <a:spcAft>
+                <a:spcPts val="600"/>
+              </a:spcAft>
+            </a:pPr>
+            <a:r>
+              <a:rPr lang="bg-BG" sz="2800" b="1" noProof="1">
+                <a:latin typeface="Consolas" pitchFamily="49" charset="0"/>
+              </a:rPr>
+              <a:t>14 2 45</a:t>
+            </a:r>
+            <a:endParaRPr lang="en-US" sz="2800" b="1" noProof="1">
+              <a:latin typeface="Consolas" pitchFamily="49" charset="0"/>
+            </a:endParaRPr>
+          </a:p>
+        </p:txBody>
+      </p:sp>
+      <p:sp>
+        <p:nvSpPr>
+          <p:cNvPr id="9" name="Rectangle 8"/>
+          <p:cNvSpPr>
+            <a:spLocks noChangeArrowheads="1"/>
+          </p:cNvSpPr>
+          <p:nvPr/>
+        </p:nvSpPr>
+        <p:spPr bwMode="auto">
+          <a:xfrm>
+            <a:off x="6250424" y="5356295"/>
+            <a:ext cx="3263791" cy="648940"/>
+          </a:xfrm>
+          <a:prstGeom prst="rect">
+            <a:avLst/>
+          </a:prstGeom>
+          <a:solidFill>
+            <a:schemeClr val="accent6">
+              <a:lumMod val="75000"/>
+              <a:alpha val="15000"/>
+            </a:schemeClr>
+          </a:solidFill>
+          <a:ln w="12700">
+            <a:solidFill>
+              <a:schemeClr val="accent5"/>
+            </a:solidFill>
+          </a:ln>
+        </p:spPr>
+        <p:txBody>
+          <a:bodyPr vert="horz" wrap="square" lIns="143963" tIns="107972" rIns="143963" bIns="107972" rtlCol="0">
+            <a:spAutoFit/>
+          </a:bodyPr>
+          <a:lstStyle/>
+          <a:p>
+            <a:pPr defTabSz="1218804" latinLnBrk="1">
+              <a:spcBef>
+                <a:spcPts val="600"/>
+              </a:spcBef>
+              <a:spcAft>
+                <a:spcPts val="600"/>
+              </a:spcAft>
+            </a:pPr>
+            <a:r>
+              <a:rPr lang="bg-BG" sz="2800" b="1" noProof="1">
+                <a:latin typeface="Consolas" pitchFamily="49" charset="0"/>
+              </a:rPr>
+              <a:t>28 4 90</a:t>
+            </a:r>
+            <a:endParaRPr lang="en-US" sz="2800" b="1" noProof="1">
+              <a:latin typeface="Consolas" pitchFamily="49" charset="0"/>
+            </a:endParaRPr>
+          </a:p>
+        </p:txBody>
+      </p:sp>
+      <p:sp>
+        <p:nvSpPr>
+          <p:cNvPr id="10" name="Arrow: Right 6"/>
+          <p:cNvSpPr/>
+          <p:nvPr/>
+        </p:nvSpPr>
+        <p:spPr>
+          <a:xfrm>
+            <a:off x="5377171" y="5490314"/>
+            <a:ext cx="542825" cy="380901"/>
+          </a:xfrm>
+          <a:prstGeom prst="rightArrow">
+            <a:avLst/>
+          </a:prstGeom>
+          <a:solidFill>
+            <a:schemeClr val="dk2">
+              <a:alpha val="80000"/>
+            </a:schemeClr>
+          </a:solidFill>
+          <a:ln w="19050">
+            <a:solidFill>
+              <a:schemeClr val="tx1">
+                <a:lumMod val="75000"/>
+                <a:alpha val="80000"/>
+              </a:schemeClr>
+            </a:solidFill>
+          </a:ln>
+          <a:effectLst/>
+        </p:spPr>
+        <p:style>
+          <a:lnRef idx="2">
+            <a:schemeClr val="accent1">
+              <a:shade val="50000"/>
+            </a:schemeClr>
+          </a:lnRef>
+          <a:fillRef idx="1001">
+            <a:schemeClr val="dk2"/>
+          </a:fillRef>
+          <a:effectRef idx="0">
+            <a:schemeClr val="accent1"/>
+          </a:effectRef>
+          <a:fontRef idx="minor">
+            <a:schemeClr val="lt1"/>
+          </a:fontRef>
+        </p:style>
+        <p:txBody>
+          <a:bodyPr rot="0" spcFirstLastPara="0" vertOverflow="overflow" horzOverflow="overflow" vert="horz" wrap="square" lIns="91416" tIns="45708" rIns="91416" bIns="45708" numCol="1" spcCol="0" rtlCol="0" fromWordArt="0" anchor="ctr" anchorCtr="0" forceAA="0" compatLnSpc="1">
+            <a:prstTxWarp prst="textNoShape">
+              <a:avLst/>
+            </a:prstTxWarp>
+            <a:noAutofit/>
+          </a:bodyPr>
+          <a:lstStyle/>
+          <a:p>
+            <a:pPr algn="ctr"/>
+            <a:endParaRPr lang="en-US" sz="2799" b="1" dirty="0">
+              <a:solidFill>
+                <a:srgbClr val="FFFFFF"/>
+              </a:solidFill>
+              <a:effectLst>
+                <a:outerShdw blurRad="38100" dist="38100" dir="2700000" algn="tl">
+                  <a:srgbClr val="000000">
+                    <a:alpha val="43137"/>
+                  </a:srgbClr>
+                </a:outerShdw>
+              </a:effectLst>
+            </a:endParaRPr>
+          </a:p>
+        </p:txBody>
+      </p:sp>
+      <p:sp>
+        <p:nvSpPr>
+          <p:cNvPr id="2" name="Slide Number">
+            <a:extLst>
+              <a:ext uri="{FF2B5EF4-FFF2-40B4-BE49-F238E27FC236}">
+                <a16:creationId xmlns:a16="http://schemas.microsoft.com/office/drawing/2014/main" id="{ACC4CE48-6ACA-CFF7-E20E-97D970B1D0D4}"/>
+              </a:ext>
+            </a:extLst>
+          </p:cNvPr>
+          <p:cNvSpPr>
+            <a:spLocks noGrp="1"/>
+          </p:cNvSpPr>
+          <p:nvPr>
+            <p:ph type="sldNum" sz="quarter" idx="5"/>
+          </p:nvPr>
+        </p:nvSpPr>
+        <p:spPr>
+          <a:xfrm>
+            <a:off x="11753030" y="6507000"/>
+            <a:ext cx="367414" cy="297000"/>
+          </a:xfrm>
+          <a:prstGeom prst="rect">
+            <a:avLst/>
+          </a:prstGeom>
+        </p:spPr>
+        <p:txBody>
+          <a:bodyPr vert="horz" lIns="91440" tIns="45720" rIns="91440" bIns="45720" rtlCol="0" anchor="b"/>
+          <a:lstStyle>
+            <a:lvl1pPr algn="r">
+              <a:defRPr sz="1000"/>
+            </a:lvl1pPr>
+          </a:lstStyle>
+          <a:p>
+            <a:fld id="{2BF067CD-8E6B-4360-9AA8-C5DF2A48A6D1}" type="slidenum">
+              <a:rPr lang="en-US" noProof="0" smtClean="0"/>
+              <a:pPr/>
+              <a:t>16</a:t>
+            </a:fld>
+            <a:endParaRPr lang="en-US" noProof="0" dirty="0"/>
+          </a:p>
+        </p:txBody>
+      </p:sp>
+    </p:spTree>
+    <p:extLst>
+      <p:ext uri="{BB962C8B-B14F-4D97-AF65-F5344CB8AC3E}">
+        <p14:creationId xmlns:p14="http://schemas.microsoft.com/office/powerpoint/2010/main" val="3599652053"/>
+      </p:ext>
+    </p:extLst>
+  </p:cSld>
+  <p:clrMapOvr>
+    <a:masterClrMapping/>
+  </p:clrMapOvr>
+  <mc:AlternateContent xmlns:mc="http://schemas.openxmlformats.org/markup-compatibility/2006" xmlns:p14="http://schemas.microsoft.com/office/powerpoint/2010/main">
+    <mc:Choice Requires="p14">
+      <p:transition spd="slow" p14:dur="2000" advClick="0" advTm="5000"/>
+    </mc:Choice>
+    <mc:Fallback xmlns="">
+      <p:transition spd="slow" advClick="0" advTm="5000"/>
+    </mc:Fallback>
+  </mc:AlternateContent>
+  <p:timing>
+    <p:tnLst>
+      <p:par>
+        <p:cTn id="1" dur="indefinite" restart="never" nodeType="tmRoot">
+          <p:childTnLst>
+            <p:seq concurrent="1" nextAc="seek">
+              <p:cTn id="2" dur="indefinite" nodeType="mainSeq">
+                <p:childTnLst>
+                  <p:par>
+                    <p:cTn id="3" fill="hold">
+                      <p:stCondLst>
+                        <p:cond delay="indefinite"/>
+                      </p:stCondLst>
+                      <p:childTnLst>
+                        <p:par>
+                          <p:cTn id="4" fill="hold">
+                            <p:stCondLst>
+                              <p:cond delay="0"/>
+                            </p:stCondLst>
+                            <p:childTnLst>
                               <p:par>
-                                <p:cTn id="17" presetID="1" presetClass="entr" presetSubtype="0" fill="hold" nodeType="withEffect">
+                                <p:cTn id="5" presetID="1" presetClass="entr" presetSubtype="0" fill="hold" nodeType="clickEffect">
+                                  <p:stCondLst>
+                                    <p:cond delay="0"/>
+                                  </p:stCondLst>
+                                  <p:childTnLst>
+                                    <p:set>
+                                      <p:cBhvr>
+                                        <p:cTn id="6" dur="1" fill="hold">
+                                          <p:stCondLst>
+                                            <p:cond delay="0"/>
+                                          </p:stCondLst>
+                                        </p:cTn>
+                                        <p:tgtEl>
+                                          <p:spTgt spid="7">
+                                            <p:txEl>
+                                              <p:pRg st="1" end="1"/>
+                                            </p:txEl>
+                                          </p:spTgt>
+                                        </p:tgtEl>
+                                        <p:attrNameLst>
+                                          <p:attrName>style.visibility</p:attrName>
+                                        </p:attrNameLst>
+                                      </p:cBhvr>
+                                      <p:to>
+                                        <p:strVal val="visible"/>
+                                      </p:to>
+                                    </p:set>
+                                  </p:childTnLst>
+                                </p:cTn>
+                              </p:par>
+                            </p:childTnLst>
+                          </p:cTn>
+                        </p:par>
+                      </p:childTnLst>
+                    </p:cTn>
+                  </p:par>
+                  <p:par>
+                    <p:cTn id="7" fill="hold">
+                      <p:stCondLst>
+                        <p:cond delay="indefinite"/>
+                      </p:stCondLst>
+                      <p:childTnLst>
+                        <p:par>
+                          <p:cTn id="8" fill="hold">
+                            <p:stCondLst>
+                              <p:cond delay="0"/>
+                            </p:stCondLst>
+                            <p:childTnLst>
+                              <p:par>
+                                <p:cTn id="9" presetID="1" presetClass="entr" presetSubtype="0" fill="hold" nodeType="clickEffect">
+                                  <p:stCondLst>
+                                    <p:cond delay="0"/>
+                                  </p:stCondLst>
+                                  <p:childTnLst>
+                                    <p:set>
+                                      <p:cBhvr>
+                                        <p:cTn id="10" dur="1" fill="hold">
+                                          <p:stCondLst>
+                                            <p:cond delay="0"/>
+                                          </p:stCondLst>
+                                        </p:cTn>
+                                        <p:tgtEl>
+                                          <p:spTgt spid="7">
+                                            <p:txEl>
+                                              <p:pRg st="2" end="2"/>
+                                            </p:txEl>
+                                          </p:spTgt>
+                                        </p:tgtEl>
+                                        <p:attrNameLst>
+                                          <p:attrName>style.visibility</p:attrName>
+                                        </p:attrNameLst>
+                                      </p:cBhvr>
+                                      <p:to>
+                                        <p:strVal val="visible"/>
+                                      </p:to>
+                                    </p:set>
+                                  </p:childTnLst>
+                                </p:cTn>
+                              </p:par>
+                            </p:childTnLst>
+                          </p:cTn>
+                        </p:par>
+                      </p:childTnLst>
+                    </p:cTn>
+                  </p:par>
+                  <p:par>
+                    <p:cTn id="11" fill="hold">
+                      <p:stCondLst>
+                        <p:cond delay="indefinite"/>
+                      </p:stCondLst>
+                      <p:childTnLst>
+                        <p:par>
+                          <p:cTn id="12" fill="hold">
+                            <p:stCondLst>
+                              <p:cond delay="0"/>
+                            </p:stCondLst>
+                            <p:childTnLst>
+                              <p:par>
+                                <p:cTn id="13" presetID="1" presetClass="entr" presetSubtype="0" fill="hold" grpId="0" nodeType="clickEffect">
+                                  <p:stCondLst>
+                                    <p:cond delay="0"/>
+                                  </p:stCondLst>
+                                  <p:childTnLst>
+                                    <p:set>
+                                      <p:cBhvr>
+                                        <p:cTn id="14" dur="1" fill="hold">
+                                          <p:stCondLst>
+                                            <p:cond delay="0"/>
+                                          </p:stCondLst>
+                                        </p:cTn>
+                                        <p:tgtEl>
+                                          <p:spTgt spid="8"/>
+                                        </p:tgtEl>
+                                        <p:attrNameLst>
+                                          <p:attrName>style.visibility</p:attrName>
+                                        </p:attrNameLst>
+                                      </p:cBhvr>
+                                      <p:to>
+                                        <p:strVal val="visible"/>
+                                      </p:to>
+                                    </p:set>
+                                  </p:childTnLst>
+                                </p:cTn>
+                              </p:par>
+                            </p:childTnLst>
+                          </p:cTn>
+                        </p:par>
+                      </p:childTnLst>
+                    </p:cTn>
+                  </p:par>
+                  <p:par>
+                    <p:cTn id="15" fill="hold">
+                      <p:stCondLst>
+                        <p:cond delay="indefinite"/>
+                      </p:stCondLst>
+                      <p:childTnLst>
+                        <p:par>
+                          <p:cTn id="16" fill="hold">
+                            <p:stCondLst>
+                              <p:cond delay="0"/>
+                            </p:stCondLst>
+                            <p:childTnLst>
+                              <p:par>
+                                <p:cTn id="17" presetID="1" presetClass="entr" presetSubtype="0" fill="hold" grpId="0" nodeType="clickEffect">
+                                  <p:stCondLst>
+                                    <p:cond delay="0"/>
+                                  </p:stCondLst>
+                                  <p:childTnLst>
+                                    <p:set>
+                                      <p:cBhvr>
+                                        <p:cTn id="18" dur="1" fill="hold">
+                                          <p:stCondLst>
+                                            <p:cond delay="0"/>
+                                          </p:stCondLst>
+                                        </p:cTn>
+                                        <p:tgtEl>
+                                          <p:spTgt spid="10"/>
+                                        </p:tgtEl>
+                                        <p:attrNameLst>
+                                          <p:attrName>style.visibility</p:attrName>
+                                        </p:attrNameLst>
+                                      </p:cBhvr>
+                                      <p:to>
+                                        <p:strVal val="visible"/>
+                                      </p:to>
+                                    </p:set>
+                                  </p:childTnLst>
+                                </p:cTn>
+                              </p:par>
+                              <p:par>
+                                <p:cTn id="19" presetID="1" presetClass="entr" presetSubtype="0" fill="hold" grpId="0" nodeType="withEffect">
+                                  <p:stCondLst>
+                                    <p:cond delay="0"/>
+                                  </p:stCondLst>
+                                  <p:childTnLst>
+                                    <p:set>
+                                      <p:cBhvr>
+                                        <p:cTn id="20" dur="1" fill="hold">
+                                          <p:stCondLst>
+                                            <p:cond delay="0"/>
+                                          </p:stCondLst>
+                                        </p:cTn>
+                                        <p:tgtEl>
+                                          <p:spTgt spid="9"/>
+                                        </p:tgtEl>
+                                        <p:attrNameLst>
+                                          <p:attrName>style.visibility</p:attrName>
+                                        </p:attrNameLst>
+                                      </p:cBhvr>
+                                      <p:to>
+                                        <p:strVal val="visible"/>
+                                      </p:to>
+                                    </p:set>
+                                  </p:childTnLst>
+                                </p:cTn>
+                              </p:par>
+                            </p:childTnLst>
+                          </p:cTn>
+                        </p:par>
+                      </p:childTnLst>
+                    </p:cTn>
+                  </p:par>
+                </p:childTnLst>
+              </p:cTn>
+              <p:prevCondLst>
+                <p:cond evt="onPrev" delay="0">
+                  <p:tgtEl>
+                    <p:sldTgt/>
+                  </p:tgtEl>
+                </p:cond>
+              </p:prevCondLst>
+              <p:nextCondLst>
+                <p:cond evt="onNext" delay="0">
+                  <p:tgtEl>
+                    <p:sldTgt/>
+                  </p:tgtEl>
+                </p:cond>
+              </p:nextCondLst>
+            </p:seq>
+          </p:childTnLst>
+        </p:cTn>
+      </p:par>
+    </p:tnLst>
+    <p:bldLst>
+      <p:bldP spid="8" grpId="0" animBg="1"/>
+      <p:bldP spid="9" grpId="0" animBg="1"/>
+      <p:bldP spid="10" grpId="0" animBg="1"/>
+    </p:bldLst>
+  </p:timing>
+</p:sld>
+</file>
+
+<file path=ppt/slides/slide17.xml><?xml version="1.0" encoding="utf-8"?>
+<p:sld xmlns:a="http://schemas.openxmlformats.org/drawingml/2006/main" xmlns:r="http://schemas.openxmlformats.org/officeDocument/2006/relationships" xmlns:p="http://schemas.openxmlformats.org/presentationml/2006/main">
+  <p:cSld>
+    <p:spTree>
+      <p:nvGrpSpPr>
+        <p:cNvPr id="1" name=""/>
+        <p:cNvGrpSpPr/>
+        <p:nvPr/>
+      </p:nvGrpSpPr>
+      <p:grpSpPr>
+        <a:xfrm>
+          <a:off x="0" y="0"/>
+          <a:ext cx="0" cy="0"/>
+          <a:chOff x="0" y="0"/>
+          <a:chExt cx="0" cy="0"/>
+        </a:xfrm>
+      </p:grpSpPr>
+      <p:sp>
+        <p:nvSpPr>
+          <p:cNvPr id="4" name="Title 3"/>
+          <p:cNvSpPr>
+            <a:spLocks noGrp="1"/>
+          </p:cNvSpPr>
+          <p:nvPr>
+            <p:ph type="title"/>
+          </p:nvPr>
+        </p:nvSpPr>
+        <p:spPr/>
+        <p:txBody>
+          <a:bodyPr/>
+          <a:lstStyle/>
+          <a:p>
+            <a:r>
+              <a:rPr lang="en-GB" sz="3950" dirty="0"/>
+              <a:t>Решение: </a:t>
+            </a:r>
+            <a:r>
+              <a:rPr lang="bg-BG" sz="3950" dirty="0">
+                <a:ea typeface="+mj-lt"/>
+                <a:cs typeface="+mj-lt"/>
+              </a:rPr>
+              <a:t>Удвояване на числа</a:t>
+            </a:r>
+            <a:endParaRPr lang="bg-BG" dirty="0"/>
+          </a:p>
+        </p:txBody>
+      </p:sp>
+      <p:sp>
+        <p:nvSpPr>
+          <p:cNvPr id="11" name="Text Placeholder 2">
+            <a:extLst>
+              <a:ext uri="{FF2B5EF4-FFF2-40B4-BE49-F238E27FC236}">
+                <a16:creationId xmlns:a16="http://schemas.microsoft.com/office/drawing/2014/main" id="{E6EBCD58-AB07-446C-8517-BCE5FF9961B3}"/>
+              </a:ext>
+            </a:extLst>
+          </p:cNvPr>
+          <p:cNvSpPr txBox="1">
+            <a:spLocks/>
+          </p:cNvSpPr>
+          <p:nvPr/>
+        </p:nvSpPr>
+        <p:spPr>
+          <a:xfrm>
+            <a:off x="502199" y="1669657"/>
+            <a:ext cx="11187602" cy="4818728"/>
+          </a:xfrm>
+          <a:prstGeom prst="rect">
+            <a:avLst/>
+          </a:prstGeom>
+          <a:solidFill>
+            <a:srgbClr val="F4F5F7">
+              <a:lumMod val="75000"/>
+              <a:alpha val="15000"/>
+            </a:srgbClr>
+          </a:solidFill>
+          <a:ln w="12700">
+            <a:solidFill>
+              <a:srgbClr val="234465">
+                <a:lumMod val="50000"/>
+              </a:srgbClr>
+            </a:solidFill>
+          </a:ln>
+        </p:spPr>
+        <p:txBody>
+          <a:bodyPr vert="horz" wrap="square" lIns="144000" tIns="108000" rIns="144000" bIns="108000" rtlCol="0" anchor="t">
+            <a:spAutoFit/>
+          </a:bodyPr>
+          <a:lstStyle>
+            <a:lvl1pPr marL="360363" indent="-360363" algn="l" defTabSz="1218438" rtl="0" eaLnBrk="1" latinLnBrk="0" hangingPunct="1">
+              <a:lnSpc>
+                <a:spcPct val="110000"/>
+              </a:lnSpc>
+              <a:spcBef>
+                <a:spcPts val="0"/>
+              </a:spcBef>
+              <a:spcAft>
+                <a:spcPts val="0"/>
+              </a:spcAft>
+              <a:buFont typeface="Wingdings" panose="05000000000000000000" pitchFamily="2" charset="2"/>
+              <a:buNone/>
+              <a:defRPr lang="en-US" sz="2800" b="1" kern="1200" smtClean="0">
+                <a:solidFill>
+                  <a:schemeClr val="tx1"/>
+                </a:solidFill>
+                <a:latin typeface="Consolas" pitchFamily="49" charset="0"/>
+                <a:ea typeface="+mn-ea"/>
+                <a:cs typeface="+mn-cs"/>
+              </a:defRPr>
+            </a:lvl1pPr>
+            <a:lvl2pPr marL="803275" indent="-360363" algn="l" defTabSz="1218438" rtl="0" eaLnBrk="1" latinLnBrk="0" hangingPunct="1">
+              <a:lnSpc>
+                <a:spcPct val="105000"/>
+              </a:lnSpc>
+              <a:spcBef>
+                <a:spcPts val="600"/>
+              </a:spcBef>
+              <a:spcAft>
+                <a:spcPts val="600"/>
+              </a:spcAft>
+              <a:buFont typeface="Wingdings" panose="05000000000000000000" pitchFamily="2" charset="2"/>
+              <a:buChar char="§"/>
+              <a:defRPr lang="en-US" sz="3198" kern="1200" smtClean="0">
+                <a:solidFill>
+                  <a:schemeClr val="tx1"/>
+                </a:solidFill>
+                <a:latin typeface="+mn-lt"/>
+                <a:ea typeface="+mn-ea"/>
+                <a:cs typeface="+mn-cs"/>
+              </a:defRPr>
+            </a:lvl2pPr>
+            <a:lvl3pPr marL="1255713" indent="-360363" algn="l" defTabSz="1218438" rtl="0" eaLnBrk="1" latinLnBrk="0" hangingPunct="1">
+              <a:lnSpc>
+                <a:spcPct val="105000"/>
+              </a:lnSpc>
+              <a:spcBef>
+                <a:spcPts val="600"/>
+              </a:spcBef>
+              <a:spcAft>
+                <a:spcPts val="600"/>
+              </a:spcAft>
+              <a:buFont typeface="Wingdings" panose="05000000000000000000" pitchFamily="2" charset="2"/>
+              <a:buChar char="§"/>
+              <a:defRPr lang="en-US" sz="2998" kern="1200" smtClean="0">
+                <a:solidFill>
+                  <a:schemeClr val="tx1"/>
+                </a:solidFill>
+                <a:latin typeface="+mn-lt"/>
+                <a:ea typeface="+mn-ea"/>
+                <a:cs typeface="+mn-cs"/>
+              </a:defRPr>
+            </a:lvl3pPr>
+            <a:lvl4pPr marL="1700213" indent="-352425" algn="l" defTabSz="1218438" rtl="0" eaLnBrk="1" latinLnBrk="0" hangingPunct="1">
+              <a:lnSpc>
+                <a:spcPct val="105000"/>
+              </a:lnSpc>
+              <a:spcBef>
+                <a:spcPts val="600"/>
+              </a:spcBef>
+              <a:spcAft>
+                <a:spcPts val="600"/>
+              </a:spcAft>
+              <a:buFont typeface="Wingdings" panose="05000000000000000000" pitchFamily="2" charset="2"/>
+              <a:buChar char="§"/>
+              <a:defRPr lang="en-US" sz="2798" kern="1200" smtClean="0">
+                <a:solidFill>
+                  <a:schemeClr val="tx1"/>
+                </a:solidFill>
+                <a:latin typeface="+mn-lt"/>
+                <a:ea typeface="+mn-ea"/>
+                <a:cs typeface="+mn-cs"/>
+              </a:defRPr>
+            </a:lvl4pPr>
+            <a:lvl5pPr marL="2058988" indent="-266700" algn="l" defTabSz="1218438" rtl="0" eaLnBrk="1" latinLnBrk="0" hangingPunct="1">
+              <a:lnSpc>
+                <a:spcPct val="105000"/>
+              </a:lnSpc>
+              <a:spcBef>
+                <a:spcPts val="600"/>
+              </a:spcBef>
+              <a:spcAft>
+                <a:spcPts val="600"/>
+              </a:spcAft>
+              <a:buFont typeface="Wingdings" panose="05000000000000000000" pitchFamily="2" charset="2"/>
+              <a:buChar char="§"/>
+              <a:defRPr lang="en-US" sz="2598" kern="1200">
+                <a:solidFill>
+                  <a:schemeClr val="tx1"/>
+                </a:solidFill>
+                <a:latin typeface="+mn-lt"/>
+                <a:ea typeface="+mn-ea"/>
+                <a:cs typeface="+mn-cs"/>
+              </a:defRPr>
+            </a:lvl5pPr>
+            <a:lvl6pPr marL="3350704" indent="-304610" algn="l" defTabSz="1218438" rtl="0" eaLnBrk="1" latinLnBrk="1" hangingPunct="1">
+              <a:spcBef>
+                <a:spcPct val="20000"/>
+              </a:spcBef>
+              <a:buFont typeface="Arial" pitchFamily="34" charset="0"/>
+              <a:buChar char="•"/>
+              <a:defRPr sz="2665" kern="1200">
+                <a:solidFill>
+                  <a:schemeClr val="tx1"/>
+                </a:solidFill>
+                <a:latin typeface="+mn-lt"/>
+                <a:ea typeface="+mn-ea"/>
+                <a:cs typeface="+mn-cs"/>
+              </a:defRPr>
+            </a:lvl6pPr>
+            <a:lvl7pPr marL="3959924" indent="-304610" algn="l" defTabSz="1218438" rtl="0" eaLnBrk="1" latinLnBrk="1" hangingPunct="1">
+              <a:spcBef>
+                <a:spcPct val="20000"/>
+              </a:spcBef>
+              <a:buFont typeface="Arial" pitchFamily="34" charset="0"/>
+              <a:buChar char="•"/>
+              <a:defRPr sz="2665" kern="1200">
+                <a:solidFill>
+                  <a:schemeClr val="tx1"/>
+                </a:solidFill>
+                <a:latin typeface="+mn-lt"/>
+                <a:ea typeface="+mn-ea"/>
+                <a:cs typeface="+mn-cs"/>
+              </a:defRPr>
+            </a:lvl7pPr>
+            <a:lvl8pPr marL="4569143" indent="-304610" algn="l" defTabSz="1218438" rtl="0" eaLnBrk="1" latinLnBrk="1" hangingPunct="1">
+              <a:spcBef>
+                <a:spcPct val="20000"/>
+              </a:spcBef>
+              <a:buFont typeface="Arial" pitchFamily="34" charset="0"/>
+              <a:buChar char="•"/>
+              <a:defRPr sz="2665" kern="1200">
+                <a:solidFill>
+                  <a:schemeClr val="tx1"/>
+                </a:solidFill>
+                <a:latin typeface="+mn-lt"/>
+                <a:ea typeface="+mn-ea"/>
+                <a:cs typeface="+mn-cs"/>
+              </a:defRPr>
+            </a:lvl8pPr>
+            <a:lvl9pPr marL="5178362" indent="-304610" algn="l" defTabSz="1218438" rtl="0" eaLnBrk="1" latinLnBrk="1" hangingPunct="1">
+              <a:spcBef>
+                <a:spcPct val="20000"/>
+              </a:spcBef>
+              <a:buFont typeface="Arial" pitchFamily="34" charset="0"/>
+              <a:buChar char="•"/>
+              <a:defRPr sz="2665" kern="1200">
+                <a:solidFill>
+                  <a:schemeClr val="tx1"/>
+                </a:solidFill>
+                <a:latin typeface="+mn-lt"/>
+                <a:ea typeface="+mn-ea"/>
+                <a:cs typeface="+mn-cs"/>
+              </a:defRPr>
+            </a:lvl9pPr>
+          </a:lstStyle>
+          <a:p>
+            <a:pPr latinLnBrk="1">
+              <a:lnSpc>
+                <a:spcPct val="105000"/>
+              </a:lnSpc>
+            </a:pPr>
+            <a:r>
+              <a:rPr lang="en-US" sz="2599" noProof="1">
+                <a:cs typeface="Arial" panose="020B0604020202020204" pitchFamily="34" charset="0"/>
+              </a:rPr>
+              <a:t>List&lt;int&gt; </a:t>
+            </a:r>
+            <a:r>
+              <a:rPr lang="en-US" sz="2599" noProof="1">
+                <a:solidFill>
+                  <a:schemeClr val="bg1"/>
+                </a:solidFill>
+                <a:cs typeface="Arial" panose="020B0604020202020204" pitchFamily="34" charset="0"/>
+              </a:rPr>
+              <a:t>originalNums</a:t>
+            </a:r>
+            <a:r>
+              <a:rPr lang="en-US" sz="2599" noProof="1">
+                <a:cs typeface="Arial" panose="020B0604020202020204" pitchFamily="34" charset="0"/>
+              </a:rPr>
+              <a:t> = </a:t>
+            </a:r>
+            <a:r>
+              <a:rPr lang="en-US" sz="2599" noProof="1">
+                <a:latin typeface="Consolas"/>
+                <a:cs typeface="Arial" panose="020B0604020202020204" pitchFamily="34" charset="0"/>
+              </a:rPr>
+              <a:t>Console.ReadLine().Split()</a:t>
+            </a:r>
+            <a:br>
+              <a:rPr lang="en-US" sz="2599" noProof="1">
+                <a:latin typeface="Consolas"/>
+                <a:cs typeface="Arial" panose="020B0604020202020204" pitchFamily="34" charset="0"/>
+              </a:rPr>
+            </a:br>
+            <a:r>
+              <a:rPr lang="en-US" sz="2599" noProof="1">
+                <a:latin typeface="Consolas"/>
+                <a:cs typeface="Arial" panose="020B0604020202020204" pitchFamily="34" charset="0"/>
+              </a:rPr>
+              <a:t>.Select(int.Parse).ToList();</a:t>
+            </a:r>
+          </a:p>
+          <a:p>
+            <a:pPr latinLnBrk="1">
+              <a:lnSpc>
+                <a:spcPct val="105000"/>
+              </a:lnSpc>
+            </a:pPr>
+            <a:endParaRPr lang="en-US" sz="2599" noProof="1">
+              <a:latin typeface="Consolas"/>
+              <a:cs typeface="Arial" panose="020B0604020202020204" pitchFamily="34" charset="0"/>
+            </a:endParaRPr>
+          </a:p>
+          <a:p>
+            <a:pPr latinLnBrk="1">
+              <a:lnSpc>
+                <a:spcPct val="105000"/>
+              </a:lnSpc>
+            </a:pPr>
+            <a:r>
+              <a:rPr lang="en-US" sz="2599" noProof="1">
+                <a:latin typeface="Consolas"/>
+                <a:cs typeface="Arial" panose="020B0604020202020204" pitchFamily="34" charset="0"/>
+              </a:rPr>
+              <a:t>List&lt;int&gt; </a:t>
+            </a:r>
+            <a:r>
+              <a:rPr lang="en-US" sz="2599" noProof="1">
+                <a:solidFill>
+                  <a:schemeClr val="bg1"/>
+                </a:solidFill>
+                <a:latin typeface="Consolas"/>
+                <a:cs typeface="Arial" panose="020B0604020202020204" pitchFamily="34" charset="0"/>
+              </a:rPr>
+              <a:t>doubledNums</a:t>
+            </a:r>
+            <a:r>
+              <a:rPr lang="en-US" sz="2599" noProof="1">
+                <a:latin typeface="Consolas"/>
+                <a:cs typeface="Arial" panose="020B0604020202020204" pitchFamily="34" charset="0"/>
+              </a:rPr>
+              <a:t> = new List&lt;int&gt;();</a:t>
+            </a:r>
+          </a:p>
+          <a:p>
+            <a:pPr latinLnBrk="1">
+              <a:lnSpc>
+                <a:spcPct val="105000"/>
+              </a:lnSpc>
+            </a:pPr>
+            <a:endParaRPr lang="en-US" sz="2599" noProof="1">
+              <a:latin typeface="Consolas"/>
+              <a:cs typeface="Arial" panose="020B0604020202020204" pitchFamily="34" charset="0"/>
+            </a:endParaRPr>
+          </a:p>
+          <a:p>
+            <a:pPr latinLnBrk="1">
+              <a:lnSpc>
+                <a:spcPct val="105000"/>
+              </a:lnSpc>
+            </a:pPr>
+            <a:r>
+              <a:rPr lang="en-US" sz="2599" noProof="1">
+                <a:latin typeface="Consolas"/>
+                <a:cs typeface="Arial" panose="020B0604020202020204" pitchFamily="34" charset="0"/>
+              </a:rPr>
+              <a:t>foreach (int num in originalNums)</a:t>
+            </a:r>
+          </a:p>
+          <a:p>
+            <a:pPr latinLnBrk="1">
+              <a:lnSpc>
+                <a:spcPct val="105000"/>
+              </a:lnSpc>
+            </a:pPr>
+            <a:r>
+              <a:rPr lang="en-US" sz="2599" noProof="1">
+                <a:latin typeface="Consolas"/>
+                <a:cs typeface="Arial" panose="020B0604020202020204" pitchFamily="34" charset="0"/>
+              </a:rPr>
+              <a:t>{</a:t>
+            </a:r>
+          </a:p>
+          <a:p>
+            <a:pPr latinLnBrk="1">
+              <a:lnSpc>
+                <a:spcPct val="105000"/>
+              </a:lnSpc>
+            </a:pPr>
+            <a:r>
+              <a:rPr lang="en-US" sz="2599" noProof="1">
+                <a:latin typeface="Consolas"/>
+                <a:cs typeface="Arial" panose="020B0604020202020204" pitchFamily="34" charset="0"/>
+              </a:rPr>
+              <a:t>	  doubledNums.</a:t>
+            </a:r>
+            <a:r>
+              <a:rPr lang="en-US" sz="2599" noProof="1">
+                <a:solidFill>
+                  <a:schemeClr val="bg1"/>
+                </a:solidFill>
+                <a:latin typeface="Consolas"/>
+                <a:cs typeface="Arial" panose="020B0604020202020204" pitchFamily="34" charset="0"/>
+              </a:rPr>
+              <a:t>Add</a:t>
+            </a:r>
+            <a:r>
+              <a:rPr lang="en-US" sz="2599" noProof="1">
+                <a:latin typeface="Consolas"/>
+                <a:cs typeface="Arial" panose="020B0604020202020204" pitchFamily="34" charset="0"/>
+              </a:rPr>
+              <a:t>(num * 2);</a:t>
+            </a:r>
+          </a:p>
+          <a:p>
+            <a:pPr latinLnBrk="1">
+              <a:lnSpc>
+                <a:spcPct val="105000"/>
+              </a:lnSpc>
+            </a:pPr>
+            <a:r>
+              <a:rPr lang="en-US" sz="2599" noProof="1">
+                <a:latin typeface="Consolas"/>
+                <a:cs typeface="Arial" panose="020B0604020202020204" pitchFamily="34" charset="0"/>
+              </a:rPr>
+              <a:t>}</a:t>
+            </a:r>
+          </a:p>
+          <a:p>
+            <a:pPr latinLnBrk="1">
+              <a:lnSpc>
+                <a:spcPct val="105000"/>
+              </a:lnSpc>
+            </a:pPr>
+            <a:endParaRPr lang="en-US" sz="2599" noProof="1">
+              <a:latin typeface="Consolas"/>
+              <a:cs typeface="Arial" panose="020B0604020202020204" pitchFamily="34" charset="0"/>
+            </a:endParaRPr>
+          </a:p>
+          <a:p>
+            <a:pPr latinLnBrk="1">
+              <a:lnSpc>
+                <a:spcPct val="105000"/>
+              </a:lnSpc>
+            </a:pPr>
+            <a:r>
+              <a:rPr lang="en-US" sz="2599" noProof="1">
+                <a:latin typeface="Consolas"/>
+                <a:cs typeface="Arial" panose="020B0604020202020204" pitchFamily="34" charset="0"/>
+              </a:rPr>
+              <a:t>Console.WriteLine(string.</a:t>
+            </a:r>
+            <a:r>
+              <a:rPr lang="en-US" sz="2599" noProof="1">
+                <a:solidFill>
+                  <a:schemeClr val="bg1"/>
+                </a:solidFill>
+                <a:latin typeface="Consolas"/>
+                <a:cs typeface="Arial" panose="020B0604020202020204" pitchFamily="34" charset="0"/>
+              </a:rPr>
+              <a:t>Join</a:t>
+            </a:r>
+            <a:r>
+              <a:rPr lang="en-US" sz="2599" noProof="1">
+                <a:latin typeface="Consolas"/>
+                <a:cs typeface="Arial" panose="020B0604020202020204" pitchFamily="34" charset="0"/>
+              </a:rPr>
+              <a:t>(" ", doubledNums));</a:t>
+            </a:r>
+          </a:p>
+        </p:txBody>
+      </p:sp>
+      <p:sp>
+        <p:nvSpPr>
+          <p:cNvPr id="2" name="Slide Number">
+            <a:extLst>
+              <a:ext uri="{FF2B5EF4-FFF2-40B4-BE49-F238E27FC236}">
+                <a16:creationId xmlns:a16="http://schemas.microsoft.com/office/drawing/2014/main" id="{3D502ABC-35D0-0353-37EF-3609CC71D976}"/>
+              </a:ext>
+            </a:extLst>
+          </p:cNvPr>
+          <p:cNvSpPr>
+            <a:spLocks noGrp="1"/>
+          </p:cNvSpPr>
+          <p:nvPr>
+            <p:ph type="sldNum" sz="quarter" idx="5"/>
+          </p:nvPr>
+        </p:nvSpPr>
+        <p:spPr>
+          <a:xfrm>
+            <a:off x="11753030" y="6507000"/>
+            <a:ext cx="367414" cy="297000"/>
+          </a:xfrm>
+          <a:prstGeom prst="rect">
+            <a:avLst/>
+          </a:prstGeom>
+        </p:spPr>
+        <p:txBody>
+          <a:bodyPr vert="horz" lIns="91440" tIns="45720" rIns="91440" bIns="45720" rtlCol="0" anchor="b"/>
+          <a:lstStyle>
+            <a:lvl1pPr algn="r">
+              <a:defRPr sz="1000"/>
+            </a:lvl1pPr>
+          </a:lstStyle>
+          <a:p>
+            <a:fld id="{2BF067CD-8E6B-4360-9AA8-C5DF2A48A6D1}" type="slidenum">
+              <a:rPr lang="en-US" noProof="0" smtClean="0"/>
+              <a:pPr/>
+              <a:t>17</a:t>
+            </a:fld>
+            <a:endParaRPr lang="en-US" noProof="0" dirty="0"/>
+          </a:p>
+        </p:txBody>
+      </p:sp>
+    </p:spTree>
+    <p:extLst>
+      <p:ext uri="{BB962C8B-B14F-4D97-AF65-F5344CB8AC3E}">
+        <p14:creationId xmlns:p14="http://schemas.microsoft.com/office/powerpoint/2010/main" val="2905001436"/>
+      </p:ext>
+    </p:extLst>
+  </p:cSld>
+  <p:clrMapOvr>
+    <a:masterClrMapping/>
+  </p:clrMapOvr>
+  <mc:AlternateContent xmlns:mc="http://schemas.openxmlformats.org/markup-compatibility/2006">
+    <mc:Choice xmlns:p14="http://schemas.microsoft.com/office/powerpoint/2010/main" Requires="p14">
+      <p:transition spd="slow" p14:dur="2000" advClick="0" advTm="5000"/>
+    </mc:Choice>
+    <mc:Fallback>
+      <p:transition spd="slow" advClick="0" advTm="5000"/>
+    </mc:Fallback>
+  </mc:AlternateContent>
+  <p:timing>
+    <p:tnLst>
+      <p:par>
+        <p:cTn id="1" dur="indefinite" restart="never" nodeType="tmRoot">
+          <p:childTnLst>
+            <p:seq concurrent="1" nextAc="seek">
+              <p:cTn id="2" dur="indefinite" nodeType="mainSeq">
+                <p:childTnLst>
+                  <p:par>
+                    <p:cTn id="3" fill="hold">
+                      <p:stCondLst>
+                        <p:cond delay="indefinite"/>
+                      </p:stCondLst>
+                      <p:childTnLst>
+                        <p:par>
+                          <p:cTn id="4" fill="hold">
+                            <p:stCondLst>
+                              <p:cond delay="0"/>
+                            </p:stCondLst>
+                            <p:childTnLst>
+                              <p:par>
+                                <p:cTn id="5" presetID="1" presetClass="entr" presetSubtype="0" fill="hold" nodeType="clickEffect">
+                                  <p:stCondLst>
+                                    <p:cond delay="0"/>
+                                  </p:stCondLst>
+                                  <p:childTnLst>
+                                    <p:set>
+                                      <p:cBhvr>
+                                        <p:cTn id="6" dur="1" fill="hold">
+                                          <p:stCondLst>
+                                            <p:cond delay="0"/>
+                                          </p:stCondLst>
+                                        </p:cTn>
+                                        <p:tgtEl>
+                                          <p:spTgt spid="11">
+                                            <p:txEl>
+                                              <p:pRg st="2" end="2"/>
+                                            </p:txEl>
+                                          </p:spTgt>
+                                        </p:tgtEl>
+                                        <p:attrNameLst>
+                                          <p:attrName>style.visibility</p:attrName>
+                                        </p:attrNameLst>
+                                      </p:cBhvr>
+                                      <p:to>
+                                        <p:strVal val="visible"/>
+                                      </p:to>
+                                    </p:set>
+                                  </p:childTnLst>
+                                </p:cTn>
+                              </p:par>
+                            </p:childTnLst>
+                          </p:cTn>
+                        </p:par>
+                      </p:childTnLst>
+                    </p:cTn>
+                  </p:par>
+                  <p:par>
+                    <p:cTn id="7" fill="hold">
+                      <p:stCondLst>
+                        <p:cond delay="indefinite"/>
+                      </p:stCondLst>
+                      <p:childTnLst>
+                        <p:par>
+                          <p:cTn id="8" fill="hold">
+                            <p:stCondLst>
+                              <p:cond delay="0"/>
+                            </p:stCondLst>
+                            <p:childTnLst>
+                              <p:par>
+                                <p:cTn id="9" presetID="1" presetClass="entr" presetSubtype="0" fill="hold" nodeType="clickEffect">
+                                  <p:stCondLst>
+                                    <p:cond delay="0"/>
+                                  </p:stCondLst>
+                                  <p:childTnLst>
+                                    <p:set>
+                                      <p:cBhvr>
+                                        <p:cTn id="10" dur="1" fill="hold">
+                                          <p:stCondLst>
+                                            <p:cond delay="0"/>
+                                          </p:stCondLst>
+                                        </p:cTn>
+                                        <p:tgtEl>
+                                          <p:spTgt spid="11">
+                                            <p:txEl>
+                                              <p:pRg st="4" end="4"/>
+                                            </p:txEl>
+                                          </p:spTgt>
+                                        </p:tgtEl>
+                                        <p:attrNameLst>
+                                          <p:attrName>style.visibility</p:attrName>
+                                        </p:attrNameLst>
+                                      </p:cBhvr>
+                                      <p:to>
+                                        <p:strVal val="visible"/>
+                                      </p:to>
+                                    </p:set>
+                                  </p:childTnLst>
+                                </p:cTn>
+                              </p:par>
+                              <p:par>
+                                <p:cTn id="11" presetID="1" presetClass="entr" presetSubtype="0" fill="hold" nodeType="withEffect">
+                                  <p:stCondLst>
+                                    <p:cond delay="0"/>
+                                  </p:stCondLst>
+                                  <p:childTnLst>
+                                    <p:set>
+                                      <p:cBhvr>
+                                        <p:cTn id="12" dur="1" fill="hold">
+                                          <p:stCondLst>
+                                            <p:cond delay="0"/>
+                                          </p:stCondLst>
+                                        </p:cTn>
+                                        <p:tgtEl>
+                                          <p:spTgt spid="11">
+                                            <p:txEl>
+                                              <p:pRg st="5" end="5"/>
+                                            </p:txEl>
+                                          </p:spTgt>
+                                        </p:tgtEl>
+                                        <p:attrNameLst>
+                                          <p:attrName>style.visibility</p:attrName>
+                                        </p:attrNameLst>
+                                      </p:cBhvr>
+                                      <p:to>
+                                        <p:strVal val="visible"/>
+                                      </p:to>
+                                    </p:set>
+                                  </p:childTnLst>
+                                </p:cTn>
+                              </p:par>
+                              <p:par>
+                                <p:cTn id="13" presetID="1" presetClass="entr" presetSubtype="0" fill="hold" nodeType="withEffect">
+                                  <p:stCondLst>
+                                    <p:cond delay="0"/>
+                                  </p:stCondLst>
+                                  <p:childTnLst>
+                                    <p:set>
+                                      <p:cBhvr>
+                                        <p:cTn id="14" dur="1" fill="hold">
+                                          <p:stCondLst>
+                                            <p:cond delay="0"/>
+                                          </p:stCondLst>
+                                        </p:cTn>
+                                        <p:tgtEl>
+                                          <p:spTgt spid="11">
+                                            <p:txEl>
+                                              <p:pRg st="7" end="7"/>
+                                            </p:txEl>
+                                          </p:spTgt>
+                                        </p:tgtEl>
+                                        <p:attrNameLst>
+                                          <p:attrName>style.visibility</p:attrName>
+                                        </p:attrNameLst>
+                                      </p:cBhvr>
+                                      <p:to>
+                                        <p:strVal val="visible"/>
+                                      </p:to>
+                                    </p:set>
+                                  </p:childTnLst>
+                                </p:cTn>
+                              </p:par>
+                            </p:childTnLst>
+                          </p:cTn>
+                        </p:par>
+                      </p:childTnLst>
+                    </p:cTn>
+                  </p:par>
+                  <p:par>
+                    <p:cTn id="15" fill="hold">
+                      <p:stCondLst>
+                        <p:cond delay="indefinite"/>
+                      </p:stCondLst>
+                      <p:childTnLst>
+                        <p:par>
+                          <p:cTn id="16" fill="hold">
+                            <p:stCondLst>
+                              <p:cond delay="0"/>
+                            </p:stCondLst>
+                            <p:childTnLst>
+                              <p:par>
+                                <p:cTn id="17" presetID="1" presetClass="entr" presetSubtype="0" fill="hold" nodeType="clickEffect">
                                   <p:stCondLst>
                                     <p:cond delay="0"/>
                                   </p:stCondLst>
@@ -13538,7 +14546,7 @@
                                         <p:tgtEl>
                                           <p:spTgt spid="11">
                                             <p:txEl>
-                                              <p:pRg st="7" end="7"/>
+                                              <p:pRg st="6" end="6"/>
                                             </p:txEl>
                                           </p:spTgt>
                                         </p:tgtEl>
@@ -13633,7 +14641,7 @@
 </p:sld>
 </file>
 
-<file path=ppt/slides/slide16.xml><?xml version="1.0" encoding="utf-8"?>
+<file path=ppt/slides/slide18.xml><?xml version="1.0" encoding="utf-8"?>
 <p:sld xmlns:a="http://schemas.openxmlformats.org/drawingml/2006/main" xmlns:r="http://schemas.openxmlformats.org/officeDocument/2006/relationships" xmlns:p="http://schemas.openxmlformats.org/presentationml/2006/main">
   <p:cSld>
     <p:spTree>
@@ -13669,8 +14677,12 @@
           <a:p>
             <a:pPr marL="360045" indent="-360045"/>
             <a:r>
+              <a:rPr lang="bg-BG" sz="3350" dirty="0"/>
+              <a:t>Ще получите</a:t>
+            </a:r>
+            <a:r>
               <a:rPr lang="en-US" sz="3350" dirty="0"/>
-              <a:t>Получавате </a:t>
+              <a:t> </a:t>
             </a:r>
             <a:r>
               <a:rPr lang="en-US" sz="3350" b="1" dirty="0">
@@ -13682,7 +14694,15 @@
             </a:r>
             <a:r>
               <a:rPr lang="en-US" sz="3350" dirty="0"/>
-              <a:t>. Принтирайте </a:t>
+              <a:t>. </a:t>
+            </a:r>
+            <a:r>
+              <a:rPr lang="bg-BG" sz="3350" dirty="0"/>
+              <a:t>Отпечатайте</a:t>
+            </a:r>
+            <a:r>
+              <a:rPr lang="en-US" sz="3350" dirty="0"/>
+              <a:t> </a:t>
             </a:r>
             <a:r>
               <a:rPr lang="en-US" sz="3350" b="1" dirty="0">
@@ -13713,9 +14733,22 @@
                 <a:ea typeface="+mn-lt"/>
                 <a:cs typeface="+mn-lt"/>
               </a:rPr>
-              <a:t>да съдържа всички цифри от двата списъка</a:t>
-            </a:r>
-            <a:endParaRPr lang="bg-BG" sz="3350" dirty="0"/>
+              <a:t>съдържа всички цифри от двата списъка</a:t>
+            </a:r>
+            <a:endParaRPr lang="bg-BG" sz="3350" dirty="0">
+              <a:ea typeface="+mn-lt"/>
+              <a:cs typeface="+mn-lt"/>
+            </a:endParaRPr>
+          </a:p>
+          <a:p>
+            <a:pPr lvl="1" indent="-360045"/>
+            <a:r>
+              <a:rPr lang="en-US" sz="3150" dirty="0"/>
+              <a:t>list1[0], list2[0], list1[1], list2[1], …</a:t>
+            </a:r>
+            <a:endParaRPr lang="bg-BG" sz="3150" dirty="0">
+              <a:cs typeface="Calibri"/>
+            </a:endParaRPr>
           </a:p>
           <a:p>
             <a:pPr lvl="1" indent="-360045"/>
@@ -13768,16 +14801,6 @@
               <a:solidFill>
                 <a:schemeClr val="bg1"/>
               </a:solidFill>
-            </a:endParaRPr>
-          </a:p>
-          <a:p>
-            <a:pPr lvl="1" indent="-360045"/>
-            <a:r>
-              <a:rPr lang="en-US" sz="3150" dirty="0"/>
-              <a:t>list1[0], list2[0], list1[1], list2[1], …</a:t>
-            </a:r>
-            <a:endParaRPr lang="bg-BG" sz="3150" dirty="0">
-              <a:cs typeface="Calibri"/>
             </a:endParaRPr>
           </a:p>
         </p:txBody>
@@ -13815,7 +14838,7 @@
         </p:nvSpPr>
         <p:spPr bwMode="auto">
           <a:xfrm>
-            <a:off x="1343473" y="4681965"/>
+            <a:off x="1343473" y="4869000"/>
             <a:ext cx="2098514" cy="1233715"/>
           </a:xfrm>
           <a:prstGeom prst="rect">
@@ -13882,7 +14905,7 @@
         </p:nvSpPr>
         <p:spPr bwMode="auto">
           <a:xfrm>
-            <a:off x="4272369" y="4943505"/>
+            <a:off x="4272369" y="5130540"/>
             <a:ext cx="3263791" cy="648940"/>
           </a:xfrm>
           <a:prstGeom prst="rect">
@@ -13931,7 +14954,7 @@
         </p:nvSpPr>
         <p:spPr>
           <a:xfrm>
-            <a:off x="3585766" y="5046700"/>
+            <a:off x="3585766" y="5233735"/>
             <a:ext cx="542825" cy="380901"/>
           </a:xfrm>
           <a:prstGeom prst="rightArrow">
@@ -14015,8 +15038,8 @@
         </p:blipFill>
         <p:spPr>
           <a:xfrm>
-            <a:off x="8886000" y="3677317"/>
-            <a:ext cx="2201348" cy="2738766"/>
+            <a:off x="9445974" y="4373999"/>
+            <a:ext cx="1641373" cy="2042083"/>
           </a:xfrm>
           <a:prstGeom prst="rect">
             <a:avLst/>
@@ -14059,7 +15082,7 @@
             <a:fld id="{2BF067CD-8E6B-4360-9AA8-C5DF2A48A6D1}" type="slidenum">
               <a:rPr lang="en-US" noProof="0" smtClean="0"/>
               <a:pPr/>
-              <a:t>16</a:t>
+              <a:t>18</a:t>
             </a:fld>
             <a:endParaRPr lang="en-US" noProof="0" dirty="0"/>
           </a:p>
@@ -14068,7 +15091,7 @@
     </p:spTree>
     <p:extLst>
       <p:ext uri="{BB962C8B-B14F-4D97-AF65-F5344CB8AC3E}">
-        <p14:creationId xmlns:p14="http://schemas.microsoft.com/office/powerpoint/2010/main" val="3599652053"/>
+        <p14:creationId xmlns:p14="http://schemas.microsoft.com/office/powerpoint/2010/main" val="807808992"/>
       </p:ext>
     </p:extLst>
   </p:cSld>
@@ -14318,7 +15341,7 @@
 </p:sld>
 </file>
 
-<file path=ppt/slides/slide17.xml><?xml version="1.0" encoding="utf-8"?>
+<file path=ppt/slides/slide19.xml><?xml version="1.0" encoding="utf-8"?>
 <p:sld xmlns:a="http://schemas.openxmlformats.org/drawingml/2006/main" xmlns:r="http://schemas.openxmlformats.org/officeDocument/2006/relationships" xmlns:p="http://schemas.openxmlformats.org/presentationml/2006/main">
   <p:cSld>
     <p:spTree>
@@ -14677,11 +15700,20 @@
             <a:r>
               <a:rPr lang="en-GB" sz="2600" noProof="1">
                 <a:solidFill>
+                  <a:schemeClr val="bg1"/>
+                </a:solidFill>
+                <a:latin typeface="Consolas"/>
+              </a:rPr>
+              <a:t>List&lt;int&gt;</a:t>
+            </a:r>
+            <a:r>
+              <a:rPr lang="en-GB" sz="2600" noProof="1">
+                <a:solidFill>
                   <a:srgbClr val="FFA000"/>
                 </a:solidFill>
                 <a:latin typeface="Consolas"/>
               </a:rPr>
-              <a:t>List&lt;int&gt; </a:t>
+              <a:t> </a:t>
             </a:r>
             <a:r>
               <a:rPr lang="en-GB" sz="2600" noProof="1">
@@ -14692,7 +15724,7 @@
             <a:r>
               <a:rPr lang="en-GB" sz="2600" noProof="1">
                 <a:solidFill>
-                  <a:srgbClr val="FFA000"/>
+                  <a:schemeClr val="bg1"/>
                 </a:solidFill>
                 <a:latin typeface="Consolas"/>
               </a:rPr>
@@ -14719,7 +15751,7 @@
             <a:r>
               <a:rPr lang="en-GB" sz="2600" noProof="1">
                 <a:solidFill>
-                  <a:srgbClr val="FFA000"/>
+                  <a:schemeClr val="bg1"/>
                 </a:solidFill>
                 <a:latin typeface="Consolas"/>
               </a:rPr>
@@ -14734,7 +15766,7 @@
             <a:r>
               <a:rPr lang="en-GB" sz="2600" noProof="1">
                 <a:solidFill>
-                  <a:srgbClr val="FFA000"/>
+                  <a:schemeClr val="bg1"/>
                 </a:solidFill>
                 <a:latin typeface="Consolas"/>
               </a:rPr>
@@ -14749,7 +15781,7 @@
             <a:r>
               <a:rPr lang="en-GB" sz="2600" noProof="1">
                 <a:solidFill>
-                  <a:srgbClr val="FFA000"/>
+                  <a:schemeClr val="bg1"/>
                 </a:solidFill>
                 <a:latin typeface="Consolas"/>
               </a:rPr>
@@ -14850,7 +15882,7 @@
             <a:r>
               <a:rPr lang="en-GB" sz="2600" noProof="1">
                 <a:solidFill>
-                  <a:srgbClr val="FFA000"/>
+                  <a:schemeClr val="bg1"/>
                 </a:solidFill>
                 <a:latin typeface="Consolas"/>
               </a:rPr>
@@ -14874,7 +15906,7 @@
             <a:r>
               <a:rPr lang="en-GB" sz="2600" noProof="1">
                 <a:solidFill>
-                  <a:srgbClr val="FFA000"/>
+                  <a:schemeClr val="bg1"/>
                 </a:solidFill>
                 <a:latin typeface="Consolas"/>
               </a:rPr>
@@ -14898,7 +15930,7 @@
             <a:r>
               <a:rPr lang="en-GB" sz="2600" noProof="1">
                 <a:solidFill>
-                  <a:srgbClr val="FFA000"/>
+                  <a:schemeClr val="bg1"/>
                 </a:solidFill>
                 <a:latin typeface="Consolas"/>
               </a:rPr>
@@ -14932,7 +15964,7 @@
             <a:r>
               <a:rPr lang="en-GB" sz="2600" noProof="1">
                 <a:solidFill>
-                  <a:srgbClr val="FFA000"/>
+                  <a:schemeClr val="bg1"/>
                 </a:solidFill>
                 <a:latin typeface="Consolas"/>
               </a:rPr>
@@ -14947,7 +15979,7 @@
             <a:r>
               <a:rPr lang="en-GB" sz="2600" noProof="1">
                 <a:solidFill>
-                  <a:srgbClr val="FFA000"/>
+                  <a:schemeClr val="bg1"/>
                 </a:solidFill>
                 <a:latin typeface="Consolas"/>
               </a:rPr>
@@ -14971,7 +16003,7 @@
             <a:r>
               <a:rPr lang="en-GB" sz="2600" noProof="1">
                 <a:solidFill>
-                  <a:srgbClr val="FFA000"/>
+                  <a:schemeClr val="bg1"/>
                 </a:solidFill>
                 <a:latin typeface="Consolas"/>
               </a:rPr>
@@ -15062,7 +16094,7 @@
             <a:fld id="{2BF067CD-8E6B-4360-9AA8-C5DF2A48A6D1}" type="slidenum">
               <a:rPr lang="en-US" noProof="0" smtClean="0"/>
               <a:pPr/>
-              <a:t>17</a:t>
+              <a:t>19</a:t>
             </a:fld>
             <a:endParaRPr lang="en-US" noProof="0" dirty="0"/>
           </a:p>
@@ -15071,18 +16103,18 @@
     </p:spTree>
     <p:extLst>
       <p:ext uri="{BB962C8B-B14F-4D97-AF65-F5344CB8AC3E}">
-        <p14:creationId xmlns:p14="http://schemas.microsoft.com/office/powerpoint/2010/main" val="240343727"/>
+        <p14:creationId xmlns:p14="http://schemas.microsoft.com/office/powerpoint/2010/main" val="4193209735"/>
       </p:ext>
     </p:extLst>
   </p:cSld>
   <p:clrMapOvr>
     <a:masterClrMapping/>
   </p:clrMapOvr>
-  <mc:AlternateContent xmlns:mc="http://schemas.openxmlformats.org/markup-compatibility/2006" xmlns:p14="http://schemas.microsoft.com/office/powerpoint/2010/main">
-    <mc:Choice Requires="p14">
+  <mc:AlternateContent xmlns:mc="http://schemas.openxmlformats.org/markup-compatibility/2006">
+    <mc:Choice xmlns:p14="http://schemas.microsoft.com/office/powerpoint/2010/main" Requires="p14">
       <p:transition spd="slow" p14:dur="2000" advClick="0" advTm="5000"/>
     </mc:Choice>
-    <mc:Fallback xmlns="">
+    <mc:Fallback>
       <p:transition spd="slow" advClick="0" advTm="5000"/>
     </mc:Fallback>
   </mc:AlternateContent>
@@ -15408,7 +16440,403 @@
 </p:sld>
 </file>
 
-<file path=ppt/slides/slide18.xml><?xml version="1.0" encoding="utf-8"?>
+<file path=ppt/slides/slide2.xml><?xml version="1.0" encoding="utf-8"?>
+<p:sld xmlns:a="http://schemas.openxmlformats.org/drawingml/2006/main" xmlns:r="http://schemas.openxmlformats.org/officeDocument/2006/relationships" xmlns:p="http://schemas.openxmlformats.org/presentationml/2006/main">
+  <p:cSld>
+    <p:spTree>
+      <p:nvGrpSpPr>
+        <p:cNvPr id="1" name=""/>
+        <p:cNvGrpSpPr/>
+        <p:nvPr/>
+      </p:nvGrpSpPr>
+      <p:grpSpPr>
+        <a:xfrm>
+          <a:off x="0" y="0"/>
+          <a:ext cx="0" cy="0"/>
+          <a:chOff x="0" y="0"/>
+          <a:chExt cx="0" cy="0"/>
+        </a:xfrm>
+      </p:grpSpPr>
+      <p:sp>
+        <p:nvSpPr>
+          <p:cNvPr id="444419" name="Rectangle 3"/>
+          <p:cNvSpPr>
+            <a:spLocks noGrp="1" noChangeArrowheads="1"/>
+          </p:cNvSpPr>
+          <p:nvPr>
+            <p:ph type="body" sz="quarter" idx="13"/>
+          </p:nvPr>
+        </p:nvSpPr>
+        <p:spPr/>
+        <p:txBody>
+          <a:bodyPr vert="horz" lIns="108000" tIns="36000" rIns="108000" bIns="36000" rtlCol="0" anchor="t">
+            <a:normAutofit/>
+          </a:bodyPr>
+          <a:lstStyle/>
+          <a:p>
+            <a:pPr marL="445770" indent="-445770">
+              <a:lnSpc>
+                <a:spcPct val="114000"/>
+              </a:lnSpc>
+              <a:spcBef>
+                <a:spcPts val="1200"/>
+              </a:spcBef>
+              <a:buFontTx/>
+              <a:buAutoNum type="arabicPeriod"/>
+            </a:pPr>
+            <a:r>
+              <a:rPr lang="bg-BG" dirty="0"/>
+              <a:t>Списък</a:t>
+            </a:r>
+          </a:p>
+          <a:p>
+            <a:pPr marL="445770" indent="-445770">
+              <a:lnSpc>
+                <a:spcPct val="114000"/>
+              </a:lnSpc>
+              <a:spcBef>
+                <a:spcPts val="1200"/>
+              </a:spcBef>
+              <a:buFontTx/>
+              <a:buAutoNum type="arabicPeriod"/>
+            </a:pPr>
+            <a:r>
+              <a:rPr lang="bg-BG" dirty="0"/>
+              <a:t>Четене и отпечатване на списък</a:t>
+            </a:r>
+            <a:endParaRPr lang="bg-BG" dirty="0">
+              <a:cs typeface="Calibri"/>
+            </a:endParaRPr>
+          </a:p>
+          <a:p>
+            <a:pPr marL="445770" indent="-445770">
+              <a:lnSpc>
+                <a:spcPct val="114000"/>
+              </a:lnSpc>
+              <a:spcBef>
+                <a:spcPts val="1200"/>
+              </a:spcBef>
+              <a:buFontTx/>
+              <a:buAutoNum type="arabicPeriod"/>
+            </a:pPr>
+            <a:r>
+              <a:rPr lang="bg-BG" dirty="0"/>
+              <a:t>Сортиране на списък</a:t>
+            </a:r>
+            <a:endParaRPr lang="bg-BG" dirty="0">
+              <a:cs typeface="Calibri"/>
+            </a:endParaRPr>
+          </a:p>
+        </p:txBody>
+      </p:sp>
+      <p:sp>
+        <p:nvSpPr>
+          <p:cNvPr id="444418" name="Rectangle 2"/>
+          <p:cNvSpPr>
+            <a:spLocks noGrp="1" noChangeArrowheads="1"/>
+          </p:cNvSpPr>
+          <p:nvPr>
+            <p:ph type="title"/>
+          </p:nvPr>
+        </p:nvSpPr>
+        <p:spPr/>
+        <p:txBody>
+          <a:bodyPr>
+            <a:normAutofit/>
+          </a:bodyPr>
+          <a:lstStyle/>
+          <a:p>
+            <a:r>
+              <a:rPr lang="bg-BG" sz="3950" dirty="0">
+                <a:ea typeface="+mj-lt"/>
+                <a:cs typeface="+mj-lt"/>
+              </a:rPr>
+              <a:t>Съдържание</a:t>
+            </a:r>
+            <a:endParaRPr lang="bg-BG" dirty="0"/>
+          </a:p>
+        </p:txBody>
+      </p:sp>
+      <p:sp>
+        <p:nvSpPr>
+          <p:cNvPr id="2" name="Slide Number">
+            <a:extLst>
+              <a:ext uri="{FF2B5EF4-FFF2-40B4-BE49-F238E27FC236}">
+                <a16:creationId xmlns:a16="http://schemas.microsoft.com/office/drawing/2014/main" id="{1C3DCE9B-B04E-4E45-154C-332CD1ABE4EF}"/>
+              </a:ext>
+            </a:extLst>
+          </p:cNvPr>
+          <p:cNvSpPr txBox="1">
+            <a:spLocks/>
+          </p:cNvSpPr>
+          <p:nvPr/>
+        </p:nvSpPr>
+        <p:spPr>
+          <a:xfrm>
+            <a:off x="11753030" y="6507000"/>
+            <a:ext cx="367414" cy="297000"/>
+          </a:xfrm>
+          <a:prstGeom prst="rect">
+            <a:avLst/>
+          </a:prstGeom>
+        </p:spPr>
+        <p:txBody>
+          <a:bodyPr vert="horz" lIns="91440" tIns="45720" rIns="91440" bIns="45720" rtlCol="0" anchor="b"/>
+          <a:lstStyle>
+            <a:defPPr>
+              <a:defRPr lang="en-US"/>
+            </a:defPPr>
+            <a:lvl1pPr marL="0" algn="r" defTabSz="914400" rtl="0" eaLnBrk="1" latinLnBrk="0" hangingPunct="1">
+              <a:defRPr sz="1000" kern="1200">
+                <a:solidFill>
+                  <a:schemeClr val="tx1"/>
+                </a:solidFill>
+                <a:latin typeface="+mn-lt"/>
+                <a:ea typeface="+mn-ea"/>
+                <a:cs typeface="+mn-cs"/>
+              </a:defRPr>
+            </a:lvl1pPr>
+            <a:lvl2pPr marL="457200" algn="l" defTabSz="914400" rtl="0" eaLnBrk="1" latinLnBrk="0" hangingPunct="1">
+              <a:defRPr sz="1800" kern="1200">
+                <a:solidFill>
+                  <a:schemeClr val="tx1"/>
+                </a:solidFill>
+                <a:latin typeface="+mn-lt"/>
+                <a:ea typeface="+mn-ea"/>
+                <a:cs typeface="+mn-cs"/>
+              </a:defRPr>
+            </a:lvl2pPr>
+            <a:lvl3pPr marL="914400" algn="l" defTabSz="914400" rtl="0" eaLnBrk="1" latinLnBrk="0" hangingPunct="1">
+              <a:defRPr sz="1800" kern="1200">
+                <a:solidFill>
+                  <a:schemeClr val="tx1"/>
+                </a:solidFill>
+                <a:latin typeface="+mn-lt"/>
+                <a:ea typeface="+mn-ea"/>
+                <a:cs typeface="+mn-cs"/>
+              </a:defRPr>
+            </a:lvl3pPr>
+            <a:lvl4pPr marL="1371600" algn="l" defTabSz="914400" rtl="0" eaLnBrk="1" latinLnBrk="0" hangingPunct="1">
+              <a:defRPr sz="1800" kern="1200">
+                <a:solidFill>
+                  <a:schemeClr val="tx1"/>
+                </a:solidFill>
+                <a:latin typeface="+mn-lt"/>
+                <a:ea typeface="+mn-ea"/>
+                <a:cs typeface="+mn-cs"/>
+              </a:defRPr>
+            </a:lvl4pPr>
+            <a:lvl5pPr marL="1828800" algn="l" defTabSz="914400" rtl="0" eaLnBrk="1" latinLnBrk="0" hangingPunct="1">
+              <a:defRPr sz="1800" kern="1200">
+                <a:solidFill>
+                  <a:schemeClr val="tx1"/>
+                </a:solidFill>
+                <a:latin typeface="+mn-lt"/>
+                <a:ea typeface="+mn-ea"/>
+                <a:cs typeface="+mn-cs"/>
+              </a:defRPr>
+            </a:lvl5pPr>
+            <a:lvl6pPr marL="2286000" algn="l" defTabSz="914400" rtl="0" eaLnBrk="1" latinLnBrk="0" hangingPunct="1">
+              <a:defRPr sz="1800" kern="1200">
+                <a:solidFill>
+                  <a:schemeClr val="tx1"/>
+                </a:solidFill>
+                <a:latin typeface="+mn-lt"/>
+                <a:ea typeface="+mn-ea"/>
+                <a:cs typeface="+mn-cs"/>
+              </a:defRPr>
+            </a:lvl6pPr>
+            <a:lvl7pPr marL="2743200" algn="l" defTabSz="914400" rtl="0" eaLnBrk="1" latinLnBrk="0" hangingPunct="1">
+              <a:defRPr sz="1800" kern="1200">
+                <a:solidFill>
+                  <a:schemeClr val="tx1"/>
+                </a:solidFill>
+                <a:latin typeface="+mn-lt"/>
+                <a:ea typeface="+mn-ea"/>
+                <a:cs typeface="+mn-cs"/>
+              </a:defRPr>
+            </a:lvl7pPr>
+            <a:lvl8pPr marL="3200400" algn="l" defTabSz="914400" rtl="0" eaLnBrk="1" latinLnBrk="0" hangingPunct="1">
+              <a:defRPr sz="1800" kern="1200">
+                <a:solidFill>
+                  <a:schemeClr val="tx1"/>
+                </a:solidFill>
+                <a:latin typeface="+mn-lt"/>
+                <a:ea typeface="+mn-ea"/>
+                <a:cs typeface="+mn-cs"/>
+              </a:defRPr>
+            </a:lvl8pPr>
+            <a:lvl9pPr marL="3657600" algn="l" defTabSz="914400" rtl="0" eaLnBrk="1" latinLnBrk="0" hangingPunct="1">
+              <a:defRPr sz="1800" kern="1200">
+                <a:solidFill>
+                  <a:schemeClr val="tx1"/>
+                </a:solidFill>
+                <a:latin typeface="+mn-lt"/>
+                <a:ea typeface="+mn-ea"/>
+                <a:cs typeface="+mn-cs"/>
+              </a:defRPr>
+            </a:lvl9pPr>
+          </a:lstStyle>
+          <a:p>
+            <a:fld id="{2BF067CD-8E6B-4360-9AA8-C5DF2A48A6D1}" type="slidenum">
+              <a:rPr lang="en-US" smtClean="0"/>
+              <a:pPr/>
+              <a:t>2</a:t>
+            </a:fld>
+            <a:endParaRPr lang="en-US" dirty="0"/>
+          </a:p>
+        </p:txBody>
+      </p:sp>
+    </p:spTree>
+    <p:extLst>
+      <p:ext uri="{BB962C8B-B14F-4D97-AF65-F5344CB8AC3E}">
+        <p14:creationId xmlns:p14="http://schemas.microsoft.com/office/powerpoint/2010/main" val="715982011"/>
+      </p:ext>
+    </p:extLst>
+  </p:cSld>
+  <p:clrMapOvr>
+    <a:masterClrMapping/>
+  </p:clrMapOvr>
+  <mc:AlternateContent xmlns:mc="http://schemas.openxmlformats.org/markup-compatibility/2006" xmlns:p14="http://schemas.microsoft.com/office/powerpoint/2010/main">
+    <mc:Choice Requires="p14">
+      <p:transition spd="slow" p14:dur="2000" advClick="0" advTm="5000"/>
+    </mc:Choice>
+    <mc:Fallback xmlns="">
+      <p:transition spd="slow" advClick="0" advTm="5000"/>
+    </mc:Fallback>
+  </mc:AlternateContent>
+  <p:timing>
+    <p:tnLst>
+      <p:par>
+        <p:cTn id="1" dur="indefinite" restart="never" nodeType="tmRoot">
+          <p:childTnLst>
+            <p:seq concurrent="1" nextAc="seek">
+              <p:cTn id="2" dur="indefinite" nodeType="mainSeq">
+                <p:childTnLst>
+                  <p:par>
+                    <p:cTn id="3" fill="hold">
+                      <p:stCondLst>
+                        <p:cond delay="indefinite"/>
+                      </p:stCondLst>
+                      <p:childTnLst>
+                        <p:par>
+                          <p:cTn id="4" fill="hold">
+                            <p:stCondLst>
+                              <p:cond delay="0"/>
+                            </p:stCondLst>
+                            <p:childTnLst>
+                              <p:par>
+                                <p:cTn id="5" presetID="1" presetClass="entr" presetSubtype="0" fill="hold" nodeType="clickEffect">
+                                  <p:stCondLst>
+                                    <p:cond delay="0"/>
+                                  </p:stCondLst>
+                                  <p:childTnLst>
+                                    <p:set>
+                                      <p:cBhvr>
+                                        <p:cTn id="6" dur="1" fill="hold">
+                                          <p:stCondLst>
+                                            <p:cond delay="0"/>
+                                          </p:stCondLst>
+                                        </p:cTn>
+                                        <p:tgtEl>
+                                          <p:spTgt spid="444419">
+                                            <p:txEl>
+                                              <p:pRg st="1" end="1"/>
+                                            </p:txEl>
+                                          </p:spTgt>
+                                        </p:tgtEl>
+                                        <p:attrNameLst>
+                                          <p:attrName>style.visibility</p:attrName>
+                                        </p:attrNameLst>
+                                      </p:cBhvr>
+                                      <p:to>
+                                        <p:strVal val="visible"/>
+                                      </p:to>
+                                    </p:set>
+                                  </p:childTnLst>
+                                </p:cTn>
+                              </p:par>
+                            </p:childTnLst>
+                          </p:cTn>
+                        </p:par>
+                      </p:childTnLst>
+                    </p:cTn>
+                  </p:par>
+                  <p:par>
+                    <p:cTn id="7" fill="hold">
+                      <p:stCondLst>
+                        <p:cond delay="indefinite"/>
+                      </p:stCondLst>
+                      <p:childTnLst>
+                        <p:par>
+                          <p:cTn id="8" fill="hold">
+                            <p:stCondLst>
+                              <p:cond delay="0"/>
+                            </p:stCondLst>
+                            <p:childTnLst>
+                              <p:par>
+                                <p:cTn id="9" presetID="1" presetClass="entr" presetSubtype="0" fill="hold" nodeType="clickEffect">
+                                  <p:stCondLst>
+                                    <p:cond delay="0"/>
+                                  </p:stCondLst>
+                                  <p:childTnLst>
+                                    <p:set>
+                                      <p:cBhvr>
+                                        <p:cTn id="10" dur="1" fill="hold">
+                                          <p:stCondLst>
+                                            <p:cond delay="0"/>
+                                          </p:stCondLst>
+                                        </p:cTn>
+                                        <p:tgtEl>
+                                          <p:spTgt spid="444419">
+                                            <p:txEl>
+                                              <p:pRg st="2" end="2"/>
+                                            </p:txEl>
+                                          </p:spTgt>
+                                        </p:tgtEl>
+                                        <p:attrNameLst>
+                                          <p:attrName>style.visibility</p:attrName>
+                                        </p:attrNameLst>
+                                      </p:cBhvr>
+                                      <p:to>
+                                        <p:strVal val="visible"/>
+                                      </p:to>
+                                    </p:set>
+                                  </p:childTnLst>
+                                </p:cTn>
+                              </p:par>
+                            </p:childTnLst>
+                          </p:cTn>
+                        </p:par>
+                      </p:childTnLst>
+                    </p:cTn>
+                  </p:par>
+                </p:childTnLst>
+              </p:cTn>
+              <p:prevCondLst>
+                <p:cond evt="onPrev" delay="0">
+                  <p:tgtEl>
+                    <p:sldTgt/>
+                  </p:tgtEl>
+                </p:cond>
+              </p:prevCondLst>
+              <p:nextCondLst>
+                <p:cond evt="onNext" delay="0">
+                  <p:tgtEl>
+                    <p:sldTgt/>
+                  </p:tgtEl>
+                </p:cond>
+              </p:nextCondLst>
+            </p:seq>
+          </p:childTnLst>
+        </p:cTn>
+      </p:par>
+    </p:tnLst>
+  </p:timing>
+</p:sld>
+</file>
+
+<file path=ppt/slides/slide20.xml><?xml version="1.0" encoding="utf-8"?>
 <p:sld xmlns:a="http://schemas.openxmlformats.org/drawingml/2006/main" xmlns:r="http://schemas.openxmlformats.org/officeDocument/2006/relationships" xmlns:p="http://schemas.openxmlformats.org/presentationml/2006/main">
   <p:cSld>
     <p:spTree>
@@ -15758,7 +17186,7 @@
             <a:r>
               <a:rPr lang="en-GB" sz="2600" noProof="1">
                 <a:solidFill>
-                  <a:srgbClr val="FFA000"/>
+                  <a:schemeClr val="bg1"/>
                 </a:solidFill>
               </a:rPr>
               <a:t>List&lt;int&gt; </a:t>
@@ -15786,7 +17214,7 @@
             <a:r>
               <a:rPr lang="en-GB" sz="2600" noProof="1">
                 <a:solidFill>
-                  <a:srgbClr val="FFA000"/>
+                  <a:schemeClr val="bg1"/>
                 </a:solidFill>
               </a:rPr>
               <a:t>List&lt;int&gt; </a:t>
@@ -15806,7 +17234,7 @@
             <a:r>
               <a:rPr lang="en-GB" sz="2600" noProof="1">
                 <a:solidFill>
-                  <a:srgbClr val="FFA000"/>
+                  <a:schemeClr val="bg1"/>
                 </a:solidFill>
               </a:rPr>
               <a:t>List&lt;int&gt;</a:t>
@@ -15850,18 +17278,10 @@
             <a:r>
               <a:rPr lang="en-GB" sz="2600" noProof="1">
                 <a:solidFill>
-                  <a:srgbClr val="234465"/>
-                </a:solidFill>
-              </a:rPr>
-              <a:t>  </a:t>
-            </a:r>
-            <a:r>
-              <a:rPr lang="en-GB" sz="2600" noProof="1">
-                <a:solidFill>
-                  <a:srgbClr val="FFA000"/>
-                </a:solidFill>
-              </a:rPr>
-              <a:t>List&lt;int&gt;</a:t>
+                  <a:schemeClr val="bg1"/>
+                </a:solidFill>
+              </a:rPr>
+              <a:t>  List&lt;int&gt;</a:t>
             </a:r>
             <a:r>
               <a:rPr lang="en-GB" sz="2600" noProof="1">
@@ -15886,7 +17306,7 @@
             <a:r>
               <a:rPr lang="en-GB" sz="2600" noProof="1">
                 <a:solidFill>
-                  <a:srgbClr val="FFA000"/>
+                  <a:schemeClr val="bg1"/>
                 </a:solidFill>
               </a:rPr>
               <a:t>new List&lt;int&gt;()</a:t>
@@ -15947,7 +17367,7 @@
             <a:r>
               <a:rPr lang="en-GB" sz="2600" noProof="1">
                 <a:solidFill>
-                  <a:srgbClr val="FFA000"/>
+                  <a:schemeClr val="bg1"/>
                 </a:solidFill>
               </a:rPr>
               <a:t>Add(</a:t>
@@ -15959,7 +17379,7 @@
             <a:r>
               <a:rPr lang="en-GB" sz="2600" noProof="1">
                 <a:solidFill>
-                  <a:srgbClr val="FFA000"/>
+                  <a:schemeClr val="bg1"/>
                 </a:solidFill>
               </a:rPr>
               <a:t>)</a:t>
@@ -16048,7 +17468,7 @@
             <a:fld id="{2BF067CD-8E6B-4360-9AA8-C5DF2A48A6D1}" type="slidenum">
               <a:rPr lang="en-US" noProof="0" smtClean="0"/>
               <a:pPr/>
-              <a:t>18</a:t>
+              <a:t>20</a:t>
             </a:fld>
             <a:endParaRPr lang="en-US" noProof="0" dirty="0"/>
           </a:p>
@@ -16283,7 +17703,7 @@
 </p:sld>
 </file>
 
-<file path=ppt/slides/slide19.xml><?xml version="1.0" encoding="utf-8"?>
+<file path=ppt/slides/slide21.xml><?xml version="1.0" encoding="utf-8"?>
 <p:sld xmlns:a="http://schemas.openxmlformats.org/drawingml/2006/main" xmlns:r="http://schemas.openxmlformats.org/officeDocument/2006/relationships" xmlns:p="http://schemas.openxmlformats.org/presentationml/2006/main">
   <p:cSld>
     <p:spTree>
@@ -16381,403 +17801,7 @@
 </p:sld>
 </file>
 
-<file path=ppt/slides/slide2.xml><?xml version="1.0" encoding="utf-8"?>
-<p:sld xmlns:a="http://schemas.openxmlformats.org/drawingml/2006/main" xmlns:r="http://schemas.openxmlformats.org/officeDocument/2006/relationships" xmlns:p="http://schemas.openxmlformats.org/presentationml/2006/main">
-  <p:cSld>
-    <p:spTree>
-      <p:nvGrpSpPr>
-        <p:cNvPr id="1" name=""/>
-        <p:cNvGrpSpPr/>
-        <p:nvPr/>
-      </p:nvGrpSpPr>
-      <p:grpSpPr>
-        <a:xfrm>
-          <a:off x="0" y="0"/>
-          <a:ext cx="0" cy="0"/>
-          <a:chOff x="0" y="0"/>
-          <a:chExt cx="0" cy="0"/>
-        </a:xfrm>
-      </p:grpSpPr>
-      <p:sp>
-        <p:nvSpPr>
-          <p:cNvPr id="444419" name="Rectangle 3"/>
-          <p:cNvSpPr>
-            <a:spLocks noGrp="1" noChangeArrowheads="1"/>
-          </p:cNvSpPr>
-          <p:nvPr>
-            <p:ph type="body" sz="quarter" idx="13"/>
-          </p:nvPr>
-        </p:nvSpPr>
-        <p:spPr/>
-        <p:txBody>
-          <a:bodyPr vert="horz" lIns="108000" tIns="36000" rIns="108000" bIns="36000" rtlCol="0" anchor="t">
-            <a:normAutofit/>
-          </a:bodyPr>
-          <a:lstStyle/>
-          <a:p>
-            <a:pPr marL="445770" indent="-445770">
-              <a:lnSpc>
-                <a:spcPct val="114000"/>
-              </a:lnSpc>
-              <a:spcBef>
-                <a:spcPts val="1200"/>
-              </a:spcBef>
-              <a:buFontTx/>
-              <a:buAutoNum type="arabicPeriod"/>
-            </a:pPr>
-            <a:r>
-              <a:rPr lang="bg-BG" dirty="0"/>
-              <a:t>Списък</a:t>
-            </a:r>
-          </a:p>
-          <a:p>
-            <a:pPr marL="445770" indent="-445770">
-              <a:lnSpc>
-                <a:spcPct val="114000"/>
-              </a:lnSpc>
-              <a:spcBef>
-                <a:spcPts val="1200"/>
-              </a:spcBef>
-              <a:buFontTx/>
-              <a:buAutoNum type="arabicPeriod"/>
-            </a:pPr>
-            <a:r>
-              <a:rPr lang="bg-BG" dirty="0"/>
-              <a:t>Четене и отпечатване на списък</a:t>
-            </a:r>
-            <a:endParaRPr lang="bg-BG" dirty="0">
-              <a:cs typeface="Calibri"/>
-            </a:endParaRPr>
-          </a:p>
-          <a:p>
-            <a:pPr marL="445770" indent="-445770">
-              <a:lnSpc>
-                <a:spcPct val="114000"/>
-              </a:lnSpc>
-              <a:spcBef>
-                <a:spcPts val="1200"/>
-              </a:spcBef>
-              <a:buFontTx/>
-              <a:buAutoNum type="arabicPeriod"/>
-            </a:pPr>
-            <a:r>
-              <a:rPr lang="bg-BG" dirty="0"/>
-              <a:t>Сортиране на списък</a:t>
-            </a:r>
-            <a:endParaRPr lang="bg-BG" dirty="0">
-              <a:cs typeface="Calibri"/>
-            </a:endParaRPr>
-          </a:p>
-        </p:txBody>
-      </p:sp>
-      <p:sp>
-        <p:nvSpPr>
-          <p:cNvPr id="444418" name="Rectangle 2"/>
-          <p:cNvSpPr>
-            <a:spLocks noGrp="1" noChangeArrowheads="1"/>
-          </p:cNvSpPr>
-          <p:nvPr>
-            <p:ph type="title"/>
-          </p:nvPr>
-        </p:nvSpPr>
-        <p:spPr/>
-        <p:txBody>
-          <a:bodyPr>
-            <a:normAutofit/>
-          </a:bodyPr>
-          <a:lstStyle/>
-          <a:p>
-            <a:r>
-              <a:rPr lang="bg-BG" sz="3950" dirty="0">
-                <a:ea typeface="+mj-lt"/>
-                <a:cs typeface="+mj-lt"/>
-              </a:rPr>
-              <a:t>Съдържание</a:t>
-            </a:r>
-            <a:endParaRPr lang="bg-BG" dirty="0"/>
-          </a:p>
-        </p:txBody>
-      </p:sp>
-      <p:sp>
-        <p:nvSpPr>
-          <p:cNvPr id="2" name="Slide Number">
-            <a:extLst>
-              <a:ext uri="{FF2B5EF4-FFF2-40B4-BE49-F238E27FC236}">
-                <a16:creationId xmlns:a16="http://schemas.microsoft.com/office/drawing/2014/main" id="{1C3DCE9B-B04E-4E45-154C-332CD1ABE4EF}"/>
-              </a:ext>
-            </a:extLst>
-          </p:cNvPr>
-          <p:cNvSpPr txBox="1">
-            <a:spLocks/>
-          </p:cNvSpPr>
-          <p:nvPr/>
-        </p:nvSpPr>
-        <p:spPr>
-          <a:xfrm>
-            <a:off x="11753030" y="6507000"/>
-            <a:ext cx="367414" cy="297000"/>
-          </a:xfrm>
-          <a:prstGeom prst="rect">
-            <a:avLst/>
-          </a:prstGeom>
-        </p:spPr>
-        <p:txBody>
-          <a:bodyPr vert="horz" lIns="91440" tIns="45720" rIns="91440" bIns="45720" rtlCol="0" anchor="b"/>
-          <a:lstStyle>
-            <a:defPPr>
-              <a:defRPr lang="en-US"/>
-            </a:defPPr>
-            <a:lvl1pPr marL="0" algn="r" defTabSz="914400" rtl="0" eaLnBrk="1" latinLnBrk="0" hangingPunct="1">
-              <a:defRPr sz="1000" kern="1200">
-                <a:solidFill>
-                  <a:schemeClr val="tx1"/>
-                </a:solidFill>
-                <a:latin typeface="+mn-lt"/>
-                <a:ea typeface="+mn-ea"/>
-                <a:cs typeface="+mn-cs"/>
-              </a:defRPr>
-            </a:lvl1pPr>
-            <a:lvl2pPr marL="457200" algn="l" defTabSz="914400" rtl="0" eaLnBrk="1" latinLnBrk="0" hangingPunct="1">
-              <a:defRPr sz="1800" kern="1200">
-                <a:solidFill>
-                  <a:schemeClr val="tx1"/>
-                </a:solidFill>
-                <a:latin typeface="+mn-lt"/>
-                <a:ea typeface="+mn-ea"/>
-                <a:cs typeface="+mn-cs"/>
-              </a:defRPr>
-            </a:lvl2pPr>
-            <a:lvl3pPr marL="914400" algn="l" defTabSz="914400" rtl="0" eaLnBrk="1" latinLnBrk="0" hangingPunct="1">
-              <a:defRPr sz="1800" kern="1200">
-                <a:solidFill>
-                  <a:schemeClr val="tx1"/>
-                </a:solidFill>
-                <a:latin typeface="+mn-lt"/>
-                <a:ea typeface="+mn-ea"/>
-                <a:cs typeface="+mn-cs"/>
-              </a:defRPr>
-            </a:lvl3pPr>
-            <a:lvl4pPr marL="1371600" algn="l" defTabSz="914400" rtl="0" eaLnBrk="1" latinLnBrk="0" hangingPunct="1">
-              <a:defRPr sz="1800" kern="1200">
-                <a:solidFill>
-                  <a:schemeClr val="tx1"/>
-                </a:solidFill>
-                <a:latin typeface="+mn-lt"/>
-                <a:ea typeface="+mn-ea"/>
-                <a:cs typeface="+mn-cs"/>
-              </a:defRPr>
-            </a:lvl4pPr>
-            <a:lvl5pPr marL="1828800" algn="l" defTabSz="914400" rtl="0" eaLnBrk="1" latinLnBrk="0" hangingPunct="1">
-              <a:defRPr sz="1800" kern="1200">
-                <a:solidFill>
-                  <a:schemeClr val="tx1"/>
-                </a:solidFill>
-                <a:latin typeface="+mn-lt"/>
-                <a:ea typeface="+mn-ea"/>
-                <a:cs typeface="+mn-cs"/>
-              </a:defRPr>
-            </a:lvl5pPr>
-            <a:lvl6pPr marL="2286000" algn="l" defTabSz="914400" rtl="0" eaLnBrk="1" latinLnBrk="0" hangingPunct="1">
-              <a:defRPr sz="1800" kern="1200">
-                <a:solidFill>
-                  <a:schemeClr val="tx1"/>
-                </a:solidFill>
-                <a:latin typeface="+mn-lt"/>
-                <a:ea typeface="+mn-ea"/>
-                <a:cs typeface="+mn-cs"/>
-              </a:defRPr>
-            </a:lvl6pPr>
-            <a:lvl7pPr marL="2743200" algn="l" defTabSz="914400" rtl="0" eaLnBrk="1" latinLnBrk="0" hangingPunct="1">
-              <a:defRPr sz="1800" kern="1200">
-                <a:solidFill>
-                  <a:schemeClr val="tx1"/>
-                </a:solidFill>
-                <a:latin typeface="+mn-lt"/>
-                <a:ea typeface="+mn-ea"/>
-                <a:cs typeface="+mn-cs"/>
-              </a:defRPr>
-            </a:lvl7pPr>
-            <a:lvl8pPr marL="3200400" algn="l" defTabSz="914400" rtl="0" eaLnBrk="1" latinLnBrk="0" hangingPunct="1">
-              <a:defRPr sz="1800" kern="1200">
-                <a:solidFill>
-                  <a:schemeClr val="tx1"/>
-                </a:solidFill>
-                <a:latin typeface="+mn-lt"/>
-                <a:ea typeface="+mn-ea"/>
-                <a:cs typeface="+mn-cs"/>
-              </a:defRPr>
-            </a:lvl8pPr>
-            <a:lvl9pPr marL="3657600" algn="l" defTabSz="914400" rtl="0" eaLnBrk="1" latinLnBrk="0" hangingPunct="1">
-              <a:defRPr sz="1800" kern="1200">
-                <a:solidFill>
-                  <a:schemeClr val="tx1"/>
-                </a:solidFill>
-                <a:latin typeface="+mn-lt"/>
-                <a:ea typeface="+mn-ea"/>
-                <a:cs typeface="+mn-cs"/>
-              </a:defRPr>
-            </a:lvl9pPr>
-          </a:lstStyle>
-          <a:p>
-            <a:fld id="{2BF067CD-8E6B-4360-9AA8-C5DF2A48A6D1}" type="slidenum">
-              <a:rPr lang="en-US" smtClean="0"/>
-              <a:pPr/>
-              <a:t>2</a:t>
-            </a:fld>
-            <a:endParaRPr lang="en-US" dirty="0"/>
-          </a:p>
-        </p:txBody>
-      </p:sp>
-    </p:spTree>
-    <p:extLst>
-      <p:ext uri="{BB962C8B-B14F-4D97-AF65-F5344CB8AC3E}">
-        <p14:creationId xmlns:p14="http://schemas.microsoft.com/office/powerpoint/2010/main" val="715982011"/>
-      </p:ext>
-    </p:extLst>
-  </p:cSld>
-  <p:clrMapOvr>
-    <a:masterClrMapping/>
-  </p:clrMapOvr>
-  <mc:AlternateContent xmlns:mc="http://schemas.openxmlformats.org/markup-compatibility/2006" xmlns:p14="http://schemas.microsoft.com/office/powerpoint/2010/main">
-    <mc:Choice Requires="p14">
-      <p:transition spd="slow" p14:dur="2000" advClick="0" advTm="5000"/>
-    </mc:Choice>
-    <mc:Fallback xmlns="">
-      <p:transition spd="slow" advClick="0" advTm="5000"/>
-    </mc:Fallback>
-  </mc:AlternateContent>
-  <p:timing>
-    <p:tnLst>
-      <p:par>
-        <p:cTn id="1" dur="indefinite" restart="never" nodeType="tmRoot">
-          <p:childTnLst>
-            <p:seq concurrent="1" nextAc="seek">
-              <p:cTn id="2" dur="indefinite" nodeType="mainSeq">
-                <p:childTnLst>
-                  <p:par>
-                    <p:cTn id="3" fill="hold">
-                      <p:stCondLst>
-                        <p:cond delay="indefinite"/>
-                      </p:stCondLst>
-                      <p:childTnLst>
-                        <p:par>
-                          <p:cTn id="4" fill="hold">
-                            <p:stCondLst>
-                              <p:cond delay="0"/>
-                            </p:stCondLst>
-                            <p:childTnLst>
-                              <p:par>
-                                <p:cTn id="5" presetID="1" presetClass="entr" presetSubtype="0" fill="hold" nodeType="clickEffect">
-                                  <p:stCondLst>
-                                    <p:cond delay="0"/>
-                                  </p:stCondLst>
-                                  <p:childTnLst>
-                                    <p:set>
-                                      <p:cBhvr>
-                                        <p:cTn id="6" dur="1" fill="hold">
-                                          <p:stCondLst>
-                                            <p:cond delay="0"/>
-                                          </p:stCondLst>
-                                        </p:cTn>
-                                        <p:tgtEl>
-                                          <p:spTgt spid="444419">
-                                            <p:txEl>
-                                              <p:pRg st="1" end="1"/>
-                                            </p:txEl>
-                                          </p:spTgt>
-                                        </p:tgtEl>
-                                        <p:attrNameLst>
-                                          <p:attrName>style.visibility</p:attrName>
-                                        </p:attrNameLst>
-                                      </p:cBhvr>
-                                      <p:to>
-                                        <p:strVal val="visible"/>
-                                      </p:to>
-                                    </p:set>
-                                  </p:childTnLst>
-                                </p:cTn>
-                              </p:par>
-                            </p:childTnLst>
-                          </p:cTn>
-                        </p:par>
-                      </p:childTnLst>
-                    </p:cTn>
-                  </p:par>
-                  <p:par>
-                    <p:cTn id="7" fill="hold">
-                      <p:stCondLst>
-                        <p:cond delay="indefinite"/>
-                      </p:stCondLst>
-                      <p:childTnLst>
-                        <p:par>
-                          <p:cTn id="8" fill="hold">
-                            <p:stCondLst>
-                              <p:cond delay="0"/>
-                            </p:stCondLst>
-                            <p:childTnLst>
-                              <p:par>
-                                <p:cTn id="9" presetID="1" presetClass="entr" presetSubtype="0" fill="hold" nodeType="clickEffect">
-                                  <p:stCondLst>
-                                    <p:cond delay="0"/>
-                                  </p:stCondLst>
-                                  <p:childTnLst>
-                                    <p:set>
-                                      <p:cBhvr>
-                                        <p:cTn id="10" dur="1" fill="hold">
-                                          <p:stCondLst>
-                                            <p:cond delay="0"/>
-                                          </p:stCondLst>
-                                        </p:cTn>
-                                        <p:tgtEl>
-                                          <p:spTgt spid="444419">
-                                            <p:txEl>
-                                              <p:pRg st="2" end="2"/>
-                                            </p:txEl>
-                                          </p:spTgt>
-                                        </p:tgtEl>
-                                        <p:attrNameLst>
-                                          <p:attrName>style.visibility</p:attrName>
-                                        </p:attrNameLst>
-                                      </p:cBhvr>
-                                      <p:to>
-                                        <p:strVal val="visible"/>
-                                      </p:to>
-                                    </p:set>
-                                  </p:childTnLst>
-                                </p:cTn>
-                              </p:par>
-                            </p:childTnLst>
-                          </p:cTn>
-                        </p:par>
-                      </p:childTnLst>
-                    </p:cTn>
-                  </p:par>
-                </p:childTnLst>
-              </p:cTn>
-              <p:prevCondLst>
-                <p:cond evt="onPrev" delay="0">
-                  <p:tgtEl>
-                    <p:sldTgt/>
-                  </p:tgtEl>
-                </p:cond>
-              </p:prevCondLst>
-              <p:nextCondLst>
-                <p:cond evt="onNext" delay="0">
-                  <p:tgtEl>
-                    <p:sldTgt/>
-                  </p:tgtEl>
-                </p:cond>
-              </p:nextCondLst>
-            </p:seq>
-          </p:childTnLst>
-        </p:cTn>
-      </p:par>
-    </p:tnLst>
-  </p:timing>
-</p:sld>
-</file>
-
-<file path=ppt/slides/slide20.xml><?xml version="1.0" encoding="utf-8"?>
+<file path=ppt/slides/slide22.xml><?xml version="1.0" encoding="utf-8"?>
 <p:sld xmlns:a="http://schemas.openxmlformats.org/drawingml/2006/main" xmlns:r="http://schemas.openxmlformats.org/officeDocument/2006/relationships" xmlns:p="http://schemas.openxmlformats.org/presentationml/2006/main">
   <p:cSld>
     <p:spTree>
@@ -17425,7 +18449,7 @@
             <a:fld id="{2BF067CD-8E6B-4360-9AA8-C5DF2A48A6D1}" type="slidenum">
               <a:rPr lang="en-US" noProof="0" smtClean="0"/>
               <a:pPr/>
-              <a:t>20</a:t>
+              <a:t>22</a:t>
             </a:fld>
             <a:endParaRPr lang="en-US" noProof="0" dirty="0"/>
           </a:p>
@@ -17470,7 +18494,7 @@
                             </p:stCondLst>
                             <p:childTnLst>
                               <p:par>
-                                <p:cTn id="5" presetID="1" presetClass="entr" presetSubtype="0" fill="hold" grpId="0" nodeType="clickEffect">
+                                <p:cTn id="5" presetID="1" presetClass="entr" presetSubtype="0" fill="hold" nodeType="clickEffect">
                                   <p:stCondLst>
                                     <p:cond delay="0"/>
                                   </p:stCondLst>
@@ -17483,36 +18507,9 @@
                                           </p:stCondLst>
                                         </p:cTn>
                                         <p:tgtEl>
-                                          <p:spTgt spid="6"/>
-                                        </p:tgtEl>
-                                        <p:attrNameLst>
-                                          <p:attrName>style.visibility</p:attrName>
-                                        </p:attrNameLst>
-                                      </p:cBhvr>
-                                      <p:to>
-                                        <p:strVal val="visible"/>
-                                      </p:to>
-                                    </p:set>
-                                  </p:childTnLst>
-                                </p:cTn>
-                              </p:par>
-                              <p:par>
-                                <p:cTn id="7" presetID="1" presetClass="entr" presetSubtype="0" fill="hold" nodeType="withEffect">
-                                  <p:stCondLst>
-                                    <p:cond delay="0"/>
-                                  </p:stCondLst>
-                                  <p:childTnLst>
-                                    <p:set>
-                                      <p:cBhvr>
-                                        <p:cTn id="8" dur="1" fill="hold">
-                                          <p:stCondLst>
-                                            <p:cond delay="0"/>
-                                          </p:stCondLst>
-                                        </p:cTn>
-                                        <p:tgtEl>
-                                          <p:spTgt spid="6">
+                                          <p:spTgt spid="5">
                                             <p:txEl>
-                                              <p:pRg st="0" end="0"/>
+                                              <p:pRg st="1" end="1"/>
                                             </p:txEl>
                                           </p:spTgt>
                                         </p:tgtEl>
@@ -17534,19 +18531,46 @@
                     </p:cTn>
                   </p:par>
                   <p:par>
-                    <p:cTn id="9" fill="hold">
+                    <p:cTn id="7" fill="hold">
                       <p:stCondLst>
                         <p:cond delay="indefinite"/>
                       </p:stCondLst>
                       <p:childTnLst>
                         <p:par>
-                          <p:cTn id="10" fill="hold">
+                          <p:cTn id="8" fill="hold">
                             <p:stCondLst>
                               <p:cond delay="0"/>
                             </p:stCondLst>
                             <p:childTnLst>
                               <p:par>
-                                <p:cTn id="11" presetID="1" presetClass="entr" presetSubtype="0" fill="hold" nodeType="clickEffect">
+                                <p:cTn id="9" presetID="1" presetClass="entr" presetSubtype="0" fill="hold" grpId="0" nodeType="clickEffect">
+                                  <p:stCondLst>
+                                    <p:cond delay="0"/>
+                                  </p:stCondLst>
+                                  <p:childTnLst>
+                                    <p:set>
+                                      <p:cBhvr>
+                                        <p:cTn id="10" dur="1" fill="hold">
+                                          <p:stCondLst>
+                                            <p:cond delay="0"/>
+                                          </p:stCondLst>
+                                        </p:cTn>
+                                        <p:tgtEl>
+                                          <p:spTgt spid="6"/>
+                                        </p:tgtEl>
+                                        <p:attrNameLst>
+                                          <p:attrName>style.visibility</p:attrName>
+                                        </p:attrNameLst>
+                                      </p:cBhvr>
+                                      <p:to>
+                                        <p:strVal val="visible"/>
+                                      </p:to>
+                                    </p:set>
+                                  </p:childTnLst>
+                                </p:cTn>
+                              </p:par>
+                              <p:par>
+                                <p:cTn id="11" presetID="1" presetClass="entr" presetSubtype="0" fill="hold" nodeType="withEffect">
                                   <p:stCondLst>
                                     <p:cond delay="0"/>
                                   </p:stCondLst>
@@ -17561,7 +18585,7 @@
                                         <p:tgtEl>
                                           <p:spTgt spid="6">
                                             <p:txEl>
-                                              <p:pRg st="1" end="1"/>
+                                              <p:pRg st="0" end="0"/>
                                             </p:txEl>
                                           </p:spTgt>
                                         </p:tgtEl>
@@ -17595,7 +18619,7 @@
                             </p:stCondLst>
                             <p:childTnLst>
                               <p:par>
-                                <p:cTn id="15" presetID="1" presetClass="entr" presetSubtype="0" fill="hold" grpId="0" nodeType="clickEffect">
+                                <p:cTn id="15" presetID="1" presetClass="entr" presetSubtype="0" fill="hold" nodeType="clickEffect">
                                   <p:stCondLst>
                                     <p:cond delay="0"/>
                                   </p:stCondLst>
@@ -17608,7 +18632,11 @@
                                           </p:stCondLst>
                                         </p:cTn>
                                         <p:tgtEl>
-                                          <p:spTgt spid="7"/>
+                                          <p:spTgt spid="6">
+                                            <p:txEl>
+                                              <p:pRg st="1" end="1"/>
+                                            </p:txEl>
+                                          </p:spTgt>
                                         </p:tgtEl>
                                         <p:attrNameLst>
                                           <p:attrName>style.visibility</p:attrName>
@@ -17640,7 +18668,7 @@
                             </p:stCondLst>
                             <p:childTnLst>
                               <p:par>
-                                <p:cTn id="19" presetID="1" presetClass="entr" presetSubtype="0" fill="hold" nodeType="clickEffect">
+                                <p:cTn id="19" presetID="1" presetClass="entr" presetSubtype="0" fill="hold" grpId="0" nodeType="clickEffect">
                                   <p:stCondLst>
                                     <p:cond delay="0"/>
                                   </p:stCondLst>
@@ -17653,11 +18681,7 @@
                                           </p:stCondLst>
                                         </p:cTn>
                                         <p:tgtEl>
-                                          <p:spTgt spid="6">
-                                            <p:txEl>
-                                              <p:pRg st="2" end="2"/>
-                                            </p:txEl>
-                                          </p:spTgt>
+                                          <p:spTgt spid="7"/>
                                         </p:tgtEl>
                                         <p:attrNameLst>
                                           <p:attrName>style.visibility</p:attrName>
@@ -17704,7 +18728,7 @@
                                         <p:tgtEl>
                                           <p:spTgt spid="6">
                                             <p:txEl>
-                                              <p:pRg st="3" end="3"/>
+                                              <p:pRg st="2" end="2"/>
                                             </p:txEl>
                                           </p:spTgt>
                                         </p:tgtEl>
@@ -17753,7 +18777,7 @@
                                         <p:tgtEl>
                                           <p:spTgt spid="6">
                                             <p:txEl>
-                                              <p:pRg st="4" end="4"/>
+                                              <p:pRg st="3" end="3"/>
                                             </p:txEl>
                                           </p:spTgt>
                                         </p:tgtEl>
@@ -17802,7 +18826,7 @@
                                         <p:tgtEl>
                                           <p:spTgt spid="6">
                                             <p:txEl>
-                                              <p:pRg st="5" end="5"/>
+                                              <p:pRg st="4" end="4"/>
                                             </p:txEl>
                                           </p:spTgt>
                                         </p:tgtEl>
@@ -17836,7 +18860,7 @@
                             </p:stCondLst>
                             <p:childTnLst>
                               <p:par>
-                                <p:cTn id="35" presetID="1" presetClass="entr" presetSubtype="0" fill="hold" grpId="0" nodeType="clickEffect">
+                                <p:cTn id="35" presetID="1" presetClass="entr" presetSubtype="0" fill="hold" nodeType="clickEffect">
                                   <p:stCondLst>
                                     <p:cond delay="0"/>
                                   </p:stCondLst>
@@ -17849,7 +18873,11 @@
                                           </p:stCondLst>
                                         </p:cTn>
                                         <p:tgtEl>
-                                          <p:spTgt spid="8"/>
+                                          <p:spTgt spid="6">
+                                            <p:txEl>
+                                              <p:pRg st="5" end="5"/>
+                                            </p:txEl>
+                                          </p:spTgt>
                                         </p:tgtEl>
                                         <p:attrNameLst>
                                           <p:attrName>style.visibility</p:attrName>
@@ -17881,7 +18909,7 @@
                             </p:stCondLst>
                             <p:childTnLst>
                               <p:par>
-                                <p:cTn id="39" presetID="1" presetClass="entr" presetSubtype="0" fill="hold" nodeType="clickEffect">
+                                <p:cTn id="39" presetID="1" presetClass="entr" presetSubtype="0" fill="hold" grpId="0" nodeType="clickEffect">
                                   <p:stCondLst>
                                     <p:cond delay="0"/>
                                   </p:stCondLst>
@@ -17894,11 +18922,7 @@
                                           </p:stCondLst>
                                         </p:cTn>
                                         <p:tgtEl>
-                                          <p:spTgt spid="6">
-                                            <p:txEl>
-                                              <p:pRg st="6" end="6"/>
-                                            </p:txEl>
-                                          </p:spTgt>
+                                          <p:spTgt spid="8"/>
                                         </p:tgtEl>
                                         <p:attrNameLst>
                                           <p:attrName>style.visibility</p:attrName>
@@ -17938,6 +18962,55 @@
                                     <p:set>
                                       <p:cBhvr>
                                         <p:cTn id="44" dur="1" fill="hold">
+                                          <p:stCondLst>
+                                            <p:cond delay="0"/>
+                                          </p:stCondLst>
+                                        </p:cTn>
+                                        <p:tgtEl>
+                                          <p:spTgt spid="6">
+                                            <p:txEl>
+                                              <p:pRg st="6" end="6"/>
+                                            </p:txEl>
+                                          </p:spTgt>
+                                        </p:tgtEl>
+                                        <p:attrNameLst>
+                                          <p:attrName>style.visibility</p:attrName>
+                                        </p:attrNameLst>
+                                      </p:cBhvr>
+                                      <p:to>
+                                        <p:strVal val="visible"/>
+                                      </p:to>
+                                    </p:set>
+                                  </p:childTnLst>
+                                </p:cTn>
+                              </p:par>
+                            </p:childTnLst>
+                          </p:cTn>
+                        </p:par>
+                      </p:childTnLst>
+                    </p:cTn>
+                  </p:par>
+                  <p:par>
+                    <p:cTn id="45" fill="hold">
+                      <p:stCondLst>
+                        <p:cond delay="indefinite"/>
+                      </p:stCondLst>
+                      <p:childTnLst>
+                        <p:par>
+                          <p:cTn id="46" fill="hold">
+                            <p:stCondLst>
+                              <p:cond delay="0"/>
+                            </p:stCondLst>
+                            <p:childTnLst>
+                              <p:par>
+                                <p:cTn id="47" presetID="1" presetClass="entr" presetSubtype="0" fill="hold" nodeType="clickEffect">
+                                  <p:stCondLst>
+                                    <p:cond delay="0"/>
+                                  </p:stCondLst>
+                                  <p:childTnLst>
+                                    <p:set>
+                                      <p:cBhvr>
+                                        <p:cTn id="48" dur="1" fill="hold">
                                           <p:stCondLst>
                                             <p:cond delay="0"/>
                                           </p:stCondLst>
@@ -17996,7 +19069,7 @@
 </p:sld>
 </file>
 
-<file path=ppt/slides/slide21.xml><?xml version="1.0" encoding="utf-8"?>
+<file path=ppt/slides/slide23.xml><?xml version="1.0" encoding="utf-8"?>
 <p:sld xmlns:a="http://schemas.openxmlformats.org/drawingml/2006/main" xmlns:r="http://schemas.openxmlformats.org/officeDocument/2006/relationships" xmlns:p="http://schemas.openxmlformats.org/presentationml/2006/main">
   <p:cSld>
     <p:spTree>
@@ -18256,7 +19329,19 @@
           <a:p>
             <a:r>
               <a:rPr lang="en-GB" sz="3950" dirty="0"/>
-              <a:t>Задача: Списък от продукти</a:t>
+              <a:t>Задача: </a:t>
+            </a:r>
+            <a:r>
+              <a:rPr lang="bg-BG" sz="3950" dirty="0"/>
+              <a:t>Номериран с</a:t>
+            </a:r>
+            <a:r>
+              <a:rPr lang="en-GB" sz="3950" dirty="0" err="1"/>
+              <a:t>писък</a:t>
+            </a:r>
+            <a:r>
+              <a:rPr lang="en-GB" sz="3950" dirty="0"/>
+              <a:t> от продукти</a:t>
             </a:r>
             <a:endParaRPr lang="bg-BG" sz="3950" dirty="0"/>
           </a:p>
@@ -18854,7 +19939,7 @@
             <a:fld id="{2BF067CD-8E6B-4360-9AA8-C5DF2A48A6D1}" type="slidenum">
               <a:rPr lang="en-US" noProof="0" smtClean="0"/>
               <a:pPr/>
-              <a:t>21</a:t>
+              <a:t>23</a:t>
             </a:fld>
             <a:endParaRPr lang="en-US" noProof="0" dirty="0"/>
           </a:p>
@@ -18914,7 +19999,7 @@
                                         <p:tgtEl>
                                           <p:spTgt spid="6">
                                             <p:txEl>
-                                              <p:pRg st="2" end="2"/>
+                                              <p:pRg st="1" end="1"/>
                                             </p:txEl>
                                           </p:spTgt>
                                         </p:tgtEl>
@@ -18948,7 +20033,7 @@
                             </p:stCondLst>
                             <p:childTnLst>
                               <p:par>
-                                <p:cTn id="9" presetID="1" presetClass="entr" presetSubtype="0" fill="hold" grpId="0" nodeType="clickEffect">
+                                <p:cTn id="9" presetID="1" presetClass="entr" presetSubtype="0" fill="hold" nodeType="clickEffect">
                                   <p:stCondLst>
                                     <p:cond delay="0"/>
                                   </p:stCondLst>
@@ -18961,7 +20046,11 @@
                                           </p:stCondLst>
                                         </p:cTn>
                                         <p:tgtEl>
-                                          <p:spTgt spid="7"/>
+                                          <p:spTgt spid="6">
+                                            <p:txEl>
+                                              <p:pRg st="2" end="2"/>
+                                            </p:txEl>
+                                          </p:spTgt>
                                         </p:tgtEl>
                                         <p:attrNameLst>
                                           <p:attrName>style.visibility</p:attrName>
@@ -19006,7 +20095,7 @@
                                           </p:stCondLst>
                                         </p:cTn>
                                         <p:tgtEl>
-                                          <p:spTgt spid="8"/>
+                                          <p:spTgt spid="7"/>
                                         </p:tgtEl>
                                         <p:attrNameLst>
                                           <p:attrName>style.visibility</p:attrName>
@@ -19019,35 +20108,26 @@
                                   </p:childTnLst>
                                 </p:cTn>
                               </p:par>
+                            </p:childTnLst>
+                          </p:cTn>
+                        </p:par>
+                      </p:childTnLst>
+                    </p:cTn>
+                  </p:par>
+                  <p:par>
+                    <p:cTn id="15" fill="hold">
+                      <p:stCondLst>
+                        <p:cond delay="indefinite"/>
+                      </p:stCondLst>
+                      <p:childTnLst>
+                        <p:par>
+                          <p:cTn id="16" fill="hold">
+                            <p:stCondLst>
+                              <p:cond delay="0"/>
+                            </p:stCondLst>
+                            <p:childTnLst>
                               <p:par>
-                                <p:cTn id="15" presetID="1" presetClass="entr" presetSubtype="0" fill="hold" grpId="0" nodeType="withEffect">
-                                  <p:stCondLst>
-                                    <p:cond delay="0"/>
-                                  </p:stCondLst>
-                                  <p:childTnLst>
-                                    <p:set>
-                                      <p:cBhvr>
-                                        <p:cTn id="16" dur="1" fill="hold">
-                                          <p:stCondLst>
-                                            <p:cond delay="0"/>
-                                          </p:stCondLst>
-                                        </p:cTn>
-                                        <p:tgtEl>
-                                          <p:spTgt spid="9"/>
-                                        </p:tgtEl>
-                                        <p:attrNameLst>
-                                          <p:attrName>style.visibility</p:attrName>
-                                        </p:attrNameLst>
-                                      </p:cBhvr>
-                                      <p:to>
-                                        <p:strVal val="visible"/>
-                                      </p:to>
-                                    </p:set>
-                                  </p:childTnLst>
-                                </p:cTn>
-                              </p:par>
-                              <p:par>
-                                <p:cTn id="17" presetID="1" presetClass="entr" presetSubtype="0" fill="hold" grpId="0" nodeType="withEffect">
+                                <p:cTn id="17" presetID="1" presetClass="entr" presetSubtype="0" fill="hold" grpId="0" nodeType="clickEffect">
                                   <p:stCondLst>
                                     <p:cond delay="0"/>
                                   </p:stCondLst>
@@ -19060,7 +20140,7 @@
                                           </p:stCondLst>
                                         </p:cTn>
                                         <p:tgtEl>
-                                          <p:spTgt spid="2"/>
+                                          <p:spTgt spid="8"/>
                                         </p:tgtEl>
                                         <p:attrNameLst>
                                           <p:attrName>style.visibility</p:attrName>
@@ -19082,6 +20162,60 @@
                                     <p:set>
                                       <p:cBhvr>
                                         <p:cTn id="20" dur="1" fill="hold">
+                                          <p:stCondLst>
+                                            <p:cond delay="0"/>
+                                          </p:stCondLst>
+                                        </p:cTn>
+                                        <p:tgtEl>
+                                          <p:spTgt spid="9"/>
+                                        </p:tgtEl>
+                                        <p:attrNameLst>
+                                          <p:attrName>style.visibility</p:attrName>
+                                        </p:attrNameLst>
+                                      </p:cBhvr>
+                                      <p:to>
+                                        <p:strVal val="visible"/>
+                                      </p:to>
+                                    </p:set>
+                                  </p:childTnLst>
+                                </p:cTn>
+                              </p:par>
+                              <p:par>
+                                <p:cTn id="21" presetID="1" presetClass="entr" presetSubtype="0" fill="hold" grpId="0" nodeType="withEffect">
+                                  <p:stCondLst>
+                                    <p:cond delay="0"/>
+                                  </p:stCondLst>
+                                  <p:childTnLst>
+                                    <p:set>
+                                      <p:cBhvr>
+                                        <p:cTn id="22" dur="1" fill="hold">
+                                          <p:stCondLst>
+                                            <p:cond delay="0"/>
+                                          </p:stCondLst>
+                                        </p:cTn>
+                                        <p:tgtEl>
+                                          <p:spTgt spid="2"/>
+                                        </p:tgtEl>
+                                        <p:attrNameLst>
+                                          <p:attrName>style.visibility</p:attrName>
+                                        </p:attrNameLst>
+                                      </p:cBhvr>
+                                      <p:to>
+                                        <p:strVal val="visible"/>
+                                      </p:to>
+                                    </p:set>
+                                  </p:childTnLst>
+                                </p:cTn>
+                              </p:par>
+                              <p:par>
+                                <p:cTn id="23" presetID="1" presetClass="entr" presetSubtype="0" fill="hold" grpId="0" nodeType="withEffect">
+                                  <p:stCondLst>
+                                    <p:cond delay="0"/>
+                                  </p:stCondLst>
+                                  <p:childTnLst>
+                                    <p:set>
+                                      <p:cBhvr>
+                                        <p:cTn id="24" dur="1" fill="hold">
                                           <p:stCondLst>
                                             <p:cond delay="0"/>
                                           </p:stCondLst>
@@ -19138,7 +20272,7 @@
 </p:sld>
 </file>
 
-<file path=ppt/slides/slide22.xml><?xml version="1.0" encoding="utf-8"?>
+<file path=ppt/slides/slide24.xml><?xml version="1.0" encoding="utf-8"?>
 <p:sld xmlns:a="http://schemas.openxmlformats.org/drawingml/2006/main" xmlns:r="http://schemas.openxmlformats.org/officeDocument/2006/relationships" xmlns:p="http://schemas.openxmlformats.org/presentationml/2006/main">
   <p:cSld>
     <p:spTree>
@@ -19175,11 +20309,18 @@
               <a:t>Решение: </a:t>
             </a:r>
             <a:r>
+              <a:rPr lang="bg-BG" sz="3950" dirty="0">
+                <a:ea typeface="+mj-lt"/>
+                <a:cs typeface="+mj-lt"/>
+              </a:rPr>
+              <a:t>Номериран списък </a:t>
+            </a:r>
+            <a:r>
               <a:rPr lang="en-GB" sz="3950" dirty="0">
                 <a:ea typeface="+mj-lt"/>
                 <a:cs typeface="+mj-lt"/>
               </a:rPr>
-              <a:t>Списък от продукти</a:t>
+              <a:t>от продукти</a:t>
             </a:r>
             <a:endParaRPr lang="bg-BG" sz="3950" dirty="0"/>
           </a:p>
@@ -19670,7 +20811,7 @@
             <a:fld id="{2BF067CD-8E6B-4360-9AA8-C5DF2A48A6D1}" type="slidenum">
               <a:rPr lang="en-US" noProof="0" smtClean="0"/>
               <a:pPr/>
-              <a:t>22</a:t>
+              <a:t>24</a:t>
             </a:fld>
             <a:endParaRPr lang="en-US" noProof="0" dirty="0"/>
           </a:p>
@@ -20096,7 +21237,7 @@
 </p:sld>
 </file>
 
-<file path=ppt/slides/slide23.xml><?xml version="1.0" encoding="utf-8"?>
+<file path=ppt/slides/slide25.xml><?xml version="1.0" encoding="utf-8"?>
 <p:sld xmlns:a="http://schemas.openxmlformats.org/drawingml/2006/main" xmlns:r="http://schemas.openxmlformats.org/officeDocument/2006/relationships" xmlns:p="http://schemas.openxmlformats.org/presentationml/2006/main">
   <p:cSld>
     <p:spTree>
@@ -20895,7 +22036,7 @@
             <a:fld id="{2BF067CD-8E6B-4360-9AA8-C5DF2A48A6D1}" type="slidenum">
               <a:rPr lang="en-US" noProof="0" smtClean="0"/>
               <a:pPr/>
-              <a:t>23</a:t>
+              <a:t>25</a:t>
             </a:fld>
             <a:endParaRPr lang="en-US" noProof="0" dirty="0"/>
           </a:p>
@@ -21358,7 +22499,7 @@
 </p:sld>
 </file>
 
-<file path=ppt/slides/slide24.xml><?xml version="1.0" encoding="utf-8"?>
+<file path=ppt/slides/slide26.xml><?xml version="1.0" encoding="utf-8"?>
 <p:sld xmlns:a="http://schemas.openxmlformats.org/drawingml/2006/main" xmlns:r="http://schemas.openxmlformats.org/officeDocument/2006/relationships" xmlns:p="http://schemas.openxmlformats.org/presentationml/2006/main">
   <p:cSld>
     <p:spTree>
@@ -21913,7 +23054,7 @@
             <a:fld id="{2BF067CD-8E6B-4360-9AA8-C5DF2A48A6D1}" type="slidenum">
               <a:rPr lang="en-US" noProof="0" smtClean="0"/>
               <a:pPr/>
-              <a:t>24</a:t>
+              <a:t>26</a:t>
             </a:fld>
             <a:endParaRPr lang="en-US" noProof="0" dirty="0"/>
           </a:p>
@@ -22277,7 +23418,7 @@
 </p:sld>
 </file>
 
-<file path=ppt/slides/slide25.xml><?xml version="1.0" encoding="utf-8"?>
+<file path=ppt/slides/slide27.xml><?xml version="1.0" encoding="utf-8"?>
 <p:sld xmlns:a="http://schemas.openxmlformats.org/drawingml/2006/main" xmlns:r="http://schemas.openxmlformats.org/officeDocument/2006/relationships" xmlns:p="http://schemas.openxmlformats.org/presentationml/2006/main">
   <p:cSld>
     <p:spTree>
@@ -23238,7 +24379,7 @@
             <a:fld id="{2BF067CD-8E6B-4360-9AA8-C5DF2A48A6D1}" type="slidenum">
               <a:rPr lang="en-US" noProof="0" smtClean="0"/>
               <a:pPr/>
-              <a:t>25</a:t>
+              <a:t>27</a:t>
             </a:fld>
             <a:endParaRPr lang="en-US" noProof="0" dirty="0"/>
           </a:p>
@@ -23540,7 +24681,7 @@
 </p:sld>
 </file>
 
-<file path=ppt/slides/slide26.xml><?xml version="1.0" encoding="utf-8"?>
+<file path=ppt/slides/slide28.xml><?xml version="1.0" encoding="utf-8"?>
 <p:sld xmlns:a="http://schemas.openxmlformats.org/drawingml/2006/main" xmlns:r="http://schemas.openxmlformats.org/officeDocument/2006/relationships" xmlns:p="http://schemas.openxmlformats.org/presentationml/2006/main">
   <p:cSld>
     <p:spTree>
@@ -23730,7 +24871,7 @@
 </p:sld>
 </file>
 
-<file path=ppt/slides/slide27.xml><?xml version="1.0" encoding="utf-8"?>
+<file path=ppt/slides/slide29.xml><?xml version="1.0" encoding="utf-8"?>
 <p:sld xmlns:a="http://schemas.openxmlformats.org/drawingml/2006/main" xmlns:r="http://schemas.openxmlformats.org/officeDocument/2006/relationships" xmlns:p="http://schemas.openxmlformats.org/presentationml/2006/main">
   <p:cSld>
     <p:spTree>
@@ -24086,7 +25227,7 @@
             <a:fld id="{2BF067CD-8E6B-4360-9AA8-C5DF2A48A6D1}" type="slidenum">
               <a:rPr lang="en-US" noProof="0" smtClean="0"/>
               <a:pPr/>
-              <a:t>27</a:t>
+              <a:t>29</a:t>
             </a:fld>
             <a:endParaRPr lang="en-US" noProof="0" dirty="0"/>
           </a:p>
